--- a/slides/LLMs/Transfer learning (finetunning).pptx
+++ b/slides/LLMs/Transfer learning (finetunning).pptx
@@ -5,14 +5,31 @@
     <p:sldMasterId id="2147483648" r:id="rId1"/>
   </p:sldMasterIdLst>
   <p:notesMasterIdLst>
-    <p:notesMasterId r:id="rId5"/>
+    <p:notesMasterId r:id="rId22"/>
   </p:notesMasterIdLst>
   <p:handoutMasterIdLst>
-    <p:handoutMasterId r:id="rId6"/>
+    <p:handoutMasterId r:id="rId23"/>
   </p:handoutMasterIdLst>
   <p:sldIdLst>
     <p:sldId id="256" r:id="rId3"/>
-    <p:sldId id="1315" r:id="rId4"/>
+    <p:sldId id="1316" r:id="rId4"/>
+    <p:sldId id="1322" r:id="rId5"/>
+    <p:sldId id="1323" r:id="rId6"/>
+    <p:sldId id="1318" r:id="rId7"/>
+    <p:sldId id="1317" r:id="rId8"/>
+    <p:sldId id="1321" r:id="rId9"/>
+    <p:sldId id="1324" r:id="rId10"/>
+    <p:sldId id="1319" r:id="rId11"/>
+    <p:sldId id="1320" r:id="rId12"/>
+    <p:sldId id="1325" r:id="rId13"/>
+    <p:sldId id="1326" r:id="rId14"/>
+    <p:sldId id="1327" r:id="rId15"/>
+    <p:sldId id="1328" r:id="rId16"/>
+    <p:sldId id="1329" r:id="rId17"/>
+    <p:sldId id="1330" r:id="rId18"/>
+    <p:sldId id="1332" r:id="rId19"/>
+    <p:sldId id="1331" r:id="rId20"/>
+    <p:sldId id="1315" r:id="rId21"/>
   </p:sldIdLst>
   <p:sldSz cx="12192000" cy="6858000"/>
   <p:notesSz cx="6858000" cy="9144000"/>
@@ -3726,7 +3743,2135 @@
 </p:sld>
 </file>
 
-<file path=ppt/slides/slide2.xml><?xml version="1.0" encoding="utf-8"?>
+<file path=ppt/slides/slide10.xml><?xml version="1.0" encoding="utf-8"?>
+<p:sld xmlns:a="http://schemas.openxmlformats.org/drawingml/2006/main" xmlns:r="http://schemas.openxmlformats.org/officeDocument/2006/relationships" xmlns:p="http://schemas.openxmlformats.org/presentationml/2006/main">
+  <p:cSld>
+    <p:spTree>
+      <p:nvGrpSpPr>
+        <p:cNvPr id="1" name=""/>
+        <p:cNvGrpSpPr/>
+        <p:nvPr/>
+      </p:nvGrpSpPr>
+      <p:grpSpPr>
+        <a:xfrm>
+          <a:off x="0" y="0"/>
+          <a:ext cx="0" cy="0"/>
+          <a:chOff x="0" y="0"/>
+          <a:chExt cx="0" cy="0"/>
+        </a:xfrm>
+      </p:grpSpPr>
+      <p:sp>
+        <p:nvSpPr>
+          <p:cNvPr id="2" name="Title 1"/>
+          <p:cNvSpPr>
+            <a:spLocks noGrp="1"/>
+          </p:cNvSpPr>
+          <p:nvPr>
+            <p:ph type="title"/>
+          </p:nvPr>
+        </p:nvSpPr>
+        <p:spPr>
+          <a:xfrm>
+            <a:off x="323088" y="1295400"/>
+            <a:ext cx="3571811" cy="3573516"/>
+          </a:xfrm>
+        </p:spPr>
+        <p:txBody>
+          <a:bodyPr vert="horz" wrap="square" lIns="91440" tIns="45720" rIns="91440" bIns="45720" numCol="1" rtlCol="0" anchor="b" anchorCtr="0" compatLnSpc="1">
+            <a:normAutofit/>
+          </a:bodyPr>
+          <a:lstStyle/>
+          <a:p>
+            <a:r>
+              <a:rPr lang="en-US" sz="6100" kern="1200">
+                <a:solidFill>
+                  <a:schemeClr val="tx1"/>
+                </a:solidFill>
+                <a:latin typeface="+mj-lt"/>
+                <a:cs typeface="+mj-cs"/>
+              </a:rPr>
+              <a:t>Frozen and trainable layers </a:t>
+            </a:r>
+            <a:endParaRPr lang="en-US" sz="6100" kern="1200">
+              <a:solidFill>
+                <a:schemeClr val="tx1"/>
+              </a:solidFill>
+              <a:latin typeface="+mj-lt"/>
+              <a:cs typeface="+mj-cs"/>
+            </a:endParaRPr>
+          </a:p>
+        </p:txBody>
+      </p:sp>
+      <p:pic>
+        <p:nvPicPr>
+          <p:cNvPr id="17410" name="Picture 2" descr="Fine tuning pretrained network"/>
+          <p:cNvPicPr>
+            <a:picLocks noChangeAspect="1" noChangeArrowheads="1"/>
+          </p:cNvPicPr>
+          <p:nvPr/>
+        </p:nvPicPr>
+        <p:blipFill>
+          <a:blip r:embed="rId1">
+            <a:extLst>
+              <a:ext uri="{28A0092B-C50C-407E-A947-70E740481C1C}">
+                <a14:useLocalDpi xmlns:a14="http://schemas.microsoft.com/office/drawing/2010/main" val="0"/>
+              </a:ext>
+            </a:extLst>
+          </a:blip>
+          <a:stretch>
+            <a:fillRect/>
+          </a:stretch>
+        </p:blipFill>
+        <p:spPr bwMode="auto">
+          <a:xfrm>
+            <a:off x="4654296" y="1429099"/>
+            <a:ext cx="7214616" cy="3972371"/>
+          </a:xfrm>
+          <a:prstGeom prst="rect">
+            <a:avLst/>
+          </a:prstGeom>
+          <a:noFill/>
+          <a:extLst>
+            <a:ext uri="{909E8E84-426E-40DD-AFC4-6F175D3DCCD1}">
+              <a14:hiddenFill xmlns:a14="http://schemas.microsoft.com/office/drawing/2010/main">
+                <a:solidFill>
+                  <a:srgbClr val="FFFFFF"/>
+                </a:solidFill>
+              </a14:hiddenFill>
+            </a:ext>
+          </a:extLst>
+        </p:spPr>
+      </p:pic>
+      <p:sp>
+        <p:nvSpPr>
+          <p:cNvPr id="4" name="Slide Number Placeholder 3"/>
+          <p:cNvSpPr>
+            <a:spLocks noGrp="1"/>
+          </p:cNvSpPr>
+          <p:nvPr>
+            <p:ph type="sldNum" sz="quarter" idx="12"/>
+          </p:nvPr>
+        </p:nvSpPr>
+        <p:spPr>
+          <a:xfrm>
+            <a:off x="8610600" y="6356351"/>
+            <a:ext cx="2743200" cy="365125"/>
+          </a:xfrm>
+        </p:spPr>
+        <p:txBody>
+          <a:bodyPr vert="horz" wrap="square" lIns="91440" tIns="45720" rIns="91440" bIns="45720" numCol="1" rtlCol="0" anchor="ctr" anchorCtr="0" compatLnSpc="1">
+            <a:normAutofit/>
+          </a:bodyPr>
+          <a:lstStyle/>
+          <a:p>
+            <a:pPr>
+              <a:spcAft>
+                <a:spcPts val="450"/>
+              </a:spcAft>
+            </a:pPr>
+            <a:fld id="{421A874C-C492-400B-AE61-4CFB05366FBC}" type="slidenum">
+              <a:rPr lang="en-US" sz="1600" smtClean="0"/>
+            </a:fld>
+            <a:endParaRPr lang="en-US" sz="1600"/>
+          </a:p>
+        </p:txBody>
+      </p:sp>
+    </p:spTree>
+  </p:cSld>
+  <p:clrMapOvr>
+    <a:masterClrMapping/>
+  </p:clrMapOvr>
+</p:sld>
+</file>
+
+<file path=ppt/slides/slide11.xml><?xml version="1.0" encoding="utf-8"?>
+<p:sld xmlns:a="http://schemas.openxmlformats.org/drawingml/2006/main" xmlns:r="http://schemas.openxmlformats.org/officeDocument/2006/relationships" xmlns:p="http://schemas.openxmlformats.org/presentationml/2006/main">
+  <p:cSld>
+    <p:spTree>
+      <p:nvGrpSpPr>
+        <p:cNvPr id="1" name=""/>
+        <p:cNvGrpSpPr/>
+        <p:nvPr/>
+      </p:nvGrpSpPr>
+      <p:grpSpPr/>
+      <p:sp>
+        <p:nvSpPr>
+          <p:cNvPr id="2" name="Title 1"/>
+          <p:cNvSpPr>
+            <a:spLocks noGrp="1"/>
+          </p:cNvSpPr>
+          <p:nvPr>
+            <p:ph type="title"/>
+          </p:nvPr>
+        </p:nvSpPr>
+        <p:spPr/>
+        <p:txBody>
+          <a:bodyPr/>
+          <a:p>
+            <a:r>
+              <a:rPr lang="en-US"/>
+              <a:t>Transfer Learning in NLP</a:t>
+            </a:r>
+            <a:endParaRPr lang="en-US"/>
+          </a:p>
+        </p:txBody>
+      </p:sp>
+      <p:sp>
+        <p:nvSpPr>
+          <p:cNvPr id="3" name="Content Placeholder 2"/>
+          <p:cNvSpPr>
+            <a:spLocks noGrp="1"/>
+          </p:cNvSpPr>
+          <p:nvPr>
+            <p:ph idx="1"/>
+          </p:nvPr>
+        </p:nvSpPr>
+        <p:spPr/>
+        <p:txBody>
+          <a:bodyPr>
+            <a:normAutofit fontScale="80000"/>
+          </a:bodyPr>
+          <a:p>
+            <a:r>
+              <a:rPr lang="en-US"/>
+              <a:t>Transfer learning strategies for NLP involve similar principles as in computer vision but are tailored to the unique architecture of NLP models, especially large language models.</a:t>
+            </a:r>
+            <a:endParaRPr lang="en-US"/>
+          </a:p>
+          <a:p>
+            <a:r>
+              <a:rPr lang="en-US" b="1"/>
+              <a:t>Fine-Tuning the Entire Model</a:t>
+            </a:r>
+            <a:endParaRPr lang="en-US" b="1"/>
+          </a:p>
+          <a:p>
+            <a:pPr lvl="1"/>
+            <a:r>
+              <a:rPr lang="en-US"/>
+              <a:t>Description: This approach involves training all layers of a pre-trained NLP model on your specific target dataset.</a:t>
+            </a:r>
+            <a:endParaRPr lang="en-US"/>
+          </a:p>
+          <a:p>
+            <a:pPr lvl="1"/>
+            <a:r>
+              <a:rPr lang="en-US"/>
+              <a:t>Use Case: Useful when you have a large labeled dataset that's domain-specific, such as legal or medical texts.</a:t>
+            </a:r>
+            <a:endParaRPr lang="en-US"/>
+          </a:p>
+          <a:p>
+            <a:pPr lvl="1"/>
+            <a:r>
+              <a:rPr lang="en-US"/>
+              <a:t>Advantages:</a:t>
+            </a:r>
+            <a:endParaRPr lang="en-US"/>
+          </a:p>
+          <a:p>
+            <a:pPr lvl="1"/>
+            <a:r>
+              <a:rPr lang="en-US"/>
+              <a:t>Model adapts fully to the nuances of the target data.</a:t>
+            </a:r>
+            <a:endParaRPr lang="en-US"/>
+          </a:p>
+          <a:p>
+            <a:pPr lvl="1"/>
+            <a:r>
+              <a:rPr lang="en-US"/>
+              <a:t>Drawbacks:</a:t>
+            </a:r>
+            <a:endParaRPr lang="en-US"/>
+          </a:p>
+          <a:p>
+            <a:pPr lvl="1"/>
+            <a:r>
+              <a:rPr lang="en-US"/>
+              <a:t>Computationally expensive, especially with large models like BERT or GPT-based architectures.</a:t>
+            </a:r>
+            <a:endParaRPr lang="en-US"/>
+          </a:p>
+          <a:p>
+            <a:pPr lvl="1"/>
+            <a:r>
+              <a:rPr lang="en-US"/>
+              <a:t>Higher risk of overfitting if the dataset is small.</a:t>
+            </a:r>
+            <a:endParaRPr lang="en-US"/>
+          </a:p>
+        </p:txBody>
+      </p:sp>
+      <p:sp>
+        <p:nvSpPr>
+          <p:cNvPr id="4" name="Slide Number Placeholder 3"/>
+          <p:cNvSpPr>
+            <a:spLocks noGrp="1"/>
+          </p:cNvSpPr>
+          <p:nvPr>
+            <p:ph type="sldNum" sz="quarter" idx="12"/>
+          </p:nvPr>
+        </p:nvSpPr>
+        <p:spPr/>
+        <p:txBody>
+          <a:bodyPr/>
+          <a:p>
+            <a:fld id="{9B618960-8005-486C-9A75-10CB2AAC16F9}" type="slidenum">
+              <a:rPr lang="en-US" smtClean="0"/>
+            </a:fld>
+            <a:endParaRPr lang="en-US"/>
+          </a:p>
+        </p:txBody>
+      </p:sp>
+    </p:spTree>
+  </p:cSld>
+  <p:clrMapOvr>
+    <a:masterClrMapping/>
+  </p:clrMapOvr>
+</p:sld>
+</file>
+
+<file path=ppt/slides/slide12.xml><?xml version="1.0" encoding="utf-8"?>
+<p:sld xmlns:a="http://schemas.openxmlformats.org/drawingml/2006/main" xmlns:r="http://schemas.openxmlformats.org/officeDocument/2006/relationships" xmlns:p="http://schemas.openxmlformats.org/presentationml/2006/main">
+  <p:cSld>
+    <p:spTree>
+      <p:nvGrpSpPr>
+        <p:cNvPr id="1" name=""/>
+        <p:cNvGrpSpPr/>
+        <p:nvPr/>
+      </p:nvGrpSpPr>
+      <p:grpSpPr/>
+      <p:sp>
+        <p:nvSpPr>
+          <p:cNvPr id="2" name="Title 1"/>
+          <p:cNvSpPr>
+            <a:spLocks noGrp="1"/>
+          </p:cNvSpPr>
+          <p:nvPr>
+            <p:ph type="title"/>
+          </p:nvPr>
+        </p:nvSpPr>
+        <p:spPr/>
+        <p:txBody>
+          <a:bodyPr/>
+          <a:p>
+            <a:r>
+              <a:rPr lang="en-US">
+                <a:sym typeface="+mn-ea"/>
+              </a:rPr>
+              <a:t>Transfer Learning in NLP</a:t>
+            </a:r>
+            <a:endParaRPr lang="en-US"/>
+          </a:p>
+        </p:txBody>
+      </p:sp>
+      <p:sp>
+        <p:nvSpPr>
+          <p:cNvPr id="3" name="Content Placeholder 2"/>
+          <p:cNvSpPr>
+            <a:spLocks noGrp="1"/>
+          </p:cNvSpPr>
+          <p:nvPr>
+            <p:ph idx="1"/>
+          </p:nvPr>
+        </p:nvSpPr>
+        <p:spPr/>
+        <p:txBody>
+          <a:bodyPr>
+            <a:normAutofit fontScale="90000"/>
+          </a:bodyPr>
+          <a:p>
+            <a:r>
+              <a:rPr lang="en-US" b="1"/>
+              <a:t>Fine-Tuning Only Higher Layers</a:t>
+            </a:r>
+            <a:endParaRPr lang="en-US" b="1"/>
+          </a:p>
+          <a:p>
+            <a:pPr lvl="1"/>
+            <a:r>
+              <a:rPr lang="en-US"/>
+              <a:t>Description: Here, the lower layers (closer to input) remain frozen, while only the higher layers are fine-tuned.</a:t>
+            </a:r>
+            <a:endParaRPr lang="en-US"/>
+          </a:p>
+          <a:p>
+            <a:pPr lvl="1"/>
+            <a:r>
+              <a:rPr lang="en-US"/>
+              <a:t>Use Case: Ideal when the target dataset is small and there are specific patterns or terms in the target domain that are different from general language use (e.g., technical or industry-specific vocabulary).</a:t>
+            </a:r>
+            <a:endParaRPr lang="en-US"/>
+          </a:p>
+          <a:p>
+            <a:pPr lvl="1"/>
+            <a:r>
+              <a:rPr lang="en-US"/>
+              <a:t>Advantages:</a:t>
+            </a:r>
+            <a:endParaRPr lang="en-US"/>
+          </a:p>
+          <a:p>
+            <a:pPr lvl="1"/>
+            <a:r>
+              <a:rPr lang="en-US"/>
+              <a:t>Retains core language understanding in lower layers while allowing model customization for the domain in upper layers.</a:t>
+            </a:r>
+            <a:endParaRPr lang="en-US"/>
+          </a:p>
+          <a:p>
+            <a:pPr lvl="1"/>
+            <a:r>
+              <a:rPr lang="en-US"/>
+              <a:t>Less computationally intensive than full model fine-tuning.</a:t>
+            </a:r>
+            <a:endParaRPr lang="en-US"/>
+          </a:p>
+          <a:p>
+            <a:pPr lvl="1"/>
+            <a:r>
+              <a:rPr lang="en-US"/>
+              <a:t>Drawbacks: Limited adaptability, as lower-level language features (like morphology or syntax) remain unchanged.</a:t>
+            </a:r>
+            <a:endParaRPr lang="en-US"/>
+          </a:p>
+        </p:txBody>
+      </p:sp>
+      <p:sp>
+        <p:nvSpPr>
+          <p:cNvPr id="4" name="Slide Number Placeholder 3"/>
+          <p:cNvSpPr>
+            <a:spLocks noGrp="1"/>
+          </p:cNvSpPr>
+          <p:nvPr>
+            <p:ph type="sldNum" sz="quarter" idx="12"/>
+          </p:nvPr>
+        </p:nvSpPr>
+        <p:spPr/>
+        <p:txBody>
+          <a:bodyPr/>
+          <a:p>
+            <a:fld id="{9B618960-8005-486C-9A75-10CB2AAC16F9}" type="slidenum">
+              <a:rPr lang="en-US" smtClean="0"/>
+            </a:fld>
+            <a:endParaRPr lang="en-US"/>
+          </a:p>
+        </p:txBody>
+      </p:sp>
+    </p:spTree>
+  </p:cSld>
+  <p:clrMapOvr>
+    <a:masterClrMapping/>
+  </p:clrMapOvr>
+</p:sld>
+</file>
+
+<file path=ppt/slides/slide13.xml><?xml version="1.0" encoding="utf-8"?>
+<p:sld xmlns:a="http://schemas.openxmlformats.org/drawingml/2006/main" xmlns:r="http://schemas.openxmlformats.org/officeDocument/2006/relationships" xmlns:p="http://schemas.openxmlformats.org/presentationml/2006/main">
+  <p:cSld>
+    <p:spTree>
+      <p:nvGrpSpPr>
+        <p:cNvPr id="1" name=""/>
+        <p:cNvGrpSpPr/>
+        <p:nvPr/>
+      </p:nvGrpSpPr>
+      <p:grpSpPr/>
+      <p:sp>
+        <p:nvSpPr>
+          <p:cNvPr id="2" name="Title 1"/>
+          <p:cNvSpPr>
+            <a:spLocks noGrp="1"/>
+          </p:cNvSpPr>
+          <p:nvPr>
+            <p:ph type="title"/>
+          </p:nvPr>
+        </p:nvSpPr>
+        <p:spPr/>
+        <p:txBody>
+          <a:bodyPr/>
+          <a:p>
+            <a:r>
+              <a:rPr lang="en-US">
+                <a:sym typeface="+mn-ea"/>
+              </a:rPr>
+              <a:t>Transfer Learning in NLP</a:t>
+            </a:r>
+            <a:endParaRPr lang="en-US"/>
+          </a:p>
+        </p:txBody>
+      </p:sp>
+      <p:sp>
+        <p:nvSpPr>
+          <p:cNvPr id="3" name="Content Placeholder 2"/>
+          <p:cNvSpPr>
+            <a:spLocks noGrp="1"/>
+          </p:cNvSpPr>
+          <p:nvPr>
+            <p:ph idx="1"/>
+          </p:nvPr>
+        </p:nvSpPr>
+        <p:spPr/>
+        <p:txBody>
+          <a:bodyPr>
+            <a:normAutofit/>
+          </a:bodyPr>
+          <a:p>
+            <a:r>
+              <a:rPr lang="en-US" b="1"/>
+              <a:t>Adapter Layers (Parameter-Efficient Fine-Tuning)</a:t>
+            </a:r>
+            <a:endParaRPr lang="en-US" b="1"/>
+          </a:p>
+          <a:p>
+            <a:pPr lvl="1"/>
+            <a:r>
+              <a:rPr lang="en-US"/>
+              <a:t>Description: Adapter layers, which are additional small neural networks, are inserted between existing layers of a pre-trained model and are the only ones fine-tuned, while the original model layers are frozen.</a:t>
+            </a:r>
+            <a:endParaRPr lang="en-US"/>
+          </a:p>
+          <a:p>
+            <a:pPr lvl="1"/>
+            <a:r>
+              <a:rPr lang="en-US"/>
+              <a:t>Use Case: Popular for multilingual or multi-domain models where multiple tasks or languages need to be supported without retraining the entire model.</a:t>
+            </a:r>
+            <a:endParaRPr lang="en-US"/>
+          </a:p>
+          <a:p>
+            <a:pPr lvl="1"/>
+            <a:r>
+              <a:rPr lang="en-US"/>
+              <a:t>Advantages:</a:t>
+            </a:r>
+            <a:endParaRPr lang="en-US"/>
+          </a:p>
+          <a:p>
+            <a:pPr lvl="1"/>
+            <a:r>
+              <a:rPr lang="en-US"/>
+              <a:t>Significantly reduces memory and computational requirements.</a:t>
+            </a:r>
+            <a:endParaRPr lang="en-US"/>
+          </a:p>
+          <a:p>
+            <a:pPr lvl="1"/>
+            <a:r>
+              <a:rPr lang="en-US"/>
+              <a:t>Allows quick adaptation to multiple domains by simply switching adapters.</a:t>
+            </a:r>
+            <a:endParaRPr lang="en-US"/>
+          </a:p>
+          <a:p>
+            <a:pPr lvl="1"/>
+            <a:r>
+              <a:rPr lang="en-US"/>
+              <a:t>Drawbacks: May not achieve the same level of fine-grained domain adaptation as full fine-tuning.</a:t>
+            </a:r>
+            <a:endParaRPr lang="en-US"/>
+          </a:p>
+        </p:txBody>
+      </p:sp>
+      <p:sp>
+        <p:nvSpPr>
+          <p:cNvPr id="4" name="Slide Number Placeholder 3"/>
+          <p:cNvSpPr>
+            <a:spLocks noGrp="1"/>
+          </p:cNvSpPr>
+          <p:nvPr>
+            <p:ph type="sldNum" sz="quarter" idx="12"/>
+          </p:nvPr>
+        </p:nvSpPr>
+        <p:spPr/>
+        <p:txBody>
+          <a:bodyPr/>
+          <a:p>
+            <a:fld id="{9B618960-8005-486C-9A75-10CB2AAC16F9}" type="slidenum">
+              <a:rPr lang="en-US" smtClean="0"/>
+            </a:fld>
+            <a:endParaRPr lang="en-US"/>
+          </a:p>
+        </p:txBody>
+      </p:sp>
+    </p:spTree>
+  </p:cSld>
+  <p:clrMapOvr>
+    <a:masterClrMapping/>
+  </p:clrMapOvr>
+</p:sld>
+</file>
+
+<file path=ppt/slides/slide14.xml><?xml version="1.0" encoding="utf-8"?>
+<p:sld xmlns:a="http://schemas.openxmlformats.org/drawingml/2006/main" xmlns:r="http://schemas.openxmlformats.org/officeDocument/2006/relationships" xmlns:p="http://schemas.openxmlformats.org/presentationml/2006/main">
+  <p:cSld>
+    <p:spTree>
+      <p:nvGrpSpPr>
+        <p:cNvPr id="1" name=""/>
+        <p:cNvGrpSpPr/>
+        <p:nvPr/>
+      </p:nvGrpSpPr>
+      <p:grpSpPr/>
+      <p:sp>
+        <p:nvSpPr>
+          <p:cNvPr id="2" name="Title 1"/>
+          <p:cNvSpPr>
+            <a:spLocks noGrp="1"/>
+          </p:cNvSpPr>
+          <p:nvPr>
+            <p:ph type="title"/>
+          </p:nvPr>
+        </p:nvSpPr>
+        <p:spPr/>
+        <p:txBody>
+          <a:bodyPr/>
+          <a:p>
+            <a:r>
+              <a:rPr lang="en-US">
+                <a:sym typeface="+mn-ea"/>
+              </a:rPr>
+              <a:t>Transfer Learning in NLP</a:t>
+            </a:r>
+            <a:endParaRPr lang="en-US"/>
+          </a:p>
+        </p:txBody>
+      </p:sp>
+      <p:sp>
+        <p:nvSpPr>
+          <p:cNvPr id="3" name="Content Placeholder 2"/>
+          <p:cNvSpPr>
+            <a:spLocks noGrp="1"/>
+          </p:cNvSpPr>
+          <p:nvPr>
+            <p:ph idx="1"/>
+          </p:nvPr>
+        </p:nvSpPr>
+        <p:spPr/>
+        <p:txBody>
+          <a:bodyPr>
+            <a:normAutofit fontScale="90000"/>
+          </a:bodyPr>
+          <a:p>
+            <a:r>
+              <a:rPr lang="en-US" b="1"/>
+              <a:t>Prompt Tuning</a:t>
+            </a:r>
+            <a:endParaRPr lang="en-US" b="1"/>
+          </a:p>
+          <a:p>
+            <a:pPr lvl="1"/>
+            <a:r>
+              <a:rPr lang="en-US"/>
+              <a:t>Description: Instead of fine-tuning the model parameters, the model is prompted with task-specific text patterns. This involves learning a set of soft prompts or embeddings that guide the model's behavior for a specific task.</a:t>
+            </a:r>
+            <a:endParaRPr lang="en-US"/>
+          </a:p>
+          <a:p>
+            <a:pPr lvl="1"/>
+            <a:r>
+              <a:rPr lang="en-US"/>
+              <a:t>Use Case: Best suited for very large models (like GPT-3 and GPT-4) where direct parameter tuning is impractical, or when working with few-shot or zero-shot learning scenarios.</a:t>
+            </a:r>
+            <a:endParaRPr lang="en-US"/>
+          </a:p>
+          <a:p>
+            <a:pPr lvl="1"/>
+            <a:r>
+              <a:rPr lang="en-US"/>
+              <a:t>Advantages:</a:t>
+            </a:r>
+            <a:endParaRPr lang="en-US"/>
+          </a:p>
+          <a:p>
+            <a:pPr lvl="1"/>
+            <a:r>
+              <a:rPr lang="en-US"/>
+              <a:t>Efficient for large-scale language models.</a:t>
+            </a:r>
+            <a:endParaRPr lang="en-US"/>
+          </a:p>
+          <a:p>
+            <a:pPr lvl="1"/>
+            <a:r>
+              <a:rPr lang="en-US"/>
+              <a:t>Avoids altering model parameters, maintaining generalizability across tasks.</a:t>
+            </a:r>
+            <a:endParaRPr lang="en-US"/>
+          </a:p>
+          <a:p>
+            <a:pPr lvl="1"/>
+            <a:r>
+              <a:rPr lang="en-US"/>
+              <a:t>Drawbacks: Relies heavily on prompt engineering, which can be challenging to optimize.</a:t>
+            </a:r>
+            <a:endParaRPr lang="en-US"/>
+          </a:p>
+        </p:txBody>
+      </p:sp>
+      <p:sp>
+        <p:nvSpPr>
+          <p:cNvPr id="4" name="Slide Number Placeholder 3"/>
+          <p:cNvSpPr>
+            <a:spLocks noGrp="1"/>
+          </p:cNvSpPr>
+          <p:nvPr>
+            <p:ph type="sldNum" sz="quarter" idx="12"/>
+          </p:nvPr>
+        </p:nvSpPr>
+        <p:spPr/>
+        <p:txBody>
+          <a:bodyPr/>
+          <a:p>
+            <a:fld id="{9B618960-8005-486C-9A75-10CB2AAC16F9}" type="slidenum">
+              <a:rPr lang="en-US" smtClean="0"/>
+            </a:fld>
+            <a:endParaRPr lang="en-US"/>
+          </a:p>
+        </p:txBody>
+      </p:sp>
+    </p:spTree>
+  </p:cSld>
+  <p:clrMapOvr>
+    <a:masterClrMapping/>
+  </p:clrMapOvr>
+</p:sld>
+</file>
+
+<file path=ppt/slides/slide15.xml><?xml version="1.0" encoding="utf-8"?>
+<p:sld xmlns:a="http://schemas.openxmlformats.org/drawingml/2006/main" xmlns:r="http://schemas.openxmlformats.org/officeDocument/2006/relationships" xmlns:p="http://schemas.openxmlformats.org/presentationml/2006/main">
+  <p:cSld>
+    <p:spTree>
+      <p:nvGrpSpPr>
+        <p:cNvPr id="1" name=""/>
+        <p:cNvGrpSpPr/>
+        <p:nvPr/>
+      </p:nvGrpSpPr>
+      <p:grpSpPr/>
+      <p:sp>
+        <p:nvSpPr>
+          <p:cNvPr id="2" name="Title 1"/>
+          <p:cNvSpPr>
+            <a:spLocks noGrp="1"/>
+          </p:cNvSpPr>
+          <p:nvPr>
+            <p:ph type="title"/>
+          </p:nvPr>
+        </p:nvSpPr>
+        <p:spPr/>
+        <p:txBody>
+          <a:bodyPr/>
+          <a:p>
+            <a:r>
+              <a:rPr lang="en-US">
+                <a:sym typeface="+mn-ea"/>
+              </a:rPr>
+              <a:t>Transfer Learning in NLP</a:t>
+            </a:r>
+            <a:endParaRPr lang="en-US"/>
+          </a:p>
+        </p:txBody>
+      </p:sp>
+      <p:sp>
+        <p:nvSpPr>
+          <p:cNvPr id="3" name="Content Placeholder 2"/>
+          <p:cNvSpPr>
+            <a:spLocks noGrp="1"/>
+          </p:cNvSpPr>
+          <p:nvPr>
+            <p:ph idx="1"/>
+          </p:nvPr>
+        </p:nvSpPr>
+        <p:spPr/>
+        <p:txBody>
+          <a:bodyPr>
+            <a:normAutofit/>
+          </a:bodyPr>
+          <a:p>
+            <a:r>
+              <a:rPr lang="en-US" b="1"/>
+              <a:t>Embedding Layer Fine-Tuning</a:t>
+            </a:r>
+            <a:endParaRPr lang="en-US" b="1"/>
+          </a:p>
+          <a:p>
+            <a:pPr lvl="1"/>
+            <a:r>
+              <a:rPr lang="en-US"/>
+              <a:t>Description: Only the embedding layer (first layer that maps input words to dense vectors) is trained, while other layers are frozen.</a:t>
+            </a:r>
+            <a:endParaRPr lang="en-US"/>
+          </a:p>
+          <a:p>
+            <a:pPr lvl="1"/>
+            <a:r>
+              <a:rPr lang="en-US"/>
+              <a:t>Use Case: Suitable for tasks where the vocabulary or semantic meanings are different from those in the pre-trained model (e.g., medical jargon, slang, or industry-specific terms).</a:t>
+            </a:r>
+            <a:endParaRPr lang="en-US"/>
+          </a:p>
+          <a:p>
+            <a:pPr lvl="1"/>
+            <a:r>
+              <a:rPr lang="en-US"/>
+              <a:t>Advantages:</a:t>
+            </a:r>
+            <a:endParaRPr lang="en-US"/>
+          </a:p>
+          <a:p>
+            <a:pPr lvl="1"/>
+            <a:r>
+              <a:rPr lang="en-US"/>
+              <a:t>Efficient and lightweight, focusing solely on improving vocabulary understanding.</a:t>
+            </a:r>
+            <a:endParaRPr lang="en-US"/>
+          </a:p>
+          <a:p>
+            <a:pPr lvl="1"/>
+            <a:r>
+              <a:rPr lang="en-US"/>
+              <a:t>Drawbacks: Limited effect on overall model behavior, as deeper model semantics remain unchanged.</a:t>
+            </a:r>
+            <a:endParaRPr lang="en-US"/>
+          </a:p>
+        </p:txBody>
+      </p:sp>
+      <p:sp>
+        <p:nvSpPr>
+          <p:cNvPr id="4" name="Slide Number Placeholder 3"/>
+          <p:cNvSpPr>
+            <a:spLocks noGrp="1"/>
+          </p:cNvSpPr>
+          <p:nvPr>
+            <p:ph type="sldNum" sz="quarter" idx="12"/>
+          </p:nvPr>
+        </p:nvSpPr>
+        <p:spPr/>
+        <p:txBody>
+          <a:bodyPr/>
+          <a:p>
+            <a:fld id="{9B618960-8005-486C-9A75-10CB2AAC16F9}" type="slidenum">
+              <a:rPr lang="en-US" smtClean="0"/>
+            </a:fld>
+            <a:endParaRPr lang="en-US"/>
+          </a:p>
+        </p:txBody>
+      </p:sp>
+    </p:spTree>
+  </p:cSld>
+  <p:clrMapOvr>
+    <a:masterClrMapping/>
+  </p:clrMapOvr>
+</p:sld>
+</file>
+
+<file path=ppt/slides/slide16.xml><?xml version="1.0" encoding="utf-8"?>
+<p:sld xmlns:a="http://schemas.openxmlformats.org/drawingml/2006/main" xmlns:r="http://schemas.openxmlformats.org/officeDocument/2006/relationships" xmlns:p="http://schemas.openxmlformats.org/presentationml/2006/main">
+  <p:cSld>
+    <p:spTree>
+      <p:nvGrpSpPr>
+        <p:cNvPr id="1" name=""/>
+        <p:cNvGrpSpPr/>
+        <p:nvPr/>
+      </p:nvGrpSpPr>
+      <p:grpSpPr/>
+      <p:sp>
+        <p:nvSpPr>
+          <p:cNvPr id="2" name="Title 1"/>
+          <p:cNvSpPr>
+            <a:spLocks noGrp="1"/>
+          </p:cNvSpPr>
+          <p:nvPr>
+            <p:ph type="title"/>
+          </p:nvPr>
+        </p:nvSpPr>
+        <p:spPr/>
+        <p:txBody>
+          <a:bodyPr/>
+          <a:p>
+            <a:r>
+              <a:rPr lang="en-US">
+                <a:sym typeface="+mn-ea"/>
+              </a:rPr>
+              <a:t>Transfer Learning in NLP</a:t>
+            </a:r>
+            <a:endParaRPr lang="en-US"/>
+          </a:p>
+        </p:txBody>
+      </p:sp>
+      <p:sp>
+        <p:nvSpPr>
+          <p:cNvPr id="3" name="Content Placeholder 2"/>
+          <p:cNvSpPr>
+            <a:spLocks noGrp="1"/>
+          </p:cNvSpPr>
+          <p:nvPr>
+            <p:ph idx="1"/>
+          </p:nvPr>
+        </p:nvSpPr>
+        <p:spPr/>
+        <p:txBody>
+          <a:bodyPr>
+            <a:normAutofit/>
+          </a:bodyPr>
+          <a:p>
+            <a:r>
+              <a:rPr lang="en-US" b="1"/>
+              <a:t>Distillation-Based Fine-Tuning</a:t>
+            </a:r>
+            <a:endParaRPr lang="en-US" b="1"/>
+          </a:p>
+          <a:p>
+            <a:pPr lvl="1"/>
+            <a:r>
+              <a:rPr lang="en-US"/>
+              <a:t>Description: Involves training a smaller "student" model to mimic a larger "teacher" model's behavior on a specific task, usually by using the teacher's predictions as soft labels.</a:t>
+            </a:r>
+            <a:endParaRPr lang="en-US"/>
+          </a:p>
+          <a:p>
+            <a:pPr lvl="1"/>
+            <a:r>
+              <a:rPr lang="en-US"/>
+              <a:t>Use Case: Useful when you need a smaller, faster model for deployment without losing too much performance.</a:t>
+            </a:r>
+            <a:endParaRPr lang="en-US"/>
+          </a:p>
+          <a:p>
+            <a:pPr lvl="1"/>
+            <a:r>
+              <a:rPr lang="en-US"/>
+              <a:t>Advantages:</a:t>
+            </a:r>
+            <a:endParaRPr lang="en-US"/>
+          </a:p>
+          <a:p>
+            <a:pPr lvl="1"/>
+            <a:r>
+              <a:rPr lang="en-US"/>
+              <a:t>Greatly reduces model size and inference time.</a:t>
+            </a:r>
+            <a:endParaRPr lang="en-US"/>
+          </a:p>
+          <a:p>
+            <a:pPr lvl="1"/>
+            <a:r>
+              <a:rPr lang="en-US"/>
+              <a:t>Maintains most of the teacher model’s performance.</a:t>
+            </a:r>
+            <a:endParaRPr lang="en-US"/>
+          </a:p>
+          <a:p>
+            <a:pPr lvl="1"/>
+            <a:r>
+              <a:rPr lang="en-US"/>
+              <a:t>Drawbacks: Requires an additional training step and can be difficult to match the teacher’s accuracy on complex tasks.</a:t>
+            </a:r>
+            <a:endParaRPr lang="en-US"/>
+          </a:p>
+        </p:txBody>
+      </p:sp>
+      <p:sp>
+        <p:nvSpPr>
+          <p:cNvPr id="4" name="Slide Number Placeholder 3"/>
+          <p:cNvSpPr>
+            <a:spLocks noGrp="1"/>
+          </p:cNvSpPr>
+          <p:nvPr>
+            <p:ph type="sldNum" sz="quarter" idx="12"/>
+          </p:nvPr>
+        </p:nvSpPr>
+        <p:spPr/>
+        <p:txBody>
+          <a:bodyPr/>
+          <a:p>
+            <a:fld id="{9B618960-8005-486C-9A75-10CB2AAC16F9}" type="slidenum">
+              <a:rPr lang="en-US" smtClean="0"/>
+            </a:fld>
+            <a:endParaRPr lang="en-US"/>
+          </a:p>
+        </p:txBody>
+      </p:sp>
+    </p:spTree>
+  </p:cSld>
+  <p:clrMapOvr>
+    <a:masterClrMapping/>
+  </p:clrMapOvr>
+</p:sld>
+</file>
+
+<file path=ppt/slides/slide17.xml><?xml version="1.0" encoding="utf-8"?>
+<p:sld xmlns:a="http://schemas.openxmlformats.org/drawingml/2006/main" xmlns:r="http://schemas.openxmlformats.org/officeDocument/2006/relationships" xmlns:p="http://schemas.openxmlformats.org/presentationml/2006/main">
+  <p:cSld>
+    <p:spTree>
+      <p:nvGrpSpPr>
+        <p:cNvPr id="1" name=""/>
+        <p:cNvGrpSpPr/>
+        <p:nvPr/>
+      </p:nvGrpSpPr>
+      <p:grpSpPr/>
+      <p:sp>
+        <p:nvSpPr>
+          <p:cNvPr id="2" name="Title 1"/>
+          <p:cNvSpPr>
+            <a:spLocks noGrp="1"/>
+          </p:cNvSpPr>
+          <p:nvPr>
+            <p:ph type="title"/>
+          </p:nvPr>
+        </p:nvSpPr>
+        <p:spPr/>
+        <p:txBody>
+          <a:bodyPr/>
+          <a:p>
+            <a:r>
+              <a:rPr lang="en-US"/>
+              <a:t>Summary </a:t>
+            </a:r>
+            <a:endParaRPr lang="en-US"/>
+          </a:p>
+        </p:txBody>
+      </p:sp>
+      <p:sp>
+        <p:nvSpPr>
+          <p:cNvPr id="4" name="Slide Number Placeholder 3"/>
+          <p:cNvSpPr>
+            <a:spLocks noGrp="1"/>
+          </p:cNvSpPr>
+          <p:nvPr>
+            <p:ph type="sldNum" sz="quarter" idx="12"/>
+          </p:nvPr>
+        </p:nvSpPr>
+        <p:spPr/>
+        <p:txBody>
+          <a:bodyPr/>
+          <a:p>
+            <a:fld id="{9B618960-8005-486C-9A75-10CB2AAC16F9}" type="slidenum">
+              <a:rPr lang="en-US" smtClean="0"/>
+            </a:fld>
+            <a:endParaRPr lang="en-US"/>
+          </a:p>
+        </p:txBody>
+      </p:sp>
+      <p:graphicFrame>
+        <p:nvGraphicFramePr>
+          <p:cNvPr id="12" name="Table 11"/>
+          <p:cNvGraphicFramePr/>
+          <p:nvPr/>
+        </p:nvGraphicFramePr>
+        <p:xfrm>
+          <a:off x="6096000" y="-14241780"/>
+          <a:ext cx="0" cy="0"/>
+        </p:xfrm>
+        <a:graphic>
+          <a:graphicData uri="http://schemas.openxmlformats.org/drawingml/2006/table">
+            <a:tbl>
+              <a:tblPr/>
+              <a:tblGrid>
+                <a:gridCol w="0"/>
+                <a:gridCol w="0"/>
+                <a:gridCol w="0"/>
+                <a:gridCol w="0"/>
+                <a:gridCol w="0"/>
+              </a:tblGrid>
+              <a:tr h="0">
+                <a:tc>
+                  <a:txBody>
+                    <a:bodyPr/>
+                    <a:p>
+                      <a:r>
+                        <a:rPr sz="1100"/>
+                        <a:t>Strategy</a:t>
+                      </a:r>
+                      <a:endParaRPr sz="1100"/>
+                    </a:p>
+                  </a:txBody>
+                  <a:tcPr anchor="ctr" anchorCtr="0">
+                    <a:lnL>
+                      <a:noFill/>
+                    </a:lnL>
+                    <a:lnR>
+                      <a:noFill/>
+                    </a:lnR>
+                    <a:lnT>
+                      <a:noFill/>
+                    </a:lnT>
+                    <a:lnB>
+                      <a:noFill/>
+                    </a:lnB>
+                    <a:noFill/>
+                  </a:tcPr>
+                </a:tc>
+                <a:tc>
+                  <a:txBody>
+                    <a:bodyPr/>
+                    <a:p>
+                      <a:r>
+                        <a:rPr sz="1100"/>
+                        <a:t>Description</a:t>
+                      </a:r>
+                      <a:endParaRPr sz="1100"/>
+                    </a:p>
+                  </a:txBody>
+                  <a:tcPr anchor="ctr" anchorCtr="0">
+                    <a:lnL>
+                      <a:noFill/>
+                    </a:lnL>
+                    <a:lnR>
+                      <a:noFill/>
+                    </a:lnR>
+                    <a:lnT>
+                      <a:noFill/>
+                    </a:lnT>
+                    <a:lnB>
+                      <a:noFill/>
+                    </a:lnB>
+                    <a:noFill/>
+                  </a:tcPr>
+                </a:tc>
+                <a:tc>
+                  <a:txBody>
+                    <a:bodyPr/>
+                    <a:p>
+                      <a:r>
+                        <a:rPr sz="1100"/>
+                        <a:t>Use Case</a:t>
+                      </a:r>
+                      <a:endParaRPr sz="1100"/>
+                    </a:p>
+                  </a:txBody>
+                  <a:tcPr anchor="ctr" anchorCtr="0">
+                    <a:lnL>
+                      <a:noFill/>
+                    </a:lnL>
+                    <a:lnR>
+                      <a:noFill/>
+                    </a:lnR>
+                    <a:lnT>
+                      <a:noFill/>
+                    </a:lnT>
+                    <a:lnB>
+                      <a:noFill/>
+                    </a:lnB>
+                    <a:noFill/>
+                  </a:tcPr>
+                </a:tc>
+                <a:tc>
+                  <a:txBody>
+                    <a:bodyPr/>
+                    <a:p>
+                      <a:r>
+                        <a:rPr sz="1100"/>
+                        <a:t>Pros</a:t>
+                      </a:r>
+                      <a:endParaRPr sz="1100"/>
+                    </a:p>
+                  </a:txBody>
+                  <a:tcPr anchor="ctr" anchorCtr="0">
+                    <a:lnL>
+                      <a:noFill/>
+                    </a:lnL>
+                    <a:lnR>
+                      <a:noFill/>
+                    </a:lnR>
+                    <a:lnT>
+                      <a:noFill/>
+                    </a:lnT>
+                    <a:lnB>
+                      <a:noFill/>
+                    </a:lnB>
+                    <a:noFill/>
+                  </a:tcPr>
+                </a:tc>
+                <a:tc>
+                  <a:txBody>
+                    <a:bodyPr/>
+                    <a:p>
+                      <a:r>
+                        <a:rPr sz="1100"/>
+                        <a:t>Cons</a:t>
+                      </a:r>
+                      <a:endParaRPr sz="1100"/>
+                    </a:p>
+                  </a:txBody>
+                  <a:tcPr anchor="ctr" anchorCtr="0">
+                    <a:lnL>
+                      <a:noFill/>
+                    </a:lnL>
+                    <a:lnR>
+                      <a:noFill/>
+                    </a:lnR>
+                    <a:lnT>
+                      <a:noFill/>
+                    </a:lnT>
+                    <a:lnB>
+                      <a:noFill/>
+                    </a:lnB>
+                    <a:noFill/>
+                  </a:tcPr>
+                </a:tc>
+              </a:tr>
+            </a:tbl>
+          </a:graphicData>
+        </a:graphic>
+      </p:graphicFrame>
+      <p:graphicFrame>
+        <p:nvGraphicFramePr>
+          <p:cNvPr id="13" name="Table 12"/>
+          <p:cNvGraphicFramePr/>
+          <p:nvPr/>
+        </p:nvGraphicFramePr>
+        <p:xfrm>
+          <a:off x="6096000" y="-12306300"/>
+          <a:ext cx="0" cy="0"/>
+        </p:xfrm>
+        <a:graphic>
+          <a:graphicData uri="http://schemas.openxmlformats.org/drawingml/2006/table">
+            <a:tbl>
+              <a:tblPr/>
+              <a:tblGrid>
+                <a:gridCol w="0"/>
+                <a:gridCol w="0"/>
+                <a:gridCol w="0"/>
+                <a:gridCol w="0"/>
+                <a:gridCol w="0"/>
+              </a:tblGrid>
+              <a:tr h="0">
+                <a:tc>
+                  <a:txBody>
+                    <a:bodyPr/>
+                    <a:p>
+                      <a:r>
+                        <a:rPr sz="1100"/>
+                        <a:t>Full Fine-Tuning</a:t>
+                      </a:r>
+                      <a:endParaRPr sz="1100"/>
+                    </a:p>
+                  </a:txBody>
+                  <a:tcPr anchor="ctr" anchorCtr="0">
+                    <a:lnL>
+                      <a:noFill/>
+                    </a:lnL>
+                    <a:lnR>
+                      <a:noFill/>
+                    </a:lnR>
+                    <a:lnT>
+                      <a:noFill/>
+                    </a:lnT>
+                    <a:lnB>
+                      <a:noFill/>
+                    </a:lnB>
+                    <a:noFill/>
+                  </a:tcPr>
+                </a:tc>
+                <a:tc>
+                  <a:txBody>
+                    <a:bodyPr/>
+                    <a:p>
+                      <a:r>
+                        <a:rPr sz="1100"/>
+                        <a:t>Train all layers on new data</a:t>
+                      </a:r>
+                      <a:endParaRPr sz="1100"/>
+                    </a:p>
+                  </a:txBody>
+                  <a:tcPr anchor="ctr" anchorCtr="0">
+                    <a:lnL>
+                      <a:noFill/>
+                    </a:lnL>
+                    <a:lnR>
+                      <a:noFill/>
+                    </a:lnR>
+                    <a:lnT>
+                      <a:noFill/>
+                    </a:lnT>
+                    <a:lnB>
+                      <a:noFill/>
+                    </a:lnB>
+                    <a:noFill/>
+                  </a:tcPr>
+                </a:tc>
+                <a:tc>
+                  <a:txBody>
+                    <a:bodyPr/>
+                    <a:p>
+                      <a:r>
+                        <a:rPr sz="1100"/>
+                        <a:t>Large domain-specific dataset</a:t>
+                      </a:r>
+                      <a:endParaRPr sz="1100"/>
+                    </a:p>
+                  </a:txBody>
+                  <a:tcPr anchor="ctr" anchorCtr="0">
+                    <a:lnL>
+                      <a:noFill/>
+                    </a:lnL>
+                    <a:lnR>
+                      <a:noFill/>
+                    </a:lnR>
+                    <a:lnT>
+                      <a:noFill/>
+                    </a:lnT>
+                    <a:lnB>
+                      <a:noFill/>
+                    </a:lnB>
+                    <a:noFill/>
+                  </a:tcPr>
+                </a:tc>
+                <a:tc>
+                  <a:txBody>
+                    <a:bodyPr/>
+                    <a:p>
+                      <a:r>
+                        <a:rPr sz="1100"/>
+                        <a:t>Best for deep adaptation</a:t>
+                      </a:r>
+                      <a:endParaRPr sz="1100"/>
+                    </a:p>
+                  </a:txBody>
+                  <a:tcPr anchor="ctr" anchorCtr="0">
+                    <a:lnL>
+                      <a:noFill/>
+                    </a:lnL>
+                    <a:lnR>
+                      <a:noFill/>
+                    </a:lnR>
+                    <a:lnT>
+                      <a:noFill/>
+                    </a:lnT>
+                    <a:lnB>
+                      <a:noFill/>
+                    </a:lnB>
+                    <a:noFill/>
+                  </a:tcPr>
+                </a:tc>
+                <a:tc>
+                  <a:txBody>
+                    <a:bodyPr/>
+                    <a:p>
+                      <a:r>
+                        <a:rPr sz="1100"/>
+                        <a:t>Expensive; risk of overfitting</a:t>
+                      </a:r>
+                      <a:endParaRPr sz="1100"/>
+                    </a:p>
+                  </a:txBody>
+                  <a:tcPr anchor="ctr" anchorCtr="0">
+                    <a:lnL>
+                      <a:noFill/>
+                    </a:lnL>
+                    <a:lnR>
+                      <a:noFill/>
+                    </a:lnR>
+                    <a:lnT>
+                      <a:noFill/>
+                    </a:lnT>
+                    <a:lnB>
+                      <a:noFill/>
+                    </a:lnB>
+                    <a:noFill/>
+                  </a:tcPr>
+                </a:tc>
+              </a:tr>
+            </a:tbl>
+          </a:graphicData>
+        </a:graphic>
+      </p:graphicFrame>
+      <p:graphicFrame>
+        <p:nvGraphicFramePr>
+          <p:cNvPr id="14" name="Table 13"/>
+          <p:cNvGraphicFramePr/>
+          <p:nvPr/>
+        </p:nvGraphicFramePr>
+        <p:xfrm>
+          <a:off x="6096000" y="-7688580"/>
+          <a:ext cx="0" cy="0"/>
+        </p:xfrm>
+        <a:graphic>
+          <a:graphicData uri="http://schemas.openxmlformats.org/drawingml/2006/table">
+            <a:tbl>
+              <a:tblPr/>
+              <a:tblGrid>
+                <a:gridCol w="0"/>
+                <a:gridCol w="0"/>
+                <a:gridCol w="0"/>
+                <a:gridCol w="0"/>
+                <a:gridCol w="0"/>
+              </a:tblGrid>
+              <a:tr h="0">
+                <a:tc>
+                  <a:txBody>
+                    <a:bodyPr/>
+                    <a:p>
+                      <a:r>
+                        <a:rPr sz="1100"/>
+                        <a:t>Higher Layers Fine-Tuning</a:t>
+                      </a:r>
+                      <a:endParaRPr sz="1100"/>
+                    </a:p>
+                  </a:txBody>
+                  <a:tcPr anchor="ctr" anchorCtr="0">
+                    <a:lnL>
+                      <a:noFill/>
+                    </a:lnL>
+                    <a:lnR>
+                      <a:noFill/>
+                    </a:lnR>
+                    <a:lnT>
+                      <a:noFill/>
+                    </a:lnT>
+                    <a:lnB>
+                      <a:noFill/>
+                    </a:lnB>
+                    <a:noFill/>
+                  </a:tcPr>
+                </a:tc>
+                <a:tc>
+                  <a:txBody>
+                    <a:bodyPr/>
+                    <a:p>
+                      <a:r>
+                        <a:rPr sz="1100"/>
+                        <a:t>Freeze lower layers, fine-tune upper layers</a:t>
+                      </a:r>
+                      <a:endParaRPr sz="1100"/>
+                    </a:p>
+                  </a:txBody>
+                  <a:tcPr anchor="ctr" anchorCtr="0">
+                    <a:lnL>
+                      <a:noFill/>
+                    </a:lnL>
+                    <a:lnR>
+                      <a:noFill/>
+                    </a:lnR>
+                    <a:lnT>
+                      <a:noFill/>
+                    </a:lnT>
+                    <a:lnB>
+                      <a:noFill/>
+                    </a:lnB>
+                    <a:noFill/>
+                  </a:tcPr>
+                </a:tc>
+                <a:tc>
+                  <a:txBody>
+                    <a:bodyPr/>
+                    <a:p>
+                      <a:r>
+                        <a:rPr sz="1100"/>
+                        <a:t>Small, specialized dataset</a:t>
+                      </a:r>
+                      <a:endParaRPr sz="1100"/>
+                    </a:p>
+                  </a:txBody>
+                  <a:tcPr anchor="ctr" anchorCtr="0">
+                    <a:lnL>
+                      <a:noFill/>
+                    </a:lnL>
+                    <a:lnR>
+                      <a:noFill/>
+                    </a:lnR>
+                    <a:lnT>
+                      <a:noFill/>
+                    </a:lnT>
+                    <a:lnB>
+                      <a:noFill/>
+                    </a:lnB>
+                    <a:noFill/>
+                  </a:tcPr>
+                </a:tc>
+                <a:tc>
+                  <a:txBody>
+                    <a:bodyPr/>
+                    <a:p>
+                      <a:r>
+                        <a:rPr sz="1100"/>
+                        <a:t>Balances adaptation and efficiency</a:t>
+                      </a:r>
+                      <a:endParaRPr sz="1100"/>
+                    </a:p>
+                  </a:txBody>
+                  <a:tcPr anchor="ctr" anchorCtr="0">
+                    <a:lnL>
+                      <a:noFill/>
+                    </a:lnL>
+                    <a:lnR>
+                      <a:noFill/>
+                    </a:lnR>
+                    <a:lnT>
+                      <a:noFill/>
+                    </a:lnT>
+                    <a:lnB>
+                      <a:noFill/>
+                    </a:lnB>
+                    <a:noFill/>
+                  </a:tcPr>
+                </a:tc>
+                <a:tc>
+                  <a:txBody>
+                    <a:bodyPr/>
+                    <a:p>
+                      <a:r>
+                        <a:rPr sz="1100"/>
+                        <a:t>Limited flexibility</a:t>
+                      </a:r>
+                      <a:endParaRPr sz="1100"/>
+                    </a:p>
+                  </a:txBody>
+                  <a:tcPr anchor="ctr" anchorCtr="0">
+                    <a:lnL>
+                      <a:noFill/>
+                    </a:lnL>
+                    <a:lnR>
+                      <a:noFill/>
+                    </a:lnR>
+                    <a:lnT>
+                      <a:noFill/>
+                    </a:lnT>
+                    <a:lnB>
+                      <a:noFill/>
+                    </a:lnB>
+                    <a:noFill/>
+                  </a:tcPr>
+                </a:tc>
+              </a:tr>
+            </a:tbl>
+          </a:graphicData>
+        </a:graphic>
+      </p:graphicFrame>
+      <p:graphicFrame>
+        <p:nvGraphicFramePr>
+          <p:cNvPr id="16" name="Table 15"/>
+          <p:cNvGraphicFramePr/>
+          <p:nvPr/>
+        </p:nvGraphicFramePr>
+        <p:xfrm>
+          <a:off x="6096000" y="4229100"/>
+          <a:ext cx="0" cy="0"/>
+        </p:xfrm>
+        <a:graphic>
+          <a:graphicData uri="http://schemas.openxmlformats.org/drawingml/2006/table">
+            <a:tbl>
+              <a:tblPr/>
+              <a:tblGrid>
+                <a:gridCol w="0"/>
+                <a:gridCol w="0"/>
+                <a:gridCol w="0"/>
+                <a:gridCol w="0"/>
+                <a:gridCol w="0"/>
+              </a:tblGrid>
+              <a:tr h="0">
+                <a:tc>
+                  <a:txBody>
+                    <a:bodyPr/>
+                    <a:p>
+                      <a:r>
+                        <a:rPr sz="1100"/>
+                        <a:t>Prompt Tuning</a:t>
+                      </a:r>
+                      <a:endParaRPr sz="1100"/>
+                    </a:p>
+                  </a:txBody>
+                  <a:tcPr anchor="ctr" anchorCtr="0">
+                    <a:lnL>
+                      <a:noFill/>
+                    </a:lnL>
+                    <a:lnR>
+                      <a:noFill/>
+                    </a:lnR>
+                    <a:lnT>
+                      <a:noFill/>
+                    </a:lnT>
+                    <a:lnB>
+                      <a:noFill/>
+                    </a:lnB>
+                    <a:noFill/>
+                  </a:tcPr>
+                </a:tc>
+                <a:tc>
+                  <a:txBody>
+                    <a:bodyPr/>
+                    <a:p>
+                      <a:r>
+                        <a:rPr sz="1100"/>
+                        <a:t>Task-specific prompts without model changes</a:t>
+                      </a:r>
+                      <a:endParaRPr sz="1100"/>
+                    </a:p>
+                  </a:txBody>
+                  <a:tcPr anchor="ctr" anchorCtr="0">
+                    <a:lnL>
+                      <a:noFill/>
+                    </a:lnL>
+                    <a:lnR>
+                      <a:noFill/>
+                    </a:lnR>
+                    <a:lnT>
+                      <a:noFill/>
+                    </a:lnT>
+                    <a:lnB>
+                      <a:noFill/>
+                    </a:lnB>
+                    <a:noFill/>
+                  </a:tcPr>
+                </a:tc>
+                <a:tc>
+                  <a:txBody>
+                    <a:bodyPr/>
+                    <a:p>
+                      <a:r>
+                        <a:rPr sz="1100"/>
+                        <a:t>Few-shot, large models (GPT-3/4)</a:t>
+                      </a:r>
+                      <a:endParaRPr sz="1100"/>
+                    </a:p>
+                  </a:txBody>
+                  <a:tcPr anchor="ctr" anchorCtr="0">
+                    <a:lnL>
+                      <a:noFill/>
+                    </a:lnL>
+                    <a:lnR>
+                      <a:noFill/>
+                    </a:lnR>
+                    <a:lnT>
+                      <a:noFill/>
+                    </a:lnT>
+                    <a:lnB>
+                      <a:noFill/>
+                    </a:lnB>
+                    <a:noFill/>
+                  </a:tcPr>
+                </a:tc>
+                <a:tc>
+                  <a:txBody>
+                    <a:bodyPr/>
+                    <a:p>
+                      <a:r>
+                        <a:rPr sz="1100"/>
+                        <a:t>No parameter change; efficient</a:t>
+                      </a:r>
+                      <a:endParaRPr sz="1100"/>
+                    </a:p>
+                  </a:txBody>
+                  <a:tcPr anchor="ctr" anchorCtr="0">
+                    <a:lnL>
+                      <a:noFill/>
+                    </a:lnL>
+                    <a:lnR>
+                      <a:noFill/>
+                    </a:lnR>
+                    <a:lnT>
+                      <a:noFill/>
+                    </a:lnT>
+                    <a:lnB>
+                      <a:noFill/>
+                    </a:lnB>
+                    <a:noFill/>
+                  </a:tcPr>
+                </a:tc>
+                <a:tc>
+                  <a:txBody>
+                    <a:bodyPr/>
+                    <a:p>
+                      <a:r>
+                        <a:rPr sz="1100"/>
+                        <a:t>Requires prompt engineering</a:t>
+                      </a:r>
+                      <a:endParaRPr sz="1100"/>
+                    </a:p>
+                  </a:txBody>
+                  <a:tcPr anchor="ctr" anchorCtr="0">
+                    <a:lnL>
+                      <a:noFill/>
+                    </a:lnL>
+                    <a:lnR>
+                      <a:noFill/>
+                    </a:lnR>
+                    <a:lnT>
+                      <a:noFill/>
+                    </a:lnT>
+                    <a:lnB>
+                      <a:noFill/>
+                    </a:lnB>
+                    <a:noFill/>
+                  </a:tcPr>
+                </a:tc>
+              </a:tr>
+            </a:tbl>
+          </a:graphicData>
+        </a:graphic>
+      </p:graphicFrame>
+      <p:graphicFrame>
+        <p:nvGraphicFramePr>
+          <p:cNvPr id="17" name="Table 16"/>
+          <p:cNvGraphicFramePr/>
+          <p:nvPr/>
+        </p:nvGraphicFramePr>
+        <p:xfrm>
+          <a:off x="6096000" y="10858500"/>
+          <a:ext cx="0" cy="0"/>
+        </p:xfrm>
+        <a:graphic>
+          <a:graphicData uri="http://schemas.openxmlformats.org/drawingml/2006/table">
+            <a:tbl>
+              <a:tblPr/>
+              <a:tblGrid>
+                <a:gridCol w="0"/>
+                <a:gridCol w="0"/>
+                <a:gridCol w="0"/>
+                <a:gridCol w="0"/>
+                <a:gridCol w="0"/>
+              </a:tblGrid>
+              <a:tr h="0">
+                <a:tc>
+                  <a:txBody>
+                    <a:bodyPr/>
+                    <a:p>
+                      <a:r>
+                        <a:rPr sz="1100"/>
+                        <a:t>Embedding Fine-Tuning</a:t>
+                      </a:r>
+                      <a:endParaRPr sz="1100"/>
+                    </a:p>
+                  </a:txBody>
+                  <a:tcPr anchor="ctr" anchorCtr="0">
+                    <a:lnL>
+                      <a:noFill/>
+                    </a:lnL>
+                    <a:lnR>
+                      <a:noFill/>
+                    </a:lnR>
+                    <a:lnT>
+                      <a:noFill/>
+                    </a:lnT>
+                    <a:lnB>
+                      <a:noFill/>
+                    </a:lnB>
+                    <a:noFill/>
+                  </a:tcPr>
+                </a:tc>
+                <a:tc>
+                  <a:txBody>
+                    <a:bodyPr/>
+                    <a:p>
+                      <a:r>
+                        <a:rPr sz="1100"/>
+                        <a:t>Fine-tune only embedding layer</a:t>
+                      </a:r>
+                      <a:endParaRPr sz="1100"/>
+                    </a:p>
+                  </a:txBody>
+                  <a:tcPr anchor="ctr" anchorCtr="0">
+                    <a:lnL>
+                      <a:noFill/>
+                    </a:lnL>
+                    <a:lnR>
+                      <a:noFill/>
+                    </a:lnR>
+                    <a:lnT>
+                      <a:noFill/>
+                    </a:lnT>
+                    <a:lnB>
+                      <a:noFill/>
+                    </a:lnB>
+                    <a:noFill/>
+                  </a:tcPr>
+                </a:tc>
+                <a:tc>
+                  <a:txBody>
+                    <a:bodyPr/>
+                    <a:p>
+                      <a:r>
+                        <a:rPr sz="1100"/>
+                        <a:t>Domain-specific vocabulary</a:t>
+                      </a:r>
+                      <a:endParaRPr sz="1100"/>
+                    </a:p>
+                  </a:txBody>
+                  <a:tcPr anchor="ctr" anchorCtr="0">
+                    <a:lnL>
+                      <a:noFill/>
+                    </a:lnL>
+                    <a:lnR>
+                      <a:noFill/>
+                    </a:lnR>
+                    <a:lnT>
+                      <a:noFill/>
+                    </a:lnT>
+                    <a:lnB>
+                      <a:noFill/>
+                    </a:lnB>
+                    <a:noFill/>
+                  </a:tcPr>
+                </a:tc>
+                <a:tc>
+                  <a:txBody>
+                    <a:bodyPr/>
+                    <a:p>
+                      <a:r>
+                        <a:rPr sz="1100"/>
+                        <a:t>Lightweight, improves vocab fit</a:t>
+                      </a:r>
+                      <a:endParaRPr sz="1100"/>
+                    </a:p>
+                  </a:txBody>
+                  <a:tcPr anchor="ctr" anchorCtr="0">
+                    <a:lnL>
+                      <a:noFill/>
+                    </a:lnL>
+                    <a:lnR>
+                      <a:noFill/>
+                    </a:lnR>
+                    <a:lnT>
+                      <a:noFill/>
+                    </a:lnT>
+                    <a:lnB>
+                      <a:noFill/>
+                    </a:lnB>
+                    <a:noFill/>
+                  </a:tcPr>
+                </a:tc>
+                <a:tc>
+                  <a:txBody>
+                    <a:bodyPr/>
+                    <a:p>
+                      <a:r>
+                        <a:rPr sz="1100"/>
+                        <a:t>Minimal overall effect</a:t>
+                      </a:r>
+                      <a:endParaRPr sz="1100"/>
+                    </a:p>
+                  </a:txBody>
+                  <a:tcPr anchor="ctr" anchorCtr="0">
+                    <a:lnL>
+                      <a:noFill/>
+                    </a:lnL>
+                    <a:lnR>
+                      <a:noFill/>
+                    </a:lnR>
+                    <a:lnT>
+                      <a:noFill/>
+                    </a:lnT>
+                    <a:lnB>
+                      <a:noFill/>
+                    </a:lnB>
+                    <a:noFill/>
+                  </a:tcPr>
+                </a:tc>
+              </a:tr>
+            </a:tbl>
+          </a:graphicData>
+        </a:graphic>
+      </p:graphicFrame>
+      <p:graphicFrame>
+        <p:nvGraphicFramePr>
+          <p:cNvPr id="18" name="Table 17"/>
+          <p:cNvGraphicFramePr/>
+          <p:nvPr/>
+        </p:nvGraphicFramePr>
+        <p:xfrm>
+          <a:off x="6096000" y="15476220"/>
+          <a:ext cx="0" cy="0"/>
+        </p:xfrm>
+        <a:graphic>
+          <a:graphicData uri="http://schemas.openxmlformats.org/drawingml/2006/table">
+            <a:tbl>
+              <a:tblPr/>
+              <a:tblGrid>
+                <a:gridCol w="0"/>
+                <a:gridCol w="0"/>
+                <a:gridCol w="0"/>
+                <a:gridCol w="0"/>
+                <a:gridCol w="0"/>
+              </a:tblGrid>
+              <a:tr h="0">
+                <a:tc>
+                  <a:txBody>
+                    <a:bodyPr/>
+                    <a:p>
+                      <a:r>
+                        <a:rPr sz="1100"/>
+                        <a:t>Distillation</a:t>
+                      </a:r>
+                      <a:endParaRPr sz="1100"/>
+                    </a:p>
+                  </a:txBody>
+                  <a:tcPr anchor="ctr" anchorCtr="0">
+                    <a:lnL>
+                      <a:noFill/>
+                    </a:lnL>
+                    <a:lnR>
+                      <a:noFill/>
+                    </a:lnR>
+                    <a:lnT>
+                      <a:noFill/>
+                    </a:lnT>
+                    <a:lnB>
+                      <a:noFill/>
+                    </a:lnB>
+                    <a:noFill/>
+                  </a:tcPr>
+                </a:tc>
+                <a:tc>
+                  <a:txBody>
+                    <a:bodyPr/>
+                    <a:p>
+                      <a:r>
+                        <a:rPr sz="1100"/>
+                        <a:t>Train small model to mimic larger model</a:t>
+                      </a:r>
+                      <a:endParaRPr sz="1100"/>
+                    </a:p>
+                  </a:txBody>
+                  <a:tcPr anchor="ctr" anchorCtr="0">
+                    <a:lnL>
+                      <a:noFill/>
+                    </a:lnL>
+                    <a:lnR>
+                      <a:noFill/>
+                    </a:lnR>
+                    <a:lnT>
+                      <a:noFill/>
+                    </a:lnT>
+                    <a:lnB>
+                      <a:noFill/>
+                    </a:lnB>
+                    <a:noFill/>
+                  </a:tcPr>
+                </a:tc>
+                <a:tc>
+                  <a:txBody>
+                    <a:bodyPr/>
+                    <a:p>
+                      <a:r>
+                        <a:rPr sz="1100"/>
+                        <a:t>Smaller, faster deployment models</a:t>
+                      </a:r>
+                      <a:endParaRPr sz="1100"/>
+                    </a:p>
+                  </a:txBody>
+                  <a:tcPr anchor="ctr" anchorCtr="0">
+                    <a:lnL>
+                      <a:noFill/>
+                    </a:lnL>
+                    <a:lnR>
+                      <a:noFill/>
+                    </a:lnR>
+                    <a:lnT>
+                      <a:noFill/>
+                    </a:lnT>
+                    <a:lnB>
+                      <a:noFill/>
+                    </a:lnB>
+                    <a:noFill/>
+                  </a:tcPr>
+                </a:tc>
+                <a:tc>
+                  <a:txBody>
+                    <a:bodyPr/>
+                    <a:p>
+                      <a:r>
+                        <a:rPr sz="1100"/>
+                        <a:t>Fast, compact model</a:t>
+                      </a:r>
+                      <a:endParaRPr sz="1100"/>
+                    </a:p>
+                  </a:txBody>
+                  <a:tcPr anchor="ctr" anchorCtr="0">
+                    <a:lnL>
+                      <a:noFill/>
+                    </a:lnL>
+                    <a:lnR>
+                      <a:noFill/>
+                    </a:lnR>
+                    <a:lnT>
+                      <a:noFill/>
+                    </a:lnT>
+                    <a:lnB>
+                      <a:noFill/>
+                    </a:lnB>
+                    <a:noFill/>
+                  </a:tcPr>
+                </a:tc>
+                <a:tc>
+                  <a:txBody>
+                    <a:bodyPr/>
+                    <a:p>
+                      <a:r>
+                        <a:rPr sz="1100"/>
+                        <a:t>Complex setup, possible accuracy loss</a:t>
+                      </a:r>
+                      <a:endParaRPr sz="1100"/>
+                    </a:p>
+                  </a:txBody>
+                  <a:tcPr anchor="ctr" anchorCtr="0">
+                    <a:lnL>
+                      <a:noFill/>
+                    </a:lnL>
+                    <a:lnR>
+                      <a:noFill/>
+                    </a:lnR>
+                    <a:lnT>
+                      <a:noFill/>
+                    </a:lnT>
+                    <a:lnB>
+                      <a:noFill/>
+                    </a:lnB>
+                    <a:noFill/>
+                  </a:tcPr>
+                </a:tc>
+              </a:tr>
+            </a:tbl>
+          </a:graphicData>
+        </a:graphic>
+      </p:graphicFrame>
+      <p:pic>
+        <p:nvPicPr>
+          <p:cNvPr id="19" name="Picture 18"/>
+          <p:cNvPicPr>
+            <a:picLocks noChangeAspect="1"/>
+          </p:cNvPicPr>
+          <p:nvPr/>
+        </p:nvPicPr>
+        <p:blipFill>
+          <a:blip r:embed="rId1"/>
+          <a:stretch>
+            <a:fillRect/>
+          </a:stretch>
+        </p:blipFill>
+        <p:spPr>
+          <a:xfrm>
+            <a:off x="1738630" y="1431290"/>
+            <a:ext cx="7242175" cy="4579620"/>
+          </a:xfrm>
+          <a:prstGeom prst="rect">
+            <a:avLst/>
+          </a:prstGeom>
+        </p:spPr>
+      </p:pic>
+    </p:spTree>
+  </p:cSld>
+  <p:clrMapOvr>
+    <a:masterClrMapping/>
+  </p:clrMapOvr>
+</p:sld>
+</file>
+
+<file path=ppt/slides/slide18.xml><?xml version="1.0" encoding="utf-8"?>
+<p:sld xmlns:a="http://schemas.openxmlformats.org/drawingml/2006/main" xmlns:r="http://schemas.openxmlformats.org/officeDocument/2006/relationships" xmlns:p="http://schemas.openxmlformats.org/presentationml/2006/main">
+  <p:cSld>
+    <p:spTree>
+      <p:nvGrpSpPr>
+        <p:cNvPr id="1" name=""/>
+        <p:cNvGrpSpPr/>
+        <p:nvPr/>
+      </p:nvGrpSpPr>
+      <p:grpSpPr/>
+      <p:sp>
+        <p:nvSpPr>
+          <p:cNvPr id="2" name="Title 1"/>
+          <p:cNvSpPr>
+            <a:spLocks noGrp="1"/>
+          </p:cNvSpPr>
+          <p:nvPr>
+            <p:ph type="title"/>
+          </p:nvPr>
+        </p:nvSpPr>
+        <p:spPr/>
+        <p:txBody>
+          <a:bodyPr/>
+          <a:p>
+            <a:r>
+              <a:rPr lang="en-US">
+                <a:sym typeface="+mn-ea"/>
+              </a:rPr>
+              <a:t>Choosing the Right Strategy</a:t>
+            </a:r>
+            <a:endParaRPr lang="en-US"/>
+          </a:p>
+        </p:txBody>
+      </p:sp>
+      <p:sp>
+        <p:nvSpPr>
+          <p:cNvPr id="3" name="Content Placeholder 2"/>
+          <p:cNvSpPr>
+            <a:spLocks noGrp="1"/>
+          </p:cNvSpPr>
+          <p:nvPr>
+            <p:ph idx="1"/>
+          </p:nvPr>
+        </p:nvSpPr>
+        <p:spPr/>
+        <p:txBody>
+          <a:bodyPr>
+            <a:normAutofit/>
+          </a:bodyPr>
+          <a:p>
+            <a:r>
+              <a:rPr lang="en-US"/>
+              <a:t>Choosing the best strategy depends on:</a:t>
+            </a:r>
+            <a:endParaRPr lang="en-US"/>
+          </a:p>
+          <a:p>
+            <a:pPr lvl="1"/>
+            <a:endParaRPr lang="en-US"/>
+          </a:p>
+          <a:p>
+            <a:pPr lvl="1"/>
+            <a:r>
+              <a:rPr lang="en-US"/>
+              <a:t>Data Size: Full fine-tuning requires large datasets; smaller datasets work better with partial or adapter-based methods.</a:t>
+            </a:r>
+            <a:endParaRPr lang="en-US"/>
+          </a:p>
+          <a:p>
+            <a:pPr lvl="1"/>
+            <a:r>
+              <a:rPr lang="en-US"/>
+              <a:t>Computational Constraints: Adapters and prompt tuning are less resource-intensive.</a:t>
+            </a:r>
+            <a:endParaRPr lang="en-US"/>
+          </a:p>
+          <a:p>
+            <a:pPr lvl="1"/>
+            <a:r>
+              <a:rPr lang="en-US"/>
+              <a:t>Domain Specificity: If the target domain is highly specialized, strategies that allow some adaptation of word embeddings or higher layers (like fine-tuning the last few layers) may work best.</a:t>
+            </a:r>
+            <a:endParaRPr lang="en-US"/>
+          </a:p>
+        </p:txBody>
+      </p:sp>
+      <p:sp>
+        <p:nvSpPr>
+          <p:cNvPr id="4" name="Slide Number Placeholder 3"/>
+          <p:cNvSpPr>
+            <a:spLocks noGrp="1"/>
+          </p:cNvSpPr>
+          <p:nvPr>
+            <p:ph type="sldNum" sz="quarter" idx="12"/>
+          </p:nvPr>
+        </p:nvSpPr>
+        <p:spPr/>
+        <p:txBody>
+          <a:bodyPr/>
+          <a:p>
+            <a:fld id="{9B618960-8005-486C-9A75-10CB2AAC16F9}" type="slidenum">
+              <a:rPr lang="en-US" smtClean="0"/>
+            </a:fld>
+            <a:endParaRPr lang="en-US"/>
+          </a:p>
+        </p:txBody>
+      </p:sp>
+    </p:spTree>
+  </p:cSld>
+  <p:clrMapOvr>
+    <a:masterClrMapping/>
+  </p:clrMapOvr>
+</p:sld>
+</file>
+
+<file path=ppt/slides/slide19.xml><?xml version="1.0" encoding="utf-8"?>
 <p:sld xmlns:a="http://schemas.openxmlformats.org/drawingml/2006/main" xmlns:r="http://schemas.openxmlformats.org/officeDocument/2006/relationships" xmlns:p="http://schemas.openxmlformats.org/presentationml/2006/main">
   <p:cSld>
     <p:spTree>
@@ -3828,6 +5973,987 @@
               <a:rPr lang="en-US" smtClean="0"/>
             </a:fld>
             <a:endParaRPr lang="en-US"/>
+          </a:p>
+        </p:txBody>
+      </p:sp>
+    </p:spTree>
+  </p:cSld>
+  <p:clrMapOvr>
+    <a:masterClrMapping/>
+  </p:clrMapOvr>
+</p:sld>
+</file>
+
+<file path=ppt/slides/slide2.xml><?xml version="1.0" encoding="utf-8"?>
+<p:sld xmlns:a="http://schemas.openxmlformats.org/drawingml/2006/main" xmlns:r="http://schemas.openxmlformats.org/officeDocument/2006/relationships" xmlns:p="http://schemas.openxmlformats.org/presentationml/2006/main">
+  <p:cSld>
+    <p:spTree>
+      <p:nvGrpSpPr>
+        <p:cNvPr id="1" name=""/>
+        <p:cNvGrpSpPr/>
+        <p:nvPr/>
+      </p:nvGrpSpPr>
+      <p:grpSpPr>
+        <a:xfrm>
+          <a:off x="0" y="0"/>
+          <a:ext cx="0" cy="0"/>
+          <a:chOff x="0" y="0"/>
+          <a:chExt cx="0" cy="0"/>
+        </a:xfrm>
+      </p:grpSpPr>
+      <p:sp>
+        <p:nvSpPr>
+          <p:cNvPr id="7" name="Title 6"/>
+          <p:cNvSpPr>
+            <a:spLocks noGrp="1"/>
+          </p:cNvSpPr>
+          <p:nvPr>
+            <p:ph type="title"/>
+          </p:nvPr>
+        </p:nvSpPr>
+        <p:spPr>
+          <a:xfrm>
+            <a:off x="804672" y="4267833"/>
+            <a:ext cx="4805996" cy="1297115"/>
+          </a:xfrm>
+        </p:spPr>
+        <p:txBody>
+          <a:bodyPr vert="horz" wrap="square" lIns="91440" tIns="45720" rIns="91440" bIns="45720" numCol="1" rtlCol="0" anchor="t" anchorCtr="0" compatLnSpc="1">
+            <a:normAutofit fontScale="90000"/>
+          </a:bodyPr>
+          <a:lstStyle/>
+          <a:p>
+            <a:r>
+              <a:rPr lang="en-US" kern="1200">
+                <a:latin typeface="+mj-lt"/>
+                <a:cs typeface="+mj-cs"/>
+              </a:rPr>
+              <a:t>Transfer learning </a:t>
+            </a:r>
+            <a:endParaRPr lang="en-US" kern="1200">
+              <a:latin typeface="+mj-lt"/>
+              <a:cs typeface="+mj-cs"/>
+            </a:endParaRPr>
+          </a:p>
+        </p:txBody>
+      </p:sp>
+      <p:pic>
+        <p:nvPicPr>
+          <p:cNvPr id="11" name="Graphic 10" descr="Head with Gears"/>
+          <p:cNvPicPr>
+            <a:picLocks noChangeAspect="1"/>
+          </p:cNvPicPr>
+          <p:nvPr/>
+        </p:nvPicPr>
+        <p:blipFill>
+          <a:blip r:embed="rId1">
+            <a:extLst>
+              <a:ext uri="{28A0092B-C50C-407E-A947-70E740481C1C}">
+                <a14:useLocalDpi xmlns:a14="http://schemas.microsoft.com/office/drawing/2010/main" val="0"/>
+              </a:ext>
+              <a:ext uri="{96DAC541-7B7A-43D3-8B79-37D633B846F1}">
+                <asvg:svgBlip xmlns:asvg="http://schemas.microsoft.com/office/drawing/2016/SVG/main" r:embed="rId2"/>
+              </a:ext>
+            </a:extLst>
+          </a:blip>
+          <a:stretch>
+            <a:fillRect/>
+          </a:stretch>
+        </p:blipFill>
+        <p:spPr>
+          <a:xfrm>
+            <a:off x="7729652" y="1859077"/>
+            <a:ext cx="3821103" cy="3821103"/>
+          </a:xfrm>
+          <a:prstGeom prst="rect">
+            <a:avLst/>
+          </a:prstGeom>
+        </p:spPr>
+      </p:pic>
+      <p:sp>
+        <p:nvSpPr>
+          <p:cNvPr id="4" name="Slide Number Placeholder 3"/>
+          <p:cNvSpPr>
+            <a:spLocks noGrp="1"/>
+          </p:cNvSpPr>
+          <p:nvPr>
+            <p:ph type="sldNum" sz="quarter" idx="12"/>
+          </p:nvPr>
+        </p:nvSpPr>
+        <p:spPr>
+          <a:xfrm>
+            <a:off x="8610600" y="6356351"/>
+            <a:ext cx="2743200" cy="365125"/>
+          </a:xfrm>
+        </p:spPr>
+        <p:txBody>
+          <a:bodyPr vert="horz" wrap="square" lIns="91440" tIns="45720" rIns="91440" bIns="45720" numCol="1" rtlCol="0" anchor="ctr" anchorCtr="0" compatLnSpc="1">
+            <a:normAutofit/>
+          </a:bodyPr>
+          <a:lstStyle/>
+          <a:p>
+            <a:pPr>
+              <a:spcAft>
+                <a:spcPts val="450"/>
+              </a:spcAft>
+            </a:pPr>
+            <a:fld id="{421A874C-C492-400B-AE61-4CFB05366FBC}" type="slidenum">
+              <a:rPr lang="en-US" sz="1600" smtClean="0"/>
+            </a:fld>
+            <a:endParaRPr lang="en-US" sz="1600"/>
+          </a:p>
+        </p:txBody>
+      </p:sp>
+    </p:spTree>
+  </p:cSld>
+  <p:clrMapOvr>
+    <a:masterClrMapping/>
+  </p:clrMapOvr>
+</p:sld>
+</file>
+
+<file path=ppt/slides/slide3.xml><?xml version="1.0" encoding="utf-8"?>
+<p:sld xmlns:a="http://schemas.openxmlformats.org/drawingml/2006/main" xmlns:r="http://schemas.openxmlformats.org/officeDocument/2006/relationships" xmlns:p="http://schemas.openxmlformats.org/presentationml/2006/main">
+  <p:cSld>
+    <p:spTree>
+      <p:nvGrpSpPr>
+        <p:cNvPr id="1" name=""/>
+        <p:cNvGrpSpPr/>
+        <p:nvPr/>
+      </p:nvGrpSpPr>
+      <p:grpSpPr/>
+      <p:sp>
+        <p:nvSpPr>
+          <p:cNvPr id="2" name="Title 1"/>
+          <p:cNvSpPr>
+            <a:spLocks noGrp="1"/>
+          </p:cNvSpPr>
+          <p:nvPr>
+            <p:ph type="title"/>
+          </p:nvPr>
+        </p:nvSpPr>
+        <p:spPr/>
+        <p:txBody>
+          <a:bodyPr/>
+          <a:p>
+            <a:r>
+              <a:rPr lang="en-US">
+                <a:sym typeface="+mn-ea"/>
+              </a:rPr>
+              <a:t>Transfer learning</a:t>
+            </a:r>
+            <a:endParaRPr lang="en-US"/>
+          </a:p>
+        </p:txBody>
+      </p:sp>
+      <p:sp>
+        <p:nvSpPr>
+          <p:cNvPr id="3" name="Content Placeholder 2"/>
+          <p:cNvSpPr>
+            <a:spLocks noGrp="1"/>
+          </p:cNvSpPr>
+          <p:nvPr>
+            <p:ph idx="1"/>
+          </p:nvPr>
+        </p:nvSpPr>
+        <p:spPr/>
+        <p:txBody>
+          <a:bodyPr/>
+          <a:p>
+            <a:r>
+              <a:rPr lang="en-US"/>
+              <a:t>Transfer learning is a machine learning technique where a model developed for a particular task is reused as the starting point for a model on a second task. </a:t>
+            </a:r>
+            <a:endParaRPr lang="en-US"/>
+          </a:p>
+          <a:p>
+            <a:r>
+              <a:rPr lang="en-US"/>
+              <a:t>This approach is particularly useful </a:t>
+            </a:r>
+            <a:r>
+              <a:rPr lang="en-US" u="sng"/>
+              <a:t>when the second task has limited data available</a:t>
+            </a:r>
+            <a:r>
+              <a:rPr lang="en-US"/>
+              <a:t>, as it allows the model to leverage the knowledge gained from the first task, which typically has a larger dataset.</a:t>
+            </a:r>
+            <a:endParaRPr lang="en-US"/>
+          </a:p>
+        </p:txBody>
+      </p:sp>
+      <p:sp>
+        <p:nvSpPr>
+          <p:cNvPr id="4" name="Slide Number Placeholder 3"/>
+          <p:cNvSpPr>
+            <a:spLocks noGrp="1"/>
+          </p:cNvSpPr>
+          <p:nvPr>
+            <p:ph type="sldNum" sz="quarter" idx="12"/>
+          </p:nvPr>
+        </p:nvSpPr>
+        <p:spPr/>
+        <p:txBody>
+          <a:bodyPr/>
+          <a:p>
+            <a:fld id="{9B618960-8005-486C-9A75-10CB2AAC16F9}" type="slidenum">
+              <a:rPr lang="en-US" smtClean="0"/>
+            </a:fld>
+            <a:endParaRPr lang="en-US"/>
+          </a:p>
+        </p:txBody>
+      </p:sp>
+    </p:spTree>
+  </p:cSld>
+  <p:clrMapOvr>
+    <a:masterClrMapping/>
+  </p:clrMapOvr>
+</p:sld>
+</file>
+
+<file path=ppt/slides/slide4.xml><?xml version="1.0" encoding="utf-8"?>
+<p:sld xmlns:a="http://schemas.openxmlformats.org/drawingml/2006/main" xmlns:r="http://schemas.openxmlformats.org/officeDocument/2006/relationships" xmlns:p="http://schemas.openxmlformats.org/presentationml/2006/main">
+  <p:cSld>
+    <p:spTree>
+      <p:nvGrpSpPr>
+        <p:cNvPr id="1" name=""/>
+        <p:cNvGrpSpPr/>
+        <p:nvPr/>
+      </p:nvGrpSpPr>
+      <p:grpSpPr/>
+      <p:sp>
+        <p:nvSpPr>
+          <p:cNvPr id="2" name="Title 1"/>
+          <p:cNvSpPr>
+            <a:spLocks noGrp="1"/>
+          </p:cNvSpPr>
+          <p:nvPr>
+            <p:ph type="title"/>
+          </p:nvPr>
+        </p:nvSpPr>
+        <p:spPr/>
+        <p:txBody>
+          <a:bodyPr/>
+          <a:p>
+            <a:r>
+              <a:rPr lang="en-US">
+                <a:sym typeface="+mn-ea"/>
+              </a:rPr>
+              <a:t>Transfer learning</a:t>
+            </a:r>
+            <a:endParaRPr lang="en-US"/>
+          </a:p>
+        </p:txBody>
+      </p:sp>
+      <p:sp>
+        <p:nvSpPr>
+          <p:cNvPr id="3" name="Content Placeholder 2"/>
+          <p:cNvSpPr>
+            <a:spLocks noGrp="1"/>
+          </p:cNvSpPr>
+          <p:nvPr>
+            <p:ph idx="1"/>
+          </p:nvPr>
+        </p:nvSpPr>
+        <p:spPr/>
+        <p:txBody>
+          <a:bodyPr>
+            <a:normAutofit lnSpcReduction="10000"/>
+          </a:bodyPr>
+          <a:p>
+            <a:r>
+              <a:rPr lang="en-US"/>
+              <a:t>Transfer learning involves taking a pre-trained model (usually trained on a large dataset) and fine-tuning it on a smaller, task-specific dataset. </a:t>
+            </a:r>
+            <a:endParaRPr lang="en-US"/>
+          </a:p>
+          <a:p>
+            <a:r>
+              <a:rPr lang="en-US"/>
+              <a:t>This can significantly reduce the time and resources needed to train a model from scratch and can lead to better performance, especially in scenarios where data is scarce.</a:t>
+            </a:r>
+            <a:endParaRPr lang="en-US"/>
+          </a:p>
+          <a:p>
+            <a:r>
+              <a:rPr lang="en-US"/>
+              <a:t>Transfer learning is commonly used in various applications, such as natural language processing (NLP) and computer vision, where models like BERT or ResNet are pre-trained on large datasets and then adapted for specific tasks like sentiment analysis or image classification.</a:t>
+            </a:r>
+            <a:endParaRPr lang="en-US"/>
+          </a:p>
+        </p:txBody>
+      </p:sp>
+      <p:sp>
+        <p:nvSpPr>
+          <p:cNvPr id="4" name="Slide Number Placeholder 3"/>
+          <p:cNvSpPr>
+            <a:spLocks noGrp="1"/>
+          </p:cNvSpPr>
+          <p:nvPr>
+            <p:ph type="sldNum" sz="quarter" idx="12"/>
+          </p:nvPr>
+        </p:nvSpPr>
+        <p:spPr/>
+        <p:txBody>
+          <a:bodyPr/>
+          <a:p>
+            <a:fld id="{9B618960-8005-486C-9A75-10CB2AAC16F9}" type="slidenum">
+              <a:rPr lang="en-US" smtClean="0"/>
+            </a:fld>
+            <a:endParaRPr lang="en-US"/>
+          </a:p>
+        </p:txBody>
+      </p:sp>
+    </p:spTree>
+  </p:cSld>
+  <p:clrMapOvr>
+    <a:masterClrMapping/>
+  </p:clrMapOvr>
+</p:sld>
+</file>
+
+<file path=ppt/slides/slide5.xml><?xml version="1.0" encoding="utf-8"?>
+<p:sld xmlns:a="http://schemas.openxmlformats.org/drawingml/2006/main" xmlns:r="http://schemas.openxmlformats.org/officeDocument/2006/relationships" xmlns:p="http://schemas.openxmlformats.org/presentationml/2006/main">
+  <p:cSld>
+    <p:spTree>
+      <p:nvGrpSpPr>
+        <p:cNvPr id="1" name=""/>
+        <p:cNvGrpSpPr/>
+        <p:nvPr/>
+      </p:nvGrpSpPr>
+      <p:grpSpPr>
+        <a:xfrm>
+          <a:off x="0" y="0"/>
+          <a:ext cx="0" cy="0"/>
+          <a:chOff x="0" y="0"/>
+          <a:chExt cx="0" cy="0"/>
+        </a:xfrm>
+      </p:grpSpPr>
+      <p:sp>
+        <p:nvSpPr>
+          <p:cNvPr id="2" name="Title 1"/>
+          <p:cNvSpPr>
+            <a:spLocks noGrp="1"/>
+          </p:cNvSpPr>
+          <p:nvPr>
+            <p:ph type="title"/>
+          </p:nvPr>
+        </p:nvSpPr>
+        <p:spPr/>
+        <p:txBody>
+          <a:bodyPr/>
+          <a:lstStyle/>
+          <a:p>
+            <a:r>
+              <a:rPr lang="en-US" dirty="0"/>
+              <a:t>Traditional ML vs transfer learning </a:t>
+            </a:r>
+            <a:endParaRPr lang="en-US" dirty="0"/>
+          </a:p>
+        </p:txBody>
+      </p:sp>
+      <p:pic>
+        <p:nvPicPr>
+          <p:cNvPr id="14338" name="Picture 2"/>
+          <p:cNvPicPr>
+            <a:picLocks noChangeAspect="1" noChangeArrowheads="1"/>
+          </p:cNvPicPr>
+          <p:nvPr/>
+        </p:nvPicPr>
+        <p:blipFill>
+          <a:blip r:embed="rId1">
+            <a:extLst>
+              <a:ext uri="{28A0092B-C50C-407E-A947-70E740481C1C}">
+                <a14:useLocalDpi xmlns:a14="http://schemas.microsoft.com/office/drawing/2010/main" val="0"/>
+              </a:ext>
+            </a:extLst>
+          </a:blip>
+          <a:srcRect/>
+          <a:stretch>
+            <a:fillRect/>
+          </a:stretch>
+        </p:blipFill>
+        <p:spPr bwMode="auto">
+          <a:xfrm>
+            <a:off x="1444316" y="1778001"/>
+            <a:ext cx="8753475" cy="4714875"/>
+          </a:xfrm>
+          <a:prstGeom prst="rect">
+            <a:avLst/>
+          </a:prstGeom>
+          <a:noFill/>
+          <a:extLst>
+            <a:ext uri="{909E8E84-426E-40DD-AFC4-6F175D3DCCD1}">
+              <a14:hiddenFill xmlns:a14="http://schemas.microsoft.com/office/drawing/2010/main">
+                <a:solidFill>
+                  <a:srgbClr val="FFFFFF"/>
+                </a:solidFill>
+              </a14:hiddenFill>
+            </a:ext>
+          </a:extLst>
+        </p:spPr>
+      </p:pic>
+      <p:sp>
+        <p:nvSpPr>
+          <p:cNvPr id="4" name="Slide Number Placeholder 3"/>
+          <p:cNvSpPr>
+            <a:spLocks noGrp="1"/>
+          </p:cNvSpPr>
+          <p:nvPr>
+            <p:ph type="sldNum" sz="quarter" idx="12"/>
+          </p:nvPr>
+        </p:nvSpPr>
+        <p:spPr/>
+        <p:txBody>
+          <a:bodyPr/>
+          <a:lstStyle/>
+          <a:p>
+            <a:fld id="{421A874C-C492-400B-AE61-4CFB05366FBC}" type="slidenum">
+              <a:rPr lang="en-US" sz="1600" smtClean="0"/>
+            </a:fld>
+            <a:endParaRPr lang="en-US" sz="1600"/>
+          </a:p>
+        </p:txBody>
+      </p:sp>
+    </p:spTree>
+  </p:cSld>
+  <p:clrMapOvr>
+    <a:masterClrMapping/>
+  </p:clrMapOvr>
+</p:sld>
+</file>
+
+<file path=ppt/slides/slide6.xml><?xml version="1.0" encoding="utf-8"?>
+<p:sld xmlns:a="http://schemas.openxmlformats.org/drawingml/2006/main" xmlns:r="http://schemas.openxmlformats.org/officeDocument/2006/relationships" xmlns:p="http://schemas.openxmlformats.org/presentationml/2006/main">
+  <p:cSld>
+    <p:spTree>
+      <p:nvGrpSpPr>
+        <p:cNvPr id="1" name=""/>
+        <p:cNvGrpSpPr/>
+        <p:nvPr/>
+      </p:nvGrpSpPr>
+      <p:grpSpPr>
+        <a:xfrm>
+          <a:off x="0" y="0"/>
+          <a:ext cx="0" cy="0"/>
+          <a:chOff x="0" y="0"/>
+          <a:chExt cx="0" cy="0"/>
+        </a:xfrm>
+      </p:grpSpPr>
+      <p:sp>
+        <p:nvSpPr>
+          <p:cNvPr id="2" name="Title 1"/>
+          <p:cNvSpPr>
+            <a:spLocks noGrp="1"/>
+          </p:cNvSpPr>
+          <p:nvPr>
+            <p:ph type="title"/>
+          </p:nvPr>
+        </p:nvSpPr>
+        <p:spPr/>
+        <p:txBody>
+          <a:bodyPr/>
+          <a:lstStyle/>
+          <a:p>
+            <a:r>
+              <a:rPr lang="en-US" dirty="0"/>
+              <a:t>Why transfer learning? </a:t>
+            </a:r>
+            <a:endParaRPr lang="en-US" dirty="0"/>
+          </a:p>
+        </p:txBody>
+      </p:sp>
+      <p:pic>
+        <p:nvPicPr>
+          <p:cNvPr id="13314" name="Picture 2" descr="Three ways in which transfer might improve learning"/>
+          <p:cNvPicPr>
+            <a:picLocks noChangeAspect="1" noChangeArrowheads="1"/>
+          </p:cNvPicPr>
+          <p:nvPr/>
+        </p:nvPicPr>
+        <p:blipFill>
+          <a:blip r:embed="rId1">
+            <a:extLst>
+              <a:ext uri="{28A0092B-C50C-407E-A947-70E740481C1C}">
+                <a14:useLocalDpi xmlns:a14="http://schemas.microsoft.com/office/drawing/2010/main" val="0"/>
+              </a:ext>
+            </a:extLst>
+          </a:blip>
+          <a:srcRect/>
+          <a:stretch>
+            <a:fillRect/>
+          </a:stretch>
+        </p:blipFill>
+        <p:spPr bwMode="auto">
+          <a:xfrm>
+            <a:off x="838200" y="1173728"/>
+            <a:ext cx="10458451" cy="5162551"/>
+          </a:xfrm>
+          <a:prstGeom prst="rect">
+            <a:avLst/>
+          </a:prstGeom>
+          <a:noFill/>
+          <a:extLst>
+            <a:ext uri="{909E8E84-426E-40DD-AFC4-6F175D3DCCD1}">
+              <a14:hiddenFill xmlns:a14="http://schemas.microsoft.com/office/drawing/2010/main">
+                <a:solidFill>
+                  <a:srgbClr val="FFFFFF"/>
+                </a:solidFill>
+              </a14:hiddenFill>
+            </a:ext>
+          </a:extLst>
+        </p:spPr>
+      </p:pic>
+      <p:sp>
+        <p:nvSpPr>
+          <p:cNvPr id="4" name="Slide Number Placeholder 3"/>
+          <p:cNvSpPr>
+            <a:spLocks noGrp="1"/>
+          </p:cNvSpPr>
+          <p:nvPr>
+            <p:ph type="sldNum" sz="quarter" idx="12"/>
+          </p:nvPr>
+        </p:nvSpPr>
+        <p:spPr/>
+        <p:txBody>
+          <a:bodyPr/>
+          <a:lstStyle/>
+          <a:p>
+            <a:fld id="{421A874C-C492-400B-AE61-4CFB05366FBC}" type="slidenum">
+              <a:rPr lang="en-US" sz="1600" smtClean="0"/>
+            </a:fld>
+            <a:endParaRPr lang="en-US" sz="1600"/>
+          </a:p>
+        </p:txBody>
+      </p:sp>
+    </p:spTree>
+  </p:cSld>
+  <p:clrMapOvr>
+    <a:masterClrMapping/>
+  </p:clrMapOvr>
+</p:sld>
+</file>
+
+<file path=ppt/slides/slide7.xml><?xml version="1.0" encoding="utf-8"?>
+<p:sld xmlns:a="http://schemas.openxmlformats.org/drawingml/2006/main" xmlns:r="http://schemas.openxmlformats.org/officeDocument/2006/relationships" xmlns:p="http://schemas.openxmlformats.org/presentationml/2006/main">
+  <p:cSld>
+    <p:spTree>
+      <p:nvGrpSpPr>
+        <p:cNvPr id="1" name=""/>
+        <p:cNvGrpSpPr/>
+        <p:nvPr/>
+      </p:nvGrpSpPr>
+      <p:grpSpPr>
+        <a:xfrm>
+          <a:off x="0" y="0"/>
+          <a:ext cx="0" cy="0"/>
+          <a:chOff x="0" y="0"/>
+          <a:chExt cx="0" cy="0"/>
+        </a:xfrm>
+      </p:grpSpPr>
+      <p:pic>
+        <p:nvPicPr>
+          <p:cNvPr id="18434" name="Picture 2"/>
+          <p:cNvPicPr>
+            <a:picLocks noChangeAspect="1" noChangeArrowheads="1"/>
+          </p:cNvPicPr>
+          <p:nvPr/>
+        </p:nvPicPr>
+        <p:blipFill>
+          <a:blip r:embed="rId1">
+            <a:extLst>
+              <a:ext uri="{28A0092B-C50C-407E-A947-70E740481C1C}">
+                <a14:useLocalDpi xmlns:a14="http://schemas.microsoft.com/office/drawing/2010/main" val="0"/>
+              </a:ext>
+            </a:extLst>
+          </a:blip>
+          <a:srcRect/>
+          <a:stretch>
+            <a:fillRect/>
+          </a:stretch>
+        </p:blipFill>
+        <p:spPr bwMode="auto">
+          <a:xfrm>
+            <a:off x="1589" y="211756"/>
+            <a:ext cx="11814007" cy="6646244"/>
+          </a:xfrm>
+          <a:prstGeom prst="rect">
+            <a:avLst/>
+          </a:prstGeom>
+          <a:noFill/>
+          <a:extLst>
+            <a:ext uri="{909E8E84-426E-40DD-AFC4-6F175D3DCCD1}">
+              <a14:hiddenFill xmlns:a14="http://schemas.microsoft.com/office/drawing/2010/main">
+                <a:solidFill>
+                  <a:srgbClr val="FFFFFF"/>
+                </a:solidFill>
+              </a14:hiddenFill>
+            </a:ext>
+          </a:extLst>
+        </p:spPr>
+      </p:pic>
+      <p:sp>
+        <p:nvSpPr>
+          <p:cNvPr id="2" name="Title 1"/>
+          <p:cNvSpPr>
+            <a:spLocks noGrp="1"/>
+          </p:cNvSpPr>
+          <p:nvPr>
+            <p:ph type="title"/>
+          </p:nvPr>
+        </p:nvSpPr>
+        <p:spPr>
+          <a:xfrm>
+            <a:off x="8749365" y="359901"/>
+            <a:ext cx="3066231" cy="3069099"/>
+          </a:xfrm>
+        </p:spPr>
+        <p:txBody>
+          <a:bodyPr>
+            <a:normAutofit fontScale="90000"/>
+          </a:bodyPr>
+          <a:lstStyle/>
+          <a:p>
+            <a:r>
+              <a:rPr lang="en-US" dirty="0"/>
+              <a:t>Transfer Learning Strategies in computer vision  </a:t>
+            </a:r>
+            <a:endParaRPr lang="en-US" dirty="0"/>
+          </a:p>
+        </p:txBody>
+      </p:sp>
+      <p:sp>
+        <p:nvSpPr>
+          <p:cNvPr id="4" name="Slide Number Placeholder 3"/>
+          <p:cNvSpPr>
+            <a:spLocks noGrp="1"/>
+          </p:cNvSpPr>
+          <p:nvPr>
+            <p:ph type="sldNum" sz="quarter" idx="12"/>
+          </p:nvPr>
+        </p:nvSpPr>
+        <p:spPr/>
+        <p:txBody>
+          <a:bodyPr/>
+          <a:lstStyle/>
+          <a:p>
+            <a:fld id="{421A874C-C492-400B-AE61-4CFB05366FBC}" type="slidenum">
+              <a:rPr lang="en-US" sz="1600" smtClean="0"/>
+            </a:fld>
+            <a:endParaRPr lang="en-US" sz="1600"/>
+          </a:p>
+        </p:txBody>
+      </p:sp>
+    </p:spTree>
+  </p:cSld>
+  <p:clrMapOvr>
+    <a:masterClrMapping/>
+  </p:clrMapOvr>
+</p:sld>
+</file>
+
+<file path=ppt/slides/slide8.xml><?xml version="1.0" encoding="utf-8"?>
+<p:sld xmlns:a="http://schemas.openxmlformats.org/drawingml/2006/main" xmlns:r="http://schemas.openxmlformats.org/officeDocument/2006/relationships" xmlns:p="http://schemas.openxmlformats.org/presentationml/2006/main">
+  <p:cSld>
+    <p:spTree>
+      <p:nvGrpSpPr>
+        <p:cNvPr id="1" name=""/>
+        <p:cNvGrpSpPr/>
+        <p:nvPr/>
+      </p:nvGrpSpPr>
+      <p:grpSpPr/>
+      <p:sp>
+        <p:nvSpPr>
+          <p:cNvPr id="2" name="Title 1"/>
+          <p:cNvSpPr>
+            <a:spLocks noGrp="1"/>
+          </p:cNvSpPr>
+          <p:nvPr>
+            <p:ph type="title"/>
+          </p:nvPr>
+        </p:nvSpPr>
+        <p:spPr/>
+        <p:txBody>
+          <a:bodyPr/>
+          <a:p>
+            <a:r>
+              <a:rPr lang="en-US"/>
+              <a:t>three different strategies for training CNNs</a:t>
+            </a:r>
+            <a:endParaRPr lang="en-US"/>
+          </a:p>
+        </p:txBody>
+      </p:sp>
+      <p:sp>
+        <p:nvSpPr>
+          <p:cNvPr id="3" name="Content Placeholder 2"/>
+          <p:cNvSpPr>
+            <a:spLocks noGrp="1"/>
+          </p:cNvSpPr>
+          <p:nvPr>
+            <p:ph idx="1"/>
+          </p:nvPr>
+        </p:nvSpPr>
+        <p:spPr/>
+        <p:txBody>
+          <a:bodyPr>
+            <a:normAutofit fontScale="70000"/>
+          </a:bodyPr>
+          <a:p>
+            <a:r>
+              <a:rPr lang="en-US"/>
+              <a:t>Strategy 1: Train the Entire Model</a:t>
+            </a:r>
+            <a:endParaRPr lang="en-US"/>
+          </a:p>
+          <a:p>
+            <a:pPr lvl="1"/>
+            <a:r>
+              <a:rPr lang="en-US"/>
+              <a:t>In this approach, all layers of the model are updated (shown in blue).</a:t>
+            </a:r>
+            <a:endParaRPr lang="en-US"/>
+          </a:p>
+          <a:p>
+            <a:pPr lvl="1"/>
+            <a:r>
+              <a:rPr lang="en-US"/>
+              <a:t>Useful when you have a large dataset similar to the original training data of the pre-trained model.</a:t>
+            </a:r>
+            <a:endParaRPr lang="en-US"/>
+          </a:p>
+          <a:p>
+            <a:pPr lvl="1"/>
+            <a:r>
+              <a:rPr lang="en-US"/>
+              <a:t>Allows the model to learn new features specific to the target data but requires more computational resources.</a:t>
+            </a:r>
+            <a:endParaRPr lang="en-US"/>
+          </a:p>
+          <a:p>
+            <a:r>
+              <a:rPr lang="en-US"/>
+              <a:t>Strategy 2: Train Some Layers and Freeze Others</a:t>
+            </a:r>
+            <a:endParaRPr lang="en-US"/>
+          </a:p>
+          <a:p>
+            <a:pPr lvl="1"/>
+            <a:r>
+              <a:rPr lang="en-US"/>
+              <a:t>Only the final layers are trained (blue), while the earlier layers remain frozen (white).</a:t>
+            </a:r>
+            <a:endParaRPr lang="en-US"/>
+          </a:p>
+          <a:p>
+            <a:pPr lvl="1"/>
+            <a:r>
+              <a:rPr lang="en-US"/>
+              <a:t>Effective if the dataset is small or somewhat different from the original dataset.</a:t>
+            </a:r>
+            <a:endParaRPr lang="en-US"/>
+          </a:p>
+          <a:p>
+            <a:pPr lvl="1"/>
+            <a:r>
+              <a:rPr lang="en-US"/>
+              <a:t>Reduces computation by not updating all layers, allowing the model to retain lower-level features while adapting higher-level ones.</a:t>
+            </a:r>
+            <a:endParaRPr lang="en-US"/>
+          </a:p>
+          <a:p>
+            <a:r>
+              <a:rPr lang="en-US"/>
+              <a:t>Strategy 3: Freeze the Convolutional Base</a:t>
+            </a:r>
+            <a:endParaRPr lang="en-US"/>
+          </a:p>
+          <a:p>
+            <a:pPr lvl="1"/>
+            <a:r>
+              <a:rPr lang="en-US"/>
+              <a:t>The entire base of the model is frozen, with only the final layer (output layer) trained.</a:t>
+            </a:r>
+            <a:endParaRPr lang="en-US"/>
+          </a:p>
+          <a:p>
+            <a:pPr lvl="1"/>
+            <a:r>
+              <a:rPr lang="en-US"/>
+              <a:t>Best when you have a very small dataset or need to transfer the features without altering the main learned representations.</a:t>
+            </a:r>
+            <a:endParaRPr lang="en-US"/>
+          </a:p>
+          <a:p>
+            <a:pPr lvl="1"/>
+            <a:r>
+              <a:rPr lang="en-US"/>
+              <a:t>Significantly reduces computation and prevents overfitting, as only the classifier head is trained.</a:t>
+            </a:r>
+            <a:endParaRPr lang="en-US"/>
+          </a:p>
+        </p:txBody>
+      </p:sp>
+      <p:sp>
+        <p:nvSpPr>
+          <p:cNvPr id="4" name="Slide Number Placeholder 3"/>
+          <p:cNvSpPr>
+            <a:spLocks noGrp="1"/>
+          </p:cNvSpPr>
+          <p:nvPr>
+            <p:ph type="sldNum" sz="quarter" idx="12"/>
+          </p:nvPr>
+        </p:nvSpPr>
+        <p:spPr/>
+        <p:txBody>
+          <a:bodyPr/>
+          <a:p>
+            <a:fld id="{9B618960-8005-486C-9A75-10CB2AAC16F9}" type="slidenum">
+              <a:rPr lang="en-US" smtClean="0"/>
+            </a:fld>
+            <a:endParaRPr lang="en-US"/>
+          </a:p>
+        </p:txBody>
+      </p:sp>
+    </p:spTree>
+  </p:cSld>
+  <p:clrMapOvr>
+    <a:masterClrMapping/>
+  </p:clrMapOvr>
+</p:sld>
+</file>
+
+<file path=ppt/slides/slide9.xml><?xml version="1.0" encoding="utf-8"?>
+<p:sld xmlns:a="http://schemas.openxmlformats.org/drawingml/2006/main" xmlns:r="http://schemas.openxmlformats.org/officeDocument/2006/relationships" xmlns:p="http://schemas.openxmlformats.org/presentationml/2006/main">
+  <p:cSld>
+    <p:spTree>
+      <p:nvGrpSpPr>
+        <p:cNvPr id="1" name=""/>
+        <p:cNvGrpSpPr/>
+        <p:nvPr/>
+      </p:nvGrpSpPr>
+      <p:grpSpPr>
+        <a:xfrm>
+          <a:off x="0" y="0"/>
+          <a:ext cx="0" cy="0"/>
+          <a:chOff x="0" y="0"/>
+          <a:chExt cx="0" cy="0"/>
+        </a:xfrm>
+      </p:grpSpPr>
+      <p:sp>
+        <p:nvSpPr>
+          <p:cNvPr id="2" name="Title 1"/>
+          <p:cNvSpPr>
+            <a:spLocks noGrp="1"/>
+          </p:cNvSpPr>
+          <p:nvPr>
+            <p:ph type="title"/>
+          </p:nvPr>
+        </p:nvSpPr>
+        <p:spPr>
+          <a:xfrm>
+            <a:off x="139683" y="1347125"/>
+            <a:ext cx="3888999" cy="3072393"/>
+          </a:xfrm>
+        </p:spPr>
+        <p:txBody>
+          <a:bodyPr vert="horz" wrap="square" lIns="91440" tIns="45720" rIns="91440" bIns="45720" numCol="1" rtlCol="0" anchor="b" anchorCtr="0" compatLnSpc="1">
+            <a:normAutofit/>
+          </a:bodyPr>
+          <a:lstStyle/>
+          <a:p>
+            <a:r>
+              <a:rPr lang="en-US" sz="5600" dirty="0"/>
+              <a:t>Transfer Learning </a:t>
+            </a:r>
+            <a:endParaRPr lang="en-US" sz="5600" dirty="0"/>
+          </a:p>
+        </p:txBody>
+      </p:sp>
+      <p:pic>
+        <p:nvPicPr>
+          <p:cNvPr id="5" name="Picture 4"/>
+          <p:cNvPicPr>
+            <a:picLocks noChangeAspect="1"/>
+          </p:cNvPicPr>
+          <p:nvPr/>
+        </p:nvPicPr>
+        <p:blipFill>
+          <a:blip r:embed="rId1"/>
+          <a:stretch>
+            <a:fillRect/>
+          </a:stretch>
+        </p:blipFill>
+        <p:spPr>
+          <a:xfrm>
+            <a:off x="4066781" y="1315376"/>
+            <a:ext cx="7870295" cy="1042813"/>
+          </a:xfrm>
+          <a:prstGeom prst="rect">
+            <a:avLst/>
+          </a:prstGeom>
+        </p:spPr>
+      </p:pic>
+      <p:pic>
+        <p:nvPicPr>
+          <p:cNvPr id="6146" name="Picture 2" descr="A CNN consisting of a set of feature extraction layers and a fully-connected prediction layer"/>
+          <p:cNvPicPr>
+            <a:picLocks noChangeAspect="1" noChangeArrowheads="1"/>
+          </p:cNvPicPr>
+          <p:nvPr/>
+        </p:nvPicPr>
+        <p:blipFill>
+          <a:blip r:embed="rId2">
+            <a:extLst>
+              <a:ext uri="{28A0092B-C50C-407E-A947-70E740481C1C}">
+                <a14:useLocalDpi xmlns:a14="http://schemas.microsoft.com/office/drawing/2010/main" val="0"/>
+              </a:ext>
+            </a:extLst>
+          </a:blip>
+          <a:stretch>
+            <a:fillRect/>
+          </a:stretch>
+        </p:blipFill>
+        <p:spPr bwMode="auto">
+          <a:xfrm>
+            <a:off x="4254367" y="2766801"/>
+            <a:ext cx="7534075" cy="3842379"/>
+          </a:xfrm>
+          <a:prstGeom prst="rect">
+            <a:avLst/>
+          </a:prstGeom>
+          <a:noFill/>
+          <a:extLst>
+            <a:ext uri="{909E8E84-426E-40DD-AFC4-6F175D3DCCD1}">
+              <a14:hiddenFill xmlns:a14="http://schemas.microsoft.com/office/drawing/2010/main">
+                <a:solidFill>
+                  <a:srgbClr val="FFFFFF"/>
+                </a:solidFill>
+              </a14:hiddenFill>
+            </a:ext>
+          </a:extLst>
+        </p:spPr>
+      </p:pic>
+      <p:sp>
+        <p:nvSpPr>
+          <p:cNvPr id="6" name="Slide Number Placeholder 5"/>
+          <p:cNvSpPr>
+            <a:spLocks noGrp="1"/>
+          </p:cNvSpPr>
+          <p:nvPr>
+            <p:ph type="sldNum" sz="quarter" idx="12"/>
+          </p:nvPr>
+        </p:nvSpPr>
+        <p:spPr/>
+        <p:txBody>
+          <a:bodyPr/>
+          <a:lstStyle/>
+          <a:p>
+            <a:fld id="{421A874C-C492-400B-AE61-4CFB05366FBC}" type="slidenum">
+              <a:rPr lang="en-US" sz="1600" smtClean="0"/>
+            </a:fld>
+            <a:endParaRPr lang="en-US" sz="1600"/>
           </a:p>
         </p:txBody>
       </p:sp>

--- a/slides/LLMs/Transfer learning (finetunning).pptx
+++ b/slides/LLMs/Transfer learning (finetunning).pptx
@@ -5,10 +5,10 @@
     <p:sldMasterId id="2147483648" r:id="rId1"/>
   </p:sldMasterIdLst>
   <p:notesMasterIdLst>
-    <p:notesMasterId r:id="rId22"/>
+    <p:notesMasterId r:id="rId43"/>
   </p:notesMasterIdLst>
   <p:handoutMasterIdLst>
-    <p:handoutMasterId r:id="rId23"/>
+    <p:handoutMasterId r:id="rId44"/>
   </p:handoutMasterIdLst>
   <p:sldIdLst>
     <p:sldId id="256" r:id="rId3"/>
@@ -22,14 +22,35 @@
     <p:sldId id="1319" r:id="rId11"/>
     <p:sldId id="1320" r:id="rId12"/>
     <p:sldId id="1325" r:id="rId13"/>
-    <p:sldId id="1326" r:id="rId14"/>
-    <p:sldId id="1327" r:id="rId15"/>
+    <p:sldId id="1339" r:id="rId14"/>
+    <p:sldId id="1326" r:id="rId15"/>
     <p:sldId id="1328" r:id="rId16"/>
     <p:sldId id="1329" r:id="rId17"/>
     <p:sldId id="1330" r:id="rId18"/>
-    <p:sldId id="1332" r:id="rId19"/>
+    <p:sldId id="1340" r:id="rId19"/>
     <p:sldId id="1331" r:id="rId20"/>
-    <p:sldId id="1315" r:id="rId21"/>
+    <p:sldId id="1341" r:id="rId21"/>
+    <p:sldId id="1343" r:id="rId22"/>
+    <p:sldId id="1345" r:id="rId23"/>
+    <p:sldId id="1346" r:id="rId24"/>
+    <p:sldId id="1355" r:id="rId25"/>
+    <p:sldId id="1344" r:id="rId26"/>
+    <p:sldId id="1349" r:id="rId27"/>
+    <p:sldId id="1350" r:id="rId28"/>
+    <p:sldId id="1351" r:id="rId29"/>
+    <p:sldId id="1352" r:id="rId30"/>
+    <p:sldId id="1347" r:id="rId31"/>
+    <p:sldId id="1348" r:id="rId32"/>
+    <p:sldId id="1353" r:id="rId33"/>
+    <p:sldId id="1354" r:id="rId34"/>
+    <p:sldId id="1356" r:id="rId35"/>
+    <p:sldId id="1357" r:id="rId36"/>
+    <p:sldId id="1358" r:id="rId37"/>
+    <p:sldId id="1359" r:id="rId38"/>
+    <p:sldId id="1360" r:id="rId39"/>
+    <p:sldId id="1361" r:id="rId40"/>
+    <p:sldId id="1364" r:id="rId41"/>
+    <p:sldId id="1315" r:id="rId42"/>
   </p:sldIdLst>
   <p:sldSz cx="12192000" cy="6858000"/>
   <p:notesSz cx="6858000" cy="9144000"/>
@@ -3679,6 +3700,14 @@
           <a:bodyPr/>
           <a:lstStyle/>
           <a:p>
+            <a:r>
+              <a:rPr lang="en-US">
+                <a:latin typeface="+mj-lt"/>
+                <a:cs typeface="+mj-cs"/>
+                <a:sym typeface="+mn-ea"/>
+              </a:rPr>
+              <a:t>Transfer learning </a:t>
+            </a:r>
             <a:endParaRPr lang="en-US" altLang="en-US"/>
           </a:p>
         </p:txBody>
@@ -3894,6 +3923,30 @@
         <p:nvPr/>
       </p:nvGrpSpPr>
       <p:grpSpPr/>
+      <p:pic>
+        <p:nvPicPr>
+          <p:cNvPr id="5" name="Picture 4"/>
+          <p:cNvPicPr>
+            <a:picLocks noChangeAspect="1"/>
+          </p:cNvPicPr>
+          <p:nvPr/>
+        </p:nvPicPr>
+        <p:blipFill>
+          <a:blip r:embed="rId1"/>
+          <a:stretch>
+            <a:fillRect/>
+          </a:stretch>
+        </p:blipFill>
+        <p:spPr>
+          <a:xfrm>
+            <a:off x="10957560" y="128905"/>
+            <a:ext cx="1106805" cy="3382645"/>
+          </a:xfrm>
+          <a:prstGeom prst="rect">
+            <a:avLst/>
+          </a:prstGeom>
+        </p:spPr>
+      </p:pic>
       <p:sp>
         <p:nvSpPr>
           <p:cNvPr id="2" name="Title 1"/>
@@ -3929,12 +3982,20 @@
         <p:spPr/>
         <p:txBody>
           <a:bodyPr>
-            <a:normAutofit fontScale="80000"/>
+            <a:normAutofit fontScale="90000"/>
           </a:bodyPr>
           <a:p>
             <a:r>
               <a:rPr lang="en-US"/>
-              <a:t>Transfer learning strategies for NLP involve similar principles as in computer vision but are tailored to the unique architecture of NLP models, especially large language models.</a:t>
+              <a:t>Transfer learning strategies for NLP involve similar principles as in computer vision but are tailored to the unique architecture of NLP models,</a:t>
+            </a:r>
+            <a:r>
+              <a:rPr lang="en-US" b="1"/>
+              <a:t> especially large language models</a:t>
+            </a:r>
+            <a:r>
+              <a:rPr lang="en-US"/>
+              <a:t>.</a:t>
             </a:r>
             <a:endParaRPr lang="en-US"/>
           </a:p>
@@ -3965,7 +4026,7 @@
             <a:pPr lvl="1"/>
             <a:r>
               <a:rPr lang="en-US"/>
-              <a:t>Advantages:</a:t>
+              <a:t>Advantages: Model adapts fully to the nuances of the target data.</a:t>
             </a:r>
             <a:endParaRPr lang="en-US"/>
           </a:p>
@@ -3973,20 +4034,12 @@
             <a:pPr lvl="1"/>
             <a:r>
               <a:rPr lang="en-US"/>
-              <a:t>Model adapts fully to the nuances of the target data.</a:t>
-            </a:r>
-            <a:endParaRPr lang="en-US"/>
-          </a:p>
-          <a:p>
-            <a:pPr lvl="1"/>
-            <a:r>
-              <a:rPr lang="en-US"/>
               <a:t>Drawbacks:</a:t>
             </a:r>
             <a:endParaRPr lang="en-US"/>
           </a:p>
           <a:p>
-            <a:pPr lvl="1"/>
+            <a:pPr lvl="2"/>
             <a:r>
               <a:rPr lang="en-US"/>
               <a:t>Computationally expensive, especially with large models like BERT or GPT-based architectures.</a:t>
@@ -3994,7 +4047,7 @@
             <a:endParaRPr lang="en-US"/>
           </a:p>
           <a:p>
-            <a:pPr lvl="1"/>
+            <a:pPr lvl="2"/>
             <a:r>
               <a:rPr lang="en-US"/>
               <a:t>Higher risk of overfitting if the dataset is small.</a:t>
@@ -4024,6 +4077,30 @@
           </a:p>
         </p:txBody>
       </p:sp>
+      <p:pic>
+        <p:nvPicPr>
+          <p:cNvPr id="6" name="Picture 5"/>
+          <p:cNvPicPr>
+            <a:picLocks noChangeAspect="1"/>
+          </p:cNvPicPr>
+          <p:nvPr/>
+        </p:nvPicPr>
+        <p:blipFill>
+          <a:blip r:embed="rId2"/>
+          <a:stretch>
+            <a:fillRect/>
+          </a:stretch>
+        </p:blipFill>
+        <p:spPr>
+          <a:xfrm>
+            <a:off x="8959850" y="365125"/>
+            <a:ext cx="1417320" cy="1196340"/>
+          </a:xfrm>
+          <a:prstGeom prst="rect">
+            <a:avLst/>
+          </a:prstGeom>
+        </p:spPr>
+      </p:pic>
     </p:spTree>
   </p:cSld>
   <p:clrMapOvr>
@@ -4057,104 +4134,110 @@
           <a:bodyPr/>
           <a:p>
             <a:r>
-              <a:rPr lang="en-US">
-                <a:sym typeface="+mn-ea"/>
-              </a:rPr>
-              <a:t>Transfer Learning in NLP</a:t>
-            </a:r>
-            <a:endParaRPr lang="en-US"/>
-          </a:p>
-        </p:txBody>
-      </p:sp>
-      <p:sp>
-        <p:nvSpPr>
-          <p:cNvPr id="3" name="Content Placeholder 2"/>
-          <p:cNvSpPr>
-            <a:spLocks noGrp="1"/>
-          </p:cNvSpPr>
-          <p:nvPr>
-            <p:ph idx="1"/>
-          </p:nvPr>
-        </p:nvSpPr>
-        <p:spPr/>
-        <p:txBody>
-          <a:bodyPr>
-            <a:normAutofit fontScale="90000"/>
+              <a:rPr lang="en-US"/>
+              <a:t>DNN </a:t>
+            </a:r>
+            <a:endParaRPr lang="en-US"/>
+          </a:p>
+        </p:txBody>
+      </p:sp>
+      <p:sp>
+        <p:nvSpPr>
+          <p:cNvPr id="4" name="Slide Number Placeholder 3"/>
+          <p:cNvSpPr>
+            <a:spLocks noGrp="1"/>
+          </p:cNvSpPr>
+          <p:nvPr>
+            <p:ph type="sldNum" sz="quarter" idx="12"/>
+          </p:nvPr>
+        </p:nvSpPr>
+        <p:spPr/>
+        <p:txBody>
+          <a:bodyPr/>
+          <a:p>
+            <a:fld id="{9B618960-8005-486C-9A75-10CB2AAC16F9}" type="slidenum">
+              <a:rPr lang="en-US" smtClean="0"/>
+            </a:fld>
+            <a:endParaRPr lang="en-US"/>
+          </a:p>
+        </p:txBody>
+      </p:sp>
+      <p:pic>
+        <p:nvPicPr>
+          <p:cNvPr id="5" name="Picture 4"/>
+          <p:cNvPicPr/>
+          <p:nvPr/>
+        </p:nvPicPr>
+        <p:blipFill>
+          <a:blip r:embed="rId1"/>
+          <a:stretch>
+            <a:fillRect/>
+          </a:stretch>
+        </p:blipFill>
+        <p:spPr>
+          <a:xfrm>
+            <a:off x="909955" y="1634490"/>
+            <a:ext cx="9761855" cy="4409440"/>
+          </a:xfrm>
+          <a:prstGeom prst="rect">
+            <a:avLst/>
+          </a:prstGeom>
+        </p:spPr>
+      </p:pic>
+      <p:sp>
+        <p:nvSpPr>
+          <p:cNvPr id="6" name="Text Box 5"/>
+          <p:cNvSpPr txBox="1"/>
+          <p:nvPr/>
+        </p:nvSpPr>
+        <p:spPr>
+          <a:xfrm>
+            <a:off x="2546985" y="1485900"/>
+            <a:ext cx="1443355" cy="368300"/>
+          </a:xfrm>
+          <a:prstGeom prst="rect">
+            <a:avLst/>
+          </a:prstGeom>
+          <a:noFill/>
+        </p:spPr>
+        <p:txBody>
+          <a:bodyPr wrap="square" rtlCol="0">
+            <a:spAutoFit/>
           </a:bodyPr>
           <a:p>
             <a:r>
-              <a:rPr lang="en-US" b="1"/>
-              <a:t>Fine-Tuning Only Higher Layers</a:t>
-            </a:r>
-            <a:endParaRPr lang="en-US" b="1"/>
-          </a:p>
-          <a:p>
-            <a:pPr lvl="1"/>
-            <a:r>
-              <a:rPr lang="en-US"/>
-              <a:t>Description: Here, the lower layers (closer to input) remain frozen, while only the higher layers are fine-tuned.</a:t>
-            </a:r>
-            <a:endParaRPr lang="en-US"/>
-          </a:p>
-          <a:p>
-            <a:pPr lvl="1"/>
-            <a:r>
-              <a:rPr lang="en-US"/>
-              <a:t>Use Case: Ideal when the target dataset is small and there are specific patterns or terms in the target domain that are different from general language use (e.g., technical or industry-specific vocabulary).</a:t>
-            </a:r>
-            <a:endParaRPr lang="en-US"/>
-          </a:p>
-          <a:p>
-            <a:pPr lvl="1"/>
-            <a:r>
-              <a:rPr lang="en-US"/>
-              <a:t>Advantages:</a:t>
-            </a:r>
-            <a:endParaRPr lang="en-US"/>
-          </a:p>
-          <a:p>
-            <a:pPr lvl="1"/>
-            <a:r>
-              <a:rPr lang="en-US"/>
-              <a:t>Retains core language understanding in lower layers while allowing model customization for the domain in upper layers.</a:t>
-            </a:r>
-            <a:endParaRPr lang="en-US"/>
-          </a:p>
-          <a:p>
-            <a:pPr lvl="1"/>
-            <a:r>
-              <a:rPr lang="en-US"/>
-              <a:t>Less computationally intensive than full model fine-tuning.</a:t>
-            </a:r>
-            <a:endParaRPr lang="en-US"/>
-          </a:p>
-          <a:p>
-            <a:pPr lvl="1"/>
-            <a:r>
-              <a:rPr lang="en-US"/>
-              <a:t>Drawbacks: Limited adaptability, as lower-level language features (like morphology or syntax) remain unchanged.</a:t>
-            </a:r>
-            <a:endParaRPr lang="en-US"/>
-          </a:p>
-        </p:txBody>
-      </p:sp>
-      <p:sp>
-        <p:nvSpPr>
-          <p:cNvPr id="4" name="Slide Number Placeholder 3"/>
-          <p:cNvSpPr>
-            <a:spLocks noGrp="1"/>
-          </p:cNvSpPr>
-          <p:nvPr>
-            <p:ph type="sldNum" sz="quarter" idx="12"/>
-          </p:nvPr>
-        </p:nvSpPr>
-        <p:spPr/>
-        <p:txBody>
-          <a:bodyPr/>
-          <a:p>
-            <a:fld id="{9B618960-8005-486C-9A75-10CB2AAC16F9}" type="slidenum">
-              <a:rPr lang="en-US" smtClean="0"/>
-            </a:fld>
+              <a:rPr lang="en-US"/>
+              <a:t>lower layers </a:t>
+            </a:r>
+            <a:endParaRPr lang="en-US"/>
+          </a:p>
+        </p:txBody>
+      </p:sp>
+      <p:sp>
+        <p:nvSpPr>
+          <p:cNvPr id="7" name="Text Box 6"/>
+          <p:cNvSpPr txBox="1"/>
+          <p:nvPr/>
+        </p:nvSpPr>
+        <p:spPr>
+          <a:xfrm>
+            <a:off x="8478520" y="1117600"/>
+            <a:ext cx="2623820" cy="368300"/>
+          </a:xfrm>
+          <a:prstGeom prst="rect">
+            <a:avLst/>
+          </a:prstGeom>
+          <a:noFill/>
+        </p:spPr>
+        <p:txBody>
+          <a:bodyPr wrap="square" rtlCol="0">
+            <a:spAutoFit/>
+          </a:bodyPr>
+          <a:p>
+            <a:r>
+              <a:rPr lang="en-US"/>
+              <a:t>higher layers / topping </a:t>
+            </a:r>
             <a:endParaRPr lang="en-US"/>
           </a:p>
         </p:txBody>
@@ -4177,6 +4260,54 @@
         <p:nvPr/>
       </p:nvGrpSpPr>
       <p:grpSpPr/>
+      <p:pic>
+        <p:nvPicPr>
+          <p:cNvPr id="9" name="Picture 8"/>
+          <p:cNvPicPr>
+            <a:picLocks noChangeAspect="1"/>
+          </p:cNvPicPr>
+          <p:nvPr/>
+        </p:nvPicPr>
+        <p:blipFill>
+          <a:blip r:embed="rId1"/>
+          <a:stretch>
+            <a:fillRect/>
+          </a:stretch>
+        </p:blipFill>
+        <p:spPr>
+          <a:xfrm>
+            <a:off x="11102340" y="3613150"/>
+            <a:ext cx="1089660" cy="3050540"/>
+          </a:xfrm>
+          <a:prstGeom prst="rect">
+            <a:avLst/>
+          </a:prstGeom>
+        </p:spPr>
+      </p:pic>
+      <p:pic>
+        <p:nvPicPr>
+          <p:cNvPr id="5" name="Picture 4"/>
+          <p:cNvPicPr>
+            <a:picLocks noChangeAspect="1"/>
+          </p:cNvPicPr>
+          <p:nvPr/>
+        </p:nvPicPr>
+        <p:blipFill>
+          <a:blip r:embed="rId2"/>
+          <a:stretch>
+            <a:fillRect/>
+          </a:stretch>
+        </p:blipFill>
+        <p:spPr>
+          <a:xfrm>
+            <a:off x="11220450" y="86995"/>
+            <a:ext cx="971550" cy="2933700"/>
+          </a:xfrm>
+          <a:prstGeom prst="rect">
+            <a:avLst/>
+          </a:prstGeom>
+        </p:spPr>
+      </p:pic>
       <p:sp>
         <p:nvSpPr>
           <p:cNvPr id="2" name="Title 1"/>
@@ -4219,7 +4350,7 @@
           <a:p>
             <a:r>
               <a:rPr lang="en-US" b="1"/>
-              <a:t>Adapter Layers (Parameter-Efficient Fine-Tuning)</a:t>
+              <a:t>Fine-Tuning Only Higher Layers</a:t>
             </a:r>
             <a:endParaRPr lang="en-US" b="1"/>
           </a:p>
@@ -4227,7 +4358,7 @@
             <a:pPr lvl="1"/>
             <a:r>
               <a:rPr lang="en-US"/>
-              <a:t>Description: Adapter layers, which are additional small neural networks, are inserted between existing layers of a pre-trained model and are the only ones fine-tuned, while the original model layers are frozen.</a:t>
+              <a:t>Description: Here, the lower layers (closer to input) remain frozen, while only the higher layers are fine-tuned.</a:t>
             </a:r>
             <a:endParaRPr lang="en-US"/>
           </a:p>
@@ -4235,7 +4366,7 @@
             <a:pPr lvl="1"/>
             <a:r>
               <a:rPr lang="en-US"/>
-              <a:t>Use Case: Popular for multilingual or multi-domain models where multiple tasks or languages need to be supported without retraining the entire model.</a:t>
+              <a:t>Use Case: Ideal when the target dataset is small and there are specific patterns or terms in the target domain that are different from general language use (e.g., technical or industry-specific vocabulary).</a:t>
             </a:r>
             <a:endParaRPr lang="en-US"/>
           </a:p>
@@ -4248,26 +4379,26 @@
             <a:endParaRPr lang="en-US"/>
           </a:p>
           <a:p>
+            <a:pPr lvl="2"/>
+            <a:r>
+              <a:rPr lang="en-US"/>
+              <a:t>Retains core language understanding in lower layers while allowing model customization for the domain in upper layers.</a:t>
+            </a:r>
+            <a:endParaRPr lang="en-US"/>
+          </a:p>
+          <a:p>
+            <a:pPr lvl="2"/>
+            <a:r>
+              <a:rPr lang="en-US"/>
+              <a:t>Less computationally intensive than full model fine-tuning.</a:t>
+            </a:r>
+            <a:endParaRPr lang="en-US"/>
+          </a:p>
+          <a:p>
             <a:pPr lvl="1"/>
             <a:r>
               <a:rPr lang="en-US"/>
-              <a:t>Significantly reduces memory and computational requirements.</a:t>
-            </a:r>
-            <a:endParaRPr lang="en-US"/>
-          </a:p>
-          <a:p>
-            <a:pPr lvl="1"/>
-            <a:r>
-              <a:rPr lang="en-US"/>
-              <a:t>Allows quick adaptation to multiple domains by simply switching adapters.</a:t>
-            </a:r>
-            <a:endParaRPr lang="en-US"/>
-          </a:p>
-          <a:p>
-            <a:pPr lvl="1"/>
-            <a:r>
-              <a:rPr lang="en-US"/>
-              <a:t>Drawbacks: May not achieve the same level of fine-grained domain adaptation as full fine-tuning.</a:t>
+              <a:t>Drawbacks: Limited adaptability, as lower-level language features (like morphology or syntax) remain unchanged.</a:t>
             </a:r>
             <a:endParaRPr lang="en-US"/>
           </a:p>
@@ -4290,6 +4421,59 @@
             <a:fld id="{9B618960-8005-486C-9A75-10CB2AAC16F9}" type="slidenum">
               <a:rPr lang="en-US" smtClean="0"/>
             </a:fld>
+            <a:endParaRPr lang="en-US"/>
+          </a:p>
+        </p:txBody>
+      </p:sp>
+      <p:pic>
+        <p:nvPicPr>
+          <p:cNvPr id="6" name="Picture 5"/>
+          <p:cNvPicPr>
+            <a:picLocks noChangeAspect="1"/>
+          </p:cNvPicPr>
+          <p:nvPr/>
+        </p:nvPicPr>
+        <p:blipFill>
+          <a:blip r:embed="rId3"/>
+          <a:stretch>
+            <a:fillRect/>
+          </a:stretch>
+        </p:blipFill>
+        <p:spPr>
+          <a:xfrm>
+            <a:off x="8610600" y="365125"/>
+            <a:ext cx="1417320" cy="1196340"/>
+          </a:xfrm>
+          <a:prstGeom prst="rect">
+            <a:avLst/>
+          </a:prstGeom>
+        </p:spPr>
+      </p:pic>
+      <p:sp>
+        <p:nvSpPr>
+          <p:cNvPr id="8" name="Text Box 7"/>
+          <p:cNvSpPr txBox="1"/>
+          <p:nvPr/>
+        </p:nvSpPr>
+        <p:spPr>
+          <a:xfrm>
+            <a:off x="11353800" y="3244850"/>
+            <a:ext cx="622935" cy="368300"/>
+          </a:xfrm>
+          <a:prstGeom prst="rect">
+            <a:avLst/>
+          </a:prstGeom>
+          <a:noFill/>
+        </p:spPr>
+        <p:txBody>
+          <a:bodyPr wrap="square" rtlCol="0">
+            <a:spAutoFit/>
+          </a:bodyPr>
+          <a:p>
+            <a:r>
+              <a:rPr lang="en-US"/>
+              <a:t>OR</a:t>
+            </a:r>
             <a:endParaRPr lang="en-US"/>
           </a:p>
         </p:txBody>
@@ -4383,7 +4567,7 @@
             <a:endParaRPr lang="en-US"/>
           </a:p>
           <a:p>
-            <a:pPr lvl="1"/>
+            <a:pPr lvl="2"/>
             <a:r>
               <a:rPr lang="en-US"/>
               <a:t>Efficient for large-scale language models.</a:t>
@@ -4391,7 +4575,7 @@
             <a:endParaRPr lang="en-US"/>
           </a:p>
           <a:p>
-            <a:pPr lvl="1"/>
+            <a:pPr lvl="2"/>
             <a:r>
               <a:rPr lang="en-US"/>
               <a:t>Avoids altering model parameters, maintaining generalizability across tasks.</a:t>
@@ -4513,15 +4697,7 @@
             <a:pPr lvl="1"/>
             <a:r>
               <a:rPr lang="en-US"/>
-              <a:t>Advantages:</a:t>
-            </a:r>
-            <a:endParaRPr lang="en-US"/>
-          </a:p>
-          <a:p>
-            <a:pPr lvl="1"/>
-            <a:r>
-              <a:rPr lang="en-US"/>
-              <a:t>Efficient and lightweight, focusing solely on improving vocabulary understanding.</a:t>
+              <a:t>Advantages: Efficient and lightweight, focusing solely on improving vocabulary understanding.</a:t>
             </a:r>
             <a:endParaRPr lang="en-US"/>
           </a:p>
@@ -4645,7 +4821,7 @@
             <a:endParaRPr lang="en-US"/>
           </a:p>
           <a:p>
-            <a:pPr lvl="1"/>
+            <a:pPr lvl="2"/>
             <a:r>
               <a:rPr lang="en-US"/>
               <a:t>Greatly reduces model size and inference time.</a:t>
@@ -4653,7 +4829,7 @@
             <a:endParaRPr lang="en-US"/>
           </a:p>
           <a:p>
-            <a:pPr lvl="1"/>
+            <a:pPr lvl="2"/>
             <a:r>
               <a:rPr lang="en-US"/>
               <a:t>Maintains most of the teacher model’s performance.</a:t>
@@ -4723,9 +4899,10 @@
         <p:txBody>
           <a:bodyPr/>
           <a:p>
-            <a:r>
-              <a:rPr lang="en-US"/>
-              <a:t>Summary </a:t>
+            <a:pPr algn="ctr"/>
+            <a:r>
+              <a:rPr lang="en-US"/>
+              <a:t>Fine Tuning Summary </a:t>
             </a:r>
             <a:endParaRPr lang="en-US"/>
           </a:p>
@@ -4754,49 +4931,461 @@
       </p:sp>
       <p:graphicFrame>
         <p:nvGraphicFramePr>
-          <p:cNvPr id="12" name="Table 11"/>
+          <p:cNvPr id="5" name="Table 4"/>
           <p:cNvGraphicFramePr/>
-          <p:nvPr/>
+          <p:nvPr>
+            <p:custDataLst>
+              <p:tags r:id="rId1"/>
+            </p:custDataLst>
+          </p:nvPr>
         </p:nvGraphicFramePr>
         <p:xfrm>
-          <a:off x="6096000" y="-14241780"/>
-          <a:ext cx="0" cy="0"/>
+          <a:off x="300990" y="1551305"/>
+          <a:ext cx="11699875" cy="4806315"/>
         </p:xfrm>
         <a:graphic>
           <a:graphicData uri="http://schemas.openxmlformats.org/drawingml/2006/table">
             <a:tbl>
               <a:tblPr/>
               <a:tblGrid>
-                <a:gridCol w="0"/>
-                <a:gridCol w="0"/>
-                <a:gridCol w="0"/>
-                <a:gridCol w="0"/>
-                <a:gridCol w="0"/>
+                <a:gridCol w="1850390"/>
+                <a:gridCol w="2397125"/>
+                <a:gridCol w="2122805"/>
+                <a:gridCol w="1718310"/>
+                <a:gridCol w="2019935"/>
+                <a:gridCol w="1591310"/>
               </a:tblGrid>
-              <a:tr h="0">
+              <a:tr h="356870">
                 <a:tc>
                   <a:txBody>
                     <a:bodyPr/>
                     <a:p>
+                      <a:pPr algn="ctr" fontAlgn="ctr"/>
                       <a:r>
-                        <a:rPr sz="1100"/>
+                        <a:rPr sz="1800" b="1" i="0">
+                          <a:solidFill>
+                            <a:srgbClr val="000000"/>
+                          </a:solidFill>
+                          <a:latin typeface="Calibri" panose="020F0502020204030204"/>
+                          <a:ea typeface="Calibri" panose="020F0502020204030204"/>
+                        </a:rPr>
                         <a:t>Strategy</a:t>
                       </a:r>
-                      <a:endParaRPr sz="1100"/>
+                      <a:endParaRPr sz="1800" b="1" i="0">
+                        <a:solidFill>
+                          <a:srgbClr val="000000"/>
+                        </a:solidFill>
+                        <a:latin typeface="Calibri" panose="020F0502020204030204"/>
+                        <a:ea typeface="Calibri" panose="020F0502020204030204"/>
+                      </a:endParaRPr>
                     </a:p>
                   </a:txBody>
-                  <a:tcPr anchor="ctr" anchorCtr="0">
-                    <a:lnL>
-                      <a:noFill/>
+                  <a:tcPr marL="7937" marR="7937" marT="7937" anchor="ctr" anchorCtr="0">
+                    <a:lnL w="6350" cap="flat" cmpd="sng">
+                      <a:solidFill>
+                        <a:srgbClr val="000000"/>
+                      </a:solidFill>
+                      <a:prstDash val="solid"/>
+                      <a:headEnd type="none" w="med" len="med"/>
+                      <a:tailEnd type="none" w="med" len="med"/>
                     </a:lnL>
-                    <a:lnR>
-                      <a:noFill/>
+                    <a:lnR w="6350" cap="flat" cmpd="sng">
+                      <a:solidFill>
+                        <a:srgbClr val="000000"/>
+                      </a:solidFill>
+                      <a:prstDash val="solid"/>
+                      <a:headEnd type="none" w="med" len="med"/>
+                      <a:tailEnd type="none" w="med" len="med"/>
                     </a:lnR>
-                    <a:lnT>
-                      <a:noFill/>
+                    <a:lnT w="6350" cap="flat" cmpd="sng">
+                      <a:solidFill>
+                        <a:srgbClr val="000000"/>
+                      </a:solidFill>
+                      <a:prstDash val="solid"/>
+                      <a:headEnd type="none" w="med" len="med"/>
+                      <a:tailEnd type="none" w="med" len="med"/>
                     </a:lnT>
-                    <a:lnB>
-                      <a:noFill/>
+                    <a:lnB w="6350" cap="flat" cmpd="sng">
+                      <a:solidFill>
+                        <a:srgbClr val="000000"/>
+                      </a:solidFill>
+                      <a:prstDash val="solid"/>
+                      <a:headEnd type="none" w="med" len="med"/>
+                      <a:tailEnd type="none" w="med" len="med"/>
+                    </a:lnB>
+                    <a:solidFill>
+                      <a:srgbClr val="A6A6A6"/>
+                    </a:solidFill>
+                  </a:tcPr>
+                </a:tc>
+                <a:tc>
+                  <a:txBody>
+                    <a:bodyPr/>
+                    <a:p>
+                      <a:pPr algn="ctr" fontAlgn="ctr"/>
+                      <a:r>
+                        <a:rPr sz="1800" b="1" i="0">
+                          <a:solidFill>
+                            <a:srgbClr val="000000"/>
+                          </a:solidFill>
+                          <a:latin typeface="Calibri" panose="020F0502020204030204"/>
+                          <a:ea typeface="Calibri" panose="020F0502020204030204"/>
+                        </a:rPr>
+                        <a:t>Description</a:t>
+                      </a:r>
+                      <a:endParaRPr sz="1800" b="1" i="0">
+                        <a:solidFill>
+                          <a:srgbClr val="000000"/>
+                        </a:solidFill>
+                        <a:latin typeface="Calibri" panose="020F0502020204030204"/>
+                        <a:ea typeface="Calibri" panose="020F0502020204030204"/>
+                      </a:endParaRPr>
+                    </a:p>
+                  </a:txBody>
+                  <a:tcPr marL="7937" marR="7937" marT="7937" anchor="ctr" anchorCtr="0">
+                    <a:lnL w="6350" cap="flat" cmpd="sng">
+                      <a:solidFill>
+                        <a:srgbClr val="000000"/>
+                      </a:solidFill>
+                      <a:prstDash val="solid"/>
+                      <a:headEnd type="none" w="med" len="med"/>
+                      <a:tailEnd type="none" w="med" len="med"/>
+                    </a:lnL>
+                    <a:lnR w="6350" cap="flat" cmpd="sng">
+                      <a:solidFill>
+                        <a:srgbClr val="000000"/>
+                      </a:solidFill>
+                      <a:prstDash val="solid"/>
+                      <a:headEnd type="none" w="med" len="med"/>
+                      <a:tailEnd type="none" w="med" len="med"/>
+                    </a:lnR>
+                    <a:lnT w="6350" cap="flat" cmpd="sng">
+                      <a:solidFill>
+                        <a:srgbClr val="000000"/>
+                      </a:solidFill>
+                      <a:prstDash val="solid"/>
+                      <a:headEnd type="none" w="med" len="med"/>
+                      <a:tailEnd type="none" w="med" len="med"/>
+                    </a:lnT>
+                    <a:lnB w="6350" cap="flat" cmpd="sng">
+                      <a:solidFill>
+                        <a:srgbClr val="000000"/>
+                      </a:solidFill>
+                      <a:prstDash val="solid"/>
+                      <a:headEnd type="none" w="med" len="med"/>
+                      <a:tailEnd type="none" w="med" len="med"/>
+                    </a:lnB>
+                    <a:solidFill>
+                      <a:srgbClr val="A6A6A6"/>
+                    </a:solidFill>
+                  </a:tcPr>
+                </a:tc>
+                <a:tc>
+                  <a:txBody>
+                    <a:bodyPr/>
+                    <a:p>
+                      <a:pPr algn="ctr" fontAlgn="ctr"/>
+                      <a:r>
+                        <a:rPr sz="1800" b="1" i="0">
+                          <a:solidFill>
+                            <a:srgbClr val="000000"/>
+                          </a:solidFill>
+                          <a:latin typeface="Calibri" panose="020F0502020204030204"/>
+                          <a:ea typeface="Calibri" panose="020F0502020204030204"/>
+                        </a:rPr>
+                        <a:t>Use Case</a:t>
+                      </a:r>
+                      <a:endParaRPr sz="1800" b="1" i="0">
+                        <a:solidFill>
+                          <a:srgbClr val="000000"/>
+                        </a:solidFill>
+                        <a:latin typeface="Calibri" panose="020F0502020204030204"/>
+                        <a:ea typeface="Calibri" panose="020F0502020204030204"/>
+                      </a:endParaRPr>
+                    </a:p>
+                  </a:txBody>
+                  <a:tcPr marL="7937" marR="7937" marT="7937" anchor="ctr" anchorCtr="0">
+                    <a:lnL w="6350" cap="flat" cmpd="sng">
+                      <a:solidFill>
+                        <a:srgbClr val="000000"/>
+                      </a:solidFill>
+                      <a:prstDash val="solid"/>
+                      <a:headEnd type="none" w="med" len="med"/>
+                      <a:tailEnd type="none" w="med" len="med"/>
+                    </a:lnL>
+                    <a:lnR w="6350" cap="flat" cmpd="sng">
+                      <a:solidFill>
+                        <a:srgbClr val="000000"/>
+                      </a:solidFill>
+                      <a:prstDash val="solid"/>
+                      <a:headEnd type="none" w="med" len="med"/>
+                      <a:tailEnd type="none" w="med" len="med"/>
+                    </a:lnR>
+                    <a:lnT w="6350" cap="flat" cmpd="sng">
+                      <a:solidFill>
+                        <a:srgbClr val="000000"/>
+                      </a:solidFill>
+                      <a:prstDash val="solid"/>
+                      <a:headEnd type="none" w="med" len="med"/>
+                      <a:tailEnd type="none" w="med" len="med"/>
+                    </a:lnT>
+                    <a:lnB w="6350" cap="flat" cmpd="sng">
+                      <a:solidFill>
+                        <a:srgbClr val="000000"/>
+                      </a:solidFill>
+                      <a:prstDash val="solid"/>
+                      <a:headEnd type="none" w="med" len="med"/>
+                      <a:tailEnd type="none" w="med" len="med"/>
+                    </a:lnB>
+                    <a:solidFill>
+                      <a:srgbClr val="A6A6A6"/>
+                    </a:solidFill>
+                  </a:tcPr>
+                </a:tc>
+                <a:tc>
+                  <a:txBody>
+                    <a:bodyPr/>
+                    <a:p>
+                      <a:pPr algn="ctr" fontAlgn="ctr"/>
+                      <a:r>
+                        <a:rPr sz="1800" b="1" i="0">
+                          <a:solidFill>
+                            <a:srgbClr val="000000"/>
+                          </a:solidFill>
+                          <a:latin typeface="Calibri" panose="020F0502020204030204"/>
+                          <a:ea typeface="Calibri" panose="020F0502020204030204"/>
+                        </a:rPr>
+                        <a:t>Pros</a:t>
+                      </a:r>
+                      <a:endParaRPr sz="1800" b="1" i="0">
+                        <a:solidFill>
+                          <a:srgbClr val="000000"/>
+                        </a:solidFill>
+                        <a:latin typeface="Calibri" panose="020F0502020204030204"/>
+                        <a:ea typeface="Calibri" panose="020F0502020204030204"/>
+                      </a:endParaRPr>
+                    </a:p>
+                  </a:txBody>
+                  <a:tcPr marL="7937" marR="7937" marT="7937" anchor="ctr" anchorCtr="0">
+                    <a:lnL w="6350" cap="flat" cmpd="sng">
+                      <a:solidFill>
+                        <a:srgbClr val="000000"/>
+                      </a:solidFill>
+                      <a:prstDash val="solid"/>
+                      <a:headEnd type="none" w="med" len="med"/>
+                      <a:tailEnd type="none" w="med" len="med"/>
+                    </a:lnL>
+                    <a:lnR w="6350" cap="flat" cmpd="sng">
+                      <a:solidFill>
+                        <a:srgbClr val="000000"/>
+                      </a:solidFill>
+                      <a:prstDash val="solid"/>
+                      <a:headEnd type="none" w="med" len="med"/>
+                      <a:tailEnd type="none" w="med" len="med"/>
+                    </a:lnR>
+                    <a:lnT w="6350" cap="flat" cmpd="sng">
+                      <a:solidFill>
+                        <a:srgbClr val="000000"/>
+                      </a:solidFill>
+                      <a:prstDash val="solid"/>
+                      <a:headEnd type="none" w="med" len="med"/>
+                      <a:tailEnd type="none" w="med" len="med"/>
+                    </a:lnT>
+                    <a:lnB w="6350" cap="flat" cmpd="sng">
+                      <a:solidFill>
+                        <a:srgbClr val="000000"/>
+                      </a:solidFill>
+                      <a:prstDash val="solid"/>
+                      <a:headEnd type="none" w="med" len="med"/>
+                      <a:tailEnd type="none" w="med" len="med"/>
+                    </a:lnB>
+                    <a:solidFill>
+                      <a:srgbClr val="A6A6A6"/>
+                    </a:solidFill>
+                  </a:tcPr>
+                </a:tc>
+                <a:tc>
+                  <a:txBody>
+                    <a:bodyPr/>
+                    <a:p>
+                      <a:pPr algn="ctr" fontAlgn="ctr"/>
+                      <a:r>
+                        <a:rPr sz="1800" b="1" i="0">
+                          <a:solidFill>
+                            <a:srgbClr val="000000"/>
+                          </a:solidFill>
+                          <a:latin typeface="Calibri" panose="020F0502020204030204"/>
+                          <a:ea typeface="Calibri" panose="020F0502020204030204"/>
+                        </a:rPr>
+                        <a:t>Cons</a:t>
+                      </a:r>
+                      <a:endParaRPr sz="1800" b="1" i="0">
+                        <a:solidFill>
+                          <a:srgbClr val="000000"/>
+                        </a:solidFill>
+                        <a:latin typeface="Calibri" panose="020F0502020204030204"/>
+                        <a:ea typeface="Calibri" panose="020F0502020204030204"/>
+                      </a:endParaRPr>
+                    </a:p>
+                  </a:txBody>
+                  <a:tcPr marL="7937" marR="7937" marT="7937" anchor="ctr" anchorCtr="0">
+                    <a:lnL w="6350" cap="flat" cmpd="sng">
+                      <a:solidFill>
+                        <a:srgbClr val="000000"/>
+                      </a:solidFill>
+                      <a:prstDash val="solid"/>
+                      <a:headEnd type="none" w="med" len="med"/>
+                      <a:tailEnd type="none" w="med" len="med"/>
+                    </a:lnL>
+                    <a:lnR w="6350" cap="flat" cmpd="sng">
+                      <a:solidFill>
+                        <a:srgbClr val="000000"/>
+                      </a:solidFill>
+                      <a:prstDash val="solid"/>
+                      <a:headEnd type="none" w="med" len="med"/>
+                      <a:tailEnd type="none" w="med" len="med"/>
+                    </a:lnR>
+                    <a:lnT w="6350" cap="flat" cmpd="sng">
+                      <a:solidFill>
+                        <a:srgbClr val="000000"/>
+                      </a:solidFill>
+                      <a:prstDash val="solid"/>
+                      <a:headEnd type="none" w="med" len="med"/>
+                      <a:tailEnd type="none" w="med" len="med"/>
+                    </a:lnT>
+                    <a:lnB w="6350" cap="flat" cmpd="sng">
+                      <a:solidFill>
+                        <a:srgbClr val="000000"/>
+                      </a:solidFill>
+                      <a:prstDash val="solid"/>
+                      <a:headEnd type="none" w="med" len="med"/>
+                      <a:tailEnd type="none" w="med" len="med"/>
+                    </a:lnB>
+                    <a:solidFill>
+                      <a:srgbClr val="A6A6A6"/>
+                    </a:solidFill>
+                  </a:tcPr>
+                </a:tc>
+                <a:tc>
+                  <a:txBody>
+                    <a:bodyPr/>
+                    <a:p>
+                      <a:pPr algn="ctr" fontAlgn="ctr"/>
+                      <a:r>
+                        <a:rPr sz="1800" b="1" i="0">
+                          <a:solidFill>
+                            <a:srgbClr val="000000"/>
+                          </a:solidFill>
+                          <a:latin typeface="Calibri" panose="020F0502020204030204"/>
+                          <a:ea typeface="Calibri" panose="020F0502020204030204"/>
+                        </a:rPr>
+                        <a:t>References</a:t>
+                      </a:r>
+                      <a:endParaRPr sz="1800" b="1" i="0">
+                        <a:solidFill>
+                          <a:srgbClr val="000000"/>
+                        </a:solidFill>
+                        <a:latin typeface="Calibri" panose="020F0502020204030204"/>
+                        <a:ea typeface="Calibri" panose="020F0502020204030204"/>
+                      </a:endParaRPr>
+                    </a:p>
+                  </a:txBody>
+                  <a:tcPr marL="7937" marR="7937" marT="7937" anchor="ctr" anchorCtr="0">
+                    <a:lnL w="6350" cap="flat" cmpd="sng">
+                      <a:solidFill>
+                        <a:srgbClr val="000000"/>
+                      </a:solidFill>
+                      <a:prstDash val="solid"/>
+                      <a:headEnd type="none" w="med" len="med"/>
+                      <a:tailEnd type="none" w="med" len="med"/>
+                    </a:lnL>
+                    <a:lnR w="6350" cap="flat" cmpd="sng">
+                      <a:solidFill>
+                        <a:srgbClr val="000000"/>
+                      </a:solidFill>
+                      <a:prstDash val="solid"/>
+                      <a:headEnd type="none" w="med" len="med"/>
+                      <a:tailEnd type="none" w="med" len="med"/>
+                    </a:lnR>
+                    <a:lnT w="6350" cap="flat" cmpd="sng">
+                      <a:solidFill>
+                        <a:srgbClr val="000000"/>
+                      </a:solidFill>
+                      <a:prstDash val="solid"/>
+                      <a:headEnd type="none" w="med" len="med"/>
+                      <a:tailEnd type="none" w="med" len="med"/>
+                    </a:lnT>
+                    <a:lnB w="6350" cap="flat" cmpd="sng">
+                      <a:solidFill>
+                        <a:srgbClr val="000000"/>
+                      </a:solidFill>
+                      <a:prstDash val="solid"/>
+                      <a:headEnd type="none" w="med" len="med"/>
+                      <a:tailEnd type="none" w="med" len="med"/>
+                    </a:lnB>
+                    <a:solidFill>
+                      <a:srgbClr val="A6A6A6"/>
+                    </a:solidFill>
+                  </a:tcPr>
+                </a:tc>
+              </a:tr>
+              <a:tr h="715010">
+                <a:tc>
+                  <a:txBody>
+                    <a:bodyPr/>
+                    <a:p>
+                      <a:pPr algn="l" fontAlgn="ctr"/>
+                      <a:r>
+                        <a:rPr sz="1800" b="1" i="0">
+                          <a:solidFill>
+                            <a:srgbClr val="000000"/>
+                          </a:solidFill>
+                          <a:latin typeface="Calibri" panose="020F0502020204030204"/>
+                          <a:ea typeface="Calibri" panose="020F0502020204030204"/>
+                        </a:rPr>
+                        <a:t>Full Fine-Tuning</a:t>
+                      </a:r>
+                      <a:endParaRPr sz="1800" b="1" i="0">
+                        <a:solidFill>
+                          <a:srgbClr val="000000"/>
+                        </a:solidFill>
+                        <a:latin typeface="Calibri" panose="020F0502020204030204"/>
+                        <a:ea typeface="Calibri" panose="020F0502020204030204"/>
+                      </a:endParaRPr>
+                    </a:p>
+                  </a:txBody>
+                  <a:tcPr marL="7937" marR="7937" marT="7937" anchor="ctr" anchorCtr="0">
+                    <a:lnL w="6350" cap="flat" cmpd="sng">
+                      <a:solidFill>
+                        <a:srgbClr val="000000"/>
+                      </a:solidFill>
+                      <a:prstDash val="solid"/>
+                      <a:headEnd type="none" w="med" len="med"/>
+                      <a:tailEnd type="none" w="med" len="med"/>
+                    </a:lnL>
+                    <a:lnR w="6350" cap="flat" cmpd="sng">
+                      <a:solidFill>
+                        <a:srgbClr val="000000"/>
+                      </a:solidFill>
+                      <a:prstDash val="solid"/>
+                      <a:headEnd type="none" w="med" len="med"/>
+                      <a:tailEnd type="none" w="med" len="med"/>
+                    </a:lnR>
+                    <a:lnT w="6350" cap="flat" cmpd="sng">
+                      <a:solidFill>
+                        <a:srgbClr val="000000"/>
+                      </a:solidFill>
+                      <a:prstDash val="solid"/>
+                      <a:headEnd type="none" w="med" len="med"/>
+                      <a:tailEnd type="none" w="med" len="med"/>
+                    </a:lnT>
+                    <a:lnB w="6350" cap="flat" cmpd="sng">
+                      <a:solidFill>
+                        <a:srgbClr val="000000"/>
+                      </a:solidFill>
+                      <a:prstDash val="solid"/>
+                      <a:headEnd type="none" w="med" len="med"/>
+                      <a:tailEnd type="none" w="med" len="med"/>
                     </a:lnB>
                     <a:noFill/>
                   </a:tcPr>
@@ -4805,25 +5394,58 @@
                   <a:txBody>
                     <a:bodyPr/>
                     <a:p>
+                      <a:pPr algn="l" fontAlgn="ctr"/>
                       <a:r>
-                        <a:rPr sz="1100"/>
-                        <a:t>Description</a:t>
+                        <a:rPr sz="1800" b="0" i="0">
+                          <a:solidFill>
+                            <a:srgbClr val="000000"/>
+                          </a:solidFill>
+                          <a:latin typeface="Calibri" panose="020F0502020204030204"/>
+                          <a:ea typeface="Calibri" panose="020F0502020204030204"/>
+                        </a:rPr>
+                        <a:t>Train all layers on new data</a:t>
                       </a:r>
-                      <a:endParaRPr sz="1100"/>
+                      <a:endParaRPr sz="1800" b="0" i="0">
+                        <a:solidFill>
+                          <a:srgbClr val="000000"/>
+                        </a:solidFill>
+                        <a:latin typeface="Calibri" panose="020F0502020204030204"/>
+                        <a:ea typeface="Calibri" panose="020F0502020204030204"/>
+                      </a:endParaRPr>
                     </a:p>
                   </a:txBody>
-                  <a:tcPr anchor="ctr" anchorCtr="0">
-                    <a:lnL>
-                      <a:noFill/>
+                  <a:tcPr marL="7937" marR="7937" marT="7937" anchor="ctr" anchorCtr="0">
+                    <a:lnL w="6350" cap="flat" cmpd="sng">
+                      <a:solidFill>
+                        <a:srgbClr val="000000"/>
+                      </a:solidFill>
+                      <a:prstDash val="solid"/>
+                      <a:headEnd type="none" w="med" len="med"/>
+                      <a:tailEnd type="none" w="med" len="med"/>
                     </a:lnL>
-                    <a:lnR>
-                      <a:noFill/>
+                    <a:lnR w="6350" cap="flat" cmpd="sng">
+                      <a:solidFill>
+                        <a:srgbClr val="000000"/>
+                      </a:solidFill>
+                      <a:prstDash val="solid"/>
+                      <a:headEnd type="none" w="med" len="med"/>
+                      <a:tailEnd type="none" w="med" len="med"/>
                     </a:lnR>
-                    <a:lnT>
-                      <a:noFill/>
+                    <a:lnT w="6350" cap="flat" cmpd="sng">
+                      <a:solidFill>
+                        <a:srgbClr val="000000"/>
+                      </a:solidFill>
+                      <a:prstDash val="solid"/>
+                      <a:headEnd type="none" w="med" len="med"/>
+                      <a:tailEnd type="none" w="med" len="med"/>
                     </a:lnT>
-                    <a:lnB>
-                      <a:noFill/>
+                    <a:lnB w="6350" cap="flat" cmpd="sng">
+                      <a:solidFill>
+                        <a:srgbClr val="000000"/>
+                      </a:solidFill>
+                      <a:prstDash val="solid"/>
+                      <a:headEnd type="none" w="med" len="med"/>
+                      <a:tailEnd type="none" w="med" len="med"/>
                     </a:lnB>
                     <a:noFill/>
                   </a:tcPr>
@@ -4832,25 +5454,58 @@
                   <a:txBody>
                     <a:bodyPr/>
                     <a:p>
+                      <a:pPr algn="l" fontAlgn="ctr"/>
                       <a:r>
-                        <a:rPr sz="1100"/>
-                        <a:t>Use Case</a:t>
+                        <a:rPr sz="1800" b="0" i="0">
+                          <a:solidFill>
+                            <a:srgbClr val="000000"/>
+                          </a:solidFill>
+                          <a:latin typeface="Calibri" panose="020F0502020204030204"/>
+                          <a:ea typeface="Calibri" panose="020F0502020204030204"/>
+                        </a:rPr>
+                        <a:t>Large domain-specific dataset</a:t>
                       </a:r>
-                      <a:endParaRPr sz="1100"/>
+                      <a:endParaRPr sz="1800" b="0" i="0">
+                        <a:solidFill>
+                          <a:srgbClr val="000000"/>
+                        </a:solidFill>
+                        <a:latin typeface="Calibri" panose="020F0502020204030204"/>
+                        <a:ea typeface="Calibri" panose="020F0502020204030204"/>
+                      </a:endParaRPr>
                     </a:p>
                   </a:txBody>
-                  <a:tcPr anchor="ctr" anchorCtr="0">
-                    <a:lnL>
-                      <a:noFill/>
+                  <a:tcPr marL="7937" marR="7937" marT="7937" anchor="ctr" anchorCtr="0">
+                    <a:lnL w="6350" cap="flat" cmpd="sng">
+                      <a:solidFill>
+                        <a:srgbClr val="000000"/>
+                      </a:solidFill>
+                      <a:prstDash val="solid"/>
+                      <a:headEnd type="none" w="med" len="med"/>
+                      <a:tailEnd type="none" w="med" len="med"/>
                     </a:lnL>
-                    <a:lnR>
-                      <a:noFill/>
+                    <a:lnR w="6350" cap="flat" cmpd="sng">
+                      <a:solidFill>
+                        <a:srgbClr val="000000"/>
+                      </a:solidFill>
+                      <a:prstDash val="solid"/>
+                      <a:headEnd type="none" w="med" len="med"/>
+                      <a:tailEnd type="none" w="med" len="med"/>
                     </a:lnR>
-                    <a:lnT>
-                      <a:noFill/>
+                    <a:lnT w="6350" cap="flat" cmpd="sng">
+                      <a:solidFill>
+                        <a:srgbClr val="000000"/>
+                      </a:solidFill>
+                      <a:prstDash val="solid"/>
+                      <a:headEnd type="none" w="med" len="med"/>
+                      <a:tailEnd type="none" w="med" len="med"/>
                     </a:lnT>
-                    <a:lnB>
-                      <a:noFill/>
+                    <a:lnB w="6350" cap="flat" cmpd="sng">
+                      <a:solidFill>
+                        <a:srgbClr val="000000"/>
+                      </a:solidFill>
+                      <a:prstDash val="solid"/>
+                      <a:headEnd type="none" w="med" len="med"/>
+                      <a:tailEnd type="none" w="med" len="med"/>
                     </a:lnB>
                     <a:noFill/>
                   </a:tcPr>
@@ -4859,25 +5514,58 @@
                   <a:txBody>
                     <a:bodyPr/>
                     <a:p>
+                      <a:pPr algn="l" fontAlgn="ctr"/>
                       <a:r>
-                        <a:rPr sz="1100"/>
-                        <a:t>Pros</a:t>
+                        <a:rPr sz="1800" b="0" i="0">
+                          <a:solidFill>
+                            <a:srgbClr val="000000"/>
+                          </a:solidFill>
+                          <a:latin typeface="Calibri" panose="020F0502020204030204"/>
+                          <a:ea typeface="Calibri" panose="020F0502020204030204"/>
+                        </a:rPr>
+                        <a:t>Best for deep adaptation</a:t>
                       </a:r>
-                      <a:endParaRPr sz="1100"/>
+                      <a:endParaRPr sz="1800" b="0" i="0">
+                        <a:solidFill>
+                          <a:srgbClr val="000000"/>
+                        </a:solidFill>
+                        <a:latin typeface="Calibri" panose="020F0502020204030204"/>
+                        <a:ea typeface="Calibri" panose="020F0502020204030204"/>
+                      </a:endParaRPr>
                     </a:p>
                   </a:txBody>
-                  <a:tcPr anchor="ctr" anchorCtr="0">
-                    <a:lnL>
-                      <a:noFill/>
+                  <a:tcPr marL="7937" marR="7937" marT="7937" anchor="ctr" anchorCtr="0">
+                    <a:lnL w="6350" cap="flat" cmpd="sng">
+                      <a:solidFill>
+                        <a:srgbClr val="000000"/>
+                      </a:solidFill>
+                      <a:prstDash val="solid"/>
+                      <a:headEnd type="none" w="med" len="med"/>
+                      <a:tailEnd type="none" w="med" len="med"/>
                     </a:lnL>
-                    <a:lnR>
-                      <a:noFill/>
+                    <a:lnR w="6350" cap="flat" cmpd="sng">
+                      <a:solidFill>
+                        <a:srgbClr val="000000"/>
+                      </a:solidFill>
+                      <a:prstDash val="solid"/>
+                      <a:headEnd type="none" w="med" len="med"/>
+                      <a:tailEnd type="none" w="med" len="med"/>
                     </a:lnR>
-                    <a:lnT>
-                      <a:noFill/>
+                    <a:lnT w="6350" cap="flat" cmpd="sng">
+                      <a:solidFill>
+                        <a:srgbClr val="000000"/>
+                      </a:solidFill>
+                      <a:prstDash val="solid"/>
+                      <a:headEnd type="none" w="med" len="med"/>
+                      <a:tailEnd type="none" w="med" len="med"/>
                     </a:lnT>
-                    <a:lnB>
-                      <a:noFill/>
+                    <a:lnB w="6350" cap="flat" cmpd="sng">
+                      <a:solidFill>
+                        <a:srgbClr val="000000"/>
+                      </a:solidFill>
+                      <a:prstDash val="solid"/>
+                      <a:headEnd type="none" w="med" len="med"/>
+                      <a:tailEnd type="none" w="med" len="med"/>
                     </a:lnB>
                     <a:noFill/>
                   </a:tcPr>
@@ -4886,25 +5574,1596 @@
                   <a:txBody>
                     <a:bodyPr/>
                     <a:p>
+                      <a:pPr algn="l" fontAlgn="ctr"/>
                       <a:r>
-                        <a:rPr sz="1100"/>
-                        <a:t>Cons</a:t>
+                        <a:rPr sz="1800" b="0" i="0">
+                          <a:solidFill>
+                            <a:srgbClr val="000000"/>
+                          </a:solidFill>
+                          <a:latin typeface="Calibri" panose="020F0502020204030204"/>
+                          <a:ea typeface="Calibri" panose="020F0502020204030204"/>
+                        </a:rPr>
+                        <a:t>Expensive; risk of overfitting</a:t>
                       </a:r>
-                      <a:endParaRPr sz="1100"/>
+                      <a:endParaRPr sz="1800" b="0" i="0">
+                        <a:solidFill>
+                          <a:srgbClr val="000000"/>
+                        </a:solidFill>
+                        <a:latin typeface="Calibri" panose="020F0502020204030204"/>
+                        <a:ea typeface="Calibri" panose="020F0502020204030204"/>
+                      </a:endParaRPr>
                     </a:p>
                   </a:txBody>
-                  <a:tcPr anchor="ctr" anchorCtr="0">
-                    <a:lnL>
-                      <a:noFill/>
+                  <a:tcPr marL="7937" marR="7937" marT="7937" anchor="ctr" anchorCtr="0">
+                    <a:lnL w="6350" cap="flat" cmpd="sng">
+                      <a:solidFill>
+                        <a:srgbClr val="000000"/>
+                      </a:solidFill>
+                      <a:prstDash val="solid"/>
+                      <a:headEnd type="none" w="med" len="med"/>
+                      <a:tailEnd type="none" w="med" len="med"/>
                     </a:lnL>
-                    <a:lnR>
-                      <a:noFill/>
+                    <a:lnR w="6350" cap="flat" cmpd="sng">
+                      <a:solidFill>
+                        <a:srgbClr val="000000"/>
+                      </a:solidFill>
+                      <a:prstDash val="solid"/>
+                      <a:headEnd type="none" w="med" len="med"/>
+                      <a:tailEnd type="none" w="med" len="med"/>
                     </a:lnR>
-                    <a:lnT>
-                      <a:noFill/>
+                    <a:lnT w="6350" cap="flat" cmpd="sng">
+                      <a:solidFill>
+                        <a:srgbClr val="000000"/>
+                      </a:solidFill>
+                      <a:prstDash val="solid"/>
+                      <a:headEnd type="none" w="med" len="med"/>
+                      <a:tailEnd type="none" w="med" len="med"/>
                     </a:lnT>
-                    <a:lnB>
-                      <a:noFill/>
+                    <a:lnB w="6350" cap="flat" cmpd="sng">
+                      <a:solidFill>
+                        <a:srgbClr val="000000"/>
+                      </a:solidFill>
+                      <a:prstDash val="solid"/>
+                      <a:headEnd type="none" w="med" len="med"/>
+                      <a:tailEnd type="none" w="med" len="med"/>
+                    </a:lnB>
+                    <a:noFill/>
+                  </a:tcPr>
+                </a:tc>
+                <a:tc>
+                  <a:txBody>
+                    <a:bodyPr/>
+                    <a:p>
+                      <a:pPr algn="l" fontAlgn="ctr"/>
+                      <a:r>
+                        <a:rPr sz="1800" b="0" i="0">
+                          <a:solidFill>
+                            <a:srgbClr val="000000"/>
+                          </a:solidFill>
+                          <a:latin typeface="Calibri" panose="020F0502020204030204"/>
+                          <a:ea typeface="Calibri" panose="020F0502020204030204"/>
+                          <a:hlinkClick r:id="rId2" tooltip="https://arxiv.org/abs/1801.06146"/>
+                        </a:rPr>
+                        <a:t>Howard &amp; Ruder (2018)</a:t>
+                      </a:r>
+                      <a:endParaRPr sz="1800" b="0" i="0">
+                        <a:solidFill>
+                          <a:srgbClr val="000000"/>
+                        </a:solidFill>
+                        <a:latin typeface="Calibri" panose="020F0502020204030204"/>
+                        <a:ea typeface="Calibri" panose="020F0502020204030204"/>
+                        <a:hlinkClick r:id="rId2" tooltip="https://arxiv.org/abs/1801.06146"/>
+                      </a:endParaRPr>
+                    </a:p>
+                  </a:txBody>
+                  <a:tcPr marL="7937" marR="7937" marT="7937" anchor="ctr" anchorCtr="0">
+                    <a:lnL w="6350" cap="flat" cmpd="sng">
+                      <a:solidFill>
+                        <a:srgbClr val="000000"/>
+                      </a:solidFill>
+                      <a:prstDash val="solid"/>
+                      <a:headEnd type="none" w="med" len="med"/>
+                      <a:tailEnd type="none" w="med" len="med"/>
+                    </a:lnL>
+                    <a:lnR w="6350" cap="flat" cmpd="sng">
+                      <a:solidFill>
+                        <a:srgbClr val="000000"/>
+                      </a:solidFill>
+                      <a:prstDash val="solid"/>
+                      <a:headEnd type="none" w="med" len="med"/>
+                      <a:tailEnd type="none" w="med" len="med"/>
+                    </a:lnR>
+                    <a:lnT w="6350" cap="flat" cmpd="sng">
+                      <a:solidFill>
+                        <a:srgbClr val="000000"/>
+                      </a:solidFill>
+                      <a:prstDash val="solid"/>
+                      <a:headEnd type="none" w="med" len="med"/>
+                      <a:tailEnd type="none" w="med" len="med"/>
+                    </a:lnT>
+                    <a:lnB w="6350" cap="flat" cmpd="sng">
+                      <a:solidFill>
+                        <a:srgbClr val="000000"/>
+                      </a:solidFill>
+                      <a:prstDash val="solid"/>
+                      <a:headEnd type="none" w="med" len="med"/>
+                      <a:tailEnd type="none" w="med" len="med"/>
+                    </a:lnB>
+                    <a:noFill/>
+                  </a:tcPr>
+                </a:tc>
+              </a:tr>
+              <a:tr h="893445">
+                <a:tc>
+                  <a:txBody>
+                    <a:bodyPr/>
+                    <a:p>
+                      <a:pPr algn="l" fontAlgn="ctr"/>
+                      <a:r>
+                        <a:rPr sz="1800" b="1" i="0">
+                          <a:solidFill>
+                            <a:srgbClr val="000000"/>
+                          </a:solidFill>
+                          <a:latin typeface="Calibri" panose="020F0502020204030204"/>
+                          <a:ea typeface="Calibri" panose="020F0502020204030204"/>
+                        </a:rPr>
+                        <a:t>Higher Layers Fine-Tuning</a:t>
+                      </a:r>
+                      <a:endParaRPr sz="1800" b="1" i="0">
+                        <a:solidFill>
+                          <a:srgbClr val="000000"/>
+                        </a:solidFill>
+                        <a:latin typeface="Calibri" panose="020F0502020204030204"/>
+                        <a:ea typeface="Calibri" panose="020F0502020204030204"/>
+                      </a:endParaRPr>
+                    </a:p>
+                  </a:txBody>
+                  <a:tcPr marL="7937" marR="7937" marT="7937" anchor="ctr" anchorCtr="0">
+                    <a:lnL w="6350" cap="flat" cmpd="sng">
+                      <a:solidFill>
+                        <a:srgbClr val="000000"/>
+                      </a:solidFill>
+                      <a:prstDash val="solid"/>
+                      <a:headEnd type="none" w="med" len="med"/>
+                      <a:tailEnd type="none" w="med" len="med"/>
+                    </a:lnL>
+                    <a:lnR w="6350" cap="flat" cmpd="sng">
+                      <a:solidFill>
+                        <a:srgbClr val="000000"/>
+                      </a:solidFill>
+                      <a:prstDash val="solid"/>
+                      <a:headEnd type="none" w="med" len="med"/>
+                      <a:tailEnd type="none" w="med" len="med"/>
+                    </a:lnR>
+                    <a:lnT w="6350" cap="flat" cmpd="sng">
+                      <a:solidFill>
+                        <a:srgbClr val="000000"/>
+                      </a:solidFill>
+                      <a:prstDash val="solid"/>
+                      <a:headEnd type="none" w="med" len="med"/>
+                      <a:tailEnd type="none" w="med" len="med"/>
+                    </a:lnT>
+                    <a:lnB w="6350" cap="flat" cmpd="sng">
+                      <a:solidFill>
+                        <a:srgbClr val="000000"/>
+                      </a:solidFill>
+                      <a:prstDash val="solid"/>
+                      <a:headEnd type="none" w="med" len="med"/>
+                      <a:tailEnd type="none" w="med" len="med"/>
+                    </a:lnB>
+                    <a:noFill/>
+                  </a:tcPr>
+                </a:tc>
+                <a:tc>
+                  <a:txBody>
+                    <a:bodyPr/>
+                    <a:p>
+                      <a:pPr algn="l" fontAlgn="ctr"/>
+                      <a:r>
+                        <a:rPr sz="1800" b="0" i="0">
+                          <a:solidFill>
+                            <a:srgbClr val="000000"/>
+                          </a:solidFill>
+                          <a:latin typeface="Calibri" panose="020F0502020204030204"/>
+                          <a:ea typeface="Calibri" panose="020F0502020204030204"/>
+                        </a:rPr>
+                        <a:t>Freeze lower layers, fine-tune upper</a:t>
+                      </a:r>
+                      <a:endParaRPr sz="1800" b="0" i="0">
+                        <a:solidFill>
+                          <a:srgbClr val="000000"/>
+                        </a:solidFill>
+                        <a:latin typeface="Calibri" panose="020F0502020204030204"/>
+                        <a:ea typeface="Calibri" panose="020F0502020204030204"/>
+                      </a:endParaRPr>
+                    </a:p>
+                  </a:txBody>
+                  <a:tcPr marL="7937" marR="7937" marT="7937" anchor="ctr" anchorCtr="0">
+                    <a:lnL w="6350" cap="flat" cmpd="sng">
+                      <a:solidFill>
+                        <a:srgbClr val="000000"/>
+                      </a:solidFill>
+                      <a:prstDash val="solid"/>
+                      <a:headEnd type="none" w="med" len="med"/>
+                      <a:tailEnd type="none" w="med" len="med"/>
+                    </a:lnL>
+                    <a:lnR w="6350" cap="flat" cmpd="sng">
+                      <a:solidFill>
+                        <a:srgbClr val="000000"/>
+                      </a:solidFill>
+                      <a:prstDash val="solid"/>
+                      <a:headEnd type="none" w="med" len="med"/>
+                      <a:tailEnd type="none" w="med" len="med"/>
+                    </a:lnR>
+                    <a:lnT w="6350" cap="flat" cmpd="sng">
+                      <a:solidFill>
+                        <a:srgbClr val="000000"/>
+                      </a:solidFill>
+                      <a:prstDash val="solid"/>
+                      <a:headEnd type="none" w="med" len="med"/>
+                      <a:tailEnd type="none" w="med" len="med"/>
+                    </a:lnT>
+                    <a:lnB w="6350" cap="flat" cmpd="sng">
+                      <a:solidFill>
+                        <a:srgbClr val="000000"/>
+                      </a:solidFill>
+                      <a:prstDash val="solid"/>
+                      <a:headEnd type="none" w="med" len="med"/>
+                      <a:tailEnd type="none" w="med" len="med"/>
+                    </a:lnB>
+                    <a:noFill/>
+                  </a:tcPr>
+                </a:tc>
+                <a:tc>
+                  <a:txBody>
+                    <a:bodyPr/>
+                    <a:p>
+                      <a:pPr algn="l" fontAlgn="ctr"/>
+                      <a:r>
+                        <a:rPr sz="1800" b="0" i="0">
+                          <a:solidFill>
+                            <a:srgbClr val="000000"/>
+                          </a:solidFill>
+                          <a:latin typeface="Calibri" panose="020F0502020204030204"/>
+                          <a:ea typeface="Calibri" panose="020F0502020204030204"/>
+                        </a:rPr>
+                        <a:t>Small, specialized dataset</a:t>
+                      </a:r>
+                      <a:endParaRPr sz="1800" b="0" i="0">
+                        <a:solidFill>
+                          <a:srgbClr val="000000"/>
+                        </a:solidFill>
+                        <a:latin typeface="Calibri" panose="020F0502020204030204"/>
+                        <a:ea typeface="Calibri" panose="020F0502020204030204"/>
+                      </a:endParaRPr>
+                    </a:p>
+                  </a:txBody>
+                  <a:tcPr marL="7937" marR="7937" marT="7937" anchor="ctr" anchorCtr="0">
+                    <a:lnL w="6350" cap="flat" cmpd="sng">
+                      <a:solidFill>
+                        <a:srgbClr val="000000"/>
+                      </a:solidFill>
+                      <a:prstDash val="solid"/>
+                      <a:headEnd type="none" w="med" len="med"/>
+                      <a:tailEnd type="none" w="med" len="med"/>
+                    </a:lnL>
+                    <a:lnR w="6350" cap="flat" cmpd="sng">
+                      <a:solidFill>
+                        <a:srgbClr val="000000"/>
+                      </a:solidFill>
+                      <a:prstDash val="solid"/>
+                      <a:headEnd type="none" w="med" len="med"/>
+                      <a:tailEnd type="none" w="med" len="med"/>
+                    </a:lnR>
+                    <a:lnT w="6350" cap="flat" cmpd="sng">
+                      <a:solidFill>
+                        <a:srgbClr val="000000"/>
+                      </a:solidFill>
+                      <a:prstDash val="solid"/>
+                      <a:headEnd type="none" w="med" len="med"/>
+                      <a:tailEnd type="none" w="med" len="med"/>
+                    </a:lnT>
+                    <a:lnB w="6350" cap="flat" cmpd="sng">
+                      <a:solidFill>
+                        <a:srgbClr val="000000"/>
+                      </a:solidFill>
+                      <a:prstDash val="solid"/>
+                      <a:headEnd type="none" w="med" len="med"/>
+                      <a:tailEnd type="none" w="med" len="med"/>
+                    </a:lnB>
+                    <a:noFill/>
+                  </a:tcPr>
+                </a:tc>
+                <a:tc>
+                  <a:txBody>
+                    <a:bodyPr/>
+                    <a:p>
+                      <a:pPr algn="l" fontAlgn="ctr"/>
+                      <a:r>
+                        <a:rPr sz="1800" b="0" i="0">
+                          <a:solidFill>
+                            <a:srgbClr val="000000"/>
+                          </a:solidFill>
+                          <a:latin typeface="Calibri" panose="020F0502020204030204"/>
+                          <a:ea typeface="Calibri" panose="020F0502020204030204"/>
+                        </a:rPr>
+                        <a:t>Balances adaptation and efficiency</a:t>
+                      </a:r>
+                      <a:endParaRPr sz="1800" b="0" i="0">
+                        <a:solidFill>
+                          <a:srgbClr val="000000"/>
+                        </a:solidFill>
+                        <a:latin typeface="Calibri" panose="020F0502020204030204"/>
+                        <a:ea typeface="Calibri" panose="020F0502020204030204"/>
+                      </a:endParaRPr>
+                    </a:p>
+                  </a:txBody>
+                  <a:tcPr marL="7937" marR="7937" marT="7937" anchor="ctr" anchorCtr="0">
+                    <a:lnL w="6350" cap="flat" cmpd="sng">
+                      <a:solidFill>
+                        <a:srgbClr val="000000"/>
+                      </a:solidFill>
+                      <a:prstDash val="solid"/>
+                      <a:headEnd type="none" w="med" len="med"/>
+                      <a:tailEnd type="none" w="med" len="med"/>
+                    </a:lnL>
+                    <a:lnR w="6350" cap="flat" cmpd="sng">
+                      <a:solidFill>
+                        <a:srgbClr val="000000"/>
+                      </a:solidFill>
+                      <a:prstDash val="solid"/>
+                      <a:headEnd type="none" w="med" len="med"/>
+                      <a:tailEnd type="none" w="med" len="med"/>
+                    </a:lnR>
+                    <a:lnT w="6350" cap="flat" cmpd="sng">
+                      <a:solidFill>
+                        <a:srgbClr val="000000"/>
+                      </a:solidFill>
+                      <a:prstDash val="solid"/>
+                      <a:headEnd type="none" w="med" len="med"/>
+                      <a:tailEnd type="none" w="med" len="med"/>
+                    </a:lnT>
+                    <a:lnB w="6350" cap="flat" cmpd="sng">
+                      <a:solidFill>
+                        <a:srgbClr val="000000"/>
+                      </a:solidFill>
+                      <a:prstDash val="solid"/>
+                      <a:headEnd type="none" w="med" len="med"/>
+                      <a:tailEnd type="none" w="med" len="med"/>
+                    </a:lnB>
+                    <a:noFill/>
+                  </a:tcPr>
+                </a:tc>
+                <a:tc>
+                  <a:txBody>
+                    <a:bodyPr/>
+                    <a:p>
+                      <a:pPr algn="l" fontAlgn="ctr"/>
+                      <a:r>
+                        <a:rPr sz="1800" b="0" i="0">
+                          <a:solidFill>
+                            <a:srgbClr val="000000"/>
+                          </a:solidFill>
+                          <a:latin typeface="Calibri" panose="020F0502020204030204"/>
+                          <a:ea typeface="Calibri" panose="020F0502020204030204"/>
+                        </a:rPr>
+                        <a:t>Limited flexibility</a:t>
+                      </a:r>
+                      <a:endParaRPr sz="1800" b="0" i="0">
+                        <a:solidFill>
+                          <a:srgbClr val="000000"/>
+                        </a:solidFill>
+                        <a:latin typeface="Calibri" panose="020F0502020204030204"/>
+                        <a:ea typeface="Calibri" panose="020F0502020204030204"/>
+                      </a:endParaRPr>
+                    </a:p>
+                  </a:txBody>
+                  <a:tcPr marL="7937" marR="7937" marT="7937" anchor="ctr" anchorCtr="0">
+                    <a:lnL w="6350" cap="flat" cmpd="sng">
+                      <a:solidFill>
+                        <a:srgbClr val="000000"/>
+                      </a:solidFill>
+                      <a:prstDash val="solid"/>
+                      <a:headEnd type="none" w="med" len="med"/>
+                      <a:tailEnd type="none" w="med" len="med"/>
+                    </a:lnL>
+                    <a:lnR w="6350" cap="flat" cmpd="sng">
+                      <a:solidFill>
+                        <a:srgbClr val="000000"/>
+                      </a:solidFill>
+                      <a:prstDash val="solid"/>
+                      <a:headEnd type="none" w="med" len="med"/>
+                      <a:tailEnd type="none" w="med" len="med"/>
+                    </a:lnR>
+                    <a:lnT w="6350" cap="flat" cmpd="sng">
+                      <a:solidFill>
+                        <a:srgbClr val="000000"/>
+                      </a:solidFill>
+                      <a:prstDash val="solid"/>
+                      <a:headEnd type="none" w="med" len="med"/>
+                      <a:tailEnd type="none" w="med" len="med"/>
+                    </a:lnT>
+                    <a:lnB w="6350" cap="flat" cmpd="sng">
+                      <a:solidFill>
+                        <a:srgbClr val="000000"/>
+                      </a:solidFill>
+                      <a:prstDash val="solid"/>
+                      <a:headEnd type="none" w="med" len="med"/>
+                      <a:tailEnd type="none" w="med" len="med"/>
+                    </a:lnB>
+                    <a:noFill/>
+                  </a:tcPr>
+                </a:tc>
+                <a:tc>
+                  <a:txBody>
+                    <a:bodyPr/>
+                    <a:p>
+                      <a:pPr algn="l" fontAlgn="ctr"/>
+                      <a:r>
+                        <a:rPr sz="1800" b="0" i="0">
+                          <a:solidFill>
+                            <a:srgbClr val="000000"/>
+                          </a:solidFill>
+                          <a:latin typeface="Calibri" panose="020F0502020204030204"/>
+                          <a:ea typeface="Calibri" panose="020F0502020204030204"/>
+                          <a:hlinkClick r:id="rId3" tooltip="https://arxiv.org/abs/1905.05583"/>
+                        </a:rPr>
+                        <a:t>Peters et al. (2019)</a:t>
+                      </a:r>
+                      <a:endParaRPr sz="1800" b="0" i="0">
+                        <a:solidFill>
+                          <a:srgbClr val="000000"/>
+                        </a:solidFill>
+                        <a:latin typeface="Calibri" panose="020F0502020204030204"/>
+                        <a:ea typeface="Calibri" panose="020F0502020204030204"/>
+                        <a:hlinkClick r:id="rId3" tooltip="https://arxiv.org/abs/1905.05583"/>
+                      </a:endParaRPr>
+                    </a:p>
+                  </a:txBody>
+                  <a:tcPr marL="7937" marR="7937" marT="7937" anchor="ctr" anchorCtr="0">
+                    <a:lnL w="6350" cap="flat" cmpd="sng">
+                      <a:solidFill>
+                        <a:srgbClr val="000000"/>
+                      </a:solidFill>
+                      <a:prstDash val="solid"/>
+                      <a:headEnd type="none" w="med" len="med"/>
+                      <a:tailEnd type="none" w="med" len="med"/>
+                    </a:lnL>
+                    <a:lnR w="6350" cap="flat" cmpd="sng">
+                      <a:solidFill>
+                        <a:srgbClr val="000000"/>
+                      </a:solidFill>
+                      <a:prstDash val="solid"/>
+                      <a:headEnd type="none" w="med" len="med"/>
+                      <a:tailEnd type="none" w="med" len="med"/>
+                    </a:lnR>
+                    <a:lnT w="6350" cap="flat" cmpd="sng">
+                      <a:solidFill>
+                        <a:srgbClr val="000000"/>
+                      </a:solidFill>
+                      <a:prstDash val="solid"/>
+                      <a:headEnd type="none" w="med" len="med"/>
+                      <a:tailEnd type="none" w="med" len="med"/>
+                    </a:lnT>
+                    <a:lnB w="6350" cap="flat" cmpd="sng">
+                      <a:solidFill>
+                        <a:srgbClr val="000000"/>
+                      </a:solidFill>
+                      <a:prstDash val="solid"/>
+                      <a:headEnd type="none" w="med" len="med"/>
+                      <a:tailEnd type="none" w="med" len="med"/>
+                    </a:lnB>
+                    <a:noFill/>
+                  </a:tcPr>
+                </a:tc>
+              </a:tr>
+              <a:tr h="892810">
+                <a:tc>
+                  <a:txBody>
+                    <a:bodyPr/>
+                    <a:p>
+                      <a:pPr algn="l" fontAlgn="ctr"/>
+                      <a:r>
+                        <a:rPr sz="1800" b="1" i="0">
+                          <a:solidFill>
+                            <a:srgbClr val="000000"/>
+                          </a:solidFill>
+                          <a:latin typeface="Calibri" panose="020F0502020204030204"/>
+                          <a:ea typeface="Calibri" panose="020F0502020204030204"/>
+                        </a:rPr>
+                        <a:t>Prompt Tuning</a:t>
+                      </a:r>
+                      <a:endParaRPr sz="1800" b="1" i="0">
+                        <a:solidFill>
+                          <a:srgbClr val="000000"/>
+                        </a:solidFill>
+                        <a:latin typeface="Calibri" panose="020F0502020204030204"/>
+                        <a:ea typeface="Calibri" panose="020F0502020204030204"/>
+                      </a:endParaRPr>
+                    </a:p>
+                  </a:txBody>
+                  <a:tcPr marL="7937" marR="7937" marT="7937" anchor="ctr" anchorCtr="0">
+                    <a:lnL w="6350" cap="flat" cmpd="sng">
+                      <a:solidFill>
+                        <a:srgbClr val="000000"/>
+                      </a:solidFill>
+                      <a:prstDash val="solid"/>
+                      <a:headEnd type="none" w="med" len="med"/>
+                      <a:tailEnd type="none" w="med" len="med"/>
+                    </a:lnL>
+                    <a:lnR w="6350" cap="flat" cmpd="sng">
+                      <a:solidFill>
+                        <a:srgbClr val="000000"/>
+                      </a:solidFill>
+                      <a:prstDash val="solid"/>
+                      <a:headEnd type="none" w="med" len="med"/>
+                      <a:tailEnd type="none" w="med" len="med"/>
+                    </a:lnR>
+                    <a:lnT w="6350" cap="flat" cmpd="sng">
+                      <a:solidFill>
+                        <a:srgbClr val="000000"/>
+                      </a:solidFill>
+                      <a:prstDash val="solid"/>
+                      <a:headEnd type="none" w="med" len="med"/>
+                      <a:tailEnd type="none" w="med" len="med"/>
+                    </a:lnT>
+                    <a:lnB w="6350" cap="flat" cmpd="sng">
+                      <a:solidFill>
+                        <a:srgbClr val="000000"/>
+                      </a:solidFill>
+                      <a:prstDash val="solid"/>
+                      <a:headEnd type="none" w="med" len="med"/>
+                      <a:tailEnd type="none" w="med" len="med"/>
+                    </a:lnB>
+                    <a:noFill/>
+                  </a:tcPr>
+                </a:tc>
+                <a:tc>
+                  <a:txBody>
+                    <a:bodyPr/>
+                    <a:p>
+                      <a:pPr algn="l" fontAlgn="ctr"/>
+                      <a:r>
+                        <a:rPr sz="1800" b="0" i="0">
+                          <a:solidFill>
+                            <a:srgbClr val="000000"/>
+                          </a:solidFill>
+                          <a:latin typeface="Calibri" panose="020F0502020204030204"/>
+                          <a:ea typeface="Calibri" panose="020F0502020204030204"/>
+                        </a:rPr>
+                        <a:t>Task-specific prompts without changes</a:t>
+                      </a:r>
+                      <a:endParaRPr sz="1800" b="0" i="0">
+                        <a:solidFill>
+                          <a:srgbClr val="000000"/>
+                        </a:solidFill>
+                        <a:latin typeface="Calibri" panose="020F0502020204030204"/>
+                        <a:ea typeface="Calibri" panose="020F0502020204030204"/>
+                      </a:endParaRPr>
+                    </a:p>
+                  </a:txBody>
+                  <a:tcPr marL="7937" marR="7937" marT="7937" anchor="ctr" anchorCtr="0">
+                    <a:lnL w="6350" cap="flat" cmpd="sng">
+                      <a:solidFill>
+                        <a:srgbClr val="000000"/>
+                      </a:solidFill>
+                      <a:prstDash val="solid"/>
+                      <a:headEnd type="none" w="med" len="med"/>
+                      <a:tailEnd type="none" w="med" len="med"/>
+                    </a:lnL>
+                    <a:lnR w="6350" cap="flat" cmpd="sng">
+                      <a:solidFill>
+                        <a:srgbClr val="000000"/>
+                      </a:solidFill>
+                      <a:prstDash val="solid"/>
+                      <a:headEnd type="none" w="med" len="med"/>
+                      <a:tailEnd type="none" w="med" len="med"/>
+                    </a:lnR>
+                    <a:lnT w="6350" cap="flat" cmpd="sng">
+                      <a:solidFill>
+                        <a:srgbClr val="000000"/>
+                      </a:solidFill>
+                      <a:prstDash val="solid"/>
+                      <a:headEnd type="none" w="med" len="med"/>
+                      <a:tailEnd type="none" w="med" len="med"/>
+                    </a:lnT>
+                    <a:lnB w="6350" cap="flat" cmpd="sng">
+                      <a:solidFill>
+                        <a:srgbClr val="000000"/>
+                      </a:solidFill>
+                      <a:prstDash val="solid"/>
+                      <a:headEnd type="none" w="med" len="med"/>
+                      <a:tailEnd type="none" w="med" len="med"/>
+                    </a:lnB>
+                    <a:noFill/>
+                  </a:tcPr>
+                </a:tc>
+                <a:tc>
+                  <a:txBody>
+                    <a:bodyPr/>
+                    <a:p>
+                      <a:pPr algn="l" fontAlgn="ctr"/>
+                      <a:r>
+                        <a:rPr sz="1800" b="0" i="0">
+                          <a:solidFill>
+                            <a:srgbClr val="000000"/>
+                          </a:solidFill>
+                          <a:latin typeface="Calibri" panose="020F0502020204030204"/>
+                          <a:ea typeface="Calibri" panose="020F0502020204030204"/>
+                        </a:rPr>
+                        <a:t>Few-shot, large models (</a:t>
+                      </a:r>
+                      <a:r>
+                        <a:rPr lang="en-US" sz="1800" b="0" i="0">
+                          <a:solidFill>
+                            <a:srgbClr val="000000"/>
+                          </a:solidFill>
+                          <a:latin typeface="Calibri" panose="020F0502020204030204"/>
+                          <a:ea typeface="Calibri" panose="020F0502020204030204"/>
+                        </a:rPr>
+                        <a:t>T5, </a:t>
+                      </a:r>
+                      <a:r>
+                        <a:rPr sz="1800" b="0" i="0">
+                          <a:solidFill>
+                            <a:srgbClr val="000000"/>
+                          </a:solidFill>
+                          <a:latin typeface="Calibri" panose="020F0502020204030204"/>
+                          <a:ea typeface="Calibri" panose="020F0502020204030204"/>
+                        </a:rPr>
+                        <a:t>GPT-3/4)</a:t>
+                      </a:r>
+                      <a:endParaRPr sz="1800" b="0" i="0">
+                        <a:solidFill>
+                          <a:srgbClr val="000000"/>
+                        </a:solidFill>
+                        <a:latin typeface="Calibri" panose="020F0502020204030204"/>
+                        <a:ea typeface="Calibri" panose="020F0502020204030204"/>
+                      </a:endParaRPr>
+                    </a:p>
+                  </a:txBody>
+                  <a:tcPr marL="7937" marR="7937" marT="7937" anchor="ctr" anchorCtr="0">
+                    <a:lnL w="6350" cap="flat" cmpd="sng">
+                      <a:solidFill>
+                        <a:srgbClr val="000000"/>
+                      </a:solidFill>
+                      <a:prstDash val="solid"/>
+                      <a:headEnd type="none" w="med" len="med"/>
+                      <a:tailEnd type="none" w="med" len="med"/>
+                    </a:lnL>
+                    <a:lnR w="6350" cap="flat" cmpd="sng">
+                      <a:solidFill>
+                        <a:srgbClr val="000000"/>
+                      </a:solidFill>
+                      <a:prstDash val="solid"/>
+                      <a:headEnd type="none" w="med" len="med"/>
+                      <a:tailEnd type="none" w="med" len="med"/>
+                    </a:lnR>
+                    <a:lnT w="6350" cap="flat" cmpd="sng">
+                      <a:solidFill>
+                        <a:srgbClr val="000000"/>
+                      </a:solidFill>
+                      <a:prstDash val="solid"/>
+                      <a:headEnd type="none" w="med" len="med"/>
+                      <a:tailEnd type="none" w="med" len="med"/>
+                    </a:lnT>
+                    <a:lnB w="6350" cap="flat" cmpd="sng">
+                      <a:solidFill>
+                        <a:srgbClr val="000000"/>
+                      </a:solidFill>
+                      <a:prstDash val="solid"/>
+                      <a:headEnd type="none" w="med" len="med"/>
+                      <a:tailEnd type="none" w="med" len="med"/>
+                    </a:lnB>
+                    <a:noFill/>
+                  </a:tcPr>
+                </a:tc>
+                <a:tc>
+                  <a:txBody>
+                    <a:bodyPr/>
+                    <a:p>
+                      <a:pPr algn="l" fontAlgn="ctr"/>
+                      <a:r>
+                        <a:rPr sz="1800" b="0" i="0">
+                          <a:solidFill>
+                            <a:srgbClr val="000000"/>
+                          </a:solidFill>
+                          <a:latin typeface="Calibri" panose="020F0502020204030204"/>
+                          <a:ea typeface="Calibri" panose="020F0502020204030204"/>
+                        </a:rPr>
+                        <a:t>No parameter change; efficient</a:t>
+                      </a:r>
+                      <a:endParaRPr sz="1800" b="0" i="0">
+                        <a:solidFill>
+                          <a:srgbClr val="000000"/>
+                        </a:solidFill>
+                        <a:latin typeface="Calibri" panose="020F0502020204030204"/>
+                        <a:ea typeface="Calibri" panose="020F0502020204030204"/>
+                      </a:endParaRPr>
+                    </a:p>
+                  </a:txBody>
+                  <a:tcPr marL="7937" marR="7937" marT="7937" anchor="ctr" anchorCtr="0">
+                    <a:lnL w="6350" cap="flat" cmpd="sng">
+                      <a:solidFill>
+                        <a:srgbClr val="000000"/>
+                      </a:solidFill>
+                      <a:prstDash val="solid"/>
+                      <a:headEnd type="none" w="med" len="med"/>
+                      <a:tailEnd type="none" w="med" len="med"/>
+                    </a:lnL>
+                    <a:lnR w="6350" cap="flat" cmpd="sng">
+                      <a:solidFill>
+                        <a:srgbClr val="000000"/>
+                      </a:solidFill>
+                      <a:prstDash val="solid"/>
+                      <a:headEnd type="none" w="med" len="med"/>
+                      <a:tailEnd type="none" w="med" len="med"/>
+                    </a:lnR>
+                    <a:lnT w="6350" cap="flat" cmpd="sng">
+                      <a:solidFill>
+                        <a:srgbClr val="000000"/>
+                      </a:solidFill>
+                      <a:prstDash val="solid"/>
+                      <a:headEnd type="none" w="med" len="med"/>
+                      <a:tailEnd type="none" w="med" len="med"/>
+                    </a:lnT>
+                    <a:lnB w="6350" cap="flat" cmpd="sng">
+                      <a:solidFill>
+                        <a:srgbClr val="000000"/>
+                      </a:solidFill>
+                      <a:prstDash val="solid"/>
+                      <a:headEnd type="none" w="med" len="med"/>
+                      <a:tailEnd type="none" w="med" len="med"/>
+                    </a:lnB>
+                    <a:noFill/>
+                  </a:tcPr>
+                </a:tc>
+                <a:tc>
+                  <a:txBody>
+                    <a:bodyPr/>
+                    <a:p>
+                      <a:pPr algn="l" fontAlgn="ctr"/>
+                      <a:r>
+                        <a:rPr sz="1800" b="0" i="0">
+                          <a:solidFill>
+                            <a:srgbClr val="000000"/>
+                          </a:solidFill>
+                          <a:latin typeface="Calibri" panose="020F0502020204030204"/>
+                          <a:ea typeface="Calibri" panose="020F0502020204030204"/>
+                        </a:rPr>
+                        <a:t>Requires prompt engineering</a:t>
+                      </a:r>
+                      <a:endParaRPr sz="1800" b="0" i="0">
+                        <a:solidFill>
+                          <a:srgbClr val="000000"/>
+                        </a:solidFill>
+                        <a:latin typeface="Calibri" panose="020F0502020204030204"/>
+                        <a:ea typeface="Calibri" panose="020F0502020204030204"/>
+                      </a:endParaRPr>
+                    </a:p>
+                  </a:txBody>
+                  <a:tcPr marL="7937" marR="7937" marT="7937" anchor="ctr" anchorCtr="0">
+                    <a:lnL w="6350" cap="flat" cmpd="sng">
+                      <a:solidFill>
+                        <a:srgbClr val="000000"/>
+                      </a:solidFill>
+                      <a:prstDash val="solid"/>
+                      <a:headEnd type="none" w="med" len="med"/>
+                      <a:tailEnd type="none" w="med" len="med"/>
+                    </a:lnL>
+                    <a:lnR w="6350" cap="flat" cmpd="sng">
+                      <a:solidFill>
+                        <a:srgbClr val="000000"/>
+                      </a:solidFill>
+                      <a:prstDash val="solid"/>
+                      <a:headEnd type="none" w="med" len="med"/>
+                      <a:tailEnd type="none" w="med" len="med"/>
+                    </a:lnR>
+                    <a:lnT w="6350" cap="flat" cmpd="sng">
+                      <a:solidFill>
+                        <a:srgbClr val="000000"/>
+                      </a:solidFill>
+                      <a:prstDash val="solid"/>
+                      <a:headEnd type="none" w="med" len="med"/>
+                      <a:tailEnd type="none" w="med" len="med"/>
+                    </a:lnT>
+                    <a:lnB w="6350" cap="flat" cmpd="sng">
+                      <a:solidFill>
+                        <a:srgbClr val="000000"/>
+                      </a:solidFill>
+                      <a:prstDash val="solid"/>
+                      <a:headEnd type="none" w="med" len="med"/>
+                      <a:tailEnd type="none" w="med" len="med"/>
+                    </a:lnB>
+                    <a:noFill/>
+                  </a:tcPr>
+                </a:tc>
+                <a:tc>
+                  <a:txBody>
+                    <a:bodyPr/>
+                    <a:p>
+                      <a:pPr algn="l" fontAlgn="ctr"/>
+                      <a:r>
+                        <a:rPr sz="1800" b="0" i="0">
+                          <a:solidFill>
+                            <a:srgbClr val="000000"/>
+                          </a:solidFill>
+                          <a:latin typeface="Calibri" panose="020F0502020204030204"/>
+                          <a:ea typeface="Calibri" panose="020F0502020204030204"/>
+                          <a:hlinkClick r:id="rId4" tooltip="https://arxiv.org/abs/2107.13586"/>
+                        </a:rPr>
+                        <a:t>Liu et al. (2021)</a:t>
+                      </a:r>
+                      <a:endParaRPr sz="1800" b="0" i="0">
+                        <a:solidFill>
+                          <a:srgbClr val="000000"/>
+                        </a:solidFill>
+                        <a:latin typeface="Calibri" panose="020F0502020204030204"/>
+                        <a:ea typeface="Calibri" panose="020F0502020204030204"/>
+                        <a:hlinkClick r:id="rId4" tooltip="https://arxiv.org/abs/2107.13586"/>
+                      </a:endParaRPr>
+                    </a:p>
+                  </a:txBody>
+                  <a:tcPr marL="7937" marR="7937" marT="7937" anchor="ctr" anchorCtr="0">
+                    <a:lnL w="6350" cap="flat" cmpd="sng">
+                      <a:solidFill>
+                        <a:srgbClr val="000000"/>
+                      </a:solidFill>
+                      <a:prstDash val="solid"/>
+                      <a:headEnd type="none" w="med" len="med"/>
+                      <a:tailEnd type="none" w="med" len="med"/>
+                    </a:lnL>
+                    <a:lnR w="6350" cap="flat" cmpd="sng">
+                      <a:solidFill>
+                        <a:srgbClr val="000000"/>
+                      </a:solidFill>
+                      <a:prstDash val="solid"/>
+                      <a:headEnd type="none" w="med" len="med"/>
+                      <a:tailEnd type="none" w="med" len="med"/>
+                    </a:lnR>
+                    <a:lnT w="6350" cap="flat" cmpd="sng">
+                      <a:solidFill>
+                        <a:srgbClr val="000000"/>
+                      </a:solidFill>
+                      <a:prstDash val="solid"/>
+                      <a:headEnd type="none" w="med" len="med"/>
+                      <a:tailEnd type="none" w="med" len="med"/>
+                    </a:lnT>
+                    <a:lnB w="6350" cap="flat" cmpd="sng">
+                      <a:solidFill>
+                        <a:srgbClr val="000000"/>
+                      </a:solidFill>
+                      <a:prstDash val="solid"/>
+                      <a:headEnd type="none" w="med" len="med"/>
+                      <a:tailEnd type="none" w="med" len="med"/>
+                    </a:lnB>
+                    <a:noFill/>
+                  </a:tcPr>
+                </a:tc>
+              </a:tr>
+              <a:tr h="876300">
+                <a:tc>
+                  <a:txBody>
+                    <a:bodyPr/>
+                    <a:p>
+                      <a:pPr algn="l" fontAlgn="ctr"/>
+                      <a:r>
+                        <a:rPr sz="1800" b="1" i="0">
+                          <a:solidFill>
+                            <a:srgbClr val="000000"/>
+                          </a:solidFill>
+                          <a:latin typeface="Calibri" panose="020F0502020204030204"/>
+                          <a:ea typeface="Calibri" panose="020F0502020204030204"/>
+                        </a:rPr>
+                        <a:t>Embedding Fine-Tuning</a:t>
+                      </a:r>
+                      <a:endParaRPr sz="1800" b="1" i="0">
+                        <a:solidFill>
+                          <a:srgbClr val="000000"/>
+                        </a:solidFill>
+                        <a:latin typeface="Calibri" panose="020F0502020204030204"/>
+                        <a:ea typeface="Calibri" panose="020F0502020204030204"/>
+                      </a:endParaRPr>
+                    </a:p>
+                  </a:txBody>
+                  <a:tcPr marL="7937" marR="7937" marT="7937" anchor="ctr" anchorCtr="0">
+                    <a:lnL w="6350" cap="flat" cmpd="sng">
+                      <a:solidFill>
+                        <a:srgbClr val="000000"/>
+                      </a:solidFill>
+                      <a:prstDash val="solid"/>
+                      <a:headEnd type="none" w="med" len="med"/>
+                      <a:tailEnd type="none" w="med" len="med"/>
+                    </a:lnL>
+                    <a:lnR w="6350" cap="flat" cmpd="sng">
+                      <a:solidFill>
+                        <a:srgbClr val="000000"/>
+                      </a:solidFill>
+                      <a:prstDash val="solid"/>
+                      <a:headEnd type="none" w="med" len="med"/>
+                      <a:tailEnd type="none" w="med" len="med"/>
+                    </a:lnR>
+                    <a:lnT w="6350" cap="flat" cmpd="sng">
+                      <a:solidFill>
+                        <a:srgbClr val="000000"/>
+                      </a:solidFill>
+                      <a:prstDash val="solid"/>
+                      <a:headEnd type="none" w="med" len="med"/>
+                      <a:tailEnd type="none" w="med" len="med"/>
+                    </a:lnT>
+                    <a:lnB w="6350" cap="flat" cmpd="sng">
+                      <a:solidFill>
+                        <a:srgbClr val="000000"/>
+                      </a:solidFill>
+                      <a:prstDash val="solid"/>
+                      <a:headEnd type="none" w="med" len="med"/>
+                      <a:tailEnd type="none" w="med" len="med"/>
+                    </a:lnB>
+                    <a:noFill/>
+                  </a:tcPr>
+                </a:tc>
+                <a:tc>
+                  <a:txBody>
+                    <a:bodyPr/>
+                    <a:p>
+                      <a:pPr algn="l" fontAlgn="ctr"/>
+                      <a:r>
+                        <a:rPr sz="1800" b="0" i="0">
+                          <a:solidFill>
+                            <a:srgbClr val="000000"/>
+                          </a:solidFill>
+                          <a:latin typeface="Calibri" panose="020F0502020204030204"/>
+                          <a:ea typeface="Calibri" panose="020F0502020204030204"/>
+                        </a:rPr>
+                        <a:t>Fine-tune only embedding layer</a:t>
+                      </a:r>
+                      <a:endParaRPr sz="1800" b="0" i="0">
+                        <a:solidFill>
+                          <a:srgbClr val="000000"/>
+                        </a:solidFill>
+                        <a:latin typeface="Calibri" panose="020F0502020204030204"/>
+                        <a:ea typeface="Calibri" panose="020F0502020204030204"/>
+                      </a:endParaRPr>
+                    </a:p>
+                  </a:txBody>
+                  <a:tcPr marL="7937" marR="7937" marT="7937" anchor="ctr" anchorCtr="0">
+                    <a:lnL w="6350" cap="flat" cmpd="sng">
+                      <a:solidFill>
+                        <a:srgbClr val="000000"/>
+                      </a:solidFill>
+                      <a:prstDash val="solid"/>
+                      <a:headEnd type="none" w="med" len="med"/>
+                      <a:tailEnd type="none" w="med" len="med"/>
+                    </a:lnL>
+                    <a:lnR w="6350" cap="flat" cmpd="sng">
+                      <a:solidFill>
+                        <a:srgbClr val="000000"/>
+                      </a:solidFill>
+                      <a:prstDash val="solid"/>
+                      <a:headEnd type="none" w="med" len="med"/>
+                      <a:tailEnd type="none" w="med" len="med"/>
+                    </a:lnR>
+                    <a:lnT w="6350" cap="flat" cmpd="sng">
+                      <a:solidFill>
+                        <a:srgbClr val="000000"/>
+                      </a:solidFill>
+                      <a:prstDash val="solid"/>
+                      <a:headEnd type="none" w="med" len="med"/>
+                      <a:tailEnd type="none" w="med" len="med"/>
+                    </a:lnT>
+                    <a:lnB w="6350" cap="flat" cmpd="sng">
+                      <a:solidFill>
+                        <a:srgbClr val="000000"/>
+                      </a:solidFill>
+                      <a:prstDash val="solid"/>
+                      <a:headEnd type="none" w="med" len="med"/>
+                      <a:tailEnd type="none" w="med" len="med"/>
+                    </a:lnB>
+                    <a:noFill/>
+                  </a:tcPr>
+                </a:tc>
+                <a:tc>
+                  <a:txBody>
+                    <a:bodyPr/>
+                    <a:p>
+                      <a:pPr algn="l" fontAlgn="ctr"/>
+                      <a:r>
+                        <a:rPr sz="1800" b="0" i="0">
+                          <a:solidFill>
+                            <a:srgbClr val="000000"/>
+                          </a:solidFill>
+                          <a:latin typeface="Calibri" panose="020F0502020204030204"/>
+                          <a:ea typeface="Calibri" panose="020F0502020204030204"/>
+                        </a:rPr>
+                        <a:t>Domain-specific vocabulary</a:t>
+                      </a:r>
+                      <a:endParaRPr sz="1800" b="0" i="0">
+                        <a:solidFill>
+                          <a:srgbClr val="000000"/>
+                        </a:solidFill>
+                        <a:latin typeface="Calibri" panose="020F0502020204030204"/>
+                        <a:ea typeface="Calibri" panose="020F0502020204030204"/>
+                      </a:endParaRPr>
+                    </a:p>
+                  </a:txBody>
+                  <a:tcPr marL="7937" marR="7937" marT="7937" anchor="ctr" anchorCtr="0">
+                    <a:lnL w="6350" cap="flat" cmpd="sng">
+                      <a:solidFill>
+                        <a:srgbClr val="000000"/>
+                      </a:solidFill>
+                      <a:prstDash val="solid"/>
+                      <a:headEnd type="none" w="med" len="med"/>
+                      <a:tailEnd type="none" w="med" len="med"/>
+                    </a:lnL>
+                    <a:lnR w="6350" cap="flat" cmpd="sng">
+                      <a:solidFill>
+                        <a:srgbClr val="000000"/>
+                      </a:solidFill>
+                      <a:prstDash val="solid"/>
+                      <a:headEnd type="none" w="med" len="med"/>
+                      <a:tailEnd type="none" w="med" len="med"/>
+                    </a:lnR>
+                    <a:lnT w="6350" cap="flat" cmpd="sng">
+                      <a:solidFill>
+                        <a:srgbClr val="000000"/>
+                      </a:solidFill>
+                      <a:prstDash val="solid"/>
+                      <a:headEnd type="none" w="med" len="med"/>
+                      <a:tailEnd type="none" w="med" len="med"/>
+                    </a:lnT>
+                    <a:lnB w="6350" cap="flat" cmpd="sng">
+                      <a:solidFill>
+                        <a:srgbClr val="000000"/>
+                      </a:solidFill>
+                      <a:prstDash val="solid"/>
+                      <a:headEnd type="none" w="med" len="med"/>
+                      <a:tailEnd type="none" w="med" len="med"/>
+                    </a:lnB>
+                    <a:noFill/>
+                  </a:tcPr>
+                </a:tc>
+                <a:tc>
+                  <a:txBody>
+                    <a:bodyPr/>
+                    <a:p>
+                      <a:pPr algn="l" fontAlgn="ctr"/>
+                      <a:r>
+                        <a:rPr sz="1800" b="0" i="0">
+                          <a:solidFill>
+                            <a:srgbClr val="000000"/>
+                          </a:solidFill>
+                          <a:latin typeface="Calibri" panose="020F0502020204030204"/>
+                          <a:ea typeface="Calibri" panose="020F0502020204030204"/>
+                        </a:rPr>
+                        <a:t>Lightweight, improves vocab fit</a:t>
+                      </a:r>
+                      <a:endParaRPr sz="1800" b="0" i="0">
+                        <a:solidFill>
+                          <a:srgbClr val="000000"/>
+                        </a:solidFill>
+                        <a:latin typeface="Calibri" panose="020F0502020204030204"/>
+                        <a:ea typeface="Calibri" panose="020F0502020204030204"/>
+                      </a:endParaRPr>
+                    </a:p>
+                  </a:txBody>
+                  <a:tcPr marL="7937" marR="7937" marT="7937" anchor="ctr" anchorCtr="0">
+                    <a:lnL w="6350" cap="flat" cmpd="sng">
+                      <a:solidFill>
+                        <a:srgbClr val="000000"/>
+                      </a:solidFill>
+                      <a:prstDash val="solid"/>
+                      <a:headEnd type="none" w="med" len="med"/>
+                      <a:tailEnd type="none" w="med" len="med"/>
+                    </a:lnL>
+                    <a:lnR w="6350" cap="flat" cmpd="sng">
+                      <a:solidFill>
+                        <a:srgbClr val="000000"/>
+                      </a:solidFill>
+                      <a:prstDash val="solid"/>
+                      <a:headEnd type="none" w="med" len="med"/>
+                      <a:tailEnd type="none" w="med" len="med"/>
+                    </a:lnR>
+                    <a:lnT w="6350" cap="flat" cmpd="sng">
+                      <a:solidFill>
+                        <a:srgbClr val="000000"/>
+                      </a:solidFill>
+                      <a:prstDash val="solid"/>
+                      <a:headEnd type="none" w="med" len="med"/>
+                      <a:tailEnd type="none" w="med" len="med"/>
+                    </a:lnT>
+                    <a:lnB w="6350" cap="flat" cmpd="sng">
+                      <a:solidFill>
+                        <a:srgbClr val="000000"/>
+                      </a:solidFill>
+                      <a:prstDash val="solid"/>
+                      <a:headEnd type="none" w="med" len="med"/>
+                      <a:tailEnd type="none" w="med" len="med"/>
+                    </a:lnB>
+                    <a:noFill/>
+                  </a:tcPr>
+                </a:tc>
+                <a:tc>
+                  <a:txBody>
+                    <a:bodyPr/>
+                    <a:p>
+                      <a:pPr algn="l" fontAlgn="ctr"/>
+                      <a:r>
+                        <a:rPr sz="1800" b="0" i="0">
+                          <a:solidFill>
+                            <a:srgbClr val="000000"/>
+                          </a:solidFill>
+                          <a:latin typeface="Calibri" panose="020F0502020204030204"/>
+                          <a:ea typeface="Calibri" panose="020F0502020204030204"/>
+                        </a:rPr>
+                        <a:t>Minimal overall effect</a:t>
+                      </a:r>
+                      <a:endParaRPr sz="1800" b="0" i="0">
+                        <a:solidFill>
+                          <a:srgbClr val="000000"/>
+                        </a:solidFill>
+                        <a:latin typeface="Calibri" panose="020F0502020204030204"/>
+                        <a:ea typeface="Calibri" panose="020F0502020204030204"/>
+                      </a:endParaRPr>
+                    </a:p>
+                  </a:txBody>
+                  <a:tcPr marL="7937" marR="7937" marT="7937" anchor="ctr" anchorCtr="0">
+                    <a:lnL w="6350" cap="flat" cmpd="sng">
+                      <a:solidFill>
+                        <a:srgbClr val="000000"/>
+                      </a:solidFill>
+                      <a:prstDash val="solid"/>
+                      <a:headEnd type="none" w="med" len="med"/>
+                      <a:tailEnd type="none" w="med" len="med"/>
+                    </a:lnL>
+                    <a:lnR w="6350" cap="flat" cmpd="sng">
+                      <a:solidFill>
+                        <a:srgbClr val="000000"/>
+                      </a:solidFill>
+                      <a:prstDash val="solid"/>
+                      <a:headEnd type="none" w="med" len="med"/>
+                      <a:tailEnd type="none" w="med" len="med"/>
+                    </a:lnR>
+                    <a:lnT w="6350" cap="flat" cmpd="sng">
+                      <a:solidFill>
+                        <a:srgbClr val="000000"/>
+                      </a:solidFill>
+                      <a:prstDash val="solid"/>
+                      <a:headEnd type="none" w="med" len="med"/>
+                      <a:tailEnd type="none" w="med" len="med"/>
+                    </a:lnT>
+                    <a:lnB w="6350" cap="flat" cmpd="sng">
+                      <a:solidFill>
+                        <a:srgbClr val="000000"/>
+                      </a:solidFill>
+                      <a:prstDash val="solid"/>
+                      <a:headEnd type="none" w="med" len="med"/>
+                      <a:tailEnd type="none" w="med" len="med"/>
+                    </a:lnB>
+                    <a:noFill/>
+                  </a:tcPr>
+                </a:tc>
+                <a:tc>
+                  <a:txBody>
+                    <a:bodyPr/>
+                    <a:p>
+                      <a:pPr algn="l" fontAlgn="ctr"/>
+                      <a:r>
+                        <a:rPr sz="1800" b="0" i="0">
+                          <a:solidFill>
+                            <a:srgbClr val="000000"/>
+                          </a:solidFill>
+                          <a:latin typeface="Calibri" panose="020F0502020204030204"/>
+                          <a:ea typeface="Calibri" panose="020F0502020204030204"/>
+                          <a:hlinkClick r:id="rId5" tooltip="https://arxiv.org/abs/1908.08962"/>
+                        </a:rPr>
+                        <a:t>Turc et al. (2019)</a:t>
+                      </a:r>
+                      <a:endParaRPr sz="1800" b="0" i="0">
+                        <a:solidFill>
+                          <a:srgbClr val="000000"/>
+                        </a:solidFill>
+                        <a:latin typeface="Calibri" panose="020F0502020204030204"/>
+                        <a:ea typeface="Calibri" panose="020F0502020204030204"/>
+                        <a:hlinkClick r:id="rId5" tooltip="https://arxiv.org/abs/1908.08962"/>
+                      </a:endParaRPr>
+                    </a:p>
+                  </a:txBody>
+                  <a:tcPr marL="7937" marR="7937" marT="7937" anchor="ctr" anchorCtr="0">
+                    <a:lnL w="6350" cap="flat" cmpd="sng">
+                      <a:solidFill>
+                        <a:srgbClr val="000000"/>
+                      </a:solidFill>
+                      <a:prstDash val="solid"/>
+                      <a:headEnd type="none" w="med" len="med"/>
+                      <a:tailEnd type="none" w="med" len="med"/>
+                    </a:lnL>
+                    <a:lnR w="6350" cap="flat" cmpd="sng">
+                      <a:solidFill>
+                        <a:srgbClr val="000000"/>
+                      </a:solidFill>
+                      <a:prstDash val="solid"/>
+                      <a:headEnd type="none" w="med" len="med"/>
+                      <a:tailEnd type="none" w="med" len="med"/>
+                    </a:lnR>
+                    <a:lnT w="6350" cap="flat" cmpd="sng">
+                      <a:solidFill>
+                        <a:srgbClr val="000000"/>
+                      </a:solidFill>
+                      <a:prstDash val="solid"/>
+                      <a:headEnd type="none" w="med" len="med"/>
+                      <a:tailEnd type="none" w="med" len="med"/>
+                    </a:lnT>
+                    <a:lnB w="6350" cap="flat" cmpd="sng">
+                      <a:solidFill>
+                        <a:srgbClr val="000000"/>
+                      </a:solidFill>
+                      <a:prstDash val="solid"/>
+                      <a:headEnd type="none" w="med" len="med"/>
+                      <a:tailEnd type="none" w="med" len="med"/>
+                    </a:lnB>
+                    <a:noFill/>
+                  </a:tcPr>
+                </a:tc>
+              </a:tr>
+              <a:tr h="1071880">
+                <a:tc>
+                  <a:txBody>
+                    <a:bodyPr/>
+                    <a:p>
+                      <a:pPr algn="l" fontAlgn="ctr"/>
+                      <a:r>
+                        <a:rPr sz="1800" b="1" i="0">
+                          <a:solidFill>
+                            <a:srgbClr val="000000"/>
+                          </a:solidFill>
+                          <a:latin typeface="Calibri" panose="020F0502020204030204"/>
+                          <a:ea typeface="Calibri" panose="020F0502020204030204"/>
+                        </a:rPr>
+                        <a:t>Distillation</a:t>
+                      </a:r>
+                      <a:endParaRPr sz="1800" b="1" i="0">
+                        <a:solidFill>
+                          <a:srgbClr val="000000"/>
+                        </a:solidFill>
+                        <a:latin typeface="Calibri" panose="020F0502020204030204"/>
+                        <a:ea typeface="Calibri" panose="020F0502020204030204"/>
+                      </a:endParaRPr>
+                    </a:p>
+                  </a:txBody>
+                  <a:tcPr marL="7937" marR="7937" marT="7937" anchor="ctr" anchorCtr="0">
+                    <a:lnL w="6350" cap="flat" cmpd="sng">
+                      <a:solidFill>
+                        <a:srgbClr val="000000"/>
+                      </a:solidFill>
+                      <a:prstDash val="solid"/>
+                      <a:headEnd type="none" w="med" len="med"/>
+                      <a:tailEnd type="none" w="med" len="med"/>
+                    </a:lnL>
+                    <a:lnR w="6350" cap="flat" cmpd="sng">
+                      <a:solidFill>
+                        <a:srgbClr val="000000"/>
+                      </a:solidFill>
+                      <a:prstDash val="solid"/>
+                      <a:headEnd type="none" w="med" len="med"/>
+                      <a:tailEnd type="none" w="med" len="med"/>
+                    </a:lnR>
+                    <a:lnT w="6350" cap="flat" cmpd="sng">
+                      <a:solidFill>
+                        <a:srgbClr val="000000"/>
+                      </a:solidFill>
+                      <a:prstDash val="solid"/>
+                      <a:headEnd type="none" w="med" len="med"/>
+                      <a:tailEnd type="none" w="med" len="med"/>
+                    </a:lnT>
+                    <a:lnB w="6350" cap="flat" cmpd="sng">
+                      <a:solidFill>
+                        <a:srgbClr val="000000"/>
+                      </a:solidFill>
+                      <a:prstDash val="solid"/>
+                      <a:headEnd type="none" w="med" len="med"/>
+                      <a:tailEnd type="none" w="med" len="med"/>
+                    </a:lnB>
+                    <a:noFill/>
+                  </a:tcPr>
+                </a:tc>
+                <a:tc>
+                  <a:txBody>
+                    <a:bodyPr/>
+                    <a:p>
+                      <a:pPr algn="l" fontAlgn="ctr"/>
+                      <a:r>
+                        <a:rPr sz="1800" b="0" i="0">
+                          <a:solidFill>
+                            <a:srgbClr val="000000"/>
+                          </a:solidFill>
+                          <a:latin typeface="Calibri" panose="020F0502020204030204"/>
+                          <a:ea typeface="Calibri" panose="020F0502020204030204"/>
+                        </a:rPr>
+                        <a:t>Train small model to mimic larger model</a:t>
+                      </a:r>
+                      <a:endParaRPr sz="1800" b="0" i="0">
+                        <a:solidFill>
+                          <a:srgbClr val="000000"/>
+                        </a:solidFill>
+                        <a:latin typeface="Calibri" panose="020F0502020204030204"/>
+                        <a:ea typeface="Calibri" panose="020F0502020204030204"/>
+                      </a:endParaRPr>
+                    </a:p>
+                  </a:txBody>
+                  <a:tcPr marL="7937" marR="7937" marT="7937" anchor="ctr" anchorCtr="0">
+                    <a:lnL w="6350" cap="flat" cmpd="sng">
+                      <a:solidFill>
+                        <a:srgbClr val="000000"/>
+                      </a:solidFill>
+                      <a:prstDash val="solid"/>
+                      <a:headEnd type="none" w="med" len="med"/>
+                      <a:tailEnd type="none" w="med" len="med"/>
+                    </a:lnL>
+                    <a:lnR w="6350" cap="flat" cmpd="sng">
+                      <a:solidFill>
+                        <a:srgbClr val="000000"/>
+                      </a:solidFill>
+                      <a:prstDash val="solid"/>
+                      <a:headEnd type="none" w="med" len="med"/>
+                      <a:tailEnd type="none" w="med" len="med"/>
+                    </a:lnR>
+                    <a:lnT w="6350" cap="flat" cmpd="sng">
+                      <a:solidFill>
+                        <a:srgbClr val="000000"/>
+                      </a:solidFill>
+                      <a:prstDash val="solid"/>
+                      <a:headEnd type="none" w="med" len="med"/>
+                      <a:tailEnd type="none" w="med" len="med"/>
+                    </a:lnT>
+                    <a:lnB w="6350" cap="flat" cmpd="sng">
+                      <a:solidFill>
+                        <a:srgbClr val="000000"/>
+                      </a:solidFill>
+                      <a:prstDash val="solid"/>
+                      <a:headEnd type="none" w="med" len="med"/>
+                      <a:tailEnd type="none" w="med" len="med"/>
+                    </a:lnB>
+                    <a:noFill/>
+                  </a:tcPr>
+                </a:tc>
+                <a:tc>
+                  <a:txBody>
+                    <a:bodyPr/>
+                    <a:p>
+                      <a:pPr algn="l" fontAlgn="ctr"/>
+                      <a:r>
+                        <a:rPr sz="1800" b="0" i="0">
+                          <a:solidFill>
+                            <a:srgbClr val="000000"/>
+                          </a:solidFill>
+                          <a:latin typeface="Calibri" panose="020F0502020204030204"/>
+                          <a:ea typeface="Calibri" panose="020F0502020204030204"/>
+                        </a:rPr>
+                        <a:t>Smaller, faster deployment models</a:t>
+                      </a:r>
+                      <a:endParaRPr sz="1800" b="0" i="0">
+                        <a:solidFill>
+                          <a:srgbClr val="000000"/>
+                        </a:solidFill>
+                        <a:latin typeface="Calibri" panose="020F0502020204030204"/>
+                        <a:ea typeface="Calibri" panose="020F0502020204030204"/>
+                      </a:endParaRPr>
+                    </a:p>
+                  </a:txBody>
+                  <a:tcPr marL="7937" marR="7937" marT="7937" anchor="ctr" anchorCtr="0">
+                    <a:lnL w="6350" cap="flat" cmpd="sng">
+                      <a:solidFill>
+                        <a:srgbClr val="000000"/>
+                      </a:solidFill>
+                      <a:prstDash val="solid"/>
+                      <a:headEnd type="none" w="med" len="med"/>
+                      <a:tailEnd type="none" w="med" len="med"/>
+                    </a:lnL>
+                    <a:lnR w="6350" cap="flat" cmpd="sng">
+                      <a:solidFill>
+                        <a:srgbClr val="000000"/>
+                      </a:solidFill>
+                      <a:prstDash val="solid"/>
+                      <a:headEnd type="none" w="med" len="med"/>
+                      <a:tailEnd type="none" w="med" len="med"/>
+                    </a:lnR>
+                    <a:lnT w="6350" cap="flat" cmpd="sng">
+                      <a:solidFill>
+                        <a:srgbClr val="000000"/>
+                      </a:solidFill>
+                      <a:prstDash val="solid"/>
+                      <a:headEnd type="none" w="med" len="med"/>
+                      <a:tailEnd type="none" w="med" len="med"/>
+                    </a:lnT>
+                    <a:lnB w="6350" cap="flat" cmpd="sng">
+                      <a:solidFill>
+                        <a:srgbClr val="000000"/>
+                      </a:solidFill>
+                      <a:prstDash val="solid"/>
+                      <a:headEnd type="none" w="med" len="med"/>
+                      <a:tailEnd type="none" w="med" len="med"/>
+                    </a:lnB>
+                    <a:noFill/>
+                  </a:tcPr>
+                </a:tc>
+                <a:tc>
+                  <a:txBody>
+                    <a:bodyPr/>
+                    <a:p>
+                      <a:pPr algn="l" fontAlgn="ctr"/>
+                      <a:r>
+                        <a:rPr sz="1800" b="0" i="0">
+                          <a:solidFill>
+                            <a:srgbClr val="000000"/>
+                          </a:solidFill>
+                          <a:latin typeface="Calibri" panose="020F0502020204030204"/>
+                          <a:ea typeface="Calibri" panose="020F0502020204030204"/>
+                        </a:rPr>
+                        <a:t>Fast, compact model</a:t>
+                      </a:r>
+                      <a:endParaRPr sz="1800" b="0" i="0">
+                        <a:solidFill>
+                          <a:srgbClr val="000000"/>
+                        </a:solidFill>
+                        <a:latin typeface="Calibri" panose="020F0502020204030204"/>
+                        <a:ea typeface="Calibri" panose="020F0502020204030204"/>
+                      </a:endParaRPr>
+                    </a:p>
+                  </a:txBody>
+                  <a:tcPr marL="7937" marR="7937" marT="7937" anchor="ctr" anchorCtr="0">
+                    <a:lnL w="6350" cap="flat" cmpd="sng">
+                      <a:solidFill>
+                        <a:srgbClr val="000000"/>
+                      </a:solidFill>
+                      <a:prstDash val="solid"/>
+                      <a:headEnd type="none" w="med" len="med"/>
+                      <a:tailEnd type="none" w="med" len="med"/>
+                    </a:lnL>
+                    <a:lnR w="6350" cap="flat" cmpd="sng">
+                      <a:solidFill>
+                        <a:srgbClr val="000000"/>
+                      </a:solidFill>
+                      <a:prstDash val="solid"/>
+                      <a:headEnd type="none" w="med" len="med"/>
+                      <a:tailEnd type="none" w="med" len="med"/>
+                    </a:lnR>
+                    <a:lnT w="6350" cap="flat" cmpd="sng">
+                      <a:solidFill>
+                        <a:srgbClr val="000000"/>
+                      </a:solidFill>
+                      <a:prstDash val="solid"/>
+                      <a:headEnd type="none" w="med" len="med"/>
+                      <a:tailEnd type="none" w="med" len="med"/>
+                    </a:lnT>
+                    <a:lnB w="6350" cap="flat" cmpd="sng">
+                      <a:solidFill>
+                        <a:srgbClr val="000000"/>
+                      </a:solidFill>
+                      <a:prstDash val="solid"/>
+                      <a:headEnd type="none" w="med" len="med"/>
+                      <a:tailEnd type="none" w="med" len="med"/>
+                    </a:lnB>
+                    <a:noFill/>
+                  </a:tcPr>
+                </a:tc>
+                <a:tc>
+                  <a:txBody>
+                    <a:bodyPr/>
+                    <a:p>
+                      <a:pPr algn="l" fontAlgn="ctr"/>
+                      <a:r>
+                        <a:rPr sz="1800" b="0" i="0">
+                          <a:solidFill>
+                            <a:srgbClr val="000000"/>
+                          </a:solidFill>
+                          <a:latin typeface="Calibri" panose="020F0502020204030204"/>
+                          <a:ea typeface="Calibri" panose="020F0502020204030204"/>
+                        </a:rPr>
+                        <a:t>Complex setup, possible accuracy loss</a:t>
+                      </a:r>
+                      <a:endParaRPr sz="1800" b="0" i="0">
+                        <a:solidFill>
+                          <a:srgbClr val="000000"/>
+                        </a:solidFill>
+                        <a:latin typeface="Calibri" panose="020F0502020204030204"/>
+                        <a:ea typeface="Calibri" panose="020F0502020204030204"/>
+                      </a:endParaRPr>
+                    </a:p>
+                  </a:txBody>
+                  <a:tcPr marL="7937" marR="7937" marT="7937" anchor="ctr" anchorCtr="0">
+                    <a:lnL w="6350" cap="flat" cmpd="sng">
+                      <a:solidFill>
+                        <a:srgbClr val="000000"/>
+                      </a:solidFill>
+                      <a:prstDash val="solid"/>
+                      <a:headEnd type="none" w="med" len="med"/>
+                      <a:tailEnd type="none" w="med" len="med"/>
+                    </a:lnL>
+                    <a:lnR w="6350" cap="flat" cmpd="sng">
+                      <a:solidFill>
+                        <a:srgbClr val="000000"/>
+                      </a:solidFill>
+                      <a:prstDash val="solid"/>
+                      <a:headEnd type="none" w="med" len="med"/>
+                      <a:tailEnd type="none" w="med" len="med"/>
+                    </a:lnR>
+                    <a:lnT w="6350" cap="flat" cmpd="sng">
+                      <a:solidFill>
+                        <a:srgbClr val="000000"/>
+                      </a:solidFill>
+                      <a:prstDash val="solid"/>
+                      <a:headEnd type="none" w="med" len="med"/>
+                      <a:tailEnd type="none" w="med" len="med"/>
+                    </a:lnT>
+                    <a:lnB w="6350" cap="flat" cmpd="sng">
+                      <a:solidFill>
+                        <a:srgbClr val="000000"/>
+                      </a:solidFill>
+                      <a:prstDash val="solid"/>
+                      <a:headEnd type="none" w="med" len="med"/>
+                      <a:tailEnd type="none" w="med" len="med"/>
+                    </a:lnB>
+                    <a:noFill/>
+                  </a:tcPr>
+                </a:tc>
+                <a:tc>
+                  <a:txBody>
+                    <a:bodyPr/>
+                    <a:p>
+                      <a:pPr algn="l" fontAlgn="ctr"/>
+                      <a:r>
+                        <a:rPr sz="1800" b="0" i="0">
+                          <a:solidFill>
+                            <a:srgbClr val="000000"/>
+                          </a:solidFill>
+                          <a:latin typeface="Calibri" panose="020F0502020204030204"/>
+                          <a:ea typeface="Calibri" panose="020F0502020204030204"/>
+                          <a:hlinkClick r:id="rId6" tooltip="https://arxiv.org/abs/1910.01108"/>
+                        </a:rPr>
+                        <a:t>Sanh et al. (2019)</a:t>
+                      </a:r>
+                      <a:endParaRPr sz="1800" b="0" i="0">
+                        <a:solidFill>
+                          <a:srgbClr val="000000"/>
+                        </a:solidFill>
+                        <a:latin typeface="Calibri" panose="020F0502020204030204"/>
+                        <a:ea typeface="Calibri" panose="020F0502020204030204"/>
+                        <a:hlinkClick r:id="rId6" tooltip="https://arxiv.org/abs/1910.01108"/>
+                      </a:endParaRPr>
+                    </a:p>
+                  </a:txBody>
+                  <a:tcPr marL="7937" marR="7937" marT="7937" anchor="ctr" anchorCtr="0">
+                    <a:lnL w="6350" cap="flat" cmpd="sng">
+                      <a:solidFill>
+                        <a:srgbClr val="000000"/>
+                      </a:solidFill>
+                      <a:prstDash val="solid"/>
+                      <a:headEnd type="none" w="med" len="med"/>
+                      <a:tailEnd type="none" w="med" len="med"/>
+                    </a:lnL>
+                    <a:lnR w="6350" cap="flat" cmpd="sng">
+                      <a:solidFill>
+                        <a:srgbClr val="000000"/>
+                      </a:solidFill>
+                      <a:prstDash val="solid"/>
+                      <a:headEnd type="none" w="med" len="med"/>
+                      <a:tailEnd type="none" w="med" len="med"/>
+                    </a:lnR>
+                    <a:lnT w="6350" cap="flat" cmpd="sng">
+                      <a:solidFill>
+                        <a:srgbClr val="000000"/>
+                      </a:solidFill>
+                      <a:prstDash val="solid"/>
+                      <a:headEnd type="none" w="med" len="med"/>
+                      <a:tailEnd type="none" w="med" len="med"/>
+                    </a:lnT>
+                    <a:lnB w="6350" cap="flat" cmpd="sng">
+                      <a:solidFill>
+                        <a:srgbClr val="000000"/>
+                      </a:solidFill>
+                      <a:prstDash val="solid"/>
+                      <a:headEnd type="none" w="med" len="med"/>
+                      <a:tailEnd type="none" w="med" len="med"/>
                     </a:lnB>
                     <a:noFill/>
                   </a:tcPr>
@@ -4914,840 +7173,6 @@
           </a:graphicData>
         </a:graphic>
       </p:graphicFrame>
-      <p:graphicFrame>
-        <p:nvGraphicFramePr>
-          <p:cNvPr id="13" name="Table 12"/>
-          <p:cNvGraphicFramePr/>
-          <p:nvPr/>
-        </p:nvGraphicFramePr>
-        <p:xfrm>
-          <a:off x="6096000" y="-12306300"/>
-          <a:ext cx="0" cy="0"/>
-        </p:xfrm>
-        <a:graphic>
-          <a:graphicData uri="http://schemas.openxmlformats.org/drawingml/2006/table">
-            <a:tbl>
-              <a:tblPr/>
-              <a:tblGrid>
-                <a:gridCol w="0"/>
-                <a:gridCol w="0"/>
-                <a:gridCol w="0"/>
-                <a:gridCol w="0"/>
-                <a:gridCol w="0"/>
-              </a:tblGrid>
-              <a:tr h="0">
-                <a:tc>
-                  <a:txBody>
-                    <a:bodyPr/>
-                    <a:p>
-                      <a:r>
-                        <a:rPr sz="1100"/>
-                        <a:t>Full Fine-Tuning</a:t>
-                      </a:r>
-                      <a:endParaRPr sz="1100"/>
-                    </a:p>
-                  </a:txBody>
-                  <a:tcPr anchor="ctr" anchorCtr="0">
-                    <a:lnL>
-                      <a:noFill/>
-                    </a:lnL>
-                    <a:lnR>
-                      <a:noFill/>
-                    </a:lnR>
-                    <a:lnT>
-                      <a:noFill/>
-                    </a:lnT>
-                    <a:lnB>
-                      <a:noFill/>
-                    </a:lnB>
-                    <a:noFill/>
-                  </a:tcPr>
-                </a:tc>
-                <a:tc>
-                  <a:txBody>
-                    <a:bodyPr/>
-                    <a:p>
-                      <a:r>
-                        <a:rPr sz="1100"/>
-                        <a:t>Train all layers on new data</a:t>
-                      </a:r>
-                      <a:endParaRPr sz="1100"/>
-                    </a:p>
-                  </a:txBody>
-                  <a:tcPr anchor="ctr" anchorCtr="0">
-                    <a:lnL>
-                      <a:noFill/>
-                    </a:lnL>
-                    <a:lnR>
-                      <a:noFill/>
-                    </a:lnR>
-                    <a:lnT>
-                      <a:noFill/>
-                    </a:lnT>
-                    <a:lnB>
-                      <a:noFill/>
-                    </a:lnB>
-                    <a:noFill/>
-                  </a:tcPr>
-                </a:tc>
-                <a:tc>
-                  <a:txBody>
-                    <a:bodyPr/>
-                    <a:p>
-                      <a:r>
-                        <a:rPr sz="1100"/>
-                        <a:t>Large domain-specific dataset</a:t>
-                      </a:r>
-                      <a:endParaRPr sz="1100"/>
-                    </a:p>
-                  </a:txBody>
-                  <a:tcPr anchor="ctr" anchorCtr="0">
-                    <a:lnL>
-                      <a:noFill/>
-                    </a:lnL>
-                    <a:lnR>
-                      <a:noFill/>
-                    </a:lnR>
-                    <a:lnT>
-                      <a:noFill/>
-                    </a:lnT>
-                    <a:lnB>
-                      <a:noFill/>
-                    </a:lnB>
-                    <a:noFill/>
-                  </a:tcPr>
-                </a:tc>
-                <a:tc>
-                  <a:txBody>
-                    <a:bodyPr/>
-                    <a:p>
-                      <a:r>
-                        <a:rPr sz="1100"/>
-                        <a:t>Best for deep adaptation</a:t>
-                      </a:r>
-                      <a:endParaRPr sz="1100"/>
-                    </a:p>
-                  </a:txBody>
-                  <a:tcPr anchor="ctr" anchorCtr="0">
-                    <a:lnL>
-                      <a:noFill/>
-                    </a:lnL>
-                    <a:lnR>
-                      <a:noFill/>
-                    </a:lnR>
-                    <a:lnT>
-                      <a:noFill/>
-                    </a:lnT>
-                    <a:lnB>
-                      <a:noFill/>
-                    </a:lnB>
-                    <a:noFill/>
-                  </a:tcPr>
-                </a:tc>
-                <a:tc>
-                  <a:txBody>
-                    <a:bodyPr/>
-                    <a:p>
-                      <a:r>
-                        <a:rPr sz="1100"/>
-                        <a:t>Expensive; risk of overfitting</a:t>
-                      </a:r>
-                      <a:endParaRPr sz="1100"/>
-                    </a:p>
-                  </a:txBody>
-                  <a:tcPr anchor="ctr" anchorCtr="0">
-                    <a:lnL>
-                      <a:noFill/>
-                    </a:lnL>
-                    <a:lnR>
-                      <a:noFill/>
-                    </a:lnR>
-                    <a:lnT>
-                      <a:noFill/>
-                    </a:lnT>
-                    <a:lnB>
-                      <a:noFill/>
-                    </a:lnB>
-                    <a:noFill/>
-                  </a:tcPr>
-                </a:tc>
-              </a:tr>
-            </a:tbl>
-          </a:graphicData>
-        </a:graphic>
-      </p:graphicFrame>
-      <p:graphicFrame>
-        <p:nvGraphicFramePr>
-          <p:cNvPr id="14" name="Table 13"/>
-          <p:cNvGraphicFramePr/>
-          <p:nvPr/>
-        </p:nvGraphicFramePr>
-        <p:xfrm>
-          <a:off x="6096000" y="-7688580"/>
-          <a:ext cx="0" cy="0"/>
-        </p:xfrm>
-        <a:graphic>
-          <a:graphicData uri="http://schemas.openxmlformats.org/drawingml/2006/table">
-            <a:tbl>
-              <a:tblPr/>
-              <a:tblGrid>
-                <a:gridCol w="0"/>
-                <a:gridCol w="0"/>
-                <a:gridCol w="0"/>
-                <a:gridCol w="0"/>
-                <a:gridCol w="0"/>
-              </a:tblGrid>
-              <a:tr h="0">
-                <a:tc>
-                  <a:txBody>
-                    <a:bodyPr/>
-                    <a:p>
-                      <a:r>
-                        <a:rPr sz="1100"/>
-                        <a:t>Higher Layers Fine-Tuning</a:t>
-                      </a:r>
-                      <a:endParaRPr sz="1100"/>
-                    </a:p>
-                  </a:txBody>
-                  <a:tcPr anchor="ctr" anchorCtr="0">
-                    <a:lnL>
-                      <a:noFill/>
-                    </a:lnL>
-                    <a:lnR>
-                      <a:noFill/>
-                    </a:lnR>
-                    <a:lnT>
-                      <a:noFill/>
-                    </a:lnT>
-                    <a:lnB>
-                      <a:noFill/>
-                    </a:lnB>
-                    <a:noFill/>
-                  </a:tcPr>
-                </a:tc>
-                <a:tc>
-                  <a:txBody>
-                    <a:bodyPr/>
-                    <a:p>
-                      <a:r>
-                        <a:rPr sz="1100"/>
-                        <a:t>Freeze lower layers, fine-tune upper layers</a:t>
-                      </a:r>
-                      <a:endParaRPr sz="1100"/>
-                    </a:p>
-                  </a:txBody>
-                  <a:tcPr anchor="ctr" anchorCtr="0">
-                    <a:lnL>
-                      <a:noFill/>
-                    </a:lnL>
-                    <a:lnR>
-                      <a:noFill/>
-                    </a:lnR>
-                    <a:lnT>
-                      <a:noFill/>
-                    </a:lnT>
-                    <a:lnB>
-                      <a:noFill/>
-                    </a:lnB>
-                    <a:noFill/>
-                  </a:tcPr>
-                </a:tc>
-                <a:tc>
-                  <a:txBody>
-                    <a:bodyPr/>
-                    <a:p>
-                      <a:r>
-                        <a:rPr sz="1100"/>
-                        <a:t>Small, specialized dataset</a:t>
-                      </a:r>
-                      <a:endParaRPr sz="1100"/>
-                    </a:p>
-                  </a:txBody>
-                  <a:tcPr anchor="ctr" anchorCtr="0">
-                    <a:lnL>
-                      <a:noFill/>
-                    </a:lnL>
-                    <a:lnR>
-                      <a:noFill/>
-                    </a:lnR>
-                    <a:lnT>
-                      <a:noFill/>
-                    </a:lnT>
-                    <a:lnB>
-                      <a:noFill/>
-                    </a:lnB>
-                    <a:noFill/>
-                  </a:tcPr>
-                </a:tc>
-                <a:tc>
-                  <a:txBody>
-                    <a:bodyPr/>
-                    <a:p>
-                      <a:r>
-                        <a:rPr sz="1100"/>
-                        <a:t>Balances adaptation and efficiency</a:t>
-                      </a:r>
-                      <a:endParaRPr sz="1100"/>
-                    </a:p>
-                  </a:txBody>
-                  <a:tcPr anchor="ctr" anchorCtr="0">
-                    <a:lnL>
-                      <a:noFill/>
-                    </a:lnL>
-                    <a:lnR>
-                      <a:noFill/>
-                    </a:lnR>
-                    <a:lnT>
-                      <a:noFill/>
-                    </a:lnT>
-                    <a:lnB>
-                      <a:noFill/>
-                    </a:lnB>
-                    <a:noFill/>
-                  </a:tcPr>
-                </a:tc>
-                <a:tc>
-                  <a:txBody>
-                    <a:bodyPr/>
-                    <a:p>
-                      <a:r>
-                        <a:rPr sz="1100"/>
-                        <a:t>Limited flexibility</a:t>
-                      </a:r>
-                      <a:endParaRPr sz="1100"/>
-                    </a:p>
-                  </a:txBody>
-                  <a:tcPr anchor="ctr" anchorCtr="0">
-                    <a:lnL>
-                      <a:noFill/>
-                    </a:lnL>
-                    <a:lnR>
-                      <a:noFill/>
-                    </a:lnR>
-                    <a:lnT>
-                      <a:noFill/>
-                    </a:lnT>
-                    <a:lnB>
-                      <a:noFill/>
-                    </a:lnB>
-                    <a:noFill/>
-                  </a:tcPr>
-                </a:tc>
-              </a:tr>
-            </a:tbl>
-          </a:graphicData>
-        </a:graphic>
-      </p:graphicFrame>
-      <p:graphicFrame>
-        <p:nvGraphicFramePr>
-          <p:cNvPr id="16" name="Table 15"/>
-          <p:cNvGraphicFramePr/>
-          <p:nvPr/>
-        </p:nvGraphicFramePr>
-        <p:xfrm>
-          <a:off x="6096000" y="4229100"/>
-          <a:ext cx="0" cy="0"/>
-        </p:xfrm>
-        <a:graphic>
-          <a:graphicData uri="http://schemas.openxmlformats.org/drawingml/2006/table">
-            <a:tbl>
-              <a:tblPr/>
-              <a:tblGrid>
-                <a:gridCol w="0"/>
-                <a:gridCol w="0"/>
-                <a:gridCol w="0"/>
-                <a:gridCol w="0"/>
-                <a:gridCol w="0"/>
-              </a:tblGrid>
-              <a:tr h="0">
-                <a:tc>
-                  <a:txBody>
-                    <a:bodyPr/>
-                    <a:p>
-                      <a:r>
-                        <a:rPr sz="1100"/>
-                        <a:t>Prompt Tuning</a:t>
-                      </a:r>
-                      <a:endParaRPr sz="1100"/>
-                    </a:p>
-                  </a:txBody>
-                  <a:tcPr anchor="ctr" anchorCtr="0">
-                    <a:lnL>
-                      <a:noFill/>
-                    </a:lnL>
-                    <a:lnR>
-                      <a:noFill/>
-                    </a:lnR>
-                    <a:lnT>
-                      <a:noFill/>
-                    </a:lnT>
-                    <a:lnB>
-                      <a:noFill/>
-                    </a:lnB>
-                    <a:noFill/>
-                  </a:tcPr>
-                </a:tc>
-                <a:tc>
-                  <a:txBody>
-                    <a:bodyPr/>
-                    <a:p>
-                      <a:r>
-                        <a:rPr sz="1100"/>
-                        <a:t>Task-specific prompts without model changes</a:t>
-                      </a:r>
-                      <a:endParaRPr sz="1100"/>
-                    </a:p>
-                  </a:txBody>
-                  <a:tcPr anchor="ctr" anchorCtr="0">
-                    <a:lnL>
-                      <a:noFill/>
-                    </a:lnL>
-                    <a:lnR>
-                      <a:noFill/>
-                    </a:lnR>
-                    <a:lnT>
-                      <a:noFill/>
-                    </a:lnT>
-                    <a:lnB>
-                      <a:noFill/>
-                    </a:lnB>
-                    <a:noFill/>
-                  </a:tcPr>
-                </a:tc>
-                <a:tc>
-                  <a:txBody>
-                    <a:bodyPr/>
-                    <a:p>
-                      <a:r>
-                        <a:rPr sz="1100"/>
-                        <a:t>Few-shot, large models (GPT-3/4)</a:t>
-                      </a:r>
-                      <a:endParaRPr sz="1100"/>
-                    </a:p>
-                  </a:txBody>
-                  <a:tcPr anchor="ctr" anchorCtr="0">
-                    <a:lnL>
-                      <a:noFill/>
-                    </a:lnL>
-                    <a:lnR>
-                      <a:noFill/>
-                    </a:lnR>
-                    <a:lnT>
-                      <a:noFill/>
-                    </a:lnT>
-                    <a:lnB>
-                      <a:noFill/>
-                    </a:lnB>
-                    <a:noFill/>
-                  </a:tcPr>
-                </a:tc>
-                <a:tc>
-                  <a:txBody>
-                    <a:bodyPr/>
-                    <a:p>
-                      <a:r>
-                        <a:rPr sz="1100"/>
-                        <a:t>No parameter change; efficient</a:t>
-                      </a:r>
-                      <a:endParaRPr sz="1100"/>
-                    </a:p>
-                  </a:txBody>
-                  <a:tcPr anchor="ctr" anchorCtr="0">
-                    <a:lnL>
-                      <a:noFill/>
-                    </a:lnL>
-                    <a:lnR>
-                      <a:noFill/>
-                    </a:lnR>
-                    <a:lnT>
-                      <a:noFill/>
-                    </a:lnT>
-                    <a:lnB>
-                      <a:noFill/>
-                    </a:lnB>
-                    <a:noFill/>
-                  </a:tcPr>
-                </a:tc>
-                <a:tc>
-                  <a:txBody>
-                    <a:bodyPr/>
-                    <a:p>
-                      <a:r>
-                        <a:rPr sz="1100"/>
-                        <a:t>Requires prompt engineering</a:t>
-                      </a:r>
-                      <a:endParaRPr sz="1100"/>
-                    </a:p>
-                  </a:txBody>
-                  <a:tcPr anchor="ctr" anchorCtr="0">
-                    <a:lnL>
-                      <a:noFill/>
-                    </a:lnL>
-                    <a:lnR>
-                      <a:noFill/>
-                    </a:lnR>
-                    <a:lnT>
-                      <a:noFill/>
-                    </a:lnT>
-                    <a:lnB>
-                      <a:noFill/>
-                    </a:lnB>
-                    <a:noFill/>
-                  </a:tcPr>
-                </a:tc>
-              </a:tr>
-            </a:tbl>
-          </a:graphicData>
-        </a:graphic>
-      </p:graphicFrame>
-      <p:graphicFrame>
-        <p:nvGraphicFramePr>
-          <p:cNvPr id="17" name="Table 16"/>
-          <p:cNvGraphicFramePr/>
-          <p:nvPr/>
-        </p:nvGraphicFramePr>
-        <p:xfrm>
-          <a:off x="6096000" y="10858500"/>
-          <a:ext cx="0" cy="0"/>
-        </p:xfrm>
-        <a:graphic>
-          <a:graphicData uri="http://schemas.openxmlformats.org/drawingml/2006/table">
-            <a:tbl>
-              <a:tblPr/>
-              <a:tblGrid>
-                <a:gridCol w="0"/>
-                <a:gridCol w="0"/>
-                <a:gridCol w="0"/>
-                <a:gridCol w="0"/>
-                <a:gridCol w="0"/>
-              </a:tblGrid>
-              <a:tr h="0">
-                <a:tc>
-                  <a:txBody>
-                    <a:bodyPr/>
-                    <a:p>
-                      <a:r>
-                        <a:rPr sz="1100"/>
-                        <a:t>Embedding Fine-Tuning</a:t>
-                      </a:r>
-                      <a:endParaRPr sz="1100"/>
-                    </a:p>
-                  </a:txBody>
-                  <a:tcPr anchor="ctr" anchorCtr="0">
-                    <a:lnL>
-                      <a:noFill/>
-                    </a:lnL>
-                    <a:lnR>
-                      <a:noFill/>
-                    </a:lnR>
-                    <a:lnT>
-                      <a:noFill/>
-                    </a:lnT>
-                    <a:lnB>
-                      <a:noFill/>
-                    </a:lnB>
-                    <a:noFill/>
-                  </a:tcPr>
-                </a:tc>
-                <a:tc>
-                  <a:txBody>
-                    <a:bodyPr/>
-                    <a:p>
-                      <a:r>
-                        <a:rPr sz="1100"/>
-                        <a:t>Fine-tune only embedding layer</a:t>
-                      </a:r>
-                      <a:endParaRPr sz="1100"/>
-                    </a:p>
-                  </a:txBody>
-                  <a:tcPr anchor="ctr" anchorCtr="0">
-                    <a:lnL>
-                      <a:noFill/>
-                    </a:lnL>
-                    <a:lnR>
-                      <a:noFill/>
-                    </a:lnR>
-                    <a:lnT>
-                      <a:noFill/>
-                    </a:lnT>
-                    <a:lnB>
-                      <a:noFill/>
-                    </a:lnB>
-                    <a:noFill/>
-                  </a:tcPr>
-                </a:tc>
-                <a:tc>
-                  <a:txBody>
-                    <a:bodyPr/>
-                    <a:p>
-                      <a:r>
-                        <a:rPr sz="1100"/>
-                        <a:t>Domain-specific vocabulary</a:t>
-                      </a:r>
-                      <a:endParaRPr sz="1100"/>
-                    </a:p>
-                  </a:txBody>
-                  <a:tcPr anchor="ctr" anchorCtr="0">
-                    <a:lnL>
-                      <a:noFill/>
-                    </a:lnL>
-                    <a:lnR>
-                      <a:noFill/>
-                    </a:lnR>
-                    <a:lnT>
-                      <a:noFill/>
-                    </a:lnT>
-                    <a:lnB>
-                      <a:noFill/>
-                    </a:lnB>
-                    <a:noFill/>
-                  </a:tcPr>
-                </a:tc>
-                <a:tc>
-                  <a:txBody>
-                    <a:bodyPr/>
-                    <a:p>
-                      <a:r>
-                        <a:rPr sz="1100"/>
-                        <a:t>Lightweight, improves vocab fit</a:t>
-                      </a:r>
-                      <a:endParaRPr sz="1100"/>
-                    </a:p>
-                  </a:txBody>
-                  <a:tcPr anchor="ctr" anchorCtr="0">
-                    <a:lnL>
-                      <a:noFill/>
-                    </a:lnL>
-                    <a:lnR>
-                      <a:noFill/>
-                    </a:lnR>
-                    <a:lnT>
-                      <a:noFill/>
-                    </a:lnT>
-                    <a:lnB>
-                      <a:noFill/>
-                    </a:lnB>
-                    <a:noFill/>
-                  </a:tcPr>
-                </a:tc>
-                <a:tc>
-                  <a:txBody>
-                    <a:bodyPr/>
-                    <a:p>
-                      <a:r>
-                        <a:rPr sz="1100"/>
-                        <a:t>Minimal overall effect</a:t>
-                      </a:r>
-                      <a:endParaRPr sz="1100"/>
-                    </a:p>
-                  </a:txBody>
-                  <a:tcPr anchor="ctr" anchorCtr="0">
-                    <a:lnL>
-                      <a:noFill/>
-                    </a:lnL>
-                    <a:lnR>
-                      <a:noFill/>
-                    </a:lnR>
-                    <a:lnT>
-                      <a:noFill/>
-                    </a:lnT>
-                    <a:lnB>
-                      <a:noFill/>
-                    </a:lnB>
-                    <a:noFill/>
-                  </a:tcPr>
-                </a:tc>
-              </a:tr>
-            </a:tbl>
-          </a:graphicData>
-        </a:graphic>
-      </p:graphicFrame>
-      <p:graphicFrame>
-        <p:nvGraphicFramePr>
-          <p:cNvPr id="18" name="Table 17"/>
-          <p:cNvGraphicFramePr/>
-          <p:nvPr/>
-        </p:nvGraphicFramePr>
-        <p:xfrm>
-          <a:off x="6096000" y="15476220"/>
-          <a:ext cx="0" cy="0"/>
-        </p:xfrm>
-        <a:graphic>
-          <a:graphicData uri="http://schemas.openxmlformats.org/drawingml/2006/table">
-            <a:tbl>
-              <a:tblPr/>
-              <a:tblGrid>
-                <a:gridCol w="0"/>
-                <a:gridCol w="0"/>
-                <a:gridCol w="0"/>
-                <a:gridCol w="0"/>
-                <a:gridCol w="0"/>
-              </a:tblGrid>
-              <a:tr h="0">
-                <a:tc>
-                  <a:txBody>
-                    <a:bodyPr/>
-                    <a:p>
-                      <a:r>
-                        <a:rPr sz="1100"/>
-                        <a:t>Distillation</a:t>
-                      </a:r>
-                      <a:endParaRPr sz="1100"/>
-                    </a:p>
-                  </a:txBody>
-                  <a:tcPr anchor="ctr" anchorCtr="0">
-                    <a:lnL>
-                      <a:noFill/>
-                    </a:lnL>
-                    <a:lnR>
-                      <a:noFill/>
-                    </a:lnR>
-                    <a:lnT>
-                      <a:noFill/>
-                    </a:lnT>
-                    <a:lnB>
-                      <a:noFill/>
-                    </a:lnB>
-                    <a:noFill/>
-                  </a:tcPr>
-                </a:tc>
-                <a:tc>
-                  <a:txBody>
-                    <a:bodyPr/>
-                    <a:p>
-                      <a:r>
-                        <a:rPr sz="1100"/>
-                        <a:t>Train small model to mimic larger model</a:t>
-                      </a:r>
-                      <a:endParaRPr sz="1100"/>
-                    </a:p>
-                  </a:txBody>
-                  <a:tcPr anchor="ctr" anchorCtr="0">
-                    <a:lnL>
-                      <a:noFill/>
-                    </a:lnL>
-                    <a:lnR>
-                      <a:noFill/>
-                    </a:lnR>
-                    <a:lnT>
-                      <a:noFill/>
-                    </a:lnT>
-                    <a:lnB>
-                      <a:noFill/>
-                    </a:lnB>
-                    <a:noFill/>
-                  </a:tcPr>
-                </a:tc>
-                <a:tc>
-                  <a:txBody>
-                    <a:bodyPr/>
-                    <a:p>
-                      <a:r>
-                        <a:rPr sz="1100"/>
-                        <a:t>Smaller, faster deployment models</a:t>
-                      </a:r>
-                      <a:endParaRPr sz="1100"/>
-                    </a:p>
-                  </a:txBody>
-                  <a:tcPr anchor="ctr" anchorCtr="0">
-                    <a:lnL>
-                      <a:noFill/>
-                    </a:lnL>
-                    <a:lnR>
-                      <a:noFill/>
-                    </a:lnR>
-                    <a:lnT>
-                      <a:noFill/>
-                    </a:lnT>
-                    <a:lnB>
-                      <a:noFill/>
-                    </a:lnB>
-                    <a:noFill/>
-                  </a:tcPr>
-                </a:tc>
-                <a:tc>
-                  <a:txBody>
-                    <a:bodyPr/>
-                    <a:p>
-                      <a:r>
-                        <a:rPr sz="1100"/>
-                        <a:t>Fast, compact model</a:t>
-                      </a:r>
-                      <a:endParaRPr sz="1100"/>
-                    </a:p>
-                  </a:txBody>
-                  <a:tcPr anchor="ctr" anchorCtr="0">
-                    <a:lnL>
-                      <a:noFill/>
-                    </a:lnL>
-                    <a:lnR>
-                      <a:noFill/>
-                    </a:lnR>
-                    <a:lnT>
-                      <a:noFill/>
-                    </a:lnT>
-                    <a:lnB>
-                      <a:noFill/>
-                    </a:lnB>
-                    <a:noFill/>
-                  </a:tcPr>
-                </a:tc>
-                <a:tc>
-                  <a:txBody>
-                    <a:bodyPr/>
-                    <a:p>
-                      <a:r>
-                        <a:rPr sz="1100"/>
-                        <a:t>Complex setup, possible accuracy loss</a:t>
-                      </a:r>
-                      <a:endParaRPr sz="1100"/>
-                    </a:p>
-                  </a:txBody>
-                  <a:tcPr anchor="ctr" anchorCtr="0">
-                    <a:lnL>
-                      <a:noFill/>
-                    </a:lnL>
-                    <a:lnR>
-                      <a:noFill/>
-                    </a:lnR>
-                    <a:lnT>
-                      <a:noFill/>
-                    </a:lnT>
-                    <a:lnB>
-                      <a:noFill/>
-                    </a:lnB>
-                    <a:noFill/>
-                  </a:tcPr>
-                </a:tc>
-              </a:tr>
-            </a:tbl>
-          </a:graphicData>
-        </a:graphic>
-      </p:graphicFrame>
-      <p:pic>
-        <p:nvPicPr>
-          <p:cNvPr id="19" name="Picture 18"/>
-          <p:cNvPicPr>
-            <a:picLocks noChangeAspect="1"/>
-          </p:cNvPicPr>
-          <p:nvPr/>
-        </p:nvPicPr>
-        <p:blipFill>
-          <a:blip r:embed="rId1"/>
-          <a:stretch>
-            <a:fillRect/>
-          </a:stretch>
-        </p:blipFill>
-        <p:spPr>
-          <a:xfrm>
-            <a:off x="1738630" y="1431290"/>
-            <a:ext cx="7242175" cy="4579620"/>
-          </a:xfrm>
-          <a:prstGeom prst="rect">
-            <a:avLst/>
-          </a:prstGeom>
-        </p:spPr>
-      </p:pic>
     </p:spTree>
   </p:cSld>
   <p:clrMapOvr>
@@ -5872,6 +7297,4201 @@
 </file>
 
 <file path=ppt/slides/slide19.xml><?xml version="1.0" encoding="utf-8"?>
+<p:sld xmlns:a="http://schemas.openxmlformats.org/drawingml/2006/main" xmlns:r="http://schemas.openxmlformats.org/officeDocument/2006/relationships" xmlns:p="http://schemas.openxmlformats.org/presentationml/2006/main">
+  <p:cSld>
+    <p:spTree>
+      <p:nvGrpSpPr>
+        <p:cNvPr id="1" name=""/>
+        <p:cNvGrpSpPr/>
+        <p:nvPr/>
+      </p:nvGrpSpPr>
+      <p:grpSpPr/>
+      <p:sp>
+        <p:nvSpPr>
+          <p:cNvPr id="2" name="Title 1"/>
+          <p:cNvSpPr>
+            <a:spLocks noGrp="1"/>
+          </p:cNvSpPr>
+          <p:nvPr>
+            <p:ph type="title"/>
+          </p:nvPr>
+        </p:nvSpPr>
+        <p:spPr/>
+        <p:txBody>
+          <a:bodyPr/>
+          <a:p>
+            <a:r>
+              <a:rPr lang="en-US"/>
+              <a:t>Small LLMs (Distilled Models) </a:t>
+            </a:r>
+            <a:endParaRPr lang="en-US"/>
+          </a:p>
+        </p:txBody>
+      </p:sp>
+      <p:sp>
+        <p:nvSpPr>
+          <p:cNvPr id="3" name="Content Placeholder 2"/>
+          <p:cNvSpPr>
+            <a:spLocks noGrp="1"/>
+          </p:cNvSpPr>
+          <p:nvPr>
+            <p:ph idx="1"/>
+          </p:nvPr>
+        </p:nvSpPr>
+        <p:spPr/>
+        <p:txBody>
+          <a:bodyPr/>
+          <a:p>
+            <a:r>
+              <a:rPr lang="en-US" sz="2400"/>
+              <a:t>Definition: Language Models with fewer parameters compared to large-scale models like</a:t>
+            </a:r>
+            <a:endParaRPr lang="en-US" sz="2400"/>
+          </a:p>
+          <a:p>
+            <a:r>
+              <a:rPr lang="en-US" sz="2400"/>
+              <a:t>Small LLMs provide a balance between performance and efficiency, making them suitable for a wide range of applications where resources are constrained.</a:t>
+            </a:r>
+            <a:endParaRPr lang="en-US" sz="2400"/>
+          </a:p>
+          <a:p>
+            <a:endParaRPr lang="en-US" sz="2400"/>
+          </a:p>
+          <a:p>
+            <a:r>
+              <a:rPr lang="en-US" sz="2400"/>
+              <a:t>Key Characteristics</a:t>
+            </a:r>
+            <a:endParaRPr lang="en-US" sz="2400"/>
+          </a:p>
+          <a:p>
+            <a:pPr lvl="1"/>
+            <a:r>
+              <a:rPr lang="en-US" sz="2000"/>
+              <a:t>Size: Typically less than a few hundred million parameters compared to billions for LLMs.</a:t>
+            </a:r>
+            <a:endParaRPr lang="en-US" sz="2000"/>
+          </a:p>
+          <a:p>
+            <a:pPr lvl="1"/>
+            <a:r>
+              <a:rPr lang="en-US" sz="2000"/>
+              <a:t>Efficiency: Lower computational and memory requirements.</a:t>
+            </a:r>
+            <a:endParaRPr lang="en-US" sz="2000"/>
+          </a:p>
+          <a:p>
+            <a:pPr lvl="1"/>
+            <a:r>
+              <a:rPr lang="en-US" sz="2000"/>
+              <a:t>Speed: Faster inference times compared to larger models.</a:t>
+            </a:r>
+            <a:endParaRPr lang="en-US" sz="2000"/>
+          </a:p>
+          <a:p>
+            <a:pPr lvl="1"/>
+            <a:r>
+              <a:rPr lang="en-US" sz="2000"/>
+              <a:t>Accessibility: Easier to deploy on devices with limited resources (e.g., mobile phones, edge devices).</a:t>
+            </a:r>
+            <a:endParaRPr lang="en-US" sz="2000"/>
+          </a:p>
+          <a:p>
+            <a:endParaRPr lang="en-US" sz="2000"/>
+          </a:p>
+        </p:txBody>
+      </p:sp>
+      <p:sp>
+        <p:nvSpPr>
+          <p:cNvPr id="4" name="Slide Number Placeholder 3"/>
+          <p:cNvSpPr>
+            <a:spLocks noGrp="1"/>
+          </p:cNvSpPr>
+          <p:nvPr>
+            <p:ph type="sldNum" sz="quarter" idx="12"/>
+          </p:nvPr>
+        </p:nvSpPr>
+        <p:spPr/>
+        <p:txBody>
+          <a:bodyPr/>
+          <a:p>
+            <a:fld id="{9B618960-8005-486C-9A75-10CB2AAC16F9}" type="slidenum">
+              <a:rPr lang="en-US" smtClean="0"/>
+            </a:fld>
+            <a:endParaRPr lang="en-US"/>
+          </a:p>
+        </p:txBody>
+      </p:sp>
+    </p:spTree>
+  </p:cSld>
+  <p:clrMapOvr>
+    <a:masterClrMapping/>
+  </p:clrMapOvr>
+</p:sld>
+</file>
+
+<file path=ppt/slides/slide2.xml><?xml version="1.0" encoding="utf-8"?>
+<p:sld xmlns:a="http://schemas.openxmlformats.org/drawingml/2006/main" xmlns:r="http://schemas.openxmlformats.org/officeDocument/2006/relationships" xmlns:p="http://schemas.openxmlformats.org/presentationml/2006/main">
+  <p:cSld>
+    <p:spTree>
+      <p:nvGrpSpPr>
+        <p:cNvPr id="1" name=""/>
+        <p:cNvGrpSpPr/>
+        <p:nvPr/>
+      </p:nvGrpSpPr>
+      <p:grpSpPr>
+        <a:xfrm>
+          <a:off x="0" y="0"/>
+          <a:ext cx="0" cy="0"/>
+          <a:chOff x="0" y="0"/>
+          <a:chExt cx="0" cy="0"/>
+        </a:xfrm>
+      </p:grpSpPr>
+      <p:sp>
+        <p:nvSpPr>
+          <p:cNvPr id="7" name="Title 6"/>
+          <p:cNvSpPr>
+            <a:spLocks noGrp="1"/>
+          </p:cNvSpPr>
+          <p:nvPr>
+            <p:ph type="title"/>
+          </p:nvPr>
+        </p:nvSpPr>
+        <p:spPr>
+          <a:xfrm>
+            <a:off x="804672" y="4267833"/>
+            <a:ext cx="4805996" cy="1297115"/>
+          </a:xfrm>
+        </p:spPr>
+        <p:txBody>
+          <a:bodyPr vert="horz" wrap="square" lIns="91440" tIns="45720" rIns="91440" bIns="45720" numCol="1" rtlCol="0" anchor="t" anchorCtr="0" compatLnSpc="1">
+            <a:normAutofit fontScale="90000"/>
+          </a:bodyPr>
+          <a:lstStyle/>
+          <a:p>
+            <a:r>
+              <a:rPr lang="en-US" kern="1200">
+                <a:latin typeface="+mj-lt"/>
+                <a:cs typeface="+mj-cs"/>
+              </a:rPr>
+              <a:t>Transfer learning </a:t>
+            </a:r>
+            <a:endParaRPr lang="en-US" kern="1200">
+              <a:latin typeface="+mj-lt"/>
+              <a:cs typeface="+mj-cs"/>
+            </a:endParaRPr>
+          </a:p>
+        </p:txBody>
+      </p:sp>
+      <p:pic>
+        <p:nvPicPr>
+          <p:cNvPr id="11" name="Graphic 10" descr="Head with Gears"/>
+          <p:cNvPicPr>
+            <a:picLocks noChangeAspect="1"/>
+          </p:cNvPicPr>
+          <p:nvPr/>
+        </p:nvPicPr>
+        <p:blipFill>
+          <a:blip r:embed="rId1">
+            <a:extLst>
+              <a:ext uri="{28A0092B-C50C-407E-A947-70E740481C1C}">
+                <a14:useLocalDpi xmlns:a14="http://schemas.microsoft.com/office/drawing/2010/main" val="0"/>
+              </a:ext>
+              <a:ext uri="{96DAC541-7B7A-43D3-8B79-37D633B846F1}">
+                <asvg:svgBlip xmlns:asvg="http://schemas.microsoft.com/office/drawing/2016/SVG/main" r:embed="rId2"/>
+              </a:ext>
+            </a:extLst>
+          </a:blip>
+          <a:stretch>
+            <a:fillRect/>
+          </a:stretch>
+        </p:blipFill>
+        <p:spPr>
+          <a:xfrm>
+            <a:off x="7729652" y="1859077"/>
+            <a:ext cx="3821103" cy="3821103"/>
+          </a:xfrm>
+          <a:prstGeom prst="rect">
+            <a:avLst/>
+          </a:prstGeom>
+        </p:spPr>
+      </p:pic>
+      <p:sp>
+        <p:nvSpPr>
+          <p:cNvPr id="4" name="Slide Number Placeholder 3"/>
+          <p:cNvSpPr>
+            <a:spLocks noGrp="1"/>
+          </p:cNvSpPr>
+          <p:nvPr>
+            <p:ph type="sldNum" sz="quarter" idx="12"/>
+          </p:nvPr>
+        </p:nvSpPr>
+        <p:spPr>
+          <a:xfrm>
+            <a:off x="8610600" y="6356351"/>
+            <a:ext cx="2743200" cy="365125"/>
+          </a:xfrm>
+        </p:spPr>
+        <p:txBody>
+          <a:bodyPr vert="horz" wrap="square" lIns="91440" tIns="45720" rIns="91440" bIns="45720" numCol="1" rtlCol="0" anchor="ctr" anchorCtr="0" compatLnSpc="1">
+            <a:normAutofit/>
+          </a:bodyPr>
+          <a:lstStyle/>
+          <a:p>
+            <a:pPr>
+              <a:spcAft>
+                <a:spcPts val="450"/>
+              </a:spcAft>
+            </a:pPr>
+            <a:fld id="{421A874C-C492-400B-AE61-4CFB05366FBC}" type="slidenum">
+              <a:rPr lang="en-US" sz="1600" smtClean="0"/>
+            </a:fld>
+            <a:endParaRPr lang="en-US" sz="1600"/>
+          </a:p>
+        </p:txBody>
+      </p:sp>
+    </p:spTree>
+  </p:cSld>
+  <p:clrMapOvr>
+    <a:masterClrMapping/>
+  </p:clrMapOvr>
+</p:sld>
+</file>
+
+<file path=ppt/slides/slide20.xml><?xml version="1.0" encoding="utf-8"?>
+<p:sld xmlns:a="http://schemas.openxmlformats.org/drawingml/2006/main" xmlns:r="http://schemas.openxmlformats.org/officeDocument/2006/relationships" xmlns:p="http://schemas.openxmlformats.org/presentationml/2006/main">
+  <p:cSld>
+    <p:spTree>
+      <p:nvGrpSpPr>
+        <p:cNvPr id="1" name=""/>
+        <p:cNvGrpSpPr/>
+        <p:nvPr/>
+      </p:nvGrpSpPr>
+      <p:grpSpPr/>
+      <p:sp>
+        <p:nvSpPr>
+          <p:cNvPr id="2" name="Title 1"/>
+          <p:cNvSpPr>
+            <a:spLocks noGrp="1"/>
+          </p:cNvSpPr>
+          <p:nvPr>
+            <p:ph type="title"/>
+          </p:nvPr>
+        </p:nvSpPr>
+        <p:spPr/>
+        <p:txBody>
+          <a:bodyPr/>
+          <a:p>
+            <a:r>
+              <a:rPr lang="en-US">
+                <a:sym typeface="+mn-ea"/>
+              </a:rPr>
+              <a:t>Distillation </a:t>
+            </a:r>
+            <a:endParaRPr lang="en-US"/>
+          </a:p>
+        </p:txBody>
+      </p:sp>
+      <p:sp>
+        <p:nvSpPr>
+          <p:cNvPr id="3" name="Content Placeholder 2"/>
+          <p:cNvSpPr>
+            <a:spLocks noGrp="1"/>
+          </p:cNvSpPr>
+          <p:nvPr>
+            <p:ph idx="1"/>
+          </p:nvPr>
+        </p:nvSpPr>
+        <p:spPr/>
+        <p:txBody>
+          <a:bodyPr/>
+          <a:p>
+            <a:r>
+              <a:rPr lang="en-US"/>
+              <a:t>Distillation in NLP, often called Knowledge Distillation, is a technique where a smaller, simpler model (called the student) is trained to replicate the behavior of a larger, more complex model (the teacher). </a:t>
+            </a:r>
+            <a:endParaRPr lang="en-US"/>
+          </a:p>
+          <a:p>
+            <a:r>
+              <a:rPr lang="en-US"/>
+              <a:t>The idea is to retain most of the teacher model’s knowledge and accuracy but in a compact, efficient model that requires less computation and memory, making it faster and easier to deploy.</a:t>
+            </a:r>
+            <a:endParaRPr lang="en-US"/>
+          </a:p>
+        </p:txBody>
+      </p:sp>
+      <p:sp>
+        <p:nvSpPr>
+          <p:cNvPr id="4" name="Slide Number Placeholder 3"/>
+          <p:cNvSpPr>
+            <a:spLocks noGrp="1"/>
+          </p:cNvSpPr>
+          <p:nvPr>
+            <p:ph type="sldNum" sz="quarter" idx="12"/>
+          </p:nvPr>
+        </p:nvSpPr>
+        <p:spPr/>
+        <p:txBody>
+          <a:bodyPr/>
+          <a:p>
+            <a:fld id="{9B618960-8005-486C-9A75-10CB2AAC16F9}" type="slidenum">
+              <a:rPr lang="en-US" smtClean="0"/>
+            </a:fld>
+            <a:endParaRPr lang="en-US"/>
+          </a:p>
+        </p:txBody>
+      </p:sp>
+    </p:spTree>
+  </p:cSld>
+  <p:clrMapOvr>
+    <a:masterClrMapping/>
+  </p:clrMapOvr>
+</p:sld>
+</file>
+
+<file path=ppt/slides/slide21.xml><?xml version="1.0" encoding="utf-8"?>
+<p:sld xmlns:a="http://schemas.openxmlformats.org/drawingml/2006/main" xmlns:r="http://schemas.openxmlformats.org/officeDocument/2006/relationships" xmlns:p="http://schemas.openxmlformats.org/presentationml/2006/main">
+  <p:cSld>
+    <p:spTree>
+      <p:nvGrpSpPr>
+        <p:cNvPr id="1" name=""/>
+        <p:cNvGrpSpPr/>
+        <p:nvPr/>
+      </p:nvGrpSpPr>
+      <p:grpSpPr/>
+      <p:sp>
+        <p:nvSpPr>
+          <p:cNvPr id="2" name="Title 1"/>
+          <p:cNvSpPr>
+            <a:spLocks noGrp="1"/>
+          </p:cNvSpPr>
+          <p:nvPr>
+            <p:ph type="title"/>
+          </p:nvPr>
+        </p:nvSpPr>
+        <p:spPr/>
+        <p:txBody>
+          <a:bodyPr/>
+          <a:p>
+            <a:r>
+              <a:rPr lang="en-US" sz="3600"/>
+              <a:t>The generic framework of teacher-student knowledge distillation training. (Image source: Gou et al. 2020)</a:t>
+            </a:r>
+            <a:endParaRPr lang="en-US" sz="3600"/>
+          </a:p>
+        </p:txBody>
+      </p:sp>
+      <p:sp>
+        <p:nvSpPr>
+          <p:cNvPr id="4" name="Slide Number Placeholder 3"/>
+          <p:cNvSpPr>
+            <a:spLocks noGrp="1"/>
+          </p:cNvSpPr>
+          <p:nvPr>
+            <p:ph type="sldNum" sz="quarter" idx="12"/>
+          </p:nvPr>
+        </p:nvSpPr>
+        <p:spPr/>
+        <p:txBody>
+          <a:bodyPr/>
+          <a:p>
+            <a:fld id="{9B618960-8005-486C-9A75-10CB2AAC16F9}" type="slidenum">
+              <a:rPr lang="en-US" smtClean="0"/>
+            </a:fld>
+            <a:endParaRPr lang="en-US"/>
+          </a:p>
+        </p:txBody>
+      </p:sp>
+      <p:pic>
+        <p:nvPicPr>
+          <p:cNvPr id="5" name="Picture 4"/>
+          <p:cNvPicPr/>
+          <p:nvPr/>
+        </p:nvPicPr>
+        <p:blipFill>
+          <a:blip r:embed="rId1"/>
+          <a:stretch>
+            <a:fillRect/>
+          </a:stretch>
+        </p:blipFill>
+        <p:spPr>
+          <a:xfrm>
+            <a:off x="787400" y="1939290"/>
+            <a:ext cx="10236200" cy="4241800"/>
+          </a:xfrm>
+          <a:prstGeom prst="rect">
+            <a:avLst/>
+          </a:prstGeom>
+        </p:spPr>
+      </p:pic>
+    </p:spTree>
+  </p:cSld>
+  <p:clrMapOvr>
+    <a:masterClrMapping/>
+  </p:clrMapOvr>
+</p:sld>
+</file>
+
+<file path=ppt/slides/slide22.xml><?xml version="1.0" encoding="utf-8"?>
+<p:sld xmlns:a="http://schemas.openxmlformats.org/drawingml/2006/main" xmlns:r="http://schemas.openxmlformats.org/officeDocument/2006/relationships" xmlns:p="http://schemas.openxmlformats.org/presentationml/2006/main">
+  <p:cSld>
+    <p:spTree>
+      <p:nvGrpSpPr>
+        <p:cNvPr id="1" name=""/>
+        <p:cNvGrpSpPr/>
+        <p:nvPr/>
+      </p:nvGrpSpPr>
+      <p:grpSpPr/>
+      <p:sp>
+        <p:nvSpPr>
+          <p:cNvPr id="4" name="Slide Number Placeholder 3"/>
+          <p:cNvSpPr>
+            <a:spLocks noGrp="1"/>
+          </p:cNvSpPr>
+          <p:nvPr>
+            <p:ph type="sldNum" sz="quarter" idx="12"/>
+          </p:nvPr>
+        </p:nvSpPr>
+        <p:spPr/>
+        <p:txBody>
+          <a:bodyPr/>
+          <a:p>
+            <a:fld id="{9B618960-8005-486C-9A75-10CB2AAC16F9}" type="slidenum">
+              <a:rPr lang="en-US" smtClean="0"/>
+            </a:fld>
+            <a:endParaRPr lang="en-US"/>
+          </a:p>
+        </p:txBody>
+      </p:sp>
+      <p:pic>
+        <p:nvPicPr>
+          <p:cNvPr id="5" name="Picture 4"/>
+          <p:cNvPicPr/>
+          <p:nvPr/>
+        </p:nvPicPr>
+        <p:blipFill>
+          <a:blip r:embed="rId1"/>
+          <a:stretch>
+            <a:fillRect/>
+          </a:stretch>
+        </p:blipFill>
+        <p:spPr>
+          <a:xfrm>
+            <a:off x="1498600" y="1707515"/>
+            <a:ext cx="7943215" cy="5013960"/>
+          </a:xfrm>
+          <a:prstGeom prst="rect">
+            <a:avLst/>
+          </a:prstGeom>
+        </p:spPr>
+      </p:pic>
+      <p:sp>
+        <p:nvSpPr>
+          <p:cNvPr id="6" name="Text Box 5"/>
+          <p:cNvSpPr txBox="1"/>
+          <p:nvPr/>
+        </p:nvSpPr>
+        <p:spPr>
+          <a:xfrm>
+            <a:off x="930910" y="563245"/>
+            <a:ext cx="8694420" cy="829945"/>
+          </a:xfrm>
+          <a:prstGeom prst="rect">
+            <a:avLst/>
+          </a:prstGeom>
+        </p:spPr>
+        <p:txBody>
+          <a:bodyPr wrap="square">
+            <a:spAutoFit/>
+          </a:bodyPr>
+          <a:p>
+            <a:pPr marL="0" indent="0"/>
+            <a:r>
+              <a:rPr sz="1600" b="0" i="0">
+                <a:solidFill>
+                  <a:schemeClr val="tx1"/>
+                </a:solidFill>
+                <a:latin typeface="ui-sans-serif"/>
+                <a:ea typeface="ui-sans-serif"/>
+              </a:rPr>
+              <a:t>Distillation uses a larger model, the teacher model to train a smaller model, the student model. The smaller model is then used for inference to lower your storage and compute cost.</a:t>
+            </a:r>
+            <a:endParaRPr sz="1600" b="0" i="0">
+              <a:solidFill>
+                <a:schemeClr val="tx1"/>
+              </a:solidFill>
+              <a:latin typeface="ui-sans-serif"/>
+              <a:ea typeface="ui-sans-serif"/>
+            </a:endParaRPr>
+          </a:p>
+        </p:txBody>
+      </p:sp>
+    </p:spTree>
+  </p:cSld>
+  <p:clrMapOvr>
+    <a:masterClrMapping/>
+  </p:clrMapOvr>
+</p:sld>
+</file>
+
+<file path=ppt/slides/slide23.xml><?xml version="1.0" encoding="utf-8"?>
+<p:sld xmlns:a="http://schemas.openxmlformats.org/drawingml/2006/main" xmlns:r="http://schemas.openxmlformats.org/officeDocument/2006/relationships" xmlns:p="http://schemas.openxmlformats.org/presentationml/2006/main">
+  <p:cSld>
+    <p:spTree>
+      <p:nvGrpSpPr>
+        <p:cNvPr id="1" name=""/>
+        <p:cNvGrpSpPr/>
+        <p:nvPr/>
+      </p:nvGrpSpPr>
+      <p:grpSpPr/>
+      <p:sp>
+        <p:nvSpPr>
+          <p:cNvPr id="2" name="Title 1"/>
+          <p:cNvSpPr>
+            <a:spLocks noGrp="1"/>
+          </p:cNvSpPr>
+          <p:nvPr>
+            <p:ph type="title"/>
+          </p:nvPr>
+        </p:nvSpPr>
+        <p:spPr/>
+        <p:txBody>
+          <a:bodyPr/>
+          <a:p>
+            <a:r>
+              <a:rPr lang="en-US"/>
+              <a:t>soft and hard labels </a:t>
+            </a:r>
+            <a:endParaRPr lang="en-US"/>
+          </a:p>
+        </p:txBody>
+      </p:sp>
+      <p:sp>
+        <p:nvSpPr>
+          <p:cNvPr id="3" name="Content Placeholder 2"/>
+          <p:cNvSpPr>
+            <a:spLocks noGrp="1"/>
+          </p:cNvSpPr>
+          <p:nvPr>
+            <p:ph idx="1"/>
+          </p:nvPr>
+        </p:nvSpPr>
+        <p:spPr/>
+        <p:txBody>
+          <a:bodyPr/>
+          <a:p>
+            <a:r>
+              <a:rPr lang="en-US"/>
+              <a:t>The teacher model is already fine-tuned on the training data. So, the probability distribution likely closely matches the ground truth data and won’t have much variations in tokens.</a:t>
+            </a:r>
+            <a:endParaRPr lang="en-US"/>
+          </a:p>
+          <a:p>
+            <a:r>
+              <a:rPr lang="en-US"/>
+              <a:t>SO, when temperature &gt; 1 then, probability distribution becomes broader.</a:t>
+            </a:r>
+            <a:endParaRPr lang="en-US"/>
+          </a:p>
+          <a:p>
+            <a:r>
+              <a:rPr lang="en-US"/>
+              <a:t>T &gt; 1 =&gt; Teacher’s output –&gt; soft labels and Student’s output –&gt; soft predictions</a:t>
+            </a:r>
+            <a:endParaRPr lang="en-US"/>
+          </a:p>
+          <a:p>
+            <a:r>
+              <a:rPr lang="en-US"/>
+              <a:t>T = 1 =&gt; Teacher’s output –&gt; hard labels and Student’s output –&gt; hard predictions</a:t>
+            </a:r>
+            <a:endParaRPr lang="en-US"/>
+          </a:p>
+        </p:txBody>
+      </p:sp>
+      <p:sp>
+        <p:nvSpPr>
+          <p:cNvPr id="4" name="Slide Number Placeholder 3"/>
+          <p:cNvSpPr>
+            <a:spLocks noGrp="1"/>
+          </p:cNvSpPr>
+          <p:nvPr>
+            <p:ph type="sldNum" sz="quarter" idx="12"/>
+          </p:nvPr>
+        </p:nvSpPr>
+        <p:spPr/>
+        <p:txBody>
+          <a:bodyPr/>
+          <a:p>
+            <a:fld id="{9B618960-8005-486C-9A75-10CB2AAC16F9}" type="slidenum">
+              <a:rPr lang="en-US" smtClean="0"/>
+            </a:fld>
+            <a:endParaRPr lang="en-US"/>
+          </a:p>
+        </p:txBody>
+      </p:sp>
+    </p:spTree>
+  </p:cSld>
+  <p:clrMapOvr>
+    <a:masterClrMapping/>
+  </p:clrMapOvr>
+</p:sld>
+</file>
+
+<file path=ppt/slides/slide24.xml><?xml version="1.0" encoding="utf-8"?>
+<p:sld xmlns:a="http://schemas.openxmlformats.org/drawingml/2006/main" xmlns:r="http://schemas.openxmlformats.org/officeDocument/2006/relationships" xmlns:p="http://schemas.openxmlformats.org/presentationml/2006/main">
+  <p:cSld>
+    <p:spTree>
+      <p:nvGrpSpPr>
+        <p:cNvPr id="1" name=""/>
+        <p:cNvGrpSpPr/>
+        <p:nvPr/>
+      </p:nvGrpSpPr>
+      <p:grpSpPr/>
+      <p:sp>
+        <p:nvSpPr>
+          <p:cNvPr id="2" name="Title 1"/>
+          <p:cNvSpPr>
+            <a:spLocks noGrp="1"/>
+          </p:cNvSpPr>
+          <p:nvPr>
+            <p:ph type="title"/>
+          </p:nvPr>
+        </p:nvSpPr>
+        <p:spPr/>
+        <p:txBody>
+          <a:bodyPr/>
+          <a:p>
+            <a:r>
+              <a:rPr lang="en-US"/>
+              <a:t>Key Steps in Distillation</a:t>
+            </a:r>
+            <a:endParaRPr lang="en-US"/>
+          </a:p>
+        </p:txBody>
+      </p:sp>
+      <p:sp>
+        <p:nvSpPr>
+          <p:cNvPr id="3" name="Content Placeholder 2"/>
+          <p:cNvSpPr>
+            <a:spLocks noGrp="1"/>
+          </p:cNvSpPr>
+          <p:nvPr>
+            <p:ph idx="1"/>
+          </p:nvPr>
+        </p:nvSpPr>
+        <p:spPr/>
+        <p:txBody>
+          <a:bodyPr>
+            <a:normAutofit lnSpcReduction="10000"/>
+          </a:bodyPr>
+          <a:p>
+            <a:pPr marL="514350" indent="-514350">
+              <a:buAutoNum type="arabicPeriod"/>
+            </a:pPr>
+            <a:r>
+              <a:rPr lang="en-US" b="1"/>
+              <a:t>Train the Teacher Model</a:t>
+            </a:r>
+            <a:r>
+              <a:rPr lang="en-US"/>
+              <a:t>: First, a large model (like BERT or GPT) is pre-trained and fine-tuned on a specific task or dataset. This teacher model has high accuracy but is resource-intensive.</a:t>
+            </a:r>
+            <a:endParaRPr lang="en-US"/>
+          </a:p>
+          <a:p>
+            <a:pPr marL="514350" indent="-514350">
+              <a:buAutoNum type="arabicPeriod"/>
+            </a:pPr>
+            <a:r>
+              <a:rPr lang="en-US" b="1"/>
+              <a:t>Generate Soft Labels</a:t>
+            </a:r>
+            <a:r>
+              <a:rPr lang="en-US"/>
+              <a:t>: The teacher model is used to produce soft labels (or probabilities) for the training data, providing nuanced guidance beyond traditional hard labels.</a:t>
+            </a:r>
+            <a:endParaRPr lang="en-US"/>
+          </a:p>
+          <a:p>
+            <a:pPr marL="514350" indent="-514350">
+              <a:buAutoNum type="arabicPeriod"/>
+            </a:pPr>
+            <a:r>
+              <a:rPr lang="en-US" b="1"/>
+              <a:t>Train the Student Model</a:t>
+            </a:r>
+            <a:r>
+              <a:rPr lang="en-US"/>
+              <a:t>: The student model is then trained using these soft labels from the teacher, encouraging it to match the teacher's predictions. This allows the student to learn patterns and representations similar to those learned by the teacher, without needing as many parameters.</a:t>
+            </a:r>
+            <a:endParaRPr lang="en-US"/>
+          </a:p>
+        </p:txBody>
+      </p:sp>
+      <p:sp>
+        <p:nvSpPr>
+          <p:cNvPr id="4" name="Slide Number Placeholder 3"/>
+          <p:cNvSpPr>
+            <a:spLocks noGrp="1"/>
+          </p:cNvSpPr>
+          <p:nvPr>
+            <p:ph type="sldNum" sz="quarter" idx="12"/>
+          </p:nvPr>
+        </p:nvSpPr>
+        <p:spPr/>
+        <p:txBody>
+          <a:bodyPr/>
+          <a:p>
+            <a:fld id="{9B618960-8005-486C-9A75-10CB2AAC16F9}" type="slidenum">
+              <a:rPr lang="en-US" smtClean="0"/>
+            </a:fld>
+            <a:endParaRPr lang="en-US"/>
+          </a:p>
+        </p:txBody>
+      </p:sp>
+    </p:spTree>
+  </p:cSld>
+  <p:clrMapOvr>
+    <a:masterClrMapping/>
+  </p:clrMapOvr>
+</p:sld>
+</file>
+
+<file path=ppt/slides/slide25.xml><?xml version="1.0" encoding="utf-8"?>
+<p:sld xmlns:a="http://schemas.openxmlformats.org/drawingml/2006/main" xmlns:r="http://schemas.openxmlformats.org/officeDocument/2006/relationships" xmlns:p="http://schemas.openxmlformats.org/presentationml/2006/main">
+  <p:cSld>
+    <p:spTree>
+      <p:nvGrpSpPr>
+        <p:cNvPr id="1" name=""/>
+        <p:cNvGrpSpPr/>
+        <p:nvPr/>
+      </p:nvGrpSpPr>
+      <p:grpSpPr/>
+      <p:sp>
+        <p:nvSpPr>
+          <p:cNvPr id="2" name="Title 1"/>
+          <p:cNvSpPr>
+            <a:spLocks noGrp="1"/>
+          </p:cNvSpPr>
+          <p:nvPr>
+            <p:ph type="title"/>
+          </p:nvPr>
+        </p:nvSpPr>
+        <p:spPr/>
+        <p:txBody>
+          <a:bodyPr/>
+          <a:p>
+            <a:r>
+              <a:rPr lang="en-US"/>
+              <a:t>Types of Distillation in NLP</a:t>
+            </a:r>
+            <a:endParaRPr lang="en-US"/>
+          </a:p>
+        </p:txBody>
+      </p:sp>
+      <p:sp>
+        <p:nvSpPr>
+          <p:cNvPr id="3" name="Content Placeholder 2"/>
+          <p:cNvSpPr>
+            <a:spLocks noGrp="1"/>
+          </p:cNvSpPr>
+          <p:nvPr>
+            <p:ph idx="1"/>
+          </p:nvPr>
+        </p:nvSpPr>
+        <p:spPr/>
+        <p:txBody>
+          <a:bodyPr/>
+          <a:p>
+            <a:r>
+              <a:rPr lang="en-US"/>
+              <a:t>Logit Distillation: Only the teacher model's output probabilities (logits) are used to train the student model. The student is encouraged to mimic the output distribution of the teacher.</a:t>
+            </a:r>
+            <a:endParaRPr lang="en-US"/>
+          </a:p>
+          <a:p>
+            <a:r>
+              <a:rPr lang="en-US"/>
+              <a:t>Feature Distillation: Intermediate layer features (activations) from the teacher are also used as guidance, allowing the student to match representations at multiple levels, not just the final output.</a:t>
+            </a:r>
+            <a:endParaRPr lang="en-US"/>
+          </a:p>
+          <a:p>
+            <a:r>
+              <a:rPr lang="en-US"/>
+              <a:t>Self-Distillation: The same model is used as both teacher and student, where a larger or pre-trained version of the model is fine-tuned on the task and then distilled to a smaller architecture of itself.</a:t>
+            </a:r>
+            <a:endParaRPr lang="en-US"/>
+          </a:p>
+        </p:txBody>
+      </p:sp>
+      <p:sp>
+        <p:nvSpPr>
+          <p:cNvPr id="4" name="Slide Number Placeholder 3"/>
+          <p:cNvSpPr>
+            <a:spLocks noGrp="1"/>
+          </p:cNvSpPr>
+          <p:nvPr>
+            <p:ph type="sldNum" sz="quarter" idx="12"/>
+          </p:nvPr>
+        </p:nvSpPr>
+        <p:spPr/>
+        <p:txBody>
+          <a:bodyPr/>
+          <a:p>
+            <a:fld id="{9B618960-8005-486C-9A75-10CB2AAC16F9}" type="slidenum">
+              <a:rPr lang="en-US" smtClean="0"/>
+            </a:fld>
+            <a:endParaRPr lang="en-US"/>
+          </a:p>
+        </p:txBody>
+      </p:sp>
+    </p:spTree>
+  </p:cSld>
+  <p:clrMapOvr>
+    <a:masterClrMapping/>
+  </p:clrMapOvr>
+</p:sld>
+</file>
+
+<file path=ppt/slides/slide26.xml><?xml version="1.0" encoding="utf-8"?>
+<p:sld xmlns:a="http://schemas.openxmlformats.org/drawingml/2006/main" xmlns:r="http://schemas.openxmlformats.org/officeDocument/2006/relationships" xmlns:p="http://schemas.openxmlformats.org/presentationml/2006/main">
+  <p:cSld>
+    <p:spTree>
+      <p:nvGrpSpPr>
+        <p:cNvPr id="1" name=""/>
+        <p:cNvGrpSpPr/>
+        <p:nvPr/>
+      </p:nvGrpSpPr>
+      <p:grpSpPr/>
+      <p:sp>
+        <p:nvSpPr>
+          <p:cNvPr id="2" name="Title 1"/>
+          <p:cNvSpPr>
+            <a:spLocks noGrp="1"/>
+          </p:cNvSpPr>
+          <p:nvPr>
+            <p:ph type="title"/>
+          </p:nvPr>
+        </p:nvSpPr>
+        <p:spPr/>
+        <p:txBody>
+          <a:bodyPr/>
+          <a:p>
+            <a:r>
+              <a:rPr lang="en-US"/>
+              <a:t>Advantages of Distillation</a:t>
+            </a:r>
+            <a:endParaRPr lang="en-US"/>
+          </a:p>
+        </p:txBody>
+      </p:sp>
+      <p:sp>
+        <p:nvSpPr>
+          <p:cNvPr id="3" name="Content Placeholder 2"/>
+          <p:cNvSpPr>
+            <a:spLocks noGrp="1"/>
+          </p:cNvSpPr>
+          <p:nvPr>
+            <p:ph idx="1"/>
+          </p:nvPr>
+        </p:nvSpPr>
+        <p:spPr/>
+        <p:txBody>
+          <a:bodyPr/>
+          <a:p>
+            <a:r>
+              <a:rPr lang="en-US"/>
+              <a:t>Efficiency: Distilled models are much smaller, making them faster for inference and ideal for deployment on devices with limited resources.</a:t>
+            </a:r>
+            <a:endParaRPr lang="en-US"/>
+          </a:p>
+          <a:p>
+            <a:r>
+              <a:rPr lang="en-US"/>
+              <a:t>Maintain Accuracy: Despite the size reduction, distilled models often retain much of the teacher’s accuracy, making them effective alternatives in production environments.</a:t>
+            </a:r>
+            <a:endParaRPr lang="en-US"/>
+          </a:p>
+          <a:p>
+            <a:r>
+              <a:rPr lang="en-US"/>
+              <a:t>Less Data Needed: Distilling on soft labels provided by the teacher can enable the student model to generalize better even with less data.</a:t>
+            </a:r>
+            <a:endParaRPr lang="en-US"/>
+          </a:p>
+        </p:txBody>
+      </p:sp>
+      <p:sp>
+        <p:nvSpPr>
+          <p:cNvPr id="4" name="Slide Number Placeholder 3"/>
+          <p:cNvSpPr>
+            <a:spLocks noGrp="1"/>
+          </p:cNvSpPr>
+          <p:nvPr>
+            <p:ph type="sldNum" sz="quarter" idx="12"/>
+          </p:nvPr>
+        </p:nvSpPr>
+        <p:spPr/>
+        <p:txBody>
+          <a:bodyPr/>
+          <a:p>
+            <a:fld id="{9B618960-8005-486C-9A75-10CB2AAC16F9}" type="slidenum">
+              <a:rPr lang="en-US" smtClean="0"/>
+            </a:fld>
+            <a:endParaRPr lang="en-US"/>
+          </a:p>
+        </p:txBody>
+      </p:sp>
+    </p:spTree>
+  </p:cSld>
+  <p:clrMapOvr>
+    <a:masterClrMapping/>
+  </p:clrMapOvr>
+</p:sld>
+</file>
+
+<file path=ppt/slides/slide27.xml><?xml version="1.0" encoding="utf-8"?>
+<p:sld xmlns:a="http://schemas.openxmlformats.org/drawingml/2006/main" xmlns:r="http://schemas.openxmlformats.org/officeDocument/2006/relationships" xmlns:p="http://schemas.openxmlformats.org/presentationml/2006/main">
+  <p:cSld>
+    <p:spTree>
+      <p:nvGrpSpPr>
+        <p:cNvPr id="1" name=""/>
+        <p:cNvGrpSpPr/>
+        <p:nvPr/>
+      </p:nvGrpSpPr>
+      <p:grpSpPr/>
+      <p:sp>
+        <p:nvSpPr>
+          <p:cNvPr id="2" name="Title 1"/>
+          <p:cNvSpPr>
+            <a:spLocks noGrp="1"/>
+          </p:cNvSpPr>
+          <p:nvPr>
+            <p:ph type="title"/>
+          </p:nvPr>
+        </p:nvSpPr>
+        <p:spPr/>
+        <p:txBody>
+          <a:bodyPr/>
+          <a:p>
+            <a:r>
+              <a:rPr lang="en-US"/>
+              <a:t>Applications in NLP</a:t>
+            </a:r>
+            <a:endParaRPr lang="en-US"/>
+          </a:p>
+        </p:txBody>
+      </p:sp>
+      <p:sp>
+        <p:nvSpPr>
+          <p:cNvPr id="3" name="Content Placeholder 2"/>
+          <p:cNvSpPr>
+            <a:spLocks noGrp="1"/>
+          </p:cNvSpPr>
+          <p:nvPr>
+            <p:ph idx="1"/>
+          </p:nvPr>
+        </p:nvSpPr>
+        <p:spPr/>
+        <p:txBody>
+          <a:bodyPr/>
+          <a:p>
+            <a:r>
+              <a:rPr lang="en-US"/>
+              <a:t>Text Classification: Using a smaller model for real-time classification tasks while retaining the performance of a larger BERT-based model.</a:t>
+            </a:r>
+            <a:endParaRPr lang="en-US"/>
+          </a:p>
+          <a:p>
+            <a:r>
+              <a:rPr lang="en-US"/>
+              <a:t>Question Answering: Deploying a distilled model for quick and accurate responses in chatbot systems.</a:t>
+            </a:r>
+            <a:endParaRPr lang="en-US"/>
+          </a:p>
+          <a:p>
+            <a:r>
+              <a:rPr lang="en-US"/>
+              <a:t>Machine Translation: Reducing the computational burden in translation systems while preserving translation quality.</a:t>
+            </a:r>
+            <a:endParaRPr lang="en-US"/>
+          </a:p>
+        </p:txBody>
+      </p:sp>
+      <p:sp>
+        <p:nvSpPr>
+          <p:cNvPr id="4" name="Slide Number Placeholder 3"/>
+          <p:cNvSpPr>
+            <a:spLocks noGrp="1"/>
+          </p:cNvSpPr>
+          <p:nvPr>
+            <p:ph type="sldNum" sz="quarter" idx="12"/>
+          </p:nvPr>
+        </p:nvSpPr>
+        <p:spPr/>
+        <p:txBody>
+          <a:bodyPr/>
+          <a:p>
+            <a:fld id="{9B618960-8005-486C-9A75-10CB2AAC16F9}" type="slidenum">
+              <a:rPr lang="en-US" smtClean="0"/>
+            </a:fld>
+            <a:endParaRPr lang="en-US"/>
+          </a:p>
+        </p:txBody>
+      </p:sp>
+    </p:spTree>
+  </p:cSld>
+  <p:clrMapOvr>
+    <a:masterClrMapping/>
+  </p:clrMapOvr>
+</p:sld>
+</file>
+
+<file path=ppt/slides/slide28.xml><?xml version="1.0" encoding="utf-8"?>
+<p:sld xmlns:a="http://schemas.openxmlformats.org/drawingml/2006/main" xmlns:r="http://schemas.openxmlformats.org/officeDocument/2006/relationships" xmlns:p="http://schemas.openxmlformats.org/presentationml/2006/main">
+  <p:cSld>
+    <p:spTree>
+      <p:nvGrpSpPr>
+        <p:cNvPr id="1" name=""/>
+        <p:cNvGrpSpPr/>
+        <p:nvPr/>
+      </p:nvGrpSpPr>
+      <p:grpSpPr/>
+      <p:sp>
+        <p:nvSpPr>
+          <p:cNvPr id="2" name="Title 1"/>
+          <p:cNvSpPr>
+            <a:spLocks noGrp="1"/>
+          </p:cNvSpPr>
+          <p:nvPr>
+            <p:ph type="title"/>
+          </p:nvPr>
+        </p:nvSpPr>
+        <p:spPr/>
+        <p:txBody>
+          <a:bodyPr/>
+          <a:p>
+            <a:r>
+              <a:rPr lang="en-US"/>
+              <a:t>Example of a Successful Distillation: DistilBERT</a:t>
+            </a:r>
+            <a:endParaRPr lang="en-US"/>
+          </a:p>
+        </p:txBody>
+      </p:sp>
+      <p:sp>
+        <p:nvSpPr>
+          <p:cNvPr id="3" name="Content Placeholder 2"/>
+          <p:cNvSpPr>
+            <a:spLocks noGrp="1"/>
+          </p:cNvSpPr>
+          <p:nvPr>
+            <p:ph idx="1"/>
+          </p:nvPr>
+        </p:nvSpPr>
+        <p:spPr/>
+        <p:txBody>
+          <a:bodyPr/>
+          <a:p>
+            <a:r>
+              <a:rPr lang="en-US"/>
+              <a:t>DistilBERT is a popular distilled version of BERT that retains 97% of BERT’s language understanding while being 60% faster and using 40% fewer parameters. </a:t>
+            </a:r>
+            <a:endParaRPr lang="en-US"/>
+          </a:p>
+          <a:p>
+            <a:r>
+              <a:rPr lang="en-US"/>
+              <a:t>DistilBERT is trained using logit distillation and feature matching, effectively reducing BERT’s size and computational requirements without major accuracy loss.</a:t>
+            </a:r>
+            <a:endParaRPr lang="en-US"/>
+          </a:p>
+        </p:txBody>
+      </p:sp>
+      <p:sp>
+        <p:nvSpPr>
+          <p:cNvPr id="4" name="Slide Number Placeholder 3"/>
+          <p:cNvSpPr>
+            <a:spLocks noGrp="1"/>
+          </p:cNvSpPr>
+          <p:nvPr>
+            <p:ph type="sldNum" sz="quarter" idx="12"/>
+          </p:nvPr>
+        </p:nvSpPr>
+        <p:spPr/>
+        <p:txBody>
+          <a:bodyPr/>
+          <a:p>
+            <a:fld id="{9B618960-8005-486C-9A75-10CB2AAC16F9}" type="slidenum">
+              <a:rPr lang="en-US" smtClean="0"/>
+            </a:fld>
+            <a:endParaRPr lang="en-US"/>
+          </a:p>
+        </p:txBody>
+      </p:sp>
+    </p:spTree>
+  </p:cSld>
+  <p:clrMapOvr>
+    <a:masterClrMapping/>
+  </p:clrMapOvr>
+</p:sld>
+</file>
+
+<file path=ppt/slides/slide29.xml><?xml version="1.0" encoding="utf-8"?>
+<p:sld xmlns:a="http://schemas.openxmlformats.org/drawingml/2006/main" xmlns:r="http://schemas.openxmlformats.org/officeDocument/2006/relationships" xmlns:p="http://schemas.openxmlformats.org/presentationml/2006/main">
+  <p:cSld>
+    <p:spTree>
+      <p:nvGrpSpPr>
+        <p:cNvPr id="1" name=""/>
+        <p:cNvGrpSpPr/>
+        <p:nvPr/>
+      </p:nvGrpSpPr>
+      <p:grpSpPr/>
+      <p:sp>
+        <p:nvSpPr>
+          <p:cNvPr id="2" name="Title 1"/>
+          <p:cNvSpPr>
+            <a:spLocks noGrp="1"/>
+          </p:cNvSpPr>
+          <p:nvPr>
+            <p:ph type="title"/>
+          </p:nvPr>
+        </p:nvSpPr>
+        <p:spPr/>
+        <p:txBody>
+          <a:bodyPr/>
+          <a:p>
+            <a:r>
+              <a:rPr lang="en-US"/>
+              <a:t>Quantization </a:t>
+            </a:r>
+            <a:endParaRPr lang="en-US"/>
+          </a:p>
+        </p:txBody>
+      </p:sp>
+      <p:sp>
+        <p:nvSpPr>
+          <p:cNvPr id="3" name="Content Placeholder 2"/>
+          <p:cNvSpPr>
+            <a:spLocks noGrp="1"/>
+          </p:cNvSpPr>
+          <p:nvPr>
+            <p:ph idx="1"/>
+          </p:nvPr>
+        </p:nvSpPr>
+        <p:spPr/>
+        <p:txBody>
+          <a:bodyPr>
+            <a:normAutofit fontScale="70000"/>
+          </a:bodyPr>
+          <a:p>
+            <a:r>
+              <a:rPr lang="en-US"/>
+              <a:t>Post training, quantization transforms a model’s weight to a lower precision representation like 16 bit float, or 8 it integer.</a:t>
+            </a:r>
+            <a:endParaRPr lang="en-US"/>
+          </a:p>
+          <a:p>
+            <a:r>
+              <a:rPr lang="en-US"/>
+              <a:t>Memory usage can be reduced by reducing precision from 32 bit floating point number to 16 bit floating number or 8 bit integers. Following datatypes can be used to train a quantized models:</a:t>
+            </a:r>
+            <a:endParaRPr lang="en-US"/>
+          </a:p>
+          <a:p>
+            <a:pPr lvl="1"/>
+            <a:r>
+              <a:rPr lang="en-US"/>
+              <a:t>FP32 –&gt; 32 bit floating point</a:t>
+            </a:r>
+            <a:endParaRPr lang="en-US"/>
+          </a:p>
+          <a:p>
+            <a:pPr lvl="1"/>
+            <a:r>
+              <a:rPr lang="en-US"/>
+              <a:t>FP16 –&gt; 16 bit floating point</a:t>
+            </a:r>
+            <a:endParaRPr lang="en-US"/>
+          </a:p>
+          <a:p>
+            <a:pPr lvl="1"/>
+            <a:r>
+              <a:rPr lang="en-US"/>
+              <a:t>BFLOAT16 –&gt; 16 bit floating point half precision</a:t>
+            </a:r>
+            <a:endParaRPr lang="en-US"/>
+          </a:p>
+          <a:p>
+            <a:pPr lvl="1"/>
+            <a:r>
+              <a:rPr lang="en-US"/>
+              <a:t>INT8 –&gt; 8 bit integers</a:t>
+            </a:r>
+            <a:endParaRPr lang="en-US"/>
+          </a:p>
+          <a:p>
+            <a:r>
+              <a:rPr lang="en-US"/>
+              <a:t>BFLOAT16 is truncated FP32. BFLOAT16 is used to pretrain most of the LLMs including FLAN T5. </a:t>
+            </a:r>
+            <a:endParaRPr lang="en-US"/>
+          </a:p>
+          <a:p>
+            <a:r>
+              <a:rPr lang="en-US"/>
+              <a:t>Given is below is the ram requirements to store 1B parameter model:</a:t>
+            </a:r>
+            <a:endParaRPr lang="en-US"/>
+          </a:p>
+          <a:p>
+            <a:pPr lvl="1"/>
+            <a:r>
+              <a:rPr lang="en-US"/>
+              <a:t>Full Precision Model –&gt; 4GB@32 bit full precission</a:t>
+            </a:r>
+            <a:endParaRPr lang="en-US"/>
+          </a:p>
+          <a:p>
+            <a:pPr lvl="1"/>
+            <a:r>
+              <a:rPr lang="en-US"/>
+              <a:t>16-bit quantized Model –&gt; 2GB@16 bit half precission</a:t>
+            </a:r>
+            <a:endParaRPr lang="en-US"/>
+          </a:p>
+          <a:p>
+            <a:pPr lvl="1"/>
+            <a:r>
+              <a:rPr lang="en-US"/>
+              <a:t>8-bit quantized Model –&gt; 1GB@8 bit precission</a:t>
+            </a:r>
+            <a:endParaRPr lang="en-US"/>
+          </a:p>
+        </p:txBody>
+      </p:sp>
+      <p:sp>
+        <p:nvSpPr>
+          <p:cNvPr id="4" name="Slide Number Placeholder 3"/>
+          <p:cNvSpPr>
+            <a:spLocks noGrp="1"/>
+          </p:cNvSpPr>
+          <p:nvPr>
+            <p:ph type="sldNum" sz="quarter" idx="12"/>
+          </p:nvPr>
+        </p:nvSpPr>
+        <p:spPr/>
+        <p:txBody>
+          <a:bodyPr/>
+          <a:p>
+            <a:fld id="{9B618960-8005-486C-9A75-10CB2AAC16F9}" type="slidenum">
+              <a:rPr lang="en-US" smtClean="0"/>
+            </a:fld>
+            <a:endParaRPr lang="en-US"/>
+          </a:p>
+        </p:txBody>
+      </p:sp>
+    </p:spTree>
+  </p:cSld>
+  <p:clrMapOvr>
+    <a:masterClrMapping/>
+  </p:clrMapOvr>
+</p:sld>
+</file>
+
+<file path=ppt/slides/slide3.xml><?xml version="1.0" encoding="utf-8"?>
+<p:sld xmlns:a="http://schemas.openxmlformats.org/drawingml/2006/main" xmlns:r="http://schemas.openxmlformats.org/officeDocument/2006/relationships" xmlns:p="http://schemas.openxmlformats.org/presentationml/2006/main">
+  <p:cSld>
+    <p:spTree>
+      <p:nvGrpSpPr>
+        <p:cNvPr id="1" name=""/>
+        <p:cNvGrpSpPr/>
+        <p:nvPr/>
+      </p:nvGrpSpPr>
+      <p:grpSpPr/>
+      <p:sp>
+        <p:nvSpPr>
+          <p:cNvPr id="2" name="Title 1"/>
+          <p:cNvSpPr>
+            <a:spLocks noGrp="1"/>
+          </p:cNvSpPr>
+          <p:nvPr>
+            <p:ph type="title"/>
+          </p:nvPr>
+        </p:nvSpPr>
+        <p:spPr/>
+        <p:txBody>
+          <a:bodyPr/>
+          <a:p>
+            <a:r>
+              <a:rPr lang="en-US">
+                <a:sym typeface="+mn-ea"/>
+              </a:rPr>
+              <a:t>Transfer learning</a:t>
+            </a:r>
+            <a:endParaRPr lang="en-US"/>
+          </a:p>
+        </p:txBody>
+      </p:sp>
+      <p:sp>
+        <p:nvSpPr>
+          <p:cNvPr id="3" name="Content Placeholder 2"/>
+          <p:cNvSpPr>
+            <a:spLocks noGrp="1"/>
+          </p:cNvSpPr>
+          <p:nvPr>
+            <p:ph idx="1"/>
+          </p:nvPr>
+        </p:nvSpPr>
+        <p:spPr/>
+        <p:txBody>
+          <a:bodyPr/>
+          <a:p>
+            <a:r>
+              <a:rPr lang="en-US"/>
+              <a:t>Transfer learning is a machine learning technique where a model developed for a particular task is reused as the starting point for a model on a second task. </a:t>
+            </a:r>
+            <a:endParaRPr lang="en-US"/>
+          </a:p>
+          <a:p>
+            <a:r>
+              <a:rPr lang="en-US"/>
+              <a:t>This approach is particularly useful </a:t>
+            </a:r>
+            <a:r>
+              <a:rPr lang="en-US" u="sng"/>
+              <a:t>when the second task has limited data available</a:t>
+            </a:r>
+            <a:r>
+              <a:rPr lang="en-US"/>
+              <a:t>, as it allows the model to leverage the knowledge gained from the first task, which typically has a larger dataset.</a:t>
+            </a:r>
+            <a:endParaRPr lang="en-US"/>
+          </a:p>
+        </p:txBody>
+      </p:sp>
+      <p:sp>
+        <p:nvSpPr>
+          <p:cNvPr id="4" name="Slide Number Placeholder 3"/>
+          <p:cNvSpPr>
+            <a:spLocks noGrp="1"/>
+          </p:cNvSpPr>
+          <p:nvPr>
+            <p:ph type="sldNum" sz="quarter" idx="12"/>
+          </p:nvPr>
+        </p:nvSpPr>
+        <p:spPr/>
+        <p:txBody>
+          <a:bodyPr/>
+          <a:p>
+            <a:fld id="{9B618960-8005-486C-9A75-10CB2AAC16F9}" type="slidenum">
+              <a:rPr lang="en-US" smtClean="0"/>
+            </a:fld>
+            <a:endParaRPr lang="en-US"/>
+          </a:p>
+        </p:txBody>
+      </p:sp>
+    </p:spTree>
+  </p:cSld>
+  <p:clrMapOvr>
+    <a:masterClrMapping/>
+  </p:clrMapOvr>
+</p:sld>
+</file>
+
+<file path=ppt/slides/slide30.xml><?xml version="1.0" encoding="utf-8"?>
+<p:sld xmlns:a="http://schemas.openxmlformats.org/drawingml/2006/main" xmlns:r="http://schemas.openxmlformats.org/officeDocument/2006/relationships" xmlns:p="http://schemas.openxmlformats.org/presentationml/2006/main">
+  <p:cSld>
+    <p:spTree>
+      <p:nvGrpSpPr>
+        <p:cNvPr id="1" name=""/>
+        <p:cNvGrpSpPr/>
+        <p:nvPr/>
+      </p:nvGrpSpPr>
+      <p:grpSpPr/>
+      <p:sp>
+        <p:nvSpPr>
+          <p:cNvPr id="2" name="Title 1"/>
+          <p:cNvSpPr>
+            <a:spLocks noGrp="1"/>
+          </p:cNvSpPr>
+          <p:nvPr>
+            <p:ph type="title"/>
+          </p:nvPr>
+        </p:nvSpPr>
+        <p:spPr/>
+        <p:txBody>
+          <a:bodyPr/>
+          <a:p>
+            <a:r>
+              <a:rPr lang="en-US"/>
+              <a:t>Pruning </a:t>
+            </a:r>
+            <a:endParaRPr lang="en-US"/>
+          </a:p>
+        </p:txBody>
+      </p:sp>
+      <p:sp>
+        <p:nvSpPr>
+          <p:cNvPr id="3" name="Content Placeholder 2"/>
+          <p:cNvSpPr>
+            <a:spLocks noGrp="1"/>
+          </p:cNvSpPr>
+          <p:nvPr>
+            <p:ph idx="1"/>
+          </p:nvPr>
+        </p:nvSpPr>
+        <p:spPr/>
+        <p:txBody>
+          <a:bodyPr/>
+          <a:p>
+            <a:r>
+              <a:rPr lang="en-US"/>
+              <a:t>Model Pruning removes redundant model parameters that contribute little to the model’s preformance. It removes model weights with values close or equal to zero.</a:t>
+            </a:r>
+            <a:endParaRPr lang="en-US"/>
+          </a:p>
+        </p:txBody>
+      </p:sp>
+      <p:sp>
+        <p:nvSpPr>
+          <p:cNvPr id="4" name="Slide Number Placeholder 3"/>
+          <p:cNvSpPr>
+            <a:spLocks noGrp="1"/>
+          </p:cNvSpPr>
+          <p:nvPr>
+            <p:ph type="sldNum" sz="quarter" idx="12"/>
+          </p:nvPr>
+        </p:nvSpPr>
+        <p:spPr/>
+        <p:txBody>
+          <a:bodyPr/>
+          <a:p>
+            <a:fld id="{9B618960-8005-486C-9A75-10CB2AAC16F9}" type="slidenum">
+              <a:rPr lang="en-US" smtClean="0"/>
+            </a:fld>
+            <a:endParaRPr lang="en-US"/>
+          </a:p>
+        </p:txBody>
+      </p:sp>
+    </p:spTree>
+  </p:cSld>
+  <p:clrMapOvr>
+    <a:masterClrMapping/>
+  </p:clrMapOvr>
+</p:sld>
+</file>
+
+<file path=ppt/slides/slide31.xml><?xml version="1.0" encoding="utf-8"?>
+<p:sld xmlns:a="http://schemas.openxmlformats.org/drawingml/2006/main" xmlns:r="http://schemas.openxmlformats.org/officeDocument/2006/relationships" xmlns:p="http://schemas.openxmlformats.org/presentationml/2006/main">
+  <p:cSld>
+    <p:spTree>
+      <p:nvGrpSpPr>
+        <p:cNvPr id="1" name=""/>
+        <p:cNvGrpSpPr/>
+        <p:nvPr/>
+      </p:nvGrpSpPr>
+      <p:grpSpPr/>
+      <p:sp>
+        <p:nvSpPr>
+          <p:cNvPr id="2" name="Title 1"/>
+          <p:cNvSpPr>
+            <a:spLocks noGrp="1"/>
+          </p:cNvSpPr>
+          <p:nvPr>
+            <p:ph type="title"/>
+          </p:nvPr>
+        </p:nvSpPr>
+        <p:spPr/>
+        <p:txBody>
+          <a:bodyPr/>
+          <a:p>
+            <a:r>
+              <a:rPr lang="en-US">
+                <a:sym typeface="+mn-ea"/>
+              </a:rPr>
+              <a:t>Distilled Model </a:t>
+            </a:r>
+            <a:r>
+              <a:rPr lang="en-US"/>
+              <a:t>Limitations </a:t>
+            </a:r>
+            <a:endParaRPr lang="en-US"/>
+          </a:p>
+        </p:txBody>
+      </p:sp>
+      <p:sp>
+        <p:nvSpPr>
+          <p:cNvPr id="3" name="Content Placeholder 2"/>
+          <p:cNvSpPr>
+            <a:spLocks noGrp="1"/>
+          </p:cNvSpPr>
+          <p:nvPr>
+            <p:ph idx="1"/>
+          </p:nvPr>
+        </p:nvSpPr>
+        <p:spPr/>
+        <p:txBody>
+          <a:bodyPr/>
+          <a:p>
+            <a:r>
+              <a:rPr lang="en-US"/>
+              <a:t>Possible Loss of Accuracy: While distillation aims to retain performance, smaller models might still lose some of the teacher's nuanced understanding, especially on complex tasks.</a:t>
+            </a:r>
+            <a:endParaRPr lang="en-US"/>
+          </a:p>
+          <a:p>
+            <a:r>
+              <a:rPr lang="en-US"/>
+              <a:t>Teacher Dependence: The quality of the student model heavily depends on the teacher model’s quality. If the teacher has biases or errors, these may be passed on to the student.</a:t>
+            </a:r>
+            <a:endParaRPr lang="en-US"/>
+          </a:p>
+        </p:txBody>
+      </p:sp>
+      <p:sp>
+        <p:nvSpPr>
+          <p:cNvPr id="4" name="Slide Number Placeholder 3"/>
+          <p:cNvSpPr>
+            <a:spLocks noGrp="1"/>
+          </p:cNvSpPr>
+          <p:nvPr>
+            <p:ph type="sldNum" sz="quarter" idx="12"/>
+          </p:nvPr>
+        </p:nvSpPr>
+        <p:spPr/>
+        <p:txBody>
+          <a:bodyPr/>
+          <a:p>
+            <a:fld id="{9B618960-8005-486C-9A75-10CB2AAC16F9}" type="slidenum">
+              <a:rPr lang="en-US" smtClean="0"/>
+            </a:fld>
+            <a:endParaRPr lang="en-US"/>
+          </a:p>
+        </p:txBody>
+      </p:sp>
+    </p:spTree>
+  </p:cSld>
+  <p:clrMapOvr>
+    <a:masterClrMapping/>
+  </p:clrMapOvr>
+</p:sld>
+</file>
+
+<file path=ppt/slides/slide32.xml><?xml version="1.0" encoding="utf-8"?>
+<p:sld xmlns:a="http://schemas.openxmlformats.org/drawingml/2006/main" xmlns:r="http://schemas.openxmlformats.org/officeDocument/2006/relationships" xmlns:p="http://schemas.openxmlformats.org/presentationml/2006/main">
+  <p:cSld>
+    <p:spTree>
+      <p:nvGrpSpPr>
+        <p:cNvPr id="1" name=""/>
+        <p:cNvGrpSpPr/>
+        <p:nvPr/>
+      </p:nvGrpSpPr>
+      <p:grpSpPr/>
+      <p:sp>
+        <p:nvSpPr>
+          <p:cNvPr id="2" name="Title 1"/>
+          <p:cNvSpPr>
+            <a:spLocks noGrp="1"/>
+          </p:cNvSpPr>
+          <p:nvPr>
+            <p:ph type="title"/>
+          </p:nvPr>
+        </p:nvSpPr>
+        <p:spPr/>
+        <p:txBody>
+          <a:bodyPr/>
+          <a:p>
+            <a:r>
+              <a:rPr lang="en-US"/>
+              <a:t>Some references </a:t>
+            </a:r>
+            <a:endParaRPr lang="en-US"/>
+          </a:p>
+        </p:txBody>
+      </p:sp>
+      <p:sp>
+        <p:nvSpPr>
+          <p:cNvPr id="3" name="Content Placeholder 2"/>
+          <p:cNvSpPr>
+            <a:spLocks noGrp="1"/>
+          </p:cNvSpPr>
+          <p:nvPr>
+            <p:ph idx="1"/>
+          </p:nvPr>
+        </p:nvSpPr>
+        <p:spPr/>
+        <p:txBody>
+          <a:bodyPr/>
+          <a:p>
+            <a:r>
+              <a:rPr lang="en-US"/>
+              <a:t>Sanh, V. (2019). DistilBERT, A Distilled Version of BERT: Smaller, Faster, Cheaper and Lighter. arXiv preprint arXiv:1910.01108. </a:t>
+            </a:r>
+            <a:r>
+              <a:rPr>
+                <a:solidFill>
+                  <a:srgbClr val="000000"/>
+                </a:solidFill>
+                <a:latin typeface="Calibri" panose="020F0502020204030204"/>
+                <a:ea typeface="Calibri" panose="020F0502020204030204"/>
+                <a:sym typeface="+mn-ea"/>
+                <a:hlinkClick r:id="rId1" tooltip="https://arxiv.org/abs/1910.01108"/>
+              </a:rPr>
+              <a:t>Sanh et al. (2019)</a:t>
+            </a:r>
+            <a:endParaRPr b="0" i="0">
+              <a:solidFill>
+                <a:srgbClr val="000000"/>
+              </a:solidFill>
+              <a:latin typeface="Calibri" panose="020F0502020204030204"/>
+              <a:ea typeface="Calibri" panose="020F0502020204030204"/>
+              <a:hlinkClick r:id="rId1" tooltip="https://arxiv.org/abs/1910.01108"/>
+            </a:endParaRPr>
+          </a:p>
+          <a:p>
+            <a:endParaRPr lang="en-US"/>
+          </a:p>
+          <a:p>
+            <a:r>
+              <a:rPr lang="en-US"/>
+              <a:t>Jiao et al. (2019) - TinyBERT: Distilling BERT for Natural Language Understanding: Further innovations in the distillation process, optimizing BERT for even smaller tasks and improving efficiency.</a:t>
+            </a:r>
+            <a:endParaRPr lang="en-US"/>
+          </a:p>
+          <a:p>
+            <a:pPr lvl="1"/>
+            <a:r>
+              <a:rPr lang="en-US">
+                <a:hlinkClick r:id="rId2" action="ppaction://hlinkfile"/>
+              </a:rPr>
+              <a:t>https://arxiv.org/abs/1909.10351  </a:t>
+            </a:r>
+            <a:endParaRPr lang="en-US"/>
+          </a:p>
+        </p:txBody>
+      </p:sp>
+      <p:sp>
+        <p:nvSpPr>
+          <p:cNvPr id="4" name="Slide Number Placeholder 3"/>
+          <p:cNvSpPr>
+            <a:spLocks noGrp="1"/>
+          </p:cNvSpPr>
+          <p:nvPr>
+            <p:ph type="sldNum" sz="quarter" idx="12"/>
+          </p:nvPr>
+        </p:nvSpPr>
+        <p:spPr/>
+        <p:txBody>
+          <a:bodyPr/>
+          <a:p>
+            <a:fld id="{9B618960-8005-486C-9A75-10CB2AAC16F9}" type="slidenum">
+              <a:rPr lang="en-US" smtClean="0"/>
+            </a:fld>
+            <a:endParaRPr lang="en-US"/>
+          </a:p>
+        </p:txBody>
+      </p:sp>
+    </p:spTree>
+  </p:cSld>
+  <p:clrMapOvr>
+    <a:masterClrMapping/>
+  </p:clrMapOvr>
+</p:sld>
+</file>
+
+<file path=ppt/slides/slide33.xml><?xml version="1.0" encoding="utf-8"?>
+<p:sld xmlns:a="http://schemas.openxmlformats.org/drawingml/2006/main" xmlns:r="http://schemas.openxmlformats.org/officeDocument/2006/relationships" xmlns:p="http://schemas.openxmlformats.org/presentationml/2006/main">
+  <p:cSld>
+    <p:spTree>
+      <p:nvGrpSpPr>
+        <p:cNvPr id="1" name=""/>
+        <p:cNvGrpSpPr/>
+        <p:nvPr/>
+      </p:nvGrpSpPr>
+      <p:grpSpPr/>
+      <p:sp>
+        <p:nvSpPr>
+          <p:cNvPr id="2" name="Title 1"/>
+          <p:cNvSpPr>
+            <a:spLocks noGrp="1"/>
+          </p:cNvSpPr>
+          <p:nvPr>
+            <p:ph type="title"/>
+          </p:nvPr>
+        </p:nvSpPr>
+        <p:spPr/>
+        <p:txBody>
+          <a:bodyPr>
+            <a:normAutofit fontScale="90000"/>
+          </a:bodyPr>
+          <a:p>
+            <a:r>
+              <a:rPr lang="en-US"/>
+              <a:t>Differences between Large Language Models (LLMs) and Small Language Models (SLMs)</a:t>
+            </a:r>
+            <a:endParaRPr lang="en-US"/>
+          </a:p>
+        </p:txBody>
+      </p:sp>
+      <p:sp>
+        <p:nvSpPr>
+          <p:cNvPr id="4" name="Slide Number Placeholder 3"/>
+          <p:cNvSpPr>
+            <a:spLocks noGrp="1"/>
+          </p:cNvSpPr>
+          <p:nvPr>
+            <p:ph type="sldNum" sz="quarter" idx="12"/>
+          </p:nvPr>
+        </p:nvSpPr>
+        <p:spPr/>
+        <p:txBody>
+          <a:bodyPr/>
+          <a:p>
+            <a:fld id="{9B618960-8005-486C-9A75-10CB2AAC16F9}" type="slidenum">
+              <a:rPr lang="en-US" smtClean="0"/>
+            </a:fld>
+            <a:endParaRPr lang="en-US"/>
+          </a:p>
+        </p:txBody>
+      </p:sp>
+      <p:graphicFrame>
+        <p:nvGraphicFramePr>
+          <p:cNvPr id="5" name="Table 4"/>
+          <p:cNvGraphicFramePr/>
+          <p:nvPr>
+            <p:custDataLst>
+              <p:tags r:id="rId1"/>
+            </p:custDataLst>
+          </p:nvPr>
+        </p:nvGraphicFramePr>
+        <p:xfrm>
+          <a:off x="381000" y="1971040"/>
+          <a:ext cx="11430000" cy="4083685"/>
+        </p:xfrm>
+        <a:graphic>
+          <a:graphicData uri="http://schemas.openxmlformats.org/drawingml/2006/table">
+            <a:tbl>
+              <a:tblPr/>
+              <a:tblGrid>
+                <a:gridCol w="2727325"/>
+                <a:gridCol w="4715510"/>
+                <a:gridCol w="3987165"/>
+              </a:tblGrid>
+              <a:tr h="330835">
+                <a:tc>
+                  <a:txBody>
+                    <a:bodyPr/>
+                    <a:p>
+                      <a:pPr algn="ctr" fontAlgn="ctr"/>
+                      <a:r>
+                        <a:rPr sz="1800" b="1" i="0">
+                          <a:solidFill>
+                            <a:srgbClr val="000000"/>
+                          </a:solidFill>
+                          <a:latin typeface="Calibri" panose="020F0502020204030204"/>
+                          <a:ea typeface="Calibri" panose="020F0502020204030204"/>
+                        </a:rPr>
+                        <a:t>Aspect</a:t>
+                      </a:r>
+                      <a:endParaRPr sz="1800" b="1" i="0">
+                        <a:solidFill>
+                          <a:srgbClr val="000000"/>
+                        </a:solidFill>
+                        <a:latin typeface="Calibri" panose="020F0502020204030204"/>
+                        <a:ea typeface="Calibri" panose="020F0502020204030204"/>
+                      </a:endParaRPr>
+                    </a:p>
+                  </a:txBody>
+                  <a:tcPr marL="7937" marR="7937" marT="7937" anchor="ctr" anchorCtr="0">
+                    <a:lnL w="6350" cap="flat" cmpd="sng">
+                      <a:solidFill>
+                        <a:srgbClr val="000000"/>
+                      </a:solidFill>
+                      <a:prstDash val="solid"/>
+                      <a:headEnd type="none" w="med" len="med"/>
+                      <a:tailEnd type="none" w="med" len="med"/>
+                    </a:lnL>
+                    <a:lnR w="6350" cap="flat" cmpd="sng">
+                      <a:solidFill>
+                        <a:srgbClr val="000000"/>
+                      </a:solidFill>
+                      <a:prstDash val="solid"/>
+                      <a:headEnd type="none" w="med" len="med"/>
+                      <a:tailEnd type="none" w="med" len="med"/>
+                    </a:lnR>
+                    <a:lnT w="6350" cap="flat" cmpd="sng">
+                      <a:solidFill>
+                        <a:srgbClr val="000000"/>
+                      </a:solidFill>
+                      <a:prstDash val="solid"/>
+                      <a:headEnd type="none" w="med" len="med"/>
+                      <a:tailEnd type="none" w="med" len="med"/>
+                    </a:lnT>
+                    <a:lnB w="6350" cap="flat" cmpd="sng">
+                      <a:solidFill>
+                        <a:srgbClr val="000000"/>
+                      </a:solidFill>
+                      <a:prstDash val="solid"/>
+                      <a:headEnd type="none" w="med" len="med"/>
+                      <a:tailEnd type="none" w="med" len="med"/>
+                    </a:lnB>
+                    <a:solidFill>
+                      <a:srgbClr val="BFBFBF"/>
+                    </a:solidFill>
+                  </a:tcPr>
+                </a:tc>
+                <a:tc>
+                  <a:txBody>
+                    <a:bodyPr/>
+                    <a:p>
+                      <a:pPr algn="ctr" fontAlgn="ctr"/>
+                      <a:r>
+                        <a:rPr sz="1800" b="1" i="0">
+                          <a:solidFill>
+                            <a:srgbClr val="000000"/>
+                          </a:solidFill>
+                          <a:latin typeface="Calibri" panose="020F0502020204030204"/>
+                          <a:ea typeface="Calibri" panose="020F0502020204030204"/>
+                        </a:rPr>
+                        <a:t>Large Language Models (LLMs)</a:t>
+                      </a:r>
+                      <a:endParaRPr sz="1800" b="1" i="0">
+                        <a:solidFill>
+                          <a:srgbClr val="000000"/>
+                        </a:solidFill>
+                        <a:latin typeface="Calibri" panose="020F0502020204030204"/>
+                        <a:ea typeface="Calibri" panose="020F0502020204030204"/>
+                      </a:endParaRPr>
+                    </a:p>
+                  </a:txBody>
+                  <a:tcPr marL="7937" marR="7937" marT="7937" anchor="ctr" anchorCtr="0">
+                    <a:lnL w="6350" cap="flat" cmpd="sng">
+                      <a:solidFill>
+                        <a:srgbClr val="000000"/>
+                      </a:solidFill>
+                      <a:prstDash val="solid"/>
+                      <a:headEnd type="none" w="med" len="med"/>
+                      <a:tailEnd type="none" w="med" len="med"/>
+                    </a:lnL>
+                    <a:lnR w="6350" cap="flat" cmpd="sng">
+                      <a:solidFill>
+                        <a:srgbClr val="000000"/>
+                      </a:solidFill>
+                      <a:prstDash val="solid"/>
+                      <a:headEnd type="none" w="med" len="med"/>
+                      <a:tailEnd type="none" w="med" len="med"/>
+                    </a:lnR>
+                    <a:lnT w="6350" cap="flat" cmpd="sng">
+                      <a:solidFill>
+                        <a:srgbClr val="000000"/>
+                      </a:solidFill>
+                      <a:prstDash val="solid"/>
+                      <a:headEnd type="none" w="med" len="med"/>
+                      <a:tailEnd type="none" w="med" len="med"/>
+                    </a:lnT>
+                    <a:lnB w="6350" cap="flat" cmpd="sng">
+                      <a:solidFill>
+                        <a:srgbClr val="000000"/>
+                      </a:solidFill>
+                      <a:prstDash val="solid"/>
+                      <a:headEnd type="none" w="med" len="med"/>
+                      <a:tailEnd type="none" w="med" len="med"/>
+                    </a:lnB>
+                    <a:solidFill>
+                      <a:srgbClr val="BFBFBF"/>
+                    </a:solidFill>
+                  </a:tcPr>
+                </a:tc>
+                <a:tc>
+                  <a:txBody>
+                    <a:bodyPr/>
+                    <a:p>
+                      <a:pPr algn="ctr" fontAlgn="ctr"/>
+                      <a:r>
+                        <a:rPr sz="1800" b="1" i="0">
+                          <a:solidFill>
+                            <a:srgbClr val="000000"/>
+                          </a:solidFill>
+                          <a:latin typeface="Calibri" panose="020F0502020204030204"/>
+                          <a:ea typeface="Calibri" panose="020F0502020204030204"/>
+                        </a:rPr>
+                        <a:t>Small Language Models (SLMs)</a:t>
+                      </a:r>
+                      <a:endParaRPr sz="1800" b="1" i="0">
+                        <a:solidFill>
+                          <a:srgbClr val="000000"/>
+                        </a:solidFill>
+                        <a:latin typeface="Calibri" panose="020F0502020204030204"/>
+                        <a:ea typeface="Calibri" panose="020F0502020204030204"/>
+                      </a:endParaRPr>
+                    </a:p>
+                  </a:txBody>
+                  <a:tcPr marL="7937" marR="7937" marT="7937" anchor="ctr" anchorCtr="0">
+                    <a:lnL w="6350" cap="flat" cmpd="sng">
+                      <a:solidFill>
+                        <a:srgbClr val="000000"/>
+                      </a:solidFill>
+                      <a:prstDash val="solid"/>
+                      <a:headEnd type="none" w="med" len="med"/>
+                      <a:tailEnd type="none" w="med" len="med"/>
+                    </a:lnL>
+                    <a:lnR w="6350" cap="flat" cmpd="sng">
+                      <a:solidFill>
+                        <a:srgbClr val="000000"/>
+                      </a:solidFill>
+                      <a:prstDash val="solid"/>
+                      <a:headEnd type="none" w="med" len="med"/>
+                      <a:tailEnd type="none" w="med" len="med"/>
+                    </a:lnR>
+                    <a:lnT w="6350" cap="flat" cmpd="sng">
+                      <a:solidFill>
+                        <a:srgbClr val="000000"/>
+                      </a:solidFill>
+                      <a:prstDash val="solid"/>
+                      <a:headEnd type="none" w="med" len="med"/>
+                      <a:tailEnd type="none" w="med" len="med"/>
+                    </a:lnT>
+                    <a:lnB w="6350" cap="flat" cmpd="sng">
+                      <a:solidFill>
+                        <a:srgbClr val="000000"/>
+                      </a:solidFill>
+                      <a:prstDash val="solid"/>
+                      <a:headEnd type="none" w="med" len="med"/>
+                      <a:tailEnd type="none" w="med" len="med"/>
+                    </a:lnB>
+                    <a:solidFill>
+                      <a:srgbClr val="BFBFBF"/>
+                    </a:solidFill>
+                  </a:tcPr>
+                </a:tc>
+              </a:tr>
+              <a:tr h="330835">
+                <a:tc>
+                  <a:txBody>
+                    <a:bodyPr/>
+                    <a:p>
+                      <a:pPr algn="l" fontAlgn="ctr"/>
+                      <a:r>
+                        <a:rPr sz="1800" b="1" i="0">
+                          <a:solidFill>
+                            <a:srgbClr val="000000"/>
+                          </a:solidFill>
+                          <a:latin typeface="Calibri" panose="020F0502020204030204"/>
+                          <a:ea typeface="Calibri" panose="020F0502020204030204"/>
+                        </a:rPr>
+                        <a:t>Model Size</a:t>
+                      </a:r>
+                      <a:endParaRPr sz="1800" b="1" i="0">
+                        <a:solidFill>
+                          <a:srgbClr val="000000"/>
+                        </a:solidFill>
+                        <a:latin typeface="Calibri" panose="020F0502020204030204"/>
+                        <a:ea typeface="Calibri" panose="020F0502020204030204"/>
+                      </a:endParaRPr>
+                    </a:p>
+                  </a:txBody>
+                  <a:tcPr marL="7937" marR="7937" marT="7937" anchor="ctr" anchorCtr="0">
+                    <a:lnL w="6350" cap="flat" cmpd="sng">
+                      <a:solidFill>
+                        <a:srgbClr val="000000"/>
+                      </a:solidFill>
+                      <a:prstDash val="solid"/>
+                      <a:headEnd type="none" w="med" len="med"/>
+                      <a:tailEnd type="none" w="med" len="med"/>
+                    </a:lnL>
+                    <a:lnR w="6350" cap="flat" cmpd="sng">
+                      <a:solidFill>
+                        <a:srgbClr val="000000"/>
+                      </a:solidFill>
+                      <a:prstDash val="solid"/>
+                      <a:headEnd type="none" w="med" len="med"/>
+                      <a:tailEnd type="none" w="med" len="med"/>
+                    </a:lnR>
+                    <a:lnT w="6350" cap="flat" cmpd="sng">
+                      <a:solidFill>
+                        <a:srgbClr val="000000"/>
+                      </a:solidFill>
+                      <a:prstDash val="solid"/>
+                      <a:headEnd type="none" w="med" len="med"/>
+                      <a:tailEnd type="none" w="med" len="med"/>
+                    </a:lnT>
+                    <a:lnB w="6350" cap="flat" cmpd="sng">
+                      <a:solidFill>
+                        <a:srgbClr val="000000"/>
+                      </a:solidFill>
+                      <a:prstDash val="solid"/>
+                      <a:headEnd type="none" w="med" len="med"/>
+                      <a:tailEnd type="none" w="med" len="med"/>
+                    </a:lnB>
+                    <a:noFill/>
+                  </a:tcPr>
+                </a:tc>
+                <a:tc>
+                  <a:txBody>
+                    <a:bodyPr/>
+                    <a:p>
+                      <a:pPr algn="l" fontAlgn="ctr"/>
+                      <a:r>
+                        <a:rPr sz="1800" b="0" i="0">
+                          <a:solidFill>
+                            <a:srgbClr val="000000"/>
+                          </a:solidFill>
+                          <a:latin typeface="Calibri" panose="020F0502020204030204"/>
+                          <a:ea typeface="Calibri" panose="020F0502020204030204"/>
+                        </a:rPr>
+                        <a:t>Billions of parameters</a:t>
+                      </a:r>
+                      <a:endParaRPr sz="1800" b="0" i="0">
+                        <a:solidFill>
+                          <a:srgbClr val="000000"/>
+                        </a:solidFill>
+                        <a:latin typeface="Calibri" panose="020F0502020204030204"/>
+                        <a:ea typeface="Calibri" panose="020F0502020204030204"/>
+                      </a:endParaRPr>
+                    </a:p>
+                  </a:txBody>
+                  <a:tcPr marL="7937" marR="7937" marT="7937" anchor="ctr" anchorCtr="0">
+                    <a:lnL w="6350" cap="flat" cmpd="sng">
+                      <a:solidFill>
+                        <a:srgbClr val="000000"/>
+                      </a:solidFill>
+                      <a:prstDash val="solid"/>
+                      <a:headEnd type="none" w="med" len="med"/>
+                      <a:tailEnd type="none" w="med" len="med"/>
+                    </a:lnL>
+                    <a:lnR w="6350" cap="flat" cmpd="sng">
+                      <a:solidFill>
+                        <a:srgbClr val="000000"/>
+                      </a:solidFill>
+                      <a:prstDash val="solid"/>
+                      <a:headEnd type="none" w="med" len="med"/>
+                      <a:tailEnd type="none" w="med" len="med"/>
+                    </a:lnR>
+                    <a:lnT w="6350" cap="flat" cmpd="sng">
+                      <a:solidFill>
+                        <a:srgbClr val="000000"/>
+                      </a:solidFill>
+                      <a:prstDash val="solid"/>
+                      <a:headEnd type="none" w="med" len="med"/>
+                      <a:tailEnd type="none" w="med" len="med"/>
+                    </a:lnT>
+                    <a:lnB w="6350" cap="flat" cmpd="sng">
+                      <a:solidFill>
+                        <a:srgbClr val="000000"/>
+                      </a:solidFill>
+                      <a:prstDash val="solid"/>
+                      <a:headEnd type="none" w="med" len="med"/>
+                      <a:tailEnd type="none" w="med" len="med"/>
+                    </a:lnB>
+                    <a:noFill/>
+                  </a:tcPr>
+                </a:tc>
+                <a:tc>
+                  <a:txBody>
+                    <a:bodyPr/>
+                    <a:p>
+                      <a:pPr algn="l" fontAlgn="ctr"/>
+                      <a:r>
+                        <a:rPr sz="1800" b="0" i="0">
+                          <a:solidFill>
+                            <a:srgbClr val="000000"/>
+                          </a:solidFill>
+                          <a:latin typeface="Calibri" panose="020F0502020204030204"/>
+                          <a:ea typeface="Calibri" panose="020F0502020204030204"/>
+                        </a:rPr>
+                        <a:t>Millions of parameters</a:t>
+                      </a:r>
+                      <a:endParaRPr sz="1800" b="0" i="0">
+                        <a:solidFill>
+                          <a:srgbClr val="000000"/>
+                        </a:solidFill>
+                        <a:latin typeface="Calibri" panose="020F0502020204030204"/>
+                        <a:ea typeface="Calibri" panose="020F0502020204030204"/>
+                      </a:endParaRPr>
+                    </a:p>
+                  </a:txBody>
+                  <a:tcPr marL="7937" marR="7937" marT="7937" anchor="ctr" anchorCtr="0">
+                    <a:lnL w="6350" cap="flat" cmpd="sng">
+                      <a:solidFill>
+                        <a:srgbClr val="000000"/>
+                      </a:solidFill>
+                      <a:prstDash val="solid"/>
+                      <a:headEnd type="none" w="med" len="med"/>
+                      <a:tailEnd type="none" w="med" len="med"/>
+                    </a:lnL>
+                    <a:lnR w="6350" cap="flat" cmpd="sng">
+                      <a:solidFill>
+                        <a:srgbClr val="000000"/>
+                      </a:solidFill>
+                      <a:prstDash val="solid"/>
+                      <a:headEnd type="none" w="med" len="med"/>
+                      <a:tailEnd type="none" w="med" len="med"/>
+                    </a:lnR>
+                    <a:lnT w="6350" cap="flat" cmpd="sng">
+                      <a:solidFill>
+                        <a:srgbClr val="000000"/>
+                      </a:solidFill>
+                      <a:prstDash val="solid"/>
+                      <a:headEnd type="none" w="med" len="med"/>
+                      <a:tailEnd type="none" w="med" len="med"/>
+                    </a:lnT>
+                    <a:lnB w="6350" cap="flat" cmpd="sng">
+                      <a:solidFill>
+                        <a:srgbClr val="000000"/>
+                      </a:solidFill>
+                      <a:prstDash val="solid"/>
+                      <a:headEnd type="none" w="med" len="med"/>
+                      <a:tailEnd type="none" w="med" len="med"/>
+                    </a:lnB>
+                    <a:noFill/>
+                  </a:tcPr>
+                </a:tc>
+              </a:tr>
+              <a:tr h="330200">
+                <a:tc>
+                  <a:txBody>
+                    <a:bodyPr/>
+                    <a:p>
+                      <a:pPr algn="l" fontAlgn="ctr"/>
+                      <a:r>
+                        <a:rPr sz="1800" b="1" i="0">
+                          <a:solidFill>
+                            <a:srgbClr val="000000"/>
+                          </a:solidFill>
+                          <a:latin typeface="Calibri" panose="020F0502020204030204"/>
+                          <a:ea typeface="Calibri" panose="020F0502020204030204"/>
+                        </a:rPr>
+                        <a:t>Training Data</a:t>
+                      </a:r>
+                      <a:endParaRPr sz="1800" b="1" i="0">
+                        <a:solidFill>
+                          <a:srgbClr val="000000"/>
+                        </a:solidFill>
+                        <a:latin typeface="Calibri" panose="020F0502020204030204"/>
+                        <a:ea typeface="Calibri" panose="020F0502020204030204"/>
+                      </a:endParaRPr>
+                    </a:p>
+                  </a:txBody>
+                  <a:tcPr marL="7937" marR="7937" marT="7937" anchor="ctr" anchorCtr="0">
+                    <a:lnL w="6350" cap="flat" cmpd="sng">
+                      <a:solidFill>
+                        <a:srgbClr val="000000"/>
+                      </a:solidFill>
+                      <a:prstDash val="solid"/>
+                      <a:headEnd type="none" w="med" len="med"/>
+                      <a:tailEnd type="none" w="med" len="med"/>
+                    </a:lnL>
+                    <a:lnR w="6350" cap="flat" cmpd="sng">
+                      <a:solidFill>
+                        <a:srgbClr val="000000"/>
+                      </a:solidFill>
+                      <a:prstDash val="solid"/>
+                      <a:headEnd type="none" w="med" len="med"/>
+                      <a:tailEnd type="none" w="med" len="med"/>
+                    </a:lnR>
+                    <a:lnT w="6350" cap="flat" cmpd="sng">
+                      <a:solidFill>
+                        <a:srgbClr val="000000"/>
+                      </a:solidFill>
+                      <a:prstDash val="solid"/>
+                      <a:headEnd type="none" w="med" len="med"/>
+                      <a:tailEnd type="none" w="med" len="med"/>
+                    </a:lnT>
+                    <a:lnB w="6350" cap="flat" cmpd="sng">
+                      <a:solidFill>
+                        <a:srgbClr val="000000"/>
+                      </a:solidFill>
+                      <a:prstDash val="solid"/>
+                      <a:headEnd type="none" w="med" len="med"/>
+                      <a:tailEnd type="none" w="med" len="med"/>
+                    </a:lnB>
+                    <a:noFill/>
+                  </a:tcPr>
+                </a:tc>
+                <a:tc>
+                  <a:txBody>
+                    <a:bodyPr/>
+                    <a:p>
+                      <a:pPr algn="l" fontAlgn="ctr"/>
+                      <a:r>
+                        <a:rPr sz="1800" b="0" i="0">
+                          <a:solidFill>
+                            <a:srgbClr val="000000"/>
+                          </a:solidFill>
+                          <a:latin typeface="Calibri" panose="020F0502020204030204"/>
+                          <a:ea typeface="Calibri" panose="020F0502020204030204"/>
+                        </a:rPr>
+                        <a:t>Massive datasets (internet-scale)</a:t>
+                      </a:r>
+                      <a:endParaRPr sz="1800" b="0" i="0">
+                        <a:solidFill>
+                          <a:srgbClr val="000000"/>
+                        </a:solidFill>
+                        <a:latin typeface="Calibri" panose="020F0502020204030204"/>
+                        <a:ea typeface="Calibri" panose="020F0502020204030204"/>
+                      </a:endParaRPr>
+                    </a:p>
+                  </a:txBody>
+                  <a:tcPr marL="7937" marR="7937" marT="7937" anchor="ctr" anchorCtr="0">
+                    <a:lnL w="6350" cap="flat" cmpd="sng">
+                      <a:solidFill>
+                        <a:srgbClr val="000000"/>
+                      </a:solidFill>
+                      <a:prstDash val="solid"/>
+                      <a:headEnd type="none" w="med" len="med"/>
+                      <a:tailEnd type="none" w="med" len="med"/>
+                    </a:lnL>
+                    <a:lnR w="6350" cap="flat" cmpd="sng">
+                      <a:solidFill>
+                        <a:srgbClr val="000000"/>
+                      </a:solidFill>
+                      <a:prstDash val="solid"/>
+                      <a:headEnd type="none" w="med" len="med"/>
+                      <a:tailEnd type="none" w="med" len="med"/>
+                    </a:lnR>
+                    <a:lnT w="6350" cap="flat" cmpd="sng">
+                      <a:solidFill>
+                        <a:srgbClr val="000000"/>
+                      </a:solidFill>
+                      <a:prstDash val="solid"/>
+                      <a:headEnd type="none" w="med" len="med"/>
+                      <a:tailEnd type="none" w="med" len="med"/>
+                    </a:lnT>
+                    <a:lnB w="6350" cap="flat" cmpd="sng">
+                      <a:solidFill>
+                        <a:srgbClr val="000000"/>
+                      </a:solidFill>
+                      <a:prstDash val="solid"/>
+                      <a:headEnd type="none" w="med" len="med"/>
+                      <a:tailEnd type="none" w="med" len="med"/>
+                    </a:lnB>
+                    <a:noFill/>
+                  </a:tcPr>
+                </a:tc>
+                <a:tc>
+                  <a:txBody>
+                    <a:bodyPr/>
+                    <a:p>
+                      <a:pPr algn="l" fontAlgn="ctr"/>
+                      <a:r>
+                        <a:rPr sz="1800" b="0" i="0">
+                          <a:solidFill>
+                            <a:srgbClr val="000000"/>
+                          </a:solidFill>
+                          <a:latin typeface="Calibri" panose="020F0502020204030204"/>
+                          <a:ea typeface="Calibri" panose="020F0502020204030204"/>
+                        </a:rPr>
+                        <a:t>Smaller, specific datasets</a:t>
+                      </a:r>
+                      <a:endParaRPr sz="1800" b="0" i="0">
+                        <a:solidFill>
+                          <a:srgbClr val="000000"/>
+                        </a:solidFill>
+                        <a:latin typeface="Calibri" panose="020F0502020204030204"/>
+                        <a:ea typeface="Calibri" panose="020F0502020204030204"/>
+                      </a:endParaRPr>
+                    </a:p>
+                  </a:txBody>
+                  <a:tcPr marL="7937" marR="7937" marT="7937" anchor="ctr" anchorCtr="0">
+                    <a:lnL w="6350" cap="flat" cmpd="sng">
+                      <a:solidFill>
+                        <a:srgbClr val="000000"/>
+                      </a:solidFill>
+                      <a:prstDash val="solid"/>
+                      <a:headEnd type="none" w="med" len="med"/>
+                      <a:tailEnd type="none" w="med" len="med"/>
+                    </a:lnL>
+                    <a:lnR w="6350" cap="flat" cmpd="sng">
+                      <a:solidFill>
+                        <a:srgbClr val="000000"/>
+                      </a:solidFill>
+                      <a:prstDash val="solid"/>
+                      <a:headEnd type="none" w="med" len="med"/>
+                      <a:tailEnd type="none" w="med" len="med"/>
+                    </a:lnR>
+                    <a:lnT w="6350" cap="flat" cmpd="sng">
+                      <a:solidFill>
+                        <a:srgbClr val="000000"/>
+                      </a:solidFill>
+                      <a:prstDash val="solid"/>
+                      <a:headEnd type="none" w="med" len="med"/>
+                      <a:tailEnd type="none" w="med" len="med"/>
+                    </a:lnT>
+                    <a:lnB w="6350" cap="flat" cmpd="sng">
+                      <a:solidFill>
+                        <a:srgbClr val="000000"/>
+                      </a:solidFill>
+                      <a:prstDash val="solid"/>
+                      <a:headEnd type="none" w="med" len="med"/>
+                      <a:tailEnd type="none" w="med" len="med"/>
+                    </a:lnB>
+                    <a:noFill/>
+                  </a:tcPr>
+                </a:tc>
+              </a:tr>
+              <a:tr h="607695">
+                <a:tc>
+                  <a:txBody>
+                    <a:bodyPr/>
+                    <a:p>
+                      <a:pPr algn="l" fontAlgn="ctr"/>
+                      <a:r>
+                        <a:rPr sz="1800" b="1" i="0">
+                          <a:solidFill>
+                            <a:srgbClr val="000000"/>
+                          </a:solidFill>
+                          <a:latin typeface="Calibri" panose="020F0502020204030204"/>
+                          <a:ea typeface="Calibri" panose="020F0502020204030204"/>
+                        </a:rPr>
+                        <a:t>Resource Requirements</a:t>
+                      </a:r>
+                      <a:endParaRPr sz="1800" b="1" i="0">
+                        <a:solidFill>
+                          <a:srgbClr val="000000"/>
+                        </a:solidFill>
+                        <a:latin typeface="Calibri" panose="020F0502020204030204"/>
+                        <a:ea typeface="Calibri" panose="020F0502020204030204"/>
+                      </a:endParaRPr>
+                    </a:p>
+                  </a:txBody>
+                  <a:tcPr marL="7937" marR="7937" marT="7937" anchor="ctr" anchorCtr="0">
+                    <a:lnL w="6350" cap="flat" cmpd="sng">
+                      <a:solidFill>
+                        <a:srgbClr val="000000"/>
+                      </a:solidFill>
+                      <a:prstDash val="solid"/>
+                      <a:headEnd type="none" w="med" len="med"/>
+                      <a:tailEnd type="none" w="med" len="med"/>
+                    </a:lnL>
+                    <a:lnR w="6350" cap="flat" cmpd="sng">
+                      <a:solidFill>
+                        <a:srgbClr val="000000"/>
+                      </a:solidFill>
+                      <a:prstDash val="solid"/>
+                      <a:headEnd type="none" w="med" len="med"/>
+                      <a:tailEnd type="none" w="med" len="med"/>
+                    </a:lnR>
+                    <a:lnT w="6350" cap="flat" cmpd="sng">
+                      <a:solidFill>
+                        <a:srgbClr val="000000"/>
+                      </a:solidFill>
+                      <a:prstDash val="solid"/>
+                      <a:headEnd type="none" w="med" len="med"/>
+                      <a:tailEnd type="none" w="med" len="med"/>
+                    </a:lnT>
+                    <a:lnB w="6350" cap="flat" cmpd="sng">
+                      <a:solidFill>
+                        <a:srgbClr val="000000"/>
+                      </a:solidFill>
+                      <a:prstDash val="solid"/>
+                      <a:headEnd type="none" w="med" len="med"/>
+                      <a:tailEnd type="none" w="med" len="med"/>
+                    </a:lnB>
+                    <a:noFill/>
+                  </a:tcPr>
+                </a:tc>
+                <a:tc>
+                  <a:txBody>
+                    <a:bodyPr/>
+                    <a:p>
+                      <a:pPr algn="l" fontAlgn="ctr"/>
+                      <a:r>
+                        <a:rPr sz="1800" b="0" i="0">
+                          <a:solidFill>
+                            <a:srgbClr val="000000"/>
+                          </a:solidFill>
+                          <a:latin typeface="Calibri" panose="020F0502020204030204"/>
+                          <a:ea typeface="Calibri" panose="020F0502020204030204"/>
+                        </a:rPr>
+                        <a:t>High computational power (GPUs/TPUs, large memory)</a:t>
+                      </a:r>
+                      <a:endParaRPr sz="1800" b="0" i="0">
+                        <a:solidFill>
+                          <a:srgbClr val="000000"/>
+                        </a:solidFill>
+                        <a:latin typeface="Calibri" panose="020F0502020204030204"/>
+                        <a:ea typeface="Calibri" panose="020F0502020204030204"/>
+                      </a:endParaRPr>
+                    </a:p>
+                  </a:txBody>
+                  <a:tcPr marL="7937" marR="7937" marT="7937" anchor="ctr" anchorCtr="0">
+                    <a:lnL w="6350" cap="flat" cmpd="sng">
+                      <a:solidFill>
+                        <a:srgbClr val="000000"/>
+                      </a:solidFill>
+                      <a:prstDash val="solid"/>
+                      <a:headEnd type="none" w="med" len="med"/>
+                      <a:tailEnd type="none" w="med" len="med"/>
+                    </a:lnL>
+                    <a:lnR w="6350" cap="flat" cmpd="sng">
+                      <a:solidFill>
+                        <a:srgbClr val="000000"/>
+                      </a:solidFill>
+                      <a:prstDash val="solid"/>
+                      <a:headEnd type="none" w="med" len="med"/>
+                      <a:tailEnd type="none" w="med" len="med"/>
+                    </a:lnR>
+                    <a:lnT w="6350" cap="flat" cmpd="sng">
+                      <a:solidFill>
+                        <a:srgbClr val="000000"/>
+                      </a:solidFill>
+                      <a:prstDash val="solid"/>
+                      <a:headEnd type="none" w="med" len="med"/>
+                      <a:tailEnd type="none" w="med" len="med"/>
+                    </a:lnT>
+                    <a:lnB w="6350" cap="flat" cmpd="sng">
+                      <a:solidFill>
+                        <a:srgbClr val="000000"/>
+                      </a:solidFill>
+                      <a:prstDash val="solid"/>
+                      <a:headEnd type="none" w="med" len="med"/>
+                      <a:tailEnd type="none" w="med" len="med"/>
+                    </a:lnB>
+                    <a:noFill/>
+                  </a:tcPr>
+                </a:tc>
+                <a:tc>
+                  <a:txBody>
+                    <a:bodyPr/>
+                    <a:p>
+                      <a:pPr algn="l" fontAlgn="ctr"/>
+                      <a:r>
+                        <a:rPr sz="1800" b="0" i="0">
+                          <a:solidFill>
+                            <a:srgbClr val="000000"/>
+                          </a:solidFill>
+                          <a:latin typeface="Calibri" panose="020F0502020204030204"/>
+                          <a:ea typeface="Calibri" panose="020F0502020204030204"/>
+                        </a:rPr>
+                        <a:t>Low resource usage (runs on CPU, lower memory)</a:t>
+                      </a:r>
+                      <a:endParaRPr sz="1800" b="0" i="0">
+                        <a:solidFill>
+                          <a:srgbClr val="000000"/>
+                        </a:solidFill>
+                        <a:latin typeface="Calibri" panose="020F0502020204030204"/>
+                        <a:ea typeface="Calibri" panose="020F0502020204030204"/>
+                      </a:endParaRPr>
+                    </a:p>
+                  </a:txBody>
+                  <a:tcPr marL="7937" marR="7937" marT="7937" anchor="ctr" anchorCtr="0">
+                    <a:lnL w="6350" cap="flat" cmpd="sng">
+                      <a:solidFill>
+                        <a:srgbClr val="000000"/>
+                      </a:solidFill>
+                      <a:prstDash val="solid"/>
+                      <a:headEnd type="none" w="med" len="med"/>
+                      <a:tailEnd type="none" w="med" len="med"/>
+                    </a:lnL>
+                    <a:lnR w="6350" cap="flat" cmpd="sng">
+                      <a:solidFill>
+                        <a:srgbClr val="000000"/>
+                      </a:solidFill>
+                      <a:prstDash val="solid"/>
+                      <a:headEnd type="none" w="med" len="med"/>
+                      <a:tailEnd type="none" w="med" len="med"/>
+                    </a:lnR>
+                    <a:lnT w="6350" cap="flat" cmpd="sng">
+                      <a:solidFill>
+                        <a:srgbClr val="000000"/>
+                      </a:solidFill>
+                      <a:prstDash val="solid"/>
+                      <a:headEnd type="none" w="med" len="med"/>
+                      <a:tailEnd type="none" w="med" len="med"/>
+                    </a:lnT>
+                    <a:lnB w="6350" cap="flat" cmpd="sng">
+                      <a:solidFill>
+                        <a:srgbClr val="000000"/>
+                      </a:solidFill>
+                      <a:prstDash val="solid"/>
+                      <a:headEnd type="none" w="med" len="med"/>
+                      <a:tailEnd type="none" w="med" len="med"/>
+                    </a:lnB>
+                    <a:noFill/>
+                  </a:tcPr>
+                </a:tc>
+              </a:tr>
+              <a:tr h="330835">
+                <a:tc>
+                  <a:txBody>
+                    <a:bodyPr/>
+                    <a:p>
+                      <a:pPr algn="l" fontAlgn="ctr"/>
+                      <a:r>
+                        <a:rPr sz="1800" b="1" i="0">
+                          <a:solidFill>
+                            <a:srgbClr val="000000"/>
+                          </a:solidFill>
+                          <a:latin typeface="Calibri" panose="020F0502020204030204"/>
+                          <a:ea typeface="Calibri" panose="020F0502020204030204"/>
+                        </a:rPr>
+                        <a:t>Performance</a:t>
+                      </a:r>
+                      <a:endParaRPr sz="1800" b="1" i="0">
+                        <a:solidFill>
+                          <a:srgbClr val="000000"/>
+                        </a:solidFill>
+                        <a:latin typeface="Calibri" panose="020F0502020204030204"/>
+                        <a:ea typeface="Calibri" panose="020F0502020204030204"/>
+                      </a:endParaRPr>
+                    </a:p>
+                  </a:txBody>
+                  <a:tcPr marL="7937" marR="7937" marT="7937" anchor="ctr" anchorCtr="0">
+                    <a:lnL w="6350" cap="flat" cmpd="sng">
+                      <a:solidFill>
+                        <a:srgbClr val="000000"/>
+                      </a:solidFill>
+                      <a:prstDash val="solid"/>
+                      <a:headEnd type="none" w="med" len="med"/>
+                      <a:tailEnd type="none" w="med" len="med"/>
+                    </a:lnL>
+                    <a:lnR w="6350" cap="flat" cmpd="sng">
+                      <a:solidFill>
+                        <a:srgbClr val="000000"/>
+                      </a:solidFill>
+                      <a:prstDash val="solid"/>
+                      <a:headEnd type="none" w="med" len="med"/>
+                      <a:tailEnd type="none" w="med" len="med"/>
+                    </a:lnR>
+                    <a:lnT w="6350" cap="flat" cmpd="sng">
+                      <a:solidFill>
+                        <a:srgbClr val="000000"/>
+                      </a:solidFill>
+                      <a:prstDash val="solid"/>
+                      <a:headEnd type="none" w="med" len="med"/>
+                      <a:tailEnd type="none" w="med" len="med"/>
+                    </a:lnT>
+                    <a:lnB w="6350" cap="flat" cmpd="sng">
+                      <a:solidFill>
+                        <a:srgbClr val="000000"/>
+                      </a:solidFill>
+                      <a:prstDash val="solid"/>
+                      <a:headEnd type="none" w="med" len="med"/>
+                      <a:tailEnd type="none" w="med" len="med"/>
+                    </a:lnB>
+                    <a:noFill/>
+                  </a:tcPr>
+                </a:tc>
+                <a:tc>
+                  <a:txBody>
+                    <a:bodyPr/>
+                    <a:p>
+                      <a:pPr algn="l" fontAlgn="ctr"/>
+                      <a:r>
+                        <a:rPr sz="1800" b="0" i="0">
+                          <a:solidFill>
+                            <a:srgbClr val="000000"/>
+                          </a:solidFill>
+                          <a:latin typeface="Calibri" panose="020F0502020204030204"/>
+                          <a:ea typeface="Calibri" panose="020F0502020204030204"/>
+                        </a:rPr>
+                        <a:t>High performance on complex tasks</a:t>
+                      </a:r>
+                      <a:endParaRPr sz="1800" b="0" i="0">
+                        <a:solidFill>
+                          <a:srgbClr val="000000"/>
+                        </a:solidFill>
+                        <a:latin typeface="Calibri" panose="020F0502020204030204"/>
+                        <a:ea typeface="Calibri" panose="020F0502020204030204"/>
+                      </a:endParaRPr>
+                    </a:p>
+                  </a:txBody>
+                  <a:tcPr marL="7937" marR="7937" marT="7937" anchor="ctr" anchorCtr="0">
+                    <a:lnL w="6350" cap="flat" cmpd="sng">
+                      <a:solidFill>
+                        <a:srgbClr val="000000"/>
+                      </a:solidFill>
+                      <a:prstDash val="solid"/>
+                      <a:headEnd type="none" w="med" len="med"/>
+                      <a:tailEnd type="none" w="med" len="med"/>
+                    </a:lnL>
+                    <a:lnR w="6350" cap="flat" cmpd="sng">
+                      <a:solidFill>
+                        <a:srgbClr val="000000"/>
+                      </a:solidFill>
+                      <a:prstDash val="solid"/>
+                      <a:headEnd type="none" w="med" len="med"/>
+                      <a:tailEnd type="none" w="med" len="med"/>
+                    </a:lnR>
+                    <a:lnT w="6350" cap="flat" cmpd="sng">
+                      <a:solidFill>
+                        <a:srgbClr val="000000"/>
+                      </a:solidFill>
+                      <a:prstDash val="solid"/>
+                      <a:headEnd type="none" w="med" len="med"/>
+                      <a:tailEnd type="none" w="med" len="med"/>
+                    </a:lnT>
+                    <a:lnB w="6350" cap="flat" cmpd="sng">
+                      <a:solidFill>
+                        <a:srgbClr val="000000"/>
+                      </a:solidFill>
+                      <a:prstDash val="solid"/>
+                      <a:headEnd type="none" w="med" len="med"/>
+                      <a:tailEnd type="none" w="med" len="med"/>
+                    </a:lnB>
+                    <a:noFill/>
+                  </a:tcPr>
+                </a:tc>
+                <a:tc>
+                  <a:txBody>
+                    <a:bodyPr/>
+                    <a:p>
+                      <a:pPr algn="l" fontAlgn="ctr"/>
+                      <a:r>
+                        <a:rPr sz="1800" b="0" i="0">
+                          <a:solidFill>
+                            <a:srgbClr val="000000"/>
+                          </a:solidFill>
+                          <a:latin typeface="Calibri" panose="020F0502020204030204"/>
+                          <a:ea typeface="Calibri" panose="020F0502020204030204"/>
+                        </a:rPr>
+                        <a:t>Optimized for specific, simpler tasks</a:t>
+                      </a:r>
+                      <a:endParaRPr sz="1800" b="0" i="0">
+                        <a:solidFill>
+                          <a:srgbClr val="000000"/>
+                        </a:solidFill>
+                        <a:latin typeface="Calibri" panose="020F0502020204030204"/>
+                        <a:ea typeface="Calibri" panose="020F0502020204030204"/>
+                      </a:endParaRPr>
+                    </a:p>
+                  </a:txBody>
+                  <a:tcPr marL="7937" marR="7937" marT="7937" anchor="ctr" anchorCtr="0">
+                    <a:lnL w="6350" cap="flat" cmpd="sng">
+                      <a:solidFill>
+                        <a:srgbClr val="000000"/>
+                      </a:solidFill>
+                      <a:prstDash val="solid"/>
+                      <a:headEnd type="none" w="med" len="med"/>
+                      <a:tailEnd type="none" w="med" len="med"/>
+                    </a:lnL>
+                    <a:lnR w="6350" cap="flat" cmpd="sng">
+                      <a:solidFill>
+                        <a:srgbClr val="000000"/>
+                      </a:solidFill>
+                      <a:prstDash val="solid"/>
+                      <a:headEnd type="none" w="med" len="med"/>
+                      <a:tailEnd type="none" w="med" len="med"/>
+                    </a:lnR>
+                    <a:lnT w="6350" cap="flat" cmpd="sng">
+                      <a:solidFill>
+                        <a:srgbClr val="000000"/>
+                      </a:solidFill>
+                      <a:prstDash val="solid"/>
+                      <a:headEnd type="none" w="med" len="med"/>
+                      <a:tailEnd type="none" w="med" len="med"/>
+                    </a:lnT>
+                    <a:lnB w="6350" cap="flat" cmpd="sng">
+                      <a:solidFill>
+                        <a:srgbClr val="000000"/>
+                      </a:solidFill>
+                      <a:prstDash val="solid"/>
+                      <a:headEnd type="none" w="med" len="med"/>
+                      <a:tailEnd type="none" w="med" len="med"/>
+                    </a:lnB>
+                    <a:noFill/>
+                  </a:tcPr>
+                </a:tc>
+              </a:tr>
+              <a:tr h="330835">
+                <a:tc>
+                  <a:txBody>
+                    <a:bodyPr/>
+                    <a:p>
+                      <a:pPr algn="l" fontAlgn="ctr"/>
+                      <a:r>
+                        <a:rPr sz="1800" b="1" i="0">
+                          <a:solidFill>
+                            <a:srgbClr val="000000"/>
+                          </a:solidFill>
+                          <a:latin typeface="Calibri" panose="020F0502020204030204"/>
+                          <a:ea typeface="Calibri" panose="020F0502020204030204"/>
+                        </a:rPr>
+                        <a:t>Inference Speed</a:t>
+                      </a:r>
+                      <a:endParaRPr sz="1800" b="1" i="0">
+                        <a:solidFill>
+                          <a:srgbClr val="000000"/>
+                        </a:solidFill>
+                        <a:latin typeface="Calibri" panose="020F0502020204030204"/>
+                        <a:ea typeface="Calibri" panose="020F0502020204030204"/>
+                      </a:endParaRPr>
+                    </a:p>
+                  </a:txBody>
+                  <a:tcPr marL="7937" marR="7937" marT="7937" anchor="ctr" anchorCtr="0">
+                    <a:lnL w="6350" cap="flat" cmpd="sng">
+                      <a:solidFill>
+                        <a:srgbClr val="000000"/>
+                      </a:solidFill>
+                      <a:prstDash val="solid"/>
+                      <a:headEnd type="none" w="med" len="med"/>
+                      <a:tailEnd type="none" w="med" len="med"/>
+                    </a:lnL>
+                    <a:lnR w="6350" cap="flat" cmpd="sng">
+                      <a:solidFill>
+                        <a:srgbClr val="000000"/>
+                      </a:solidFill>
+                      <a:prstDash val="solid"/>
+                      <a:headEnd type="none" w="med" len="med"/>
+                      <a:tailEnd type="none" w="med" len="med"/>
+                    </a:lnR>
+                    <a:lnT w="6350" cap="flat" cmpd="sng">
+                      <a:solidFill>
+                        <a:srgbClr val="000000"/>
+                      </a:solidFill>
+                      <a:prstDash val="solid"/>
+                      <a:headEnd type="none" w="med" len="med"/>
+                      <a:tailEnd type="none" w="med" len="med"/>
+                    </a:lnT>
+                    <a:lnB w="6350" cap="flat" cmpd="sng">
+                      <a:solidFill>
+                        <a:srgbClr val="000000"/>
+                      </a:solidFill>
+                      <a:prstDash val="solid"/>
+                      <a:headEnd type="none" w="med" len="med"/>
+                      <a:tailEnd type="none" w="med" len="med"/>
+                    </a:lnB>
+                    <a:noFill/>
+                  </a:tcPr>
+                </a:tc>
+                <a:tc>
+                  <a:txBody>
+                    <a:bodyPr/>
+                    <a:p>
+                      <a:pPr algn="l" fontAlgn="ctr"/>
+                      <a:r>
+                        <a:rPr sz="1800" b="0" i="0">
+                          <a:solidFill>
+                            <a:srgbClr val="000000"/>
+                          </a:solidFill>
+                          <a:latin typeface="Calibri" panose="020F0502020204030204"/>
+                          <a:ea typeface="Calibri" panose="020F0502020204030204"/>
+                        </a:rPr>
+                        <a:t>Slower, higher latency</a:t>
+                      </a:r>
+                      <a:endParaRPr sz="1800" b="0" i="0">
+                        <a:solidFill>
+                          <a:srgbClr val="000000"/>
+                        </a:solidFill>
+                        <a:latin typeface="Calibri" panose="020F0502020204030204"/>
+                        <a:ea typeface="Calibri" panose="020F0502020204030204"/>
+                      </a:endParaRPr>
+                    </a:p>
+                  </a:txBody>
+                  <a:tcPr marL="7937" marR="7937" marT="7937" anchor="ctr" anchorCtr="0">
+                    <a:lnL w="6350" cap="flat" cmpd="sng">
+                      <a:solidFill>
+                        <a:srgbClr val="000000"/>
+                      </a:solidFill>
+                      <a:prstDash val="solid"/>
+                      <a:headEnd type="none" w="med" len="med"/>
+                      <a:tailEnd type="none" w="med" len="med"/>
+                    </a:lnL>
+                    <a:lnR w="6350" cap="flat" cmpd="sng">
+                      <a:solidFill>
+                        <a:srgbClr val="000000"/>
+                      </a:solidFill>
+                      <a:prstDash val="solid"/>
+                      <a:headEnd type="none" w="med" len="med"/>
+                      <a:tailEnd type="none" w="med" len="med"/>
+                    </a:lnR>
+                    <a:lnT w="6350" cap="flat" cmpd="sng">
+                      <a:solidFill>
+                        <a:srgbClr val="000000"/>
+                      </a:solidFill>
+                      <a:prstDash val="solid"/>
+                      <a:headEnd type="none" w="med" len="med"/>
+                      <a:tailEnd type="none" w="med" len="med"/>
+                    </a:lnT>
+                    <a:lnB w="6350" cap="flat" cmpd="sng">
+                      <a:solidFill>
+                        <a:srgbClr val="000000"/>
+                      </a:solidFill>
+                      <a:prstDash val="solid"/>
+                      <a:headEnd type="none" w="med" len="med"/>
+                      <a:tailEnd type="none" w="med" len="med"/>
+                    </a:lnB>
+                    <a:noFill/>
+                  </a:tcPr>
+                </a:tc>
+                <a:tc>
+                  <a:txBody>
+                    <a:bodyPr/>
+                    <a:p>
+                      <a:pPr algn="l" fontAlgn="ctr"/>
+                      <a:r>
+                        <a:rPr sz="1800" b="0" i="0">
+                          <a:solidFill>
+                            <a:srgbClr val="000000"/>
+                          </a:solidFill>
+                          <a:latin typeface="Calibri" panose="020F0502020204030204"/>
+                          <a:ea typeface="Calibri" panose="020F0502020204030204"/>
+                        </a:rPr>
+                        <a:t>Fast, low latency</a:t>
+                      </a:r>
+                      <a:endParaRPr sz="1800" b="0" i="0">
+                        <a:solidFill>
+                          <a:srgbClr val="000000"/>
+                        </a:solidFill>
+                        <a:latin typeface="Calibri" panose="020F0502020204030204"/>
+                        <a:ea typeface="Calibri" panose="020F0502020204030204"/>
+                      </a:endParaRPr>
+                    </a:p>
+                  </a:txBody>
+                  <a:tcPr marL="7937" marR="7937" marT="7937" anchor="ctr" anchorCtr="0">
+                    <a:lnL w="6350" cap="flat" cmpd="sng">
+                      <a:solidFill>
+                        <a:srgbClr val="000000"/>
+                      </a:solidFill>
+                      <a:prstDash val="solid"/>
+                      <a:headEnd type="none" w="med" len="med"/>
+                      <a:tailEnd type="none" w="med" len="med"/>
+                    </a:lnL>
+                    <a:lnR w="6350" cap="flat" cmpd="sng">
+                      <a:solidFill>
+                        <a:srgbClr val="000000"/>
+                      </a:solidFill>
+                      <a:prstDash val="solid"/>
+                      <a:headEnd type="none" w="med" len="med"/>
+                      <a:tailEnd type="none" w="med" len="med"/>
+                    </a:lnR>
+                    <a:lnT w="6350" cap="flat" cmpd="sng">
+                      <a:solidFill>
+                        <a:srgbClr val="000000"/>
+                      </a:solidFill>
+                      <a:prstDash val="solid"/>
+                      <a:headEnd type="none" w="med" len="med"/>
+                      <a:tailEnd type="none" w="med" len="med"/>
+                    </a:lnT>
+                    <a:lnB w="6350" cap="flat" cmpd="sng">
+                      <a:solidFill>
+                        <a:srgbClr val="000000"/>
+                      </a:solidFill>
+                      <a:prstDash val="solid"/>
+                      <a:headEnd type="none" w="med" len="med"/>
+                      <a:tailEnd type="none" w="med" len="med"/>
+                    </a:lnB>
+                    <a:noFill/>
+                  </a:tcPr>
+                </a:tc>
+              </a:tr>
+              <a:tr h="607060">
+                <a:tc>
+                  <a:txBody>
+                    <a:bodyPr/>
+                    <a:p>
+                      <a:pPr algn="l" fontAlgn="ctr"/>
+                      <a:r>
+                        <a:rPr sz="1800" b="1" i="0">
+                          <a:solidFill>
+                            <a:srgbClr val="000000"/>
+                          </a:solidFill>
+                          <a:latin typeface="Calibri" panose="020F0502020204030204"/>
+                          <a:ea typeface="Calibri" panose="020F0502020204030204"/>
+                        </a:rPr>
+                        <a:t>Deployment</a:t>
+                      </a:r>
+                      <a:endParaRPr sz="1800" b="1" i="0">
+                        <a:solidFill>
+                          <a:srgbClr val="000000"/>
+                        </a:solidFill>
+                        <a:latin typeface="Calibri" panose="020F0502020204030204"/>
+                        <a:ea typeface="Calibri" panose="020F0502020204030204"/>
+                      </a:endParaRPr>
+                    </a:p>
+                  </a:txBody>
+                  <a:tcPr marL="7937" marR="7937" marT="7937" anchor="ctr" anchorCtr="0">
+                    <a:lnL w="6350" cap="flat" cmpd="sng">
+                      <a:solidFill>
+                        <a:srgbClr val="000000"/>
+                      </a:solidFill>
+                      <a:prstDash val="solid"/>
+                      <a:headEnd type="none" w="med" len="med"/>
+                      <a:tailEnd type="none" w="med" len="med"/>
+                    </a:lnL>
+                    <a:lnR w="6350" cap="flat" cmpd="sng">
+                      <a:solidFill>
+                        <a:srgbClr val="000000"/>
+                      </a:solidFill>
+                      <a:prstDash val="solid"/>
+                      <a:headEnd type="none" w="med" len="med"/>
+                      <a:tailEnd type="none" w="med" len="med"/>
+                    </a:lnR>
+                    <a:lnT w="6350" cap="flat" cmpd="sng">
+                      <a:solidFill>
+                        <a:srgbClr val="000000"/>
+                      </a:solidFill>
+                      <a:prstDash val="solid"/>
+                      <a:headEnd type="none" w="med" len="med"/>
+                      <a:tailEnd type="none" w="med" len="med"/>
+                    </a:lnT>
+                    <a:lnB w="6350" cap="flat" cmpd="sng">
+                      <a:solidFill>
+                        <a:srgbClr val="000000"/>
+                      </a:solidFill>
+                      <a:prstDash val="solid"/>
+                      <a:headEnd type="none" w="med" len="med"/>
+                      <a:tailEnd type="none" w="med" len="med"/>
+                    </a:lnB>
+                    <a:noFill/>
+                  </a:tcPr>
+                </a:tc>
+                <a:tc>
+                  <a:txBody>
+                    <a:bodyPr/>
+                    <a:p>
+                      <a:pPr algn="l" fontAlgn="ctr"/>
+                      <a:r>
+                        <a:rPr sz="1800" b="0" i="0">
+                          <a:solidFill>
+                            <a:srgbClr val="000000"/>
+                          </a:solidFill>
+                          <a:latin typeface="Calibri" panose="020F0502020204030204"/>
+                          <a:ea typeface="Calibri" panose="020F0502020204030204"/>
+                        </a:rPr>
+                        <a:t>Typically in cloud or centralized environments</a:t>
+                      </a:r>
+                      <a:endParaRPr sz="1800" b="0" i="0">
+                        <a:solidFill>
+                          <a:srgbClr val="000000"/>
+                        </a:solidFill>
+                        <a:latin typeface="Calibri" panose="020F0502020204030204"/>
+                        <a:ea typeface="Calibri" panose="020F0502020204030204"/>
+                      </a:endParaRPr>
+                    </a:p>
+                  </a:txBody>
+                  <a:tcPr marL="7937" marR="7937" marT="7937" anchor="ctr" anchorCtr="0">
+                    <a:lnL w="6350" cap="flat" cmpd="sng">
+                      <a:solidFill>
+                        <a:srgbClr val="000000"/>
+                      </a:solidFill>
+                      <a:prstDash val="solid"/>
+                      <a:headEnd type="none" w="med" len="med"/>
+                      <a:tailEnd type="none" w="med" len="med"/>
+                    </a:lnL>
+                    <a:lnR w="6350" cap="flat" cmpd="sng">
+                      <a:solidFill>
+                        <a:srgbClr val="000000"/>
+                      </a:solidFill>
+                      <a:prstDash val="solid"/>
+                      <a:headEnd type="none" w="med" len="med"/>
+                      <a:tailEnd type="none" w="med" len="med"/>
+                    </a:lnR>
+                    <a:lnT w="6350" cap="flat" cmpd="sng">
+                      <a:solidFill>
+                        <a:srgbClr val="000000"/>
+                      </a:solidFill>
+                      <a:prstDash val="solid"/>
+                      <a:headEnd type="none" w="med" len="med"/>
+                      <a:tailEnd type="none" w="med" len="med"/>
+                    </a:lnT>
+                    <a:lnB w="6350" cap="flat" cmpd="sng">
+                      <a:solidFill>
+                        <a:srgbClr val="000000"/>
+                      </a:solidFill>
+                      <a:prstDash val="solid"/>
+                      <a:headEnd type="none" w="med" len="med"/>
+                      <a:tailEnd type="none" w="med" len="med"/>
+                    </a:lnB>
+                    <a:noFill/>
+                  </a:tcPr>
+                </a:tc>
+                <a:tc>
+                  <a:txBody>
+                    <a:bodyPr/>
+                    <a:p>
+                      <a:pPr algn="l" fontAlgn="ctr"/>
+                      <a:r>
+                        <a:rPr sz="1800" b="0" i="0">
+                          <a:solidFill>
+                            <a:srgbClr val="000000"/>
+                          </a:solidFill>
+                          <a:latin typeface="Calibri" panose="020F0502020204030204"/>
+                          <a:ea typeface="Calibri" panose="020F0502020204030204"/>
+                        </a:rPr>
+                        <a:t>Suitable for edge devices and on-device processing</a:t>
+                      </a:r>
+                      <a:endParaRPr sz="1800" b="0" i="0">
+                        <a:solidFill>
+                          <a:srgbClr val="000000"/>
+                        </a:solidFill>
+                        <a:latin typeface="Calibri" panose="020F0502020204030204"/>
+                        <a:ea typeface="Calibri" panose="020F0502020204030204"/>
+                      </a:endParaRPr>
+                    </a:p>
+                  </a:txBody>
+                  <a:tcPr marL="7937" marR="7937" marT="7937" anchor="ctr" anchorCtr="0">
+                    <a:lnL w="6350" cap="flat" cmpd="sng">
+                      <a:solidFill>
+                        <a:srgbClr val="000000"/>
+                      </a:solidFill>
+                      <a:prstDash val="solid"/>
+                      <a:headEnd type="none" w="med" len="med"/>
+                      <a:tailEnd type="none" w="med" len="med"/>
+                    </a:lnL>
+                    <a:lnR w="6350" cap="flat" cmpd="sng">
+                      <a:solidFill>
+                        <a:srgbClr val="000000"/>
+                      </a:solidFill>
+                      <a:prstDash val="solid"/>
+                      <a:headEnd type="none" w="med" len="med"/>
+                      <a:tailEnd type="none" w="med" len="med"/>
+                    </a:lnR>
+                    <a:lnT w="6350" cap="flat" cmpd="sng">
+                      <a:solidFill>
+                        <a:srgbClr val="000000"/>
+                      </a:solidFill>
+                      <a:prstDash val="solid"/>
+                      <a:headEnd type="none" w="med" len="med"/>
+                      <a:tailEnd type="none" w="med" len="med"/>
+                    </a:lnT>
+                    <a:lnB w="6350" cap="flat" cmpd="sng">
+                      <a:solidFill>
+                        <a:srgbClr val="000000"/>
+                      </a:solidFill>
+                      <a:prstDash val="solid"/>
+                      <a:headEnd type="none" w="med" len="med"/>
+                      <a:tailEnd type="none" w="med" len="med"/>
+                    </a:lnB>
+                    <a:noFill/>
+                  </a:tcPr>
+                </a:tc>
+              </a:tr>
+              <a:tr h="607695">
+                <a:tc>
+                  <a:txBody>
+                    <a:bodyPr/>
+                    <a:p>
+                      <a:pPr algn="l" fontAlgn="ctr"/>
+                      <a:r>
+                        <a:rPr sz="1800" b="1" i="0">
+                          <a:solidFill>
+                            <a:srgbClr val="000000"/>
+                          </a:solidFill>
+                          <a:latin typeface="Calibri" panose="020F0502020204030204"/>
+                          <a:ea typeface="Calibri" panose="020F0502020204030204"/>
+                        </a:rPr>
+                        <a:t>Adaptability</a:t>
+                      </a:r>
+                      <a:endParaRPr sz="1800" b="1" i="0">
+                        <a:solidFill>
+                          <a:srgbClr val="000000"/>
+                        </a:solidFill>
+                        <a:latin typeface="Calibri" panose="020F0502020204030204"/>
+                        <a:ea typeface="Calibri" panose="020F0502020204030204"/>
+                      </a:endParaRPr>
+                    </a:p>
+                  </a:txBody>
+                  <a:tcPr marL="7937" marR="7937" marT="7937" anchor="ctr" anchorCtr="0">
+                    <a:lnL w="6350" cap="flat" cmpd="sng">
+                      <a:solidFill>
+                        <a:srgbClr val="000000"/>
+                      </a:solidFill>
+                      <a:prstDash val="solid"/>
+                      <a:headEnd type="none" w="med" len="med"/>
+                      <a:tailEnd type="none" w="med" len="med"/>
+                    </a:lnL>
+                    <a:lnR w="6350" cap="flat" cmpd="sng">
+                      <a:solidFill>
+                        <a:srgbClr val="000000"/>
+                      </a:solidFill>
+                      <a:prstDash val="solid"/>
+                      <a:headEnd type="none" w="med" len="med"/>
+                      <a:tailEnd type="none" w="med" len="med"/>
+                    </a:lnR>
+                    <a:lnT w="6350" cap="flat" cmpd="sng">
+                      <a:solidFill>
+                        <a:srgbClr val="000000"/>
+                      </a:solidFill>
+                      <a:prstDash val="solid"/>
+                      <a:headEnd type="none" w="med" len="med"/>
+                      <a:tailEnd type="none" w="med" len="med"/>
+                    </a:lnT>
+                    <a:lnB w="6350" cap="flat" cmpd="sng">
+                      <a:solidFill>
+                        <a:srgbClr val="000000"/>
+                      </a:solidFill>
+                      <a:prstDash val="solid"/>
+                      <a:headEnd type="none" w="med" len="med"/>
+                      <a:tailEnd type="none" w="med" len="med"/>
+                    </a:lnB>
+                    <a:noFill/>
+                  </a:tcPr>
+                </a:tc>
+                <a:tc>
+                  <a:txBody>
+                    <a:bodyPr/>
+                    <a:p>
+                      <a:pPr algn="l" fontAlgn="ctr"/>
+                      <a:r>
+                        <a:rPr sz="1800" b="0" i="0">
+                          <a:solidFill>
+                            <a:srgbClr val="000000"/>
+                          </a:solidFill>
+                          <a:latin typeface="Calibri" panose="020F0502020204030204"/>
+                          <a:ea typeface="Calibri" panose="020F0502020204030204"/>
+                        </a:rPr>
+                        <a:t>General-purpose, adaptable to many domains</a:t>
+                      </a:r>
+                      <a:endParaRPr sz="1800" b="0" i="0">
+                        <a:solidFill>
+                          <a:srgbClr val="000000"/>
+                        </a:solidFill>
+                        <a:latin typeface="Calibri" panose="020F0502020204030204"/>
+                        <a:ea typeface="Calibri" panose="020F0502020204030204"/>
+                      </a:endParaRPr>
+                    </a:p>
+                  </a:txBody>
+                  <a:tcPr marL="7937" marR="7937" marT="7937" anchor="ctr" anchorCtr="0">
+                    <a:lnL w="6350" cap="flat" cmpd="sng">
+                      <a:solidFill>
+                        <a:srgbClr val="000000"/>
+                      </a:solidFill>
+                      <a:prstDash val="solid"/>
+                      <a:headEnd type="none" w="med" len="med"/>
+                      <a:tailEnd type="none" w="med" len="med"/>
+                    </a:lnL>
+                    <a:lnR w="6350" cap="flat" cmpd="sng">
+                      <a:solidFill>
+                        <a:srgbClr val="000000"/>
+                      </a:solidFill>
+                      <a:prstDash val="solid"/>
+                      <a:headEnd type="none" w="med" len="med"/>
+                      <a:tailEnd type="none" w="med" len="med"/>
+                    </a:lnR>
+                    <a:lnT w="6350" cap="flat" cmpd="sng">
+                      <a:solidFill>
+                        <a:srgbClr val="000000"/>
+                      </a:solidFill>
+                      <a:prstDash val="solid"/>
+                      <a:headEnd type="none" w="med" len="med"/>
+                      <a:tailEnd type="none" w="med" len="med"/>
+                    </a:lnT>
+                    <a:lnB w="6350" cap="flat" cmpd="sng">
+                      <a:solidFill>
+                        <a:srgbClr val="000000"/>
+                      </a:solidFill>
+                      <a:prstDash val="solid"/>
+                      <a:headEnd type="none" w="med" len="med"/>
+                      <a:tailEnd type="none" w="med" len="med"/>
+                    </a:lnB>
+                    <a:noFill/>
+                  </a:tcPr>
+                </a:tc>
+                <a:tc>
+                  <a:txBody>
+                    <a:bodyPr/>
+                    <a:p>
+                      <a:pPr algn="l" fontAlgn="ctr"/>
+                      <a:r>
+                        <a:rPr sz="1800" b="0" i="0">
+                          <a:solidFill>
+                            <a:srgbClr val="000000"/>
+                          </a:solidFill>
+                          <a:latin typeface="Calibri" panose="020F0502020204030204"/>
+                          <a:ea typeface="Calibri" panose="020F0502020204030204"/>
+                        </a:rPr>
+                        <a:t>Task-specific and optimized for narrow use cases</a:t>
+                      </a:r>
+                      <a:endParaRPr sz="1800" b="0" i="0">
+                        <a:solidFill>
+                          <a:srgbClr val="000000"/>
+                        </a:solidFill>
+                        <a:latin typeface="Calibri" panose="020F0502020204030204"/>
+                        <a:ea typeface="Calibri" panose="020F0502020204030204"/>
+                      </a:endParaRPr>
+                    </a:p>
+                  </a:txBody>
+                  <a:tcPr marL="7937" marR="7937" marT="7937" anchor="ctr" anchorCtr="0">
+                    <a:lnL w="6350" cap="flat" cmpd="sng">
+                      <a:solidFill>
+                        <a:srgbClr val="000000"/>
+                      </a:solidFill>
+                      <a:prstDash val="solid"/>
+                      <a:headEnd type="none" w="med" len="med"/>
+                      <a:tailEnd type="none" w="med" len="med"/>
+                    </a:lnL>
+                    <a:lnR w="6350" cap="flat" cmpd="sng">
+                      <a:solidFill>
+                        <a:srgbClr val="000000"/>
+                      </a:solidFill>
+                      <a:prstDash val="solid"/>
+                      <a:headEnd type="none" w="med" len="med"/>
+                      <a:tailEnd type="none" w="med" len="med"/>
+                    </a:lnR>
+                    <a:lnT w="6350" cap="flat" cmpd="sng">
+                      <a:solidFill>
+                        <a:srgbClr val="000000"/>
+                      </a:solidFill>
+                      <a:prstDash val="solid"/>
+                      <a:headEnd type="none" w="med" len="med"/>
+                      <a:tailEnd type="none" w="med" len="med"/>
+                    </a:lnT>
+                    <a:lnB w="6350" cap="flat" cmpd="sng">
+                      <a:solidFill>
+                        <a:srgbClr val="000000"/>
+                      </a:solidFill>
+                      <a:prstDash val="solid"/>
+                      <a:headEnd type="none" w="med" len="med"/>
+                      <a:tailEnd type="none" w="med" len="med"/>
+                    </a:lnB>
+                    <a:noFill/>
+                  </a:tcPr>
+                </a:tc>
+              </a:tr>
+              <a:tr h="607695">
+                <a:tc>
+                  <a:txBody>
+                    <a:bodyPr/>
+                    <a:p>
+                      <a:pPr algn="l" fontAlgn="ctr"/>
+                      <a:r>
+                        <a:rPr sz="1800" b="1" i="0">
+                          <a:solidFill>
+                            <a:srgbClr val="000000"/>
+                          </a:solidFill>
+                          <a:latin typeface="Calibri" panose="020F0502020204030204"/>
+                          <a:ea typeface="Calibri" panose="020F0502020204030204"/>
+                        </a:rPr>
+                        <a:t>Cost of Deployment</a:t>
+                      </a:r>
+                      <a:endParaRPr sz="1800" b="1" i="0">
+                        <a:solidFill>
+                          <a:srgbClr val="000000"/>
+                        </a:solidFill>
+                        <a:latin typeface="Calibri" panose="020F0502020204030204"/>
+                        <a:ea typeface="Calibri" panose="020F0502020204030204"/>
+                      </a:endParaRPr>
+                    </a:p>
+                  </a:txBody>
+                  <a:tcPr marL="7937" marR="7937" marT="7937" anchor="ctr" anchorCtr="0">
+                    <a:lnL w="6350" cap="flat" cmpd="sng">
+                      <a:solidFill>
+                        <a:srgbClr val="000000"/>
+                      </a:solidFill>
+                      <a:prstDash val="solid"/>
+                      <a:headEnd type="none" w="med" len="med"/>
+                      <a:tailEnd type="none" w="med" len="med"/>
+                    </a:lnL>
+                    <a:lnR w="6350" cap="flat" cmpd="sng">
+                      <a:solidFill>
+                        <a:srgbClr val="000000"/>
+                      </a:solidFill>
+                      <a:prstDash val="solid"/>
+                      <a:headEnd type="none" w="med" len="med"/>
+                      <a:tailEnd type="none" w="med" len="med"/>
+                    </a:lnR>
+                    <a:lnT w="6350" cap="flat" cmpd="sng">
+                      <a:solidFill>
+                        <a:srgbClr val="000000"/>
+                      </a:solidFill>
+                      <a:prstDash val="solid"/>
+                      <a:headEnd type="none" w="med" len="med"/>
+                      <a:tailEnd type="none" w="med" len="med"/>
+                    </a:lnT>
+                    <a:lnB w="6350" cap="flat" cmpd="sng">
+                      <a:solidFill>
+                        <a:srgbClr val="000000"/>
+                      </a:solidFill>
+                      <a:prstDash val="solid"/>
+                      <a:headEnd type="none" w="med" len="med"/>
+                      <a:tailEnd type="none" w="med" len="med"/>
+                    </a:lnB>
+                    <a:noFill/>
+                  </a:tcPr>
+                </a:tc>
+                <a:tc>
+                  <a:txBody>
+                    <a:bodyPr/>
+                    <a:p>
+                      <a:pPr algn="l" fontAlgn="ctr"/>
+                      <a:r>
+                        <a:rPr sz="1800" b="0" i="0">
+                          <a:solidFill>
+                            <a:srgbClr val="000000"/>
+                          </a:solidFill>
+                          <a:latin typeface="Calibri" panose="020F0502020204030204"/>
+                          <a:ea typeface="Calibri" panose="020F0502020204030204"/>
+                        </a:rPr>
+                        <a:t>Expensive (due to server and GPU requirements)</a:t>
+                      </a:r>
+                      <a:endParaRPr sz="1800" b="0" i="0">
+                        <a:solidFill>
+                          <a:srgbClr val="000000"/>
+                        </a:solidFill>
+                        <a:latin typeface="Calibri" panose="020F0502020204030204"/>
+                        <a:ea typeface="Calibri" panose="020F0502020204030204"/>
+                      </a:endParaRPr>
+                    </a:p>
+                  </a:txBody>
+                  <a:tcPr marL="7937" marR="7937" marT="7937" anchor="ctr" anchorCtr="0">
+                    <a:lnL w="6350" cap="flat" cmpd="sng">
+                      <a:solidFill>
+                        <a:srgbClr val="000000"/>
+                      </a:solidFill>
+                      <a:prstDash val="solid"/>
+                      <a:headEnd type="none" w="med" len="med"/>
+                      <a:tailEnd type="none" w="med" len="med"/>
+                    </a:lnL>
+                    <a:lnR w="6350" cap="flat" cmpd="sng">
+                      <a:solidFill>
+                        <a:srgbClr val="000000"/>
+                      </a:solidFill>
+                      <a:prstDash val="solid"/>
+                      <a:headEnd type="none" w="med" len="med"/>
+                      <a:tailEnd type="none" w="med" len="med"/>
+                    </a:lnR>
+                    <a:lnT w="6350" cap="flat" cmpd="sng">
+                      <a:solidFill>
+                        <a:srgbClr val="000000"/>
+                      </a:solidFill>
+                      <a:prstDash val="solid"/>
+                      <a:headEnd type="none" w="med" len="med"/>
+                      <a:tailEnd type="none" w="med" len="med"/>
+                    </a:lnT>
+                    <a:lnB w="6350" cap="flat" cmpd="sng">
+                      <a:solidFill>
+                        <a:srgbClr val="000000"/>
+                      </a:solidFill>
+                      <a:prstDash val="solid"/>
+                      <a:headEnd type="none" w="med" len="med"/>
+                      <a:tailEnd type="none" w="med" len="med"/>
+                    </a:lnB>
+                    <a:noFill/>
+                  </a:tcPr>
+                </a:tc>
+                <a:tc>
+                  <a:txBody>
+                    <a:bodyPr/>
+                    <a:p>
+                      <a:pPr algn="l" fontAlgn="ctr"/>
+                      <a:r>
+                        <a:rPr sz="1800" b="0" i="0">
+                          <a:solidFill>
+                            <a:srgbClr val="000000"/>
+                          </a:solidFill>
+                          <a:latin typeface="Calibri" panose="020F0502020204030204"/>
+                          <a:ea typeface="Calibri" panose="020F0502020204030204"/>
+                        </a:rPr>
+                        <a:t>Cost-effective for scaled edge deployments</a:t>
+                      </a:r>
+                      <a:endParaRPr sz="1800" b="0" i="0">
+                        <a:solidFill>
+                          <a:srgbClr val="000000"/>
+                        </a:solidFill>
+                        <a:latin typeface="Calibri" panose="020F0502020204030204"/>
+                        <a:ea typeface="Calibri" panose="020F0502020204030204"/>
+                      </a:endParaRPr>
+                    </a:p>
+                  </a:txBody>
+                  <a:tcPr marL="7937" marR="7937" marT="7937" anchor="ctr" anchorCtr="0">
+                    <a:lnL w="6350" cap="flat" cmpd="sng">
+                      <a:solidFill>
+                        <a:srgbClr val="000000"/>
+                      </a:solidFill>
+                      <a:prstDash val="solid"/>
+                      <a:headEnd type="none" w="med" len="med"/>
+                      <a:tailEnd type="none" w="med" len="med"/>
+                    </a:lnL>
+                    <a:lnR w="6350" cap="flat" cmpd="sng">
+                      <a:solidFill>
+                        <a:srgbClr val="000000"/>
+                      </a:solidFill>
+                      <a:prstDash val="solid"/>
+                      <a:headEnd type="none" w="med" len="med"/>
+                      <a:tailEnd type="none" w="med" len="med"/>
+                    </a:lnR>
+                    <a:lnT w="6350" cap="flat" cmpd="sng">
+                      <a:solidFill>
+                        <a:srgbClr val="000000"/>
+                      </a:solidFill>
+                      <a:prstDash val="solid"/>
+                      <a:headEnd type="none" w="med" len="med"/>
+                      <a:tailEnd type="none" w="med" len="med"/>
+                    </a:lnT>
+                    <a:lnB w="6350" cap="flat" cmpd="sng">
+                      <a:solidFill>
+                        <a:srgbClr val="000000"/>
+                      </a:solidFill>
+                      <a:prstDash val="solid"/>
+                      <a:headEnd type="none" w="med" len="med"/>
+                      <a:tailEnd type="none" w="med" len="med"/>
+                    </a:lnB>
+                    <a:noFill/>
+                  </a:tcPr>
+                </a:tc>
+              </a:tr>
+            </a:tbl>
+          </a:graphicData>
+        </a:graphic>
+      </p:graphicFrame>
+    </p:spTree>
+  </p:cSld>
+  <p:clrMapOvr>
+    <a:masterClrMapping/>
+  </p:clrMapOvr>
+</p:sld>
+</file>
+
+<file path=ppt/slides/slide34.xml><?xml version="1.0" encoding="utf-8"?>
+<p:sld xmlns:a="http://schemas.openxmlformats.org/drawingml/2006/main" xmlns:r="http://schemas.openxmlformats.org/officeDocument/2006/relationships" xmlns:p="http://schemas.openxmlformats.org/presentationml/2006/main">
+  <p:cSld>
+    <p:spTree>
+      <p:nvGrpSpPr>
+        <p:cNvPr id="1" name=""/>
+        <p:cNvGrpSpPr/>
+        <p:nvPr/>
+      </p:nvGrpSpPr>
+      <p:grpSpPr/>
+      <p:sp>
+        <p:nvSpPr>
+          <p:cNvPr id="2" name="Title 1"/>
+          <p:cNvSpPr>
+            <a:spLocks noGrp="1"/>
+          </p:cNvSpPr>
+          <p:nvPr>
+            <p:ph type="title"/>
+          </p:nvPr>
+        </p:nvSpPr>
+        <p:spPr/>
+        <p:txBody>
+          <a:bodyPr/>
+          <a:p>
+            <a:r>
+              <a:rPr lang="en-US"/>
+              <a:t>Role of SLMs in Edge Computing</a:t>
+            </a:r>
+            <a:endParaRPr lang="en-US"/>
+          </a:p>
+        </p:txBody>
+      </p:sp>
+      <p:sp>
+        <p:nvSpPr>
+          <p:cNvPr id="3" name="Content Placeholder 2"/>
+          <p:cNvSpPr>
+            <a:spLocks noGrp="1"/>
+          </p:cNvSpPr>
+          <p:nvPr>
+            <p:ph idx="1"/>
+          </p:nvPr>
+        </p:nvSpPr>
+        <p:spPr/>
+        <p:txBody>
+          <a:bodyPr/>
+          <a:p>
+            <a:r>
+              <a:rPr lang="en-US"/>
+              <a:t>Small Language Models (SLMs) are specifically beneficial for edge computing because of their lightweight, efficient nature, and ability to run on devices with limited processing power and memory, like mobile devices, IoT devices, or embedded systems.</a:t>
+            </a:r>
+            <a:endParaRPr lang="en-US"/>
+          </a:p>
+        </p:txBody>
+      </p:sp>
+      <p:sp>
+        <p:nvSpPr>
+          <p:cNvPr id="4" name="Slide Number Placeholder 3"/>
+          <p:cNvSpPr>
+            <a:spLocks noGrp="1"/>
+          </p:cNvSpPr>
+          <p:nvPr>
+            <p:ph type="sldNum" sz="quarter" idx="12"/>
+          </p:nvPr>
+        </p:nvSpPr>
+        <p:spPr/>
+        <p:txBody>
+          <a:bodyPr/>
+          <a:p>
+            <a:fld id="{9B618960-8005-486C-9A75-10CB2AAC16F9}" type="slidenum">
+              <a:rPr lang="en-US" smtClean="0"/>
+            </a:fld>
+            <a:endParaRPr lang="en-US"/>
+          </a:p>
+        </p:txBody>
+      </p:sp>
+    </p:spTree>
+  </p:cSld>
+  <p:clrMapOvr>
+    <a:masterClrMapping/>
+  </p:clrMapOvr>
+</p:sld>
+</file>
+
+<file path=ppt/slides/slide35.xml><?xml version="1.0" encoding="utf-8"?>
+<p:sld xmlns:a="http://schemas.openxmlformats.org/drawingml/2006/main" xmlns:r="http://schemas.openxmlformats.org/officeDocument/2006/relationships" xmlns:p="http://schemas.openxmlformats.org/presentationml/2006/main">
+  <p:cSld>
+    <p:spTree>
+      <p:nvGrpSpPr>
+        <p:cNvPr id="1" name=""/>
+        <p:cNvGrpSpPr/>
+        <p:nvPr/>
+      </p:nvGrpSpPr>
+      <p:grpSpPr/>
+      <p:sp>
+        <p:nvSpPr>
+          <p:cNvPr id="2" name="Title 1"/>
+          <p:cNvSpPr>
+            <a:spLocks noGrp="1"/>
+          </p:cNvSpPr>
+          <p:nvPr>
+            <p:ph type="title"/>
+          </p:nvPr>
+        </p:nvSpPr>
+        <p:spPr/>
+        <p:txBody>
+          <a:bodyPr/>
+          <a:p>
+            <a:r>
+              <a:rPr lang="en-US"/>
+              <a:t>how SLM contribute to edge computing</a:t>
+            </a:r>
+            <a:endParaRPr lang="en-US"/>
+          </a:p>
+        </p:txBody>
+      </p:sp>
+      <p:sp>
+        <p:nvSpPr>
+          <p:cNvPr id="3" name="Content Placeholder 2"/>
+          <p:cNvSpPr>
+            <a:spLocks noGrp="1"/>
+          </p:cNvSpPr>
+          <p:nvPr>
+            <p:ph idx="1"/>
+          </p:nvPr>
+        </p:nvSpPr>
+        <p:spPr/>
+        <p:txBody>
+          <a:bodyPr>
+            <a:normAutofit fontScale="90000"/>
+          </a:bodyPr>
+          <a:p>
+            <a:r>
+              <a:rPr lang="en-US"/>
+              <a:t>Reduced Latency: Processes data locally, enabling fast, real-time responses.</a:t>
+            </a:r>
+            <a:endParaRPr lang="en-US"/>
+          </a:p>
+          <a:p>
+            <a:r>
+              <a:rPr lang="en-US"/>
+              <a:t>Enhanced Privacy: Keeps data on-device, improving privacy and security.</a:t>
+            </a:r>
+            <a:endParaRPr lang="en-US"/>
+          </a:p>
+          <a:p>
+            <a:r>
+              <a:rPr lang="en-US"/>
+              <a:t>Energy Efficiency: Uses minimal power, ideal for battery-operated devices.</a:t>
+            </a:r>
+            <a:endParaRPr lang="en-US"/>
+          </a:p>
+          <a:p>
+            <a:r>
+              <a:rPr lang="en-US"/>
+              <a:t>Cost-Effective Scalability: Reduces cloud dependency, enabling large-scale, affordable deployments.</a:t>
+            </a:r>
+            <a:endParaRPr lang="en-US"/>
+          </a:p>
+          <a:p>
+            <a:r>
+              <a:rPr lang="en-US"/>
+              <a:t>Offline Functionality: Operates without internet, suitable for remote or network-limited areas.</a:t>
+            </a:r>
+            <a:endParaRPr lang="en-US"/>
+          </a:p>
+          <a:p>
+            <a:r>
+              <a:rPr lang="en-US"/>
+              <a:t>Real-Time Decision-Making: Supports quick, localized analytics and actions, valuable for industrial IoT and other time-sensitive applications.</a:t>
+            </a:r>
+            <a:endParaRPr lang="en-US"/>
+          </a:p>
+        </p:txBody>
+      </p:sp>
+      <p:sp>
+        <p:nvSpPr>
+          <p:cNvPr id="4" name="Slide Number Placeholder 3"/>
+          <p:cNvSpPr>
+            <a:spLocks noGrp="1"/>
+          </p:cNvSpPr>
+          <p:nvPr>
+            <p:ph type="sldNum" sz="quarter" idx="12"/>
+          </p:nvPr>
+        </p:nvSpPr>
+        <p:spPr/>
+        <p:txBody>
+          <a:bodyPr/>
+          <a:p>
+            <a:fld id="{9B618960-8005-486C-9A75-10CB2AAC16F9}" type="slidenum">
+              <a:rPr lang="en-US" smtClean="0"/>
+            </a:fld>
+            <a:endParaRPr lang="en-US"/>
+          </a:p>
+        </p:txBody>
+      </p:sp>
+    </p:spTree>
+  </p:cSld>
+  <p:clrMapOvr>
+    <a:masterClrMapping/>
+  </p:clrMapOvr>
+</p:sld>
+</file>
+
+<file path=ppt/slides/slide36.xml><?xml version="1.0" encoding="utf-8"?>
+<p:sld xmlns:a="http://schemas.openxmlformats.org/drawingml/2006/main" xmlns:r="http://schemas.openxmlformats.org/officeDocument/2006/relationships" xmlns:p="http://schemas.openxmlformats.org/presentationml/2006/main">
+  <p:cSld>
+    <p:spTree>
+      <p:nvGrpSpPr>
+        <p:cNvPr id="1" name=""/>
+        <p:cNvGrpSpPr/>
+        <p:nvPr/>
+      </p:nvGrpSpPr>
+      <p:grpSpPr/>
+      <p:sp>
+        <p:nvSpPr>
+          <p:cNvPr id="2" name="Title 1"/>
+          <p:cNvSpPr>
+            <a:spLocks noGrp="1"/>
+          </p:cNvSpPr>
+          <p:nvPr>
+            <p:ph type="title"/>
+          </p:nvPr>
+        </p:nvSpPr>
+        <p:spPr/>
+        <p:txBody>
+          <a:bodyPr/>
+          <a:p>
+            <a:r>
+              <a:rPr lang="en-US"/>
+              <a:t>Use Cases of SLMs in Edge Computing</a:t>
+            </a:r>
+            <a:endParaRPr lang="en-US"/>
+          </a:p>
+        </p:txBody>
+      </p:sp>
+      <p:sp>
+        <p:nvSpPr>
+          <p:cNvPr id="3" name="Content Placeholder 2"/>
+          <p:cNvSpPr>
+            <a:spLocks noGrp="1"/>
+          </p:cNvSpPr>
+          <p:nvPr>
+            <p:ph idx="1"/>
+          </p:nvPr>
+        </p:nvSpPr>
+        <p:spPr/>
+        <p:txBody>
+          <a:bodyPr>
+            <a:normAutofit lnSpcReduction="20000"/>
+          </a:bodyPr>
+          <a:p>
+            <a:r>
+              <a:rPr lang="en-US"/>
+              <a:t>Voice Assistants: Running speech recognition or natural language understanding locally for quick and private responses.</a:t>
+            </a:r>
+            <a:endParaRPr lang="en-US"/>
+          </a:p>
+          <a:p>
+            <a:r>
+              <a:rPr lang="en-US"/>
+              <a:t>Predictive Text and Keyboard Apps: Fast and responsive predictive text suggestions on mobile devices.</a:t>
+            </a:r>
+            <a:endParaRPr lang="en-US"/>
+          </a:p>
+          <a:p>
+            <a:r>
+              <a:rPr lang="en-US"/>
+              <a:t>Industrial IoT: Real-time data processing for predictive maintenance or anomaly detection, reducing downtime and improving operational efficiency.</a:t>
+            </a:r>
+            <a:endParaRPr lang="en-US"/>
+          </a:p>
+          <a:p>
+            <a:r>
+              <a:rPr lang="en-US"/>
+              <a:t>Healthcare Devices: Processing patient data locally on wearable devices to provide immediate feedback without sending sensitive information to the cloud.</a:t>
+            </a:r>
+            <a:endParaRPr lang="en-US"/>
+          </a:p>
+          <a:p>
+            <a:pPr marL="0" indent="0">
+              <a:buNone/>
+            </a:pPr>
+            <a:endParaRPr lang="en-US"/>
+          </a:p>
+        </p:txBody>
+      </p:sp>
+      <p:sp>
+        <p:nvSpPr>
+          <p:cNvPr id="4" name="Slide Number Placeholder 3"/>
+          <p:cNvSpPr>
+            <a:spLocks noGrp="1"/>
+          </p:cNvSpPr>
+          <p:nvPr>
+            <p:ph type="sldNum" sz="quarter" idx="12"/>
+          </p:nvPr>
+        </p:nvSpPr>
+        <p:spPr/>
+        <p:txBody>
+          <a:bodyPr/>
+          <a:p>
+            <a:fld id="{9B618960-8005-486C-9A75-10CB2AAC16F9}" type="slidenum">
+              <a:rPr lang="en-US" smtClean="0"/>
+            </a:fld>
+            <a:endParaRPr lang="en-US"/>
+          </a:p>
+        </p:txBody>
+      </p:sp>
+    </p:spTree>
+  </p:cSld>
+  <p:clrMapOvr>
+    <a:masterClrMapping/>
+  </p:clrMapOvr>
+</p:sld>
+</file>
+
+<file path=ppt/slides/slide37.xml><?xml version="1.0" encoding="utf-8"?>
+<p:sld xmlns:a="http://schemas.openxmlformats.org/drawingml/2006/main" xmlns:r="http://schemas.openxmlformats.org/officeDocument/2006/relationships" xmlns:p="http://schemas.openxmlformats.org/presentationml/2006/main">
+  <p:cSld>
+    <p:spTree>
+      <p:nvGrpSpPr>
+        <p:cNvPr id="1" name=""/>
+        <p:cNvGrpSpPr/>
+        <p:nvPr/>
+      </p:nvGrpSpPr>
+      <p:grpSpPr/>
+      <p:sp>
+        <p:nvSpPr>
+          <p:cNvPr id="2" name="Title 1"/>
+          <p:cNvSpPr>
+            <a:spLocks noGrp="1"/>
+          </p:cNvSpPr>
+          <p:nvPr>
+            <p:ph type="title"/>
+          </p:nvPr>
+        </p:nvSpPr>
+        <p:spPr/>
+        <p:txBody>
+          <a:bodyPr/>
+          <a:p>
+            <a:r>
+              <a:rPr lang="en-US" sz="3600"/>
+              <a:t> Industrial IoT (IIoT) and Small Language Models (SLMs)</a:t>
+            </a:r>
+            <a:endParaRPr lang="en-US" sz="3600"/>
+          </a:p>
+        </p:txBody>
+      </p:sp>
+      <p:sp>
+        <p:nvSpPr>
+          <p:cNvPr id="3" name="Content Placeholder 2"/>
+          <p:cNvSpPr>
+            <a:spLocks noGrp="1"/>
+          </p:cNvSpPr>
+          <p:nvPr>
+            <p:ph idx="1"/>
+          </p:nvPr>
+        </p:nvSpPr>
+        <p:spPr/>
+        <p:txBody>
+          <a:bodyPr/>
+          <a:p>
+            <a:r>
+              <a:rPr lang="en-US"/>
+              <a:t>Small Language Models (SLMs) are deployed on edge devices to enable real-time processing and analysis of language data generated within industrial environments. </a:t>
+            </a:r>
+            <a:endParaRPr lang="en-US"/>
+          </a:p>
+        </p:txBody>
+      </p:sp>
+      <p:sp>
+        <p:nvSpPr>
+          <p:cNvPr id="4" name="Slide Number Placeholder 3"/>
+          <p:cNvSpPr>
+            <a:spLocks noGrp="1"/>
+          </p:cNvSpPr>
+          <p:nvPr>
+            <p:ph type="sldNum" sz="quarter" idx="12"/>
+          </p:nvPr>
+        </p:nvSpPr>
+        <p:spPr/>
+        <p:txBody>
+          <a:bodyPr/>
+          <a:p>
+            <a:fld id="{9B618960-8005-486C-9A75-10CB2AAC16F9}" type="slidenum">
+              <a:rPr lang="en-US" smtClean="0"/>
+            </a:fld>
+            <a:endParaRPr lang="en-US"/>
+          </a:p>
+        </p:txBody>
+      </p:sp>
+    </p:spTree>
+  </p:cSld>
+  <p:clrMapOvr>
+    <a:masterClrMapping/>
+  </p:clrMapOvr>
+</p:sld>
+</file>
+
+<file path=ppt/slides/slide38.xml><?xml version="1.0" encoding="utf-8"?>
+<p:sld xmlns:a="http://schemas.openxmlformats.org/drawingml/2006/main" xmlns:r="http://schemas.openxmlformats.org/officeDocument/2006/relationships" xmlns:p="http://schemas.openxmlformats.org/presentationml/2006/main">
+  <p:cSld>
+    <p:spTree>
+      <p:nvGrpSpPr>
+        <p:cNvPr id="1" name=""/>
+        <p:cNvGrpSpPr/>
+        <p:nvPr/>
+      </p:nvGrpSpPr>
+      <p:grpSpPr/>
+      <p:sp>
+        <p:nvSpPr>
+          <p:cNvPr id="2" name="Title 1"/>
+          <p:cNvSpPr>
+            <a:spLocks noGrp="1"/>
+          </p:cNvSpPr>
+          <p:nvPr>
+            <p:ph type="title"/>
+          </p:nvPr>
+        </p:nvSpPr>
+        <p:spPr/>
+        <p:txBody>
+          <a:bodyPr>
+            <a:normAutofit fontScale="90000"/>
+          </a:bodyPr>
+          <a:p>
+            <a:r>
+              <a:rPr lang="en-US"/>
+              <a:t>Use cases where SLMs enhance IIoT applications</a:t>
+            </a:r>
+            <a:endParaRPr lang="en-US"/>
+          </a:p>
+        </p:txBody>
+      </p:sp>
+      <p:sp>
+        <p:nvSpPr>
+          <p:cNvPr id="3" name="Content Placeholder 2"/>
+          <p:cNvSpPr>
+            <a:spLocks noGrp="1"/>
+          </p:cNvSpPr>
+          <p:nvPr>
+            <p:ph idx="1"/>
+          </p:nvPr>
+        </p:nvSpPr>
+        <p:spPr/>
+        <p:txBody>
+          <a:bodyPr>
+            <a:normAutofit fontScale="90000" lnSpcReduction="10000"/>
+          </a:bodyPr>
+          <a:p>
+            <a:r>
+              <a:rPr lang="en-US"/>
+              <a:t>Predictive Maintenance</a:t>
+            </a:r>
+            <a:endParaRPr lang="en-US"/>
+          </a:p>
+          <a:p>
+            <a:pPr lvl="1"/>
+            <a:r>
+              <a:rPr lang="en-US"/>
+              <a:t>Role of SLMs: SLMs can analyze equipment logs, sensor readings, and technician notes directly on the edge, identifying patterns and predicting failures before they happen.</a:t>
+            </a:r>
+            <a:endParaRPr lang="en-US"/>
+          </a:p>
+          <a:p>
+            <a:pPr lvl="1"/>
+            <a:r>
+              <a:rPr lang="en-US"/>
+              <a:t>Benefit: By processing data locally, SLMs enable real-time alerts and rapid decision-making, reducing unplanned downtime and maintenance costs.</a:t>
+            </a:r>
+            <a:endParaRPr lang="en-US"/>
+          </a:p>
+          <a:p>
+            <a:r>
+              <a:rPr lang="en-US"/>
+              <a:t>Anomaly Detection in Production</a:t>
+            </a:r>
+            <a:endParaRPr lang="en-US"/>
+          </a:p>
+          <a:p>
+            <a:pPr lvl="1"/>
+            <a:r>
+              <a:rPr lang="en-US"/>
+              <a:t>Role of SLMs: SLMs process structured and unstructured data from sensors or machine logs, detecting unusual patterns that could indicate malfunctions or inefficiencies.</a:t>
+            </a:r>
+            <a:endParaRPr lang="en-US"/>
+          </a:p>
+          <a:p>
+            <a:pPr lvl="1"/>
+            <a:r>
+              <a:rPr lang="en-US"/>
+              <a:t>Benefit: Early detection of issues helps avoid production halts, improve quality control, and maintain consistent product quality by taking immediate corrective actions.</a:t>
+            </a:r>
+            <a:endParaRPr lang="en-US"/>
+          </a:p>
+        </p:txBody>
+      </p:sp>
+      <p:sp>
+        <p:nvSpPr>
+          <p:cNvPr id="4" name="Slide Number Placeholder 3"/>
+          <p:cNvSpPr>
+            <a:spLocks noGrp="1"/>
+          </p:cNvSpPr>
+          <p:nvPr>
+            <p:ph type="sldNum" sz="quarter" idx="12"/>
+          </p:nvPr>
+        </p:nvSpPr>
+        <p:spPr/>
+        <p:txBody>
+          <a:bodyPr/>
+          <a:p>
+            <a:fld id="{9B618960-8005-486C-9A75-10CB2AAC16F9}" type="slidenum">
+              <a:rPr lang="en-US" smtClean="0"/>
+            </a:fld>
+            <a:endParaRPr lang="en-US"/>
+          </a:p>
+        </p:txBody>
+      </p:sp>
+    </p:spTree>
+  </p:cSld>
+  <p:clrMapOvr>
+    <a:masterClrMapping/>
+  </p:clrMapOvr>
+</p:sld>
+</file>
+
+<file path=ppt/slides/slide39.xml><?xml version="1.0" encoding="utf-8"?>
+<p:sld xmlns:a="http://schemas.openxmlformats.org/drawingml/2006/main" xmlns:r="http://schemas.openxmlformats.org/officeDocument/2006/relationships" xmlns:p="http://schemas.openxmlformats.org/presentationml/2006/main">
+  <p:cSld>
+    <p:spTree>
+      <p:nvGrpSpPr>
+        <p:cNvPr id="1" name=""/>
+        <p:cNvGrpSpPr/>
+        <p:nvPr/>
+      </p:nvGrpSpPr>
+      <p:grpSpPr/>
+      <p:sp>
+        <p:nvSpPr>
+          <p:cNvPr id="2" name="Title 1"/>
+          <p:cNvSpPr>
+            <a:spLocks noGrp="1"/>
+          </p:cNvSpPr>
+          <p:nvPr>
+            <p:ph type="title"/>
+          </p:nvPr>
+        </p:nvSpPr>
+        <p:spPr/>
+        <p:txBody>
+          <a:bodyPr>
+            <a:normAutofit fontScale="90000"/>
+          </a:bodyPr>
+          <a:p>
+            <a:r>
+              <a:rPr lang="en-US">
+                <a:sym typeface="+mn-ea"/>
+              </a:rPr>
+              <a:t>Use cases where SLMs enhance IIoT applications</a:t>
+            </a:r>
+            <a:endParaRPr lang="en-US"/>
+          </a:p>
+        </p:txBody>
+      </p:sp>
+      <p:sp>
+        <p:nvSpPr>
+          <p:cNvPr id="3" name="Content Placeholder 2"/>
+          <p:cNvSpPr>
+            <a:spLocks noGrp="1"/>
+          </p:cNvSpPr>
+          <p:nvPr>
+            <p:ph idx="1"/>
+          </p:nvPr>
+        </p:nvSpPr>
+        <p:spPr/>
+        <p:txBody>
+          <a:bodyPr>
+            <a:normAutofit fontScale="80000"/>
+          </a:bodyPr>
+          <a:p>
+            <a:r>
+              <a:rPr lang="en-US"/>
+              <a:t>Natural Language Interfaces for Technicians</a:t>
+            </a:r>
+            <a:endParaRPr lang="en-US"/>
+          </a:p>
+          <a:p>
+            <a:pPr lvl="1"/>
+            <a:r>
+              <a:rPr lang="en-US"/>
+              <a:t>Role of SLMs: SLMs power on-device voice assistants or text-based interfaces, allowing technicians to query equipment or receive diagnostic information using natural language.</a:t>
+            </a:r>
+            <a:endParaRPr lang="en-US"/>
+          </a:p>
+          <a:p>
+            <a:pPr lvl="1"/>
+            <a:r>
+              <a:rPr lang="en-US"/>
+              <a:t>Benefit: Voice or text interaction simplifies troubleshooting and operation, making complex industrial processes more accessible and reducing training time for operators.</a:t>
+            </a:r>
+            <a:endParaRPr lang="en-US"/>
+          </a:p>
+          <a:p>
+            <a:r>
+              <a:rPr lang="en-US"/>
+              <a:t>Automated Reporting and Documentation</a:t>
+            </a:r>
+            <a:endParaRPr lang="en-US"/>
+          </a:p>
+          <a:p>
+            <a:pPr lvl="1"/>
+            <a:r>
+              <a:rPr lang="en-US"/>
+              <a:t>Role of SLMs: SLMs automatically generate and update reports based on real-time data from sensors and human input, summarizing maintenance actions, production stats, and system health.</a:t>
+            </a:r>
+            <a:endParaRPr lang="en-US"/>
+          </a:p>
+          <a:p>
+            <a:pPr lvl="1"/>
+            <a:r>
+              <a:rPr lang="en-US"/>
+              <a:t>Benefit: This saves time and reduces errors, enabling managers and engineers to quickly review operational data without needing a centralized reporting infrastructure.</a:t>
+            </a:r>
+            <a:endParaRPr lang="en-US"/>
+          </a:p>
+        </p:txBody>
+      </p:sp>
+      <p:sp>
+        <p:nvSpPr>
+          <p:cNvPr id="4" name="Slide Number Placeholder 3"/>
+          <p:cNvSpPr>
+            <a:spLocks noGrp="1"/>
+          </p:cNvSpPr>
+          <p:nvPr>
+            <p:ph type="sldNum" sz="quarter" idx="12"/>
+          </p:nvPr>
+        </p:nvSpPr>
+        <p:spPr/>
+        <p:txBody>
+          <a:bodyPr/>
+          <a:p>
+            <a:fld id="{9B618960-8005-486C-9A75-10CB2AAC16F9}" type="slidenum">
+              <a:rPr lang="en-US" smtClean="0"/>
+            </a:fld>
+            <a:endParaRPr lang="en-US"/>
+          </a:p>
+        </p:txBody>
+      </p:sp>
+    </p:spTree>
+  </p:cSld>
+  <p:clrMapOvr>
+    <a:masterClrMapping/>
+  </p:clrMapOvr>
+</p:sld>
+</file>
+
+<file path=ppt/slides/slide4.xml><?xml version="1.0" encoding="utf-8"?>
+<p:sld xmlns:a="http://schemas.openxmlformats.org/drawingml/2006/main" xmlns:r="http://schemas.openxmlformats.org/officeDocument/2006/relationships" xmlns:p="http://schemas.openxmlformats.org/presentationml/2006/main">
+  <p:cSld>
+    <p:spTree>
+      <p:nvGrpSpPr>
+        <p:cNvPr id="1" name=""/>
+        <p:cNvGrpSpPr/>
+        <p:nvPr/>
+      </p:nvGrpSpPr>
+      <p:grpSpPr/>
+      <p:sp>
+        <p:nvSpPr>
+          <p:cNvPr id="2" name="Title 1"/>
+          <p:cNvSpPr>
+            <a:spLocks noGrp="1"/>
+          </p:cNvSpPr>
+          <p:nvPr>
+            <p:ph type="title"/>
+          </p:nvPr>
+        </p:nvSpPr>
+        <p:spPr/>
+        <p:txBody>
+          <a:bodyPr/>
+          <a:p>
+            <a:r>
+              <a:rPr lang="en-US">
+                <a:sym typeface="+mn-ea"/>
+              </a:rPr>
+              <a:t>Transfer learning</a:t>
+            </a:r>
+            <a:endParaRPr lang="en-US"/>
+          </a:p>
+        </p:txBody>
+      </p:sp>
+      <p:sp>
+        <p:nvSpPr>
+          <p:cNvPr id="3" name="Content Placeholder 2"/>
+          <p:cNvSpPr>
+            <a:spLocks noGrp="1"/>
+          </p:cNvSpPr>
+          <p:nvPr>
+            <p:ph idx="1"/>
+          </p:nvPr>
+        </p:nvSpPr>
+        <p:spPr/>
+        <p:txBody>
+          <a:bodyPr>
+            <a:normAutofit lnSpcReduction="10000"/>
+          </a:bodyPr>
+          <a:p>
+            <a:r>
+              <a:rPr lang="en-US"/>
+              <a:t>Transfer learning involves taking a pre-trained model (usually trained on a large dataset) and fine-tuning it on a smaller, task-specific dataset. </a:t>
+            </a:r>
+            <a:endParaRPr lang="en-US"/>
+          </a:p>
+          <a:p>
+            <a:r>
+              <a:rPr lang="en-US"/>
+              <a:t>This can significantly reduce the time and resources needed to train a model from scratch and can lead to better performance, especially in scenarios where data is scarce.</a:t>
+            </a:r>
+            <a:endParaRPr lang="en-US"/>
+          </a:p>
+          <a:p>
+            <a:r>
+              <a:rPr lang="en-US"/>
+              <a:t>Transfer learning is commonly used in various applications, such as natural language processing (NLP) and computer vision, where models like BERT or ResNet are pre-trained on large datasets and then adapted for specific tasks like sentiment analysis or image classification.</a:t>
+            </a:r>
+            <a:endParaRPr lang="en-US"/>
+          </a:p>
+        </p:txBody>
+      </p:sp>
+      <p:sp>
+        <p:nvSpPr>
+          <p:cNvPr id="4" name="Slide Number Placeholder 3"/>
+          <p:cNvSpPr>
+            <a:spLocks noGrp="1"/>
+          </p:cNvSpPr>
+          <p:nvPr>
+            <p:ph type="sldNum" sz="quarter" idx="12"/>
+          </p:nvPr>
+        </p:nvSpPr>
+        <p:spPr/>
+        <p:txBody>
+          <a:bodyPr/>
+          <a:p>
+            <a:fld id="{9B618960-8005-486C-9A75-10CB2AAC16F9}" type="slidenum">
+              <a:rPr lang="en-US" smtClean="0"/>
+            </a:fld>
+            <a:endParaRPr lang="en-US"/>
+          </a:p>
+        </p:txBody>
+      </p:sp>
+    </p:spTree>
+  </p:cSld>
+  <p:clrMapOvr>
+    <a:masterClrMapping/>
+  </p:clrMapOvr>
+</p:sld>
+</file>
+
+<file path=ppt/slides/slide40.xml><?xml version="1.0" encoding="utf-8"?>
 <p:sld xmlns:a="http://schemas.openxmlformats.org/drawingml/2006/main" xmlns:r="http://schemas.openxmlformats.org/officeDocument/2006/relationships" xmlns:p="http://schemas.openxmlformats.org/presentationml/2006/main">
   <p:cSld>
     <p:spTree>
@@ -5958,335 +11578,6 @@
       <p:sp>
         <p:nvSpPr>
           <p:cNvPr id="3" name="Slide Number Placeholder 2"/>
-          <p:cNvSpPr>
-            <a:spLocks noGrp="1"/>
-          </p:cNvSpPr>
-          <p:nvPr>
-            <p:ph type="sldNum" sz="quarter" idx="12"/>
-          </p:nvPr>
-        </p:nvSpPr>
-        <p:spPr/>
-        <p:txBody>
-          <a:bodyPr/>
-          <a:p>
-            <a:fld id="{9B618960-8005-486C-9A75-10CB2AAC16F9}" type="slidenum">
-              <a:rPr lang="en-US" smtClean="0"/>
-            </a:fld>
-            <a:endParaRPr lang="en-US"/>
-          </a:p>
-        </p:txBody>
-      </p:sp>
-    </p:spTree>
-  </p:cSld>
-  <p:clrMapOvr>
-    <a:masterClrMapping/>
-  </p:clrMapOvr>
-</p:sld>
-</file>
-
-<file path=ppt/slides/slide2.xml><?xml version="1.0" encoding="utf-8"?>
-<p:sld xmlns:a="http://schemas.openxmlformats.org/drawingml/2006/main" xmlns:r="http://schemas.openxmlformats.org/officeDocument/2006/relationships" xmlns:p="http://schemas.openxmlformats.org/presentationml/2006/main">
-  <p:cSld>
-    <p:spTree>
-      <p:nvGrpSpPr>
-        <p:cNvPr id="1" name=""/>
-        <p:cNvGrpSpPr/>
-        <p:nvPr/>
-      </p:nvGrpSpPr>
-      <p:grpSpPr>
-        <a:xfrm>
-          <a:off x="0" y="0"/>
-          <a:ext cx="0" cy="0"/>
-          <a:chOff x="0" y="0"/>
-          <a:chExt cx="0" cy="0"/>
-        </a:xfrm>
-      </p:grpSpPr>
-      <p:sp>
-        <p:nvSpPr>
-          <p:cNvPr id="7" name="Title 6"/>
-          <p:cNvSpPr>
-            <a:spLocks noGrp="1"/>
-          </p:cNvSpPr>
-          <p:nvPr>
-            <p:ph type="title"/>
-          </p:nvPr>
-        </p:nvSpPr>
-        <p:spPr>
-          <a:xfrm>
-            <a:off x="804672" y="4267833"/>
-            <a:ext cx="4805996" cy="1297115"/>
-          </a:xfrm>
-        </p:spPr>
-        <p:txBody>
-          <a:bodyPr vert="horz" wrap="square" lIns="91440" tIns="45720" rIns="91440" bIns="45720" numCol="1" rtlCol="0" anchor="t" anchorCtr="0" compatLnSpc="1">
-            <a:normAutofit fontScale="90000"/>
-          </a:bodyPr>
-          <a:lstStyle/>
-          <a:p>
-            <a:r>
-              <a:rPr lang="en-US" kern="1200">
-                <a:latin typeface="+mj-lt"/>
-                <a:cs typeface="+mj-cs"/>
-              </a:rPr>
-              <a:t>Transfer learning </a:t>
-            </a:r>
-            <a:endParaRPr lang="en-US" kern="1200">
-              <a:latin typeface="+mj-lt"/>
-              <a:cs typeface="+mj-cs"/>
-            </a:endParaRPr>
-          </a:p>
-        </p:txBody>
-      </p:sp>
-      <p:pic>
-        <p:nvPicPr>
-          <p:cNvPr id="11" name="Graphic 10" descr="Head with Gears"/>
-          <p:cNvPicPr>
-            <a:picLocks noChangeAspect="1"/>
-          </p:cNvPicPr>
-          <p:nvPr/>
-        </p:nvPicPr>
-        <p:blipFill>
-          <a:blip r:embed="rId1">
-            <a:extLst>
-              <a:ext uri="{28A0092B-C50C-407E-A947-70E740481C1C}">
-                <a14:useLocalDpi xmlns:a14="http://schemas.microsoft.com/office/drawing/2010/main" val="0"/>
-              </a:ext>
-              <a:ext uri="{96DAC541-7B7A-43D3-8B79-37D633B846F1}">
-                <asvg:svgBlip xmlns:asvg="http://schemas.microsoft.com/office/drawing/2016/SVG/main" r:embed="rId2"/>
-              </a:ext>
-            </a:extLst>
-          </a:blip>
-          <a:stretch>
-            <a:fillRect/>
-          </a:stretch>
-        </p:blipFill>
-        <p:spPr>
-          <a:xfrm>
-            <a:off x="7729652" y="1859077"/>
-            <a:ext cx="3821103" cy="3821103"/>
-          </a:xfrm>
-          <a:prstGeom prst="rect">
-            <a:avLst/>
-          </a:prstGeom>
-        </p:spPr>
-      </p:pic>
-      <p:sp>
-        <p:nvSpPr>
-          <p:cNvPr id="4" name="Slide Number Placeholder 3"/>
-          <p:cNvSpPr>
-            <a:spLocks noGrp="1"/>
-          </p:cNvSpPr>
-          <p:nvPr>
-            <p:ph type="sldNum" sz="quarter" idx="12"/>
-          </p:nvPr>
-        </p:nvSpPr>
-        <p:spPr>
-          <a:xfrm>
-            <a:off x="8610600" y="6356351"/>
-            <a:ext cx="2743200" cy="365125"/>
-          </a:xfrm>
-        </p:spPr>
-        <p:txBody>
-          <a:bodyPr vert="horz" wrap="square" lIns="91440" tIns="45720" rIns="91440" bIns="45720" numCol="1" rtlCol="0" anchor="ctr" anchorCtr="0" compatLnSpc="1">
-            <a:normAutofit/>
-          </a:bodyPr>
-          <a:lstStyle/>
-          <a:p>
-            <a:pPr>
-              <a:spcAft>
-                <a:spcPts val="450"/>
-              </a:spcAft>
-            </a:pPr>
-            <a:fld id="{421A874C-C492-400B-AE61-4CFB05366FBC}" type="slidenum">
-              <a:rPr lang="en-US" sz="1600" smtClean="0"/>
-            </a:fld>
-            <a:endParaRPr lang="en-US" sz="1600"/>
-          </a:p>
-        </p:txBody>
-      </p:sp>
-    </p:spTree>
-  </p:cSld>
-  <p:clrMapOvr>
-    <a:masterClrMapping/>
-  </p:clrMapOvr>
-</p:sld>
-</file>
-
-<file path=ppt/slides/slide3.xml><?xml version="1.0" encoding="utf-8"?>
-<p:sld xmlns:a="http://schemas.openxmlformats.org/drawingml/2006/main" xmlns:r="http://schemas.openxmlformats.org/officeDocument/2006/relationships" xmlns:p="http://schemas.openxmlformats.org/presentationml/2006/main">
-  <p:cSld>
-    <p:spTree>
-      <p:nvGrpSpPr>
-        <p:cNvPr id="1" name=""/>
-        <p:cNvGrpSpPr/>
-        <p:nvPr/>
-      </p:nvGrpSpPr>
-      <p:grpSpPr/>
-      <p:sp>
-        <p:nvSpPr>
-          <p:cNvPr id="2" name="Title 1"/>
-          <p:cNvSpPr>
-            <a:spLocks noGrp="1"/>
-          </p:cNvSpPr>
-          <p:nvPr>
-            <p:ph type="title"/>
-          </p:nvPr>
-        </p:nvSpPr>
-        <p:spPr/>
-        <p:txBody>
-          <a:bodyPr/>
-          <a:p>
-            <a:r>
-              <a:rPr lang="en-US">
-                <a:sym typeface="+mn-ea"/>
-              </a:rPr>
-              <a:t>Transfer learning</a:t>
-            </a:r>
-            <a:endParaRPr lang="en-US"/>
-          </a:p>
-        </p:txBody>
-      </p:sp>
-      <p:sp>
-        <p:nvSpPr>
-          <p:cNvPr id="3" name="Content Placeholder 2"/>
-          <p:cNvSpPr>
-            <a:spLocks noGrp="1"/>
-          </p:cNvSpPr>
-          <p:nvPr>
-            <p:ph idx="1"/>
-          </p:nvPr>
-        </p:nvSpPr>
-        <p:spPr/>
-        <p:txBody>
-          <a:bodyPr/>
-          <a:p>
-            <a:r>
-              <a:rPr lang="en-US"/>
-              <a:t>Transfer learning is a machine learning technique where a model developed for a particular task is reused as the starting point for a model on a second task. </a:t>
-            </a:r>
-            <a:endParaRPr lang="en-US"/>
-          </a:p>
-          <a:p>
-            <a:r>
-              <a:rPr lang="en-US"/>
-              <a:t>This approach is particularly useful </a:t>
-            </a:r>
-            <a:r>
-              <a:rPr lang="en-US" u="sng"/>
-              <a:t>when the second task has limited data available</a:t>
-            </a:r>
-            <a:r>
-              <a:rPr lang="en-US"/>
-              <a:t>, as it allows the model to leverage the knowledge gained from the first task, which typically has a larger dataset.</a:t>
-            </a:r>
-            <a:endParaRPr lang="en-US"/>
-          </a:p>
-        </p:txBody>
-      </p:sp>
-      <p:sp>
-        <p:nvSpPr>
-          <p:cNvPr id="4" name="Slide Number Placeholder 3"/>
-          <p:cNvSpPr>
-            <a:spLocks noGrp="1"/>
-          </p:cNvSpPr>
-          <p:nvPr>
-            <p:ph type="sldNum" sz="quarter" idx="12"/>
-          </p:nvPr>
-        </p:nvSpPr>
-        <p:spPr/>
-        <p:txBody>
-          <a:bodyPr/>
-          <a:p>
-            <a:fld id="{9B618960-8005-486C-9A75-10CB2AAC16F9}" type="slidenum">
-              <a:rPr lang="en-US" smtClean="0"/>
-            </a:fld>
-            <a:endParaRPr lang="en-US"/>
-          </a:p>
-        </p:txBody>
-      </p:sp>
-    </p:spTree>
-  </p:cSld>
-  <p:clrMapOvr>
-    <a:masterClrMapping/>
-  </p:clrMapOvr>
-</p:sld>
-</file>
-
-<file path=ppt/slides/slide4.xml><?xml version="1.0" encoding="utf-8"?>
-<p:sld xmlns:a="http://schemas.openxmlformats.org/drawingml/2006/main" xmlns:r="http://schemas.openxmlformats.org/officeDocument/2006/relationships" xmlns:p="http://schemas.openxmlformats.org/presentationml/2006/main">
-  <p:cSld>
-    <p:spTree>
-      <p:nvGrpSpPr>
-        <p:cNvPr id="1" name=""/>
-        <p:cNvGrpSpPr/>
-        <p:nvPr/>
-      </p:nvGrpSpPr>
-      <p:grpSpPr/>
-      <p:sp>
-        <p:nvSpPr>
-          <p:cNvPr id="2" name="Title 1"/>
-          <p:cNvSpPr>
-            <a:spLocks noGrp="1"/>
-          </p:cNvSpPr>
-          <p:nvPr>
-            <p:ph type="title"/>
-          </p:nvPr>
-        </p:nvSpPr>
-        <p:spPr/>
-        <p:txBody>
-          <a:bodyPr/>
-          <a:p>
-            <a:r>
-              <a:rPr lang="en-US">
-                <a:sym typeface="+mn-ea"/>
-              </a:rPr>
-              <a:t>Transfer learning</a:t>
-            </a:r>
-            <a:endParaRPr lang="en-US"/>
-          </a:p>
-        </p:txBody>
-      </p:sp>
-      <p:sp>
-        <p:nvSpPr>
-          <p:cNvPr id="3" name="Content Placeholder 2"/>
-          <p:cNvSpPr>
-            <a:spLocks noGrp="1"/>
-          </p:cNvSpPr>
-          <p:nvPr>
-            <p:ph idx="1"/>
-          </p:nvPr>
-        </p:nvSpPr>
-        <p:spPr/>
-        <p:txBody>
-          <a:bodyPr>
-            <a:normAutofit lnSpcReduction="10000"/>
-          </a:bodyPr>
-          <a:p>
-            <a:r>
-              <a:rPr lang="en-US"/>
-              <a:t>Transfer learning involves taking a pre-trained model (usually trained on a large dataset) and fine-tuning it on a smaller, task-specific dataset. </a:t>
-            </a:r>
-            <a:endParaRPr lang="en-US"/>
-          </a:p>
-          <a:p>
-            <a:r>
-              <a:rPr lang="en-US"/>
-              <a:t>This can significantly reduce the time and resources needed to train a model from scratch and can lead to better performance, especially in scenarios where data is scarce.</a:t>
-            </a:r>
-            <a:endParaRPr lang="en-US"/>
-          </a:p>
-          <a:p>
-            <a:r>
-              <a:rPr lang="en-US"/>
-              <a:t>Transfer learning is commonly used in various applications, such as natural language processing (NLP) and computer vision, where models like BERT or ResNet are pre-trained on large datasets and then adapted for specific tasks like sentiment analysis or image classification.</a:t>
-            </a:r>
-            <a:endParaRPr lang="en-US"/>
-          </a:p>
-        </p:txBody>
-      </p:sp>
-      <p:sp>
-        <p:nvSpPr>
-          <p:cNvPr id="4" name="Slide Number Placeholder 3"/>
           <p:cNvSpPr>
             <a:spLocks noGrp="1"/>
           </p:cNvSpPr>
@@ -6679,7 +11970,7 @@
           <a:p>
             <a:r>
               <a:rPr lang="en-US"/>
-              <a:t>three different strategies for training CNNs</a:t>
+              <a:t>Three different strategies for training CNNs</a:t>
             </a:r>
             <a:endParaRPr lang="en-US"/>
           </a:p>
@@ -6702,10 +11993,10 @@
           </a:bodyPr>
           <a:p>
             <a:r>
-              <a:rPr lang="en-US"/>
+              <a:rPr lang="en-US" b="1"/>
               <a:t>Strategy 1: Train the Entire Model</a:t>
             </a:r>
-            <a:endParaRPr lang="en-US"/>
+            <a:endParaRPr lang="en-US" b="1"/>
           </a:p>
           <a:p>
             <a:pPr lvl="1"/>
@@ -6733,10 +12024,10 @@
           </a:p>
           <a:p>
             <a:r>
-              <a:rPr lang="en-US"/>
+              <a:rPr lang="en-US" b="1"/>
               <a:t>Strategy 2: Train Some Layers and Freeze Others</a:t>
             </a:r>
-            <a:endParaRPr lang="en-US"/>
+            <a:endParaRPr lang="en-US" b="1"/>
           </a:p>
           <a:p>
             <a:pPr lvl="1"/>
@@ -6764,10 +12055,10 @@
           </a:p>
           <a:p>
             <a:r>
-              <a:rPr lang="en-US"/>
+              <a:rPr lang="en-US" b="1"/>
               <a:t>Strategy 3: Freeze the Convolutional Base</a:t>
             </a:r>
-            <a:endParaRPr lang="en-US"/>
+            <a:endParaRPr lang="en-US" b="1"/>
           </a:p>
           <a:p>
             <a:pPr lvl="1"/>
@@ -6963,6 +12254,20 @@
     <a:masterClrMapping/>
   </p:clrMapOvr>
 </p:sld>
+</file>
+
+<file path=ppt/tags/tag1.xml><?xml version="1.0" encoding="utf-8"?>
+<p:tagLst xmlns:p="http://schemas.openxmlformats.org/presentationml/2006/main">
+  <p:tag name="TABLE_ENDDRAG_ORIGIN_RECT" val="921*378"/>
+  <p:tag name="TABLE_ENDDRAG_RECT" val="23*122*921*378"/>
+</p:tagLst>
+</file>
+
+<file path=ppt/tags/tag2.xml><?xml version="1.0" encoding="utf-8"?>
+<p:tagLst xmlns:p="http://schemas.openxmlformats.org/presentationml/2006/main">
+  <p:tag name="TABLE_ENDDRAG_ORIGIN_RECT" val="900*321"/>
+  <p:tag name="TABLE_ENDDRAG_RECT" val="30*155*900*321"/>
+</p:tagLst>
 </file>
 
 <file path=ppt/theme/theme1.xml><?xml version="1.0" encoding="utf-8"?>
